--- a/04-refactoring_cookbooks_with_tests.pptx
+++ b/04-refactoring_cookbooks_with_tests.pptx
@@ -5300,23 +5300,7 @@
             </a:r>
             <a:r>
               <a:rPr lang="en-US" baseline="0" dirty="0" smtClean="0"/>
-              <a:t> initial implementation of the default recipe for the </a:t>
-            </a:r>
-            <a:r>
-              <a:rPr lang="en-US" baseline="0" dirty="0" smtClean="0"/>
-              <a:t>apache </a:t>
-            </a:r>
-            <a:r>
-              <a:rPr lang="en-US" baseline="0" dirty="0" smtClean="0"/>
-              <a:t>cookbook defined the entire installation, configuration, and management of the service within a single recipe. This implementation has the benefit of being entirely readable from a single recipe. However, it does not easily allow for other cookbooks that may want to use the </a:t>
-            </a:r>
-            <a:r>
-              <a:rPr lang="en-US" baseline="0" dirty="0" smtClean="0"/>
-              <a:t>apache </a:t>
-            </a:r>
-            <a:r>
-              <a:rPr lang="en-US" baseline="0" dirty="0" smtClean="0"/>
-              <a:t>cookbook to easily choose the components that it may need.</a:t>
+              <a:t> initial implementation of the default recipe for the apache cookbook defined the entire installation, configuration, and management of the service within a single recipe. This implementation has the benefit of being entirely readable from a single recipe. However, it does not easily allow for other cookbooks that may want to use the apache cookbook to easily choose the components that it may need.</a:t>
             </a:r>
           </a:p>
           <a:p>
@@ -8408,14 +8392,14 @@
           </a:ln>
           <a:extLst>
             <a:ext uri="{909E8E84-426E-40dd-AFC4-6F175D3DCCD1}">
-              <a14:hiddenFill xmlns:a14="http://schemas.microsoft.com/office/drawing/2010/main" xmlns="">
+              <a14:hiddenFill xmlns="" xmlns:a14="http://schemas.microsoft.com/office/drawing/2010/main">
                 <a:solidFill>
                   <a:srgbClr val="FFFFFF"/>
                 </a:solidFill>
               </a14:hiddenFill>
             </a:ext>
             <a:ext uri="{91240B29-F687-4f45-9708-019B960494DF}">
-              <a14:hiddenLine xmlns:a14="http://schemas.microsoft.com/office/drawing/2010/main" xmlns="" w="9525">
+              <a14:hiddenLine xmlns="" xmlns:a14="http://schemas.microsoft.com/office/drawing/2010/main" w="9525">
                 <a:solidFill>
                   <a:srgbClr val="000000"/>
                 </a:solidFill>
@@ -8563,14 +8547,14 @@
           </a:ln>
           <a:extLst>
             <a:ext uri="{909E8E84-426E-40dd-AFC4-6F175D3DCCD1}">
-              <a14:hiddenFill xmlns:a14="http://schemas.microsoft.com/office/drawing/2010/main" xmlns="">
+              <a14:hiddenFill xmlns="" xmlns:a14="http://schemas.microsoft.com/office/drawing/2010/main">
                 <a:solidFill>
                   <a:srgbClr val="FFFFFF"/>
                 </a:solidFill>
               </a14:hiddenFill>
             </a:ext>
             <a:ext uri="{91240B29-F687-4f45-9708-019B960494DF}">
-              <a14:hiddenLine xmlns:a14="http://schemas.microsoft.com/office/drawing/2010/main" xmlns="" w="9525">
+              <a14:hiddenLine xmlns="" xmlns:a14="http://schemas.microsoft.com/office/drawing/2010/main" w="9525">
                 <a:solidFill>
                   <a:srgbClr val="000000"/>
                 </a:solidFill>
@@ -9061,14 +9045,14 @@
           </a:ln>
           <a:extLst>
             <a:ext uri="{909E8E84-426E-40dd-AFC4-6F175D3DCCD1}">
-              <a14:hiddenFill xmlns:a14="http://schemas.microsoft.com/office/drawing/2010/main" xmlns="">
+              <a14:hiddenFill xmlns="" xmlns:a14="http://schemas.microsoft.com/office/drawing/2010/main">
                 <a:solidFill>
                   <a:srgbClr val="FFFFFF"/>
                 </a:solidFill>
               </a14:hiddenFill>
             </a:ext>
             <a:ext uri="{91240B29-F687-4f45-9708-019B960494DF}">
-              <a14:hiddenLine xmlns:a14="http://schemas.microsoft.com/office/drawing/2010/main" xmlns="" w="9525">
+              <a14:hiddenLine xmlns="" xmlns:a14="http://schemas.microsoft.com/office/drawing/2010/main" w="9525">
                 <a:solidFill>
                   <a:srgbClr val="000000"/>
                 </a:solidFill>
@@ -10517,14 +10501,14 @@
           </a:ln>
           <a:extLst>
             <a:ext uri="{909E8E84-426E-40dd-AFC4-6F175D3DCCD1}">
-              <a14:hiddenFill xmlns:a14="http://schemas.microsoft.com/office/drawing/2010/main" xmlns="">
+              <a14:hiddenFill xmlns="" xmlns:a14="http://schemas.microsoft.com/office/drawing/2010/main">
                 <a:solidFill>
                   <a:srgbClr val="FFFFFF"/>
                 </a:solidFill>
               </a14:hiddenFill>
             </a:ext>
             <a:ext uri="{91240B29-F687-4f45-9708-019B960494DF}">
-              <a14:hiddenLine xmlns:a14="http://schemas.microsoft.com/office/drawing/2010/main" xmlns="" w="9525">
+              <a14:hiddenLine xmlns="" xmlns:a14="http://schemas.microsoft.com/office/drawing/2010/main" w="9525">
                 <a:solidFill>
                   <a:srgbClr val="000000"/>
                 </a:solidFill>
@@ -11878,14 +11862,14 @@
           </a:ln>
           <a:extLst>
             <a:ext uri="{909E8E84-426E-40dd-AFC4-6F175D3DCCD1}">
-              <a14:hiddenFill xmlns:a14="http://schemas.microsoft.com/office/drawing/2010/main" xmlns="">
+              <a14:hiddenFill xmlns="" xmlns:a14="http://schemas.microsoft.com/office/drawing/2010/main">
                 <a:solidFill>
                   <a:srgbClr val="FFFFFF"/>
                 </a:solidFill>
               </a14:hiddenFill>
             </a:ext>
             <a:ext uri="{91240B29-F687-4f45-9708-019B960494DF}">
-              <a14:hiddenLine xmlns:a14="http://schemas.microsoft.com/office/drawing/2010/main" xmlns="" w="9525">
+              <a14:hiddenLine xmlns="" xmlns:a14="http://schemas.microsoft.com/office/drawing/2010/main" w="9525">
                 <a:solidFill>
                   <a:srgbClr val="000000"/>
                 </a:solidFill>
@@ -12443,14 +12427,14 @@
           </a:ln>
           <a:extLst>
             <a:ext uri="{909E8E84-426E-40dd-AFC4-6F175D3DCCD1}">
-              <a14:hiddenFill xmlns:a14="http://schemas.microsoft.com/office/drawing/2010/main" xmlns="">
+              <a14:hiddenFill xmlns="" xmlns:a14="http://schemas.microsoft.com/office/drawing/2010/main">
                 <a:solidFill>
                   <a:srgbClr val="FFFFFF"/>
                 </a:solidFill>
               </a14:hiddenFill>
             </a:ext>
             <a:ext uri="{91240B29-F687-4f45-9708-019B960494DF}">
-              <a14:hiddenLine xmlns:a14="http://schemas.microsoft.com/office/drawing/2010/main" xmlns="" w="9525">
+              <a14:hiddenLine xmlns="" xmlns:a14="http://schemas.microsoft.com/office/drawing/2010/main" w="9525">
                 <a:solidFill>
                   <a:srgbClr val="000000"/>
                 </a:solidFill>
@@ -13017,14 +13001,14 @@
           </a:ln>
           <a:extLst>
             <a:ext uri="{909E8E84-426E-40dd-AFC4-6F175D3DCCD1}">
-              <a14:hiddenFill xmlns:a14="http://schemas.microsoft.com/office/drawing/2010/main" xmlns="">
+              <a14:hiddenFill xmlns="" xmlns:a14="http://schemas.microsoft.com/office/drawing/2010/main">
                 <a:solidFill>
                   <a:srgbClr val="FFFFFF"/>
                 </a:solidFill>
               </a14:hiddenFill>
             </a:ext>
             <a:ext uri="{91240B29-F687-4f45-9708-019B960494DF}">
-              <a14:hiddenLine xmlns:a14="http://schemas.microsoft.com/office/drawing/2010/main" xmlns="" w="9525">
+              <a14:hiddenLine xmlns="" xmlns:a14="http://schemas.microsoft.com/office/drawing/2010/main" w="9525">
                 <a:solidFill>
                   <a:srgbClr val="000000"/>
                 </a:solidFill>
@@ -13964,14 +13948,14 @@
           </a:ln>
           <a:extLst>
             <a:ext uri="{909E8E84-426E-40dd-AFC4-6F175D3DCCD1}">
-              <a14:hiddenFill xmlns:a14="http://schemas.microsoft.com/office/drawing/2010/main" xmlns="">
+              <a14:hiddenFill xmlns="" xmlns:a14="http://schemas.microsoft.com/office/drawing/2010/main">
                 <a:solidFill>
                   <a:srgbClr val="FFFFFF"/>
                 </a:solidFill>
               </a14:hiddenFill>
             </a:ext>
             <a:ext uri="{91240B29-F687-4f45-9708-019B960494DF}">
-              <a14:hiddenLine xmlns:a14="http://schemas.microsoft.com/office/drawing/2010/main" xmlns="" w="9525">
+              <a14:hiddenLine xmlns="" xmlns:a14="http://schemas.microsoft.com/office/drawing/2010/main" w="9525">
                 <a:solidFill>
                   <a:srgbClr val="000000"/>
                 </a:solidFill>
@@ -14755,14 +14739,14 @@
           </a:ln>
           <a:extLst>
             <a:ext uri="{909E8E84-426E-40dd-AFC4-6F175D3DCCD1}">
-              <a14:hiddenFill xmlns:a14="http://schemas.microsoft.com/office/drawing/2010/main" xmlns="">
+              <a14:hiddenFill xmlns="" xmlns:a14="http://schemas.microsoft.com/office/drawing/2010/main">
                 <a:solidFill>
                   <a:srgbClr val="FFFFFF"/>
                 </a:solidFill>
               </a14:hiddenFill>
             </a:ext>
             <a:ext uri="{91240B29-F687-4f45-9708-019B960494DF}">
-              <a14:hiddenLine xmlns:a14="http://schemas.microsoft.com/office/drawing/2010/main" xmlns="" w="9525">
+              <a14:hiddenLine xmlns="" xmlns:a14="http://schemas.microsoft.com/office/drawing/2010/main" w="9525">
                 <a:solidFill>
                   <a:srgbClr val="000000"/>
                 </a:solidFill>
@@ -15716,11 +15700,15 @@
             </a:r>
             <a:r>
               <a:rPr lang="en-US" dirty="0" smtClean="0"/>
-              <a:t> test/smoke/default/</a:t>
+              <a:t> </a:t>
+            </a:r>
+            <a:r>
+              <a:rPr lang="en-US" dirty="0" smtClean="0"/>
+              <a:t>test/smoke/default/</a:t>
             </a:r>
             <a:r>
               <a:rPr lang="en-US" dirty="0" err="1" smtClean="0"/>
-              <a:t>install.rb</a:t>
+              <a:t>install_test.rb</a:t>
             </a:r>
             <a:r>
               <a:rPr lang="en-US" dirty="0" smtClean="0"/>
@@ -16313,15 +16301,7 @@
             </a:r>
             <a:r>
               <a:rPr lang="en-US" dirty="0" smtClean="0"/>
-              <a:t> </a:t>
-            </a:r>
-            <a:r>
-              <a:rPr lang="en-US" dirty="0" smtClean="0"/>
-              <a:t>'apache::</a:t>
-            </a:r>
-            <a:r>
-              <a:rPr lang="en-US" dirty="0" smtClean="0"/>
-              <a:t>install'</a:t>
+              <a:t> 'apache::install'</a:t>
             </a:r>
           </a:p>
           <a:p>
@@ -17042,11 +17022,7 @@
             </a:r>
             <a:r>
               <a:rPr lang="en-US" dirty="0" smtClean="0"/>
-              <a:t>home/chef/apache/test/smoke/default</a:t>
-            </a:r>
-            <a:r>
-              <a:rPr lang="en-US" dirty="0" smtClean="0"/>
-              <a:t>` </a:t>
+              <a:t>home/chef/apache/test/smoke/default` </a:t>
             </a:r>
             <a:r>
               <a:rPr lang="en-US" dirty="0"/>
@@ -18104,11 +18080,15 @@
             </a:r>
             <a:r>
               <a:rPr lang="en-US" dirty="0" smtClean="0"/>
-              <a:t> test/smoke/default/</a:t>
+              <a:t> </a:t>
+            </a:r>
+            <a:r>
+              <a:rPr lang="en-US" dirty="0" smtClean="0"/>
+              <a:t>test/smoke/default/</a:t>
             </a:r>
             <a:r>
               <a:rPr lang="en-US" dirty="0" err="1" smtClean="0"/>
-              <a:t>configuration.rb</a:t>
+              <a:t>configuration_test.rb</a:t>
             </a:r>
             <a:endParaRPr lang="en-US" dirty="0"/>
           </a:p>
@@ -18464,15 +18444,7 @@
             </a:r>
             <a:r>
               <a:rPr lang="en-US" dirty="0" smtClean="0"/>
-              <a:t> </a:t>
-            </a:r>
-            <a:r>
-              <a:rPr lang="en-US" dirty="0" smtClean="0"/>
-              <a:t>'apache::</a:t>
-            </a:r>
-            <a:r>
-              <a:rPr lang="en-US" dirty="0" smtClean="0"/>
-              <a:t>install'</a:t>
+              <a:t> 'apache::install'</a:t>
             </a:r>
           </a:p>
           <a:p>
@@ -18720,15 +18692,7 @@
             </a:r>
             <a:r>
               <a:rPr lang="en-US" dirty="0" smtClean="0"/>
-              <a:t> </a:t>
-            </a:r>
-            <a:r>
-              <a:rPr lang="en-US" dirty="0" smtClean="0"/>
-              <a:t>'apache::</a:t>
-            </a:r>
-            <a:r>
-              <a:rPr lang="en-US" dirty="0" smtClean="0"/>
-              <a:t>install'</a:t>
+              <a:t> 'apache::install'</a:t>
             </a:r>
           </a:p>
           <a:p>
@@ -18738,15 +18702,7 @@
             </a:r>
             <a:r>
               <a:rPr lang="en-US" dirty="0" smtClean="0"/>
-              <a:t> </a:t>
-            </a:r>
-            <a:r>
-              <a:rPr lang="en-US" dirty="0" smtClean="0"/>
-              <a:t>'apache::</a:t>
-            </a:r>
-            <a:r>
-              <a:rPr lang="en-US" dirty="0" smtClean="0"/>
-              <a:t>configuration'</a:t>
+              <a:t> 'apache::configuration'</a:t>
             </a:r>
             <a:endParaRPr lang="en-US" dirty="0"/>
           </a:p>
@@ -19144,11 +19100,7 @@
             </a:r>
             <a:r>
               <a:rPr lang="en-US" dirty="0" smtClean="0"/>
-              <a:t>home/chef/apache/test/smoke/default</a:t>
-            </a:r>
-            <a:r>
-              <a:rPr lang="en-US" dirty="0" smtClean="0"/>
-              <a:t>` </a:t>
+              <a:t>home/chef/apache/test/smoke/default` </a:t>
             </a:r>
             <a:r>
               <a:rPr lang="en-US" dirty="0"/>
@@ -20152,11 +20104,15 @@
             </a:r>
             <a:r>
               <a:rPr lang="en-US" dirty="0" smtClean="0"/>
-              <a:t> test/smoke/default/</a:t>
+              <a:t> </a:t>
+            </a:r>
+            <a:r>
+              <a:rPr lang="en-US" dirty="0" smtClean="0"/>
+              <a:t>test/smoke/default/</a:t>
             </a:r>
             <a:r>
               <a:rPr lang="en-US" dirty="0" err="1" smtClean="0"/>
-              <a:t>service.rb</a:t>
+              <a:t>service_test.rb</a:t>
             </a:r>
             <a:endParaRPr lang="en-US" dirty="0"/>
           </a:p>
@@ -20673,15 +20629,7 @@
             </a:r>
             <a:r>
               <a:rPr lang="en-US" dirty="0" smtClean="0"/>
-              <a:t> </a:t>
-            </a:r>
-            <a:r>
-              <a:rPr lang="en-US" dirty="0" smtClean="0"/>
-              <a:t>'apache::</a:t>
-            </a:r>
-            <a:r>
-              <a:rPr lang="en-US" dirty="0" smtClean="0"/>
-              <a:t>install'</a:t>
+              <a:t> 'apache::install'</a:t>
             </a:r>
           </a:p>
           <a:p>
@@ -20691,15 +20639,7 @@
             </a:r>
             <a:r>
               <a:rPr lang="en-US" dirty="0" smtClean="0"/>
-              <a:t> </a:t>
-            </a:r>
-            <a:r>
-              <a:rPr lang="en-US" dirty="0" smtClean="0"/>
-              <a:t>'apache::</a:t>
-            </a:r>
-            <a:r>
-              <a:rPr lang="en-US" dirty="0" smtClean="0"/>
-              <a:t>configuration'</a:t>
+              <a:t> 'apache::configuration'</a:t>
             </a:r>
             <a:endParaRPr lang="en-US" dirty="0"/>
           </a:p>
@@ -20911,15 +20851,7 @@
             </a:r>
             <a:r>
               <a:rPr lang="en-US" dirty="0" smtClean="0"/>
-              <a:t> </a:t>
-            </a:r>
-            <a:r>
-              <a:rPr lang="en-US" dirty="0" smtClean="0"/>
-              <a:t>'apache::</a:t>
-            </a:r>
-            <a:r>
-              <a:rPr lang="en-US" dirty="0" smtClean="0"/>
-              <a:t>install'</a:t>
+              <a:t> 'apache::install'</a:t>
             </a:r>
           </a:p>
           <a:p>
@@ -20929,15 +20861,7 @@
             </a:r>
             <a:r>
               <a:rPr lang="en-US" dirty="0" smtClean="0"/>
-              <a:t> </a:t>
-            </a:r>
-            <a:r>
-              <a:rPr lang="en-US" dirty="0" smtClean="0"/>
-              <a:t>'apache::</a:t>
-            </a:r>
-            <a:r>
-              <a:rPr lang="en-US" dirty="0" smtClean="0"/>
-              <a:t>configuration'</a:t>
+              <a:t> 'apache::configuration'</a:t>
             </a:r>
             <a:endParaRPr lang="en-US" dirty="0"/>
           </a:p>
@@ -20948,15 +20872,7 @@
             </a:r>
             <a:r>
               <a:rPr lang="en-US" dirty="0" smtClean="0"/>
-              <a:t> </a:t>
-            </a:r>
-            <a:r>
-              <a:rPr lang="en-US" dirty="0" smtClean="0"/>
-              <a:t>'apache::</a:t>
-            </a:r>
-            <a:r>
-              <a:rPr lang="en-US" dirty="0" smtClean="0"/>
-              <a:t>service'</a:t>
+              <a:t> 'apache::service'</a:t>
             </a:r>
             <a:endParaRPr lang="en-US" dirty="0"/>
           </a:p>
@@ -21322,11 +21238,7 @@
             </a:r>
             <a:r>
               <a:rPr lang="en-US" dirty="0" smtClean="0"/>
-              <a:t>home/chef/apache/test/smoke/default</a:t>
-            </a:r>
-            <a:r>
-              <a:rPr lang="en-US" dirty="0" smtClean="0"/>
-              <a:t>` </a:t>
+              <a:t>home/chef/apache/test/smoke/default` </a:t>
             </a:r>
             <a:r>
               <a:rPr lang="en-US" dirty="0"/>
@@ -22223,11 +22135,7 @@
             </a:r>
             <a:r>
               <a:rPr lang="en-US" dirty="0" smtClean="0"/>
-              <a:t> </a:t>
-            </a:r>
-            <a:r>
-              <a:rPr lang="en-US" dirty="0" smtClean="0"/>
-              <a:t>'apache::</a:t>
+              <a:t> 'apache::</a:t>
             </a:r>
             <a:r>
               <a:rPr lang="en-US" dirty="0"/>
@@ -22245,15 +22153,7 @@
             </a:r>
             <a:r>
               <a:rPr lang="en-US" dirty="0" smtClean="0"/>
-              <a:t> </a:t>
-            </a:r>
-            <a:r>
-              <a:rPr lang="en-US" dirty="0" smtClean="0"/>
-              <a:t>'apache::</a:t>
-            </a:r>
-            <a:r>
-              <a:rPr lang="en-US" dirty="0" smtClean="0"/>
-              <a:t>configuration</a:t>
+              <a:t> 'apache::configuration</a:t>
             </a:r>
             <a:endParaRPr lang="en-US" dirty="0"/>
           </a:p>
@@ -22264,11 +22164,7 @@
             </a:r>
             <a:r>
               <a:rPr lang="en-US" dirty="0" smtClean="0"/>
-              <a:t> </a:t>
-            </a:r>
-            <a:r>
-              <a:rPr lang="en-US" dirty="0" smtClean="0"/>
-              <a:t>'apache::</a:t>
+              <a:t> 'apache::</a:t>
             </a:r>
             <a:r>
               <a:rPr lang="en-US" dirty="0"/>
@@ -23819,11 +23715,7 @@
             </a:r>
             <a:r>
               <a:rPr lang="en-US" dirty="0" smtClean="0"/>
-              <a:t>apache::</a:t>
-            </a:r>
-            <a:r>
-              <a:rPr lang="en-US" dirty="0" smtClean="0"/>
-              <a:t>configuration</a:t>
+              <a:t>apache::configuration</a:t>
             </a:r>
           </a:p>
           <a:p>
@@ -23851,11 +23743,7 @@
             </a:r>
             <a:r>
               <a:rPr lang="en-US" dirty="0" smtClean="0"/>
-              <a:t>apache::</a:t>
-            </a:r>
-            <a:r>
-              <a:rPr lang="en-US" dirty="0" smtClean="0"/>
-              <a:t>service</a:t>
+              <a:t>apache::service</a:t>
             </a:r>
           </a:p>
           <a:p>
@@ -24039,11 +23927,7 @@
             </a:r>
             <a:r>
               <a:rPr lang="en-US" dirty="0" smtClean="0"/>
-              <a:t>home/chef/apache/test/smoke/default</a:t>
-            </a:r>
-            <a:r>
-              <a:rPr lang="en-US" dirty="0" smtClean="0"/>
-              <a:t>` </a:t>
+              <a:t>home/chef/apache/test/smoke/default` </a:t>
             </a:r>
             <a:r>
               <a:rPr lang="en-US" dirty="0"/>

--- a/04-refactoring_cookbooks_with_tests.pptx
+++ b/04-refactoring_cookbooks_with_tests.pptx
@@ -278,10 +278,9 @@
               <a:defRPr/>
             </a:pPr>
             <a:r>
-              <a:rPr lang="en-US" smtClean="0"/>
+              <a:rPr lang="en-US"/>
               <a:t>Chef Intermediate</a:t>
             </a:r>
-            <a:endParaRPr lang="en-US"/>
           </a:p>
         </p:txBody>
       </p:sp>
@@ -326,7 +325,7 @@
               <a:defRPr/>
             </a:pPr>
             <a:r>
-              <a:rPr lang="en-US" smtClean="0"/>
+              <a:rPr lang="en-US"/>
               <a:t>Chef Software, Inc.</a:t>
             </a:r>
             <a:endParaRPr lang="en-US" dirty="0"/>
@@ -506,7 +505,7 @@
               <a:defRPr/>
             </a:pPr>
             <a:r>
-              <a:rPr lang="en-US" smtClean="0"/>
+              <a:rPr lang="en-US"/>
               <a:t>Chef Software, Inc.</a:t>
             </a:r>
             <a:endParaRPr lang="en-US" dirty="0"/>
@@ -574,38 +573,37 @@
           <a:p>
             <a:pPr lvl="0"/>
             <a:r>
-              <a:rPr lang="en-US" noProof="0" dirty="0" smtClean="0"/>
+              <a:rPr lang="en-US" noProof="0" dirty="0"/>
               <a:t>Click to edit Master text styles</a:t>
             </a:r>
           </a:p>
           <a:p>
             <a:pPr lvl="1"/>
             <a:r>
-              <a:rPr lang="en-US" noProof="0" dirty="0" smtClean="0"/>
+              <a:rPr lang="en-US" noProof="0" dirty="0"/>
               <a:t>Second level</a:t>
             </a:r>
           </a:p>
           <a:p>
             <a:pPr lvl="2"/>
             <a:r>
-              <a:rPr lang="en-US" noProof="0" dirty="0" smtClean="0"/>
+              <a:rPr lang="en-US" noProof="0" dirty="0"/>
               <a:t>Third level</a:t>
             </a:r>
           </a:p>
           <a:p>
             <a:pPr lvl="3"/>
             <a:r>
-              <a:rPr lang="en-US" noProof="0" dirty="0" smtClean="0"/>
+              <a:rPr lang="en-US" noProof="0" dirty="0"/>
               <a:t>Fourth level</a:t>
             </a:r>
           </a:p>
           <a:p>
             <a:pPr lvl="4"/>
             <a:r>
-              <a:rPr lang="en-US" noProof="0" dirty="0" smtClean="0"/>
+              <a:rPr lang="en-US" noProof="0" dirty="0"/>
               <a:t>Fifth level</a:t>
             </a:r>
-            <a:endParaRPr lang="en-US" noProof="0" dirty="0"/>
           </a:p>
         </p:txBody>
       </p:sp>
@@ -650,10 +648,9 @@
               <a:defRPr/>
             </a:pPr>
             <a:r>
-              <a:rPr lang="en-US" dirty="0" smtClean="0"/>
+              <a:rPr lang="en-US" dirty="0"/>
               <a:t>Chef Intermediate</a:t>
             </a:r>
-            <a:endParaRPr lang="en-US" dirty="0"/>
           </a:p>
         </p:txBody>
       </p:sp>
@@ -859,12 +856,12 @@
           <a:lstStyle/>
           <a:p>
             <a:r>
-              <a:rPr lang="en-US" baseline="0" dirty="0" smtClean="0"/>
+              <a:rPr lang="en-US" baseline="0" dirty="0"/>
               <a:t>We explored the process of developing a test first but to explore the full Test Driven Development (TDD) cycle we need to refactor the code that we wrote.</a:t>
             </a:r>
           </a:p>
           <a:p>
-            <a:endParaRPr lang="en-US" baseline="0" dirty="0" smtClean="0"/>
+            <a:endParaRPr lang="en-US" baseline="0" dirty="0"/>
           </a:p>
           <a:p>
             <a:pPr marL="0" marR="0" indent="0" algn="l" defTabSz="1217613" rtl="0" eaLnBrk="1" fontAlgn="base" latinLnBrk="0" hangingPunct="1">
@@ -885,16 +882,16 @@
               <a:defRPr/>
             </a:pPr>
             <a:r>
-              <a:rPr lang="en-US" dirty="0" smtClean="0"/>
+              <a:rPr lang="en-US" dirty="0"/>
               <a:t>Refactoring is the process</a:t>
             </a:r>
             <a:r>
-              <a:rPr lang="en-US" baseline="0" dirty="0" smtClean="0"/>
+              <a:rPr lang="en-US" baseline="0" dirty="0"/>
               <a:t> of making changes to the implementation while maintaining the original intention. Without having tests that capture the original intention how do you know if the new implementation did not change the original intention? Fortunately for us we have defined a test that will allow us to make the changes confident that we have not destroyed that original intention.</a:t>
             </a:r>
           </a:p>
           <a:p>
-            <a:endParaRPr lang="en-US" baseline="0" dirty="0" smtClean="0"/>
+            <a:endParaRPr lang="en-US" baseline="0" dirty="0"/>
           </a:p>
         </p:txBody>
       </p:sp>
@@ -942,7 +939,7 @@
               <a:defRPr/>
             </a:pPr>
             <a:r>
-              <a:rPr lang="en-US" smtClean="0"/>
+              <a:rPr lang="en-US"/>
               <a:t>Chef Software, Inc.</a:t>
             </a:r>
             <a:endParaRPr lang="en-US" dirty="0"/>
@@ -1007,28 +1004,28 @@
           <a:lstStyle/>
           <a:p>
             <a:r>
-              <a:rPr lang="en-US" dirty="0" smtClean="0"/>
+              <a:rPr lang="en-US" dirty="0"/>
               <a:t>When you use chef, the command-line tool,</a:t>
             </a:r>
             <a:r>
-              <a:rPr lang="en-US" baseline="0" dirty="0" smtClean="0"/>
+              <a:rPr lang="en-US" baseline="0" dirty="0"/>
               <a:t> to generate a recipe it will create three files. First is the recipe file found in the recipes directory. Second is the unit test file found in the 'spec/unit/recipes' directory. Third is the integration test file found in 'test/smoke/default'.</a:t>
             </a:r>
           </a:p>
           <a:p>
-            <a:endParaRPr lang="en-US" baseline="0" dirty="0" smtClean="0"/>
-          </a:p>
-          <a:p>
-            <a:r>
-              <a:rPr lang="en-US" baseline="0" dirty="0" smtClean="0"/>
+            <a:endParaRPr lang="en-US" baseline="0" dirty="0"/>
+          </a:p>
+          <a:p>
+            <a:r>
+              <a:rPr lang="en-US" baseline="0" dirty="0"/>
               <a:t>The test file automatically generate for us contains those same examples we saw in the '</a:t>
             </a:r>
             <a:r>
-              <a:rPr lang="en-US" baseline="0" dirty="0" err="1" smtClean="0"/>
+              <a:rPr lang="en-US" baseline="0" dirty="0" err="1"/>
               <a:t>default_test.rb</a:t>
             </a:r>
             <a:r>
-              <a:rPr lang="en-US" baseline="0" dirty="0" smtClean="0"/>
+              <a:rPr lang="en-US" baseline="0" dirty="0"/>
               <a:t>'. We do not want to verify the root user is present and we definitely do not want to verify that port 80 is not listening. So we want to remove this file.</a:t>
             </a:r>
             <a:endParaRPr lang="en-US" dirty="0"/>
@@ -1054,10 +1051,9 @@
               <a:defRPr/>
             </a:pPr>
             <a:r>
-              <a:rPr lang="en-US" smtClean="0"/>
+              <a:rPr lang="en-US"/>
               <a:t>Chef Intermediate</a:t>
             </a:r>
-            <a:endParaRPr lang="en-US"/>
           </a:p>
         </p:txBody>
       </p:sp>
@@ -1080,7 +1076,7 @@
               <a:defRPr/>
             </a:pPr>
             <a:r>
-              <a:rPr lang="en-US" smtClean="0"/>
+              <a:rPr lang="en-US"/>
               <a:t>Chef Software, Inc.</a:t>
             </a:r>
             <a:endParaRPr lang="en-US" dirty="0"/>
@@ -1145,11 +1141,11 @@
           <a:lstStyle/>
           <a:p>
             <a:r>
-              <a:rPr lang="en-US" dirty="0" smtClean="0"/>
+              <a:rPr lang="en-US" dirty="0"/>
               <a:t>The</a:t>
             </a:r>
             <a:r>
-              <a:rPr lang="en-US" baseline="0" dirty="0" smtClean="0"/>
+              <a:rPr lang="en-US" baseline="0" dirty="0"/>
               <a:t> installation of the web server can be expressed with this one resource. Within the new recipe add the following resource.</a:t>
             </a:r>
           </a:p>
@@ -1174,10 +1170,9 @@
               <a:defRPr/>
             </a:pPr>
             <a:r>
-              <a:rPr lang="en-US" smtClean="0"/>
+              <a:rPr lang="en-US"/>
               <a:t>Chef Intermediate</a:t>
             </a:r>
-            <a:endParaRPr lang="en-US"/>
           </a:p>
         </p:txBody>
       </p:sp>
@@ -1200,7 +1195,7 @@
               <a:defRPr/>
             </a:pPr>
             <a:r>
-              <a:rPr lang="en-US" smtClean="0"/>
+              <a:rPr lang="en-US"/>
               <a:t>Chef Software, Inc.</a:t>
             </a:r>
             <a:endParaRPr lang="en-US" dirty="0"/>
@@ -1265,11 +1260,11 @@
           <a:lstStyle/>
           <a:p>
             <a:r>
-              <a:rPr lang="en-US" dirty="0" smtClean="0"/>
+              <a:rPr lang="en-US" dirty="0"/>
               <a:t>Now</a:t>
             </a:r>
             <a:r>
-              <a:rPr lang="en-US" baseline="0" dirty="0" smtClean="0"/>
+              <a:rPr lang="en-US" baseline="0" dirty="0"/>
               <a:t> that we have defined the installation of the webserver in a separate recipe it is time to remove the installation from the default recipe.</a:t>
             </a:r>
             <a:endParaRPr lang="en-US" dirty="0"/>
@@ -1295,10 +1290,9 @@
               <a:defRPr/>
             </a:pPr>
             <a:r>
-              <a:rPr lang="en-US" smtClean="0"/>
+              <a:rPr lang="en-US"/>
               <a:t>Chef Intermediate</a:t>
             </a:r>
-            <a:endParaRPr lang="en-US"/>
           </a:p>
         </p:txBody>
       </p:sp>
@@ -1321,7 +1315,7 @@
               <a:defRPr/>
             </a:pPr>
             <a:r>
-              <a:rPr lang="en-US" smtClean="0"/>
+              <a:rPr lang="en-US"/>
               <a:t>Chef Software, Inc.</a:t>
             </a:r>
             <a:endParaRPr lang="en-US" dirty="0"/>
@@ -1386,19 +1380,19 @@
           <a:lstStyle/>
           <a:p>
             <a:r>
-              <a:rPr lang="en-US" dirty="0" smtClean="0"/>
+              <a:rPr lang="en-US" dirty="0"/>
               <a:t>Replacing</a:t>
             </a:r>
             <a:r>
-              <a:rPr lang="en-US" baseline="0" dirty="0" smtClean="0"/>
+              <a:rPr lang="en-US" baseline="0" dirty="0"/>
               <a:t> it with the '</a:t>
             </a:r>
             <a:r>
-              <a:rPr lang="en-US" baseline="0" dirty="0" err="1" smtClean="0"/>
+              <a:rPr lang="en-US" baseline="0" dirty="0" err="1"/>
               <a:t>include_recipe</a:t>
             </a:r>
             <a:r>
-              <a:rPr lang="en-US" baseline="0" dirty="0" smtClean="0"/>
+              <a:rPr lang="en-US" baseline="0" dirty="0"/>
               <a:t>' method that retrieves the contents of that recipe and includes it here.</a:t>
             </a:r>
             <a:endParaRPr lang="en-US" dirty="0"/>
@@ -1424,10 +1418,9 @@
               <a:defRPr/>
             </a:pPr>
             <a:r>
-              <a:rPr lang="en-US" smtClean="0"/>
+              <a:rPr lang="en-US"/>
               <a:t>Chef Intermediate</a:t>
             </a:r>
-            <a:endParaRPr lang="en-US"/>
           </a:p>
         </p:txBody>
       </p:sp>
@@ -1450,7 +1443,7 @@
               <a:defRPr/>
             </a:pPr>
             <a:r>
-              <a:rPr lang="en-US" smtClean="0"/>
+              <a:rPr lang="en-US"/>
               <a:t>Chef Software, Inc.</a:t>
             </a:r>
             <a:endParaRPr lang="en-US" dirty="0"/>
@@ -1515,11 +1508,11 @@
           <a:lstStyle/>
           <a:p>
             <a:r>
-              <a:rPr lang="en-US" dirty="0" smtClean="0"/>
+              <a:rPr lang="en-US" dirty="0"/>
               <a:t>The</a:t>
             </a:r>
             <a:r>
-              <a:rPr lang="en-US" baseline="0" dirty="0" smtClean="0"/>
+              <a:rPr lang="en-US" baseline="0" dirty="0"/>
               <a:t> default recipe has changed. It is now time to ensure that we did everything right by converging the latest changes against the test instance and then verifying the changes by executing our tests.</a:t>
             </a:r>
             <a:endParaRPr lang="en-US" dirty="0"/>
@@ -1545,10 +1538,9 @@
               <a:defRPr/>
             </a:pPr>
             <a:r>
-              <a:rPr lang="en-US" smtClean="0"/>
+              <a:rPr lang="en-US"/>
               <a:t>Chef Intermediate</a:t>
             </a:r>
-            <a:endParaRPr lang="en-US"/>
           </a:p>
         </p:txBody>
       </p:sp>
@@ -1571,7 +1563,7 @@
               <a:defRPr/>
             </a:pPr>
             <a:r>
-              <a:rPr lang="en-US" smtClean="0"/>
+              <a:rPr lang="en-US"/>
               <a:t>Chef Software, Inc.</a:t>
             </a:r>
             <a:endParaRPr lang="en-US" dirty="0"/>
@@ -1636,20 +1628,20 @@
           <a:lstStyle/>
           <a:p>
             <a:r>
-              <a:rPr lang="en-US" dirty="0" smtClean="0"/>
+              <a:rPr lang="en-US" dirty="0"/>
               <a:t>Whenever</a:t>
             </a:r>
             <a:r>
-              <a:rPr lang="en-US" baseline="0" dirty="0" smtClean="0"/>
+              <a:rPr lang="en-US" baseline="0" dirty="0"/>
               <a:t> a change is made to a recipe or component of the cookbook it is important to converge the latest cookbook against the test instance.</a:t>
             </a:r>
           </a:p>
           <a:p>
-            <a:endParaRPr lang="en-US" baseline="0" dirty="0" smtClean="0"/>
-          </a:p>
-          <a:p>
-            <a:r>
-              <a:rPr lang="en-US" baseline="0" dirty="0" smtClean="0"/>
+            <a:endParaRPr lang="en-US" baseline="0" dirty="0"/>
+          </a:p>
+          <a:p>
+            <a:r>
+              <a:rPr lang="en-US" baseline="0" dirty="0"/>
               <a:t>If an error occurs that likely means that you have a typo within your default recipe or the install recipe.</a:t>
             </a:r>
           </a:p>
@@ -1674,10 +1666,9 @@
               <a:defRPr/>
             </a:pPr>
             <a:r>
-              <a:rPr lang="en-US" smtClean="0"/>
+              <a:rPr lang="en-US"/>
               <a:t>Chef Intermediate</a:t>
             </a:r>
-            <a:endParaRPr lang="en-US"/>
           </a:p>
         </p:txBody>
       </p:sp>
@@ -1700,7 +1691,7 @@
               <a:defRPr/>
             </a:pPr>
             <a:r>
-              <a:rPr lang="en-US" smtClean="0"/>
+              <a:rPr lang="en-US"/>
               <a:t>Chef Software, Inc.</a:t>
             </a:r>
             <a:endParaRPr lang="en-US" dirty="0"/>
@@ -1765,11 +1756,11 @@
           <a:lstStyle/>
           <a:p>
             <a:r>
-              <a:rPr lang="en-US" dirty="0" smtClean="0"/>
+              <a:rPr lang="en-US" dirty="0"/>
               <a:t>If</a:t>
             </a:r>
             <a:r>
-              <a:rPr lang="en-US" baseline="0" dirty="0" smtClean="0"/>
+              <a:rPr lang="en-US" baseline="0" dirty="0"/>
               <a:t> everything converges successfully it is time to verify the state of the instance with the test that we have defined.</a:t>
             </a:r>
           </a:p>
@@ -1794,10 +1785,9 @@
               <a:defRPr/>
             </a:pPr>
             <a:r>
-              <a:rPr lang="en-US" smtClean="0"/>
+              <a:rPr lang="en-US"/>
               <a:t>Chef Intermediate</a:t>
             </a:r>
-            <a:endParaRPr lang="en-US"/>
           </a:p>
         </p:txBody>
       </p:sp>
@@ -1820,7 +1810,7 @@
               <a:defRPr/>
             </a:pPr>
             <a:r>
-              <a:rPr lang="en-US" smtClean="0"/>
+              <a:rPr lang="en-US"/>
               <a:t>Chef Software, Inc.</a:t>
             </a:r>
             <a:endParaRPr lang="en-US" dirty="0"/>
@@ -1885,11 +1875,11 @@
           <a:lstStyle/>
           <a:p>
             <a:r>
-              <a:rPr lang="en-US" dirty="0" smtClean="0"/>
+              <a:rPr lang="en-US" dirty="0"/>
               <a:t>Together</a:t>
             </a:r>
             <a:r>
-              <a:rPr lang="en-US" baseline="0" dirty="0" smtClean="0"/>
+              <a:rPr lang="en-US" baseline="0" dirty="0"/>
               <a:t> we were able to refactor the cookbook while implementing the installation recipe.</a:t>
             </a:r>
           </a:p>
@@ -1914,10 +1904,9 @@
               <a:defRPr/>
             </a:pPr>
             <a:r>
-              <a:rPr lang="en-US" smtClean="0"/>
+              <a:rPr lang="en-US"/>
               <a:t>Chef Intermediate</a:t>
             </a:r>
-            <a:endParaRPr lang="en-US"/>
           </a:p>
         </p:txBody>
       </p:sp>
@@ -1940,7 +1929,7 @@
               <a:defRPr/>
             </a:pPr>
             <a:r>
-              <a:rPr lang="en-US" smtClean="0"/>
+              <a:rPr lang="en-US"/>
               <a:t>Chef Software, Inc.</a:t>
             </a:r>
             <a:endParaRPr lang="en-US" dirty="0"/>
@@ -2005,38 +1994,38 @@
           <a:lstStyle/>
           <a:p>
             <a:r>
-              <a:rPr lang="en-US" dirty="0" smtClean="0"/>
+              <a:rPr lang="en-US" dirty="0"/>
               <a:t>Now it is your turn to do</a:t>
             </a:r>
             <a:r>
-              <a:rPr lang="en-US" baseline="0" dirty="0" smtClean="0"/>
+              <a:rPr lang="en-US" baseline="0" dirty="0"/>
               <a:t> the same thing for the webserver configuration. The only configuration that we currently perform for the webserver is write out a new default home page. We still want to move that resource to a separate recipe and ensure that we made the change correctly.</a:t>
             </a:r>
           </a:p>
           <a:p>
-            <a:endParaRPr lang="en-US" baseline="0" dirty="0" smtClean="0"/>
-          </a:p>
-          <a:p>
-            <a:r>
-              <a:rPr lang="en-US" baseline="0" dirty="0" smtClean="0"/>
+            <a:endParaRPr lang="en-US" baseline="0" dirty="0"/>
+          </a:p>
+          <a:p>
+            <a:r>
+              <a:rPr lang="en-US" baseline="0" dirty="0"/>
               <a:t>When you are done we will review the next few slides together to review your work.</a:t>
             </a:r>
           </a:p>
           <a:p>
-            <a:endParaRPr lang="en-US" baseline="0" dirty="0" smtClean="0"/>
-          </a:p>
-          <a:p>
-            <a:r>
-              <a:rPr lang="en-US" baseline="0" dirty="0" smtClean="0"/>
+            <a:endParaRPr lang="en-US" baseline="0" dirty="0"/>
+          </a:p>
+          <a:p>
+            <a:r>
+              <a:rPr lang="en-US" baseline="0" dirty="0"/>
               <a:t>Instructor Note: Another exercise follows this one to manage the service.</a:t>
             </a:r>
           </a:p>
           <a:p>
-            <a:endParaRPr lang="en-US" baseline="0" dirty="0" smtClean="0"/>
-          </a:p>
-          <a:p>
-            <a:r>
-              <a:rPr lang="en-US" sz="1200" kern="1200" dirty="0" smtClean="0">
+            <a:endParaRPr lang="en-US" baseline="0" dirty="0"/>
+          </a:p>
+          <a:p>
+            <a:r>
+              <a:rPr lang="en-US" sz="1200" kern="1200" dirty="0">
                 <a:solidFill>
                   <a:schemeClr val="tx1"/>
                 </a:solidFill>
@@ -2047,7 +2036,7 @@
               <a:t>Instructor Note: Allow 5</a:t>
             </a:r>
             <a:r>
-              <a:rPr lang="en-US" sz="1200" kern="1200" baseline="0" dirty="0" smtClean="0">
+              <a:rPr lang="en-US" sz="1200" kern="1200" baseline="0" dirty="0">
                 <a:solidFill>
                   <a:schemeClr val="tx1"/>
                 </a:solidFill>
@@ -2058,7 +2047,7 @@
               <a:t> </a:t>
             </a:r>
             <a:r>
-              <a:rPr lang="en-US" sz="1200" kern="1200" dirty="0" smtClean="0">
+              <a:rPr lang="en-US" sz="1200" kern="1200" dirty="0">
                 <a:solidFill>
                   <a:schemeClr val="tx1"/>
                 </a:solidFill>
@@ -2068,7 +2057,7 @@
               </a:rPr>
               <a:t>minutes to complete this exercise.</a:t>
             </a:r>
-            <a:endParaRPr lang="en-US" dirty="0" smtClean="0"/>
+            <a:endParaRPr lang="en-US" dirty="0"/>
           </a:p>
         </p:txBody>
       </p:sp>
@@ -2091,10 +2080,9 @@
               <a:defRPr/>
             </a:pPr>
             <a:r>
-              <a:rPr lang="en-US" smtClean="0"/>
+              <a:rPr lang="en-US"/>
               <a:t>Chef Intermediate</a:t>
             </a:r>
-            <a:endParaRPr lang="en-US"/>
           </a:p>
         </p:txBody>
       </p:sp>
@@ -2117,7 +2105,7 @@
               <a:defRPr/>
             </a:pPr>
             <a:r>
-              <a:rPr lang="en-US" smtClean="0"/>
+              <a:rPr lang="en-US"/>
               <a:t>Chef Software, Inc.</a:t>
             </a:r>
             <a:endParaRPr lang="en-US" dirty="0"/>
@@ -2182,11 +2170,11 @@
           <a:lstStyle/>
           <a:p>
             <a:r>
-              <a:rPr lang="en-US" dirty="0" smtClean="0"/>
+              <a:rPr lang="en-US" dirty="0"/>
               <a:t>Generate</a:t>
             </a:r>
             <a:r>
-              <a:rPr lang="en-US" baseline="0" dirty="0" smtClean="0"/>
+              <a:rPr lang="en-US" baseline="0" dirty="0"/>
               <a:t> the configuration recipe within the webserver cookbook.</a:t>
             </a:r>
             <a:endParaRPr lang="en-US" dirty="0"/>
@@ -2212,10 +2200,9 @@
               <a:defRPr/>
             </a:pPr>
             <a:r>
-              <a:rPr lang="en-US" smtClean="0"/>
+              <a:rPr lang="en-US"/>
               <a:t>Chef Intermediate</a:t>
             </a:r>
-            <a:endParaRPr lang="en-US"/>
           </a:p>
         </p:txBody>
       </p:sp>
@@ -2238,7 +2225,7 @@
               <a:defRPr/>
             </a:pPr>
             <a:r>
-              <a:rPr lang="en-US" smtClean="0"/>
+              <a:rPr lang="en-US"/>
               <a:t>Chef Software, Inc.</a:t>
             </a:r>
             <a:endParaRPr lang="en-US" dirty="0"/>
@@ -2303,20 +2290,20 @@
           <a:lstStyle/>
           <a:p>
             <a:r>
-              <a:rPr lang="en-US" dirty="0" smtClean="0"/>
+              <a:rPr lang="en-US" dirty="0"/>
               <a:t>Refactoring is the often forgotten step</a:t>
             </a:r>
             <a:r>
-              <a:rPr lang="en-US" baseline="0" dirty="0" smtClean="0"/>
+              <a:rPr lang="en-US" baseline="0" dirty="0"/>
               <a:t> in the TDD cycle. When we are able to get our expectations to pass we immediately want to move to our next requirement or next cookbook. </a:t>
             </a:r>
           </a:p>
           <a:p>
-            <a:endParaRPr lang="en-US" baseline="0" dirty="0" smtClean="0"/>
-          </a:p>
-          <a:p>
-            <a:r>
-              <a:rPr lang="en-US" baseline="0" dirty="0" smtClean="0"/>
+            <a:endParaRPr lang="en-US" baseline="0" dirty="0"/>
+          </a:p>
+          <a:p>
+            <a:r>
+              <a:rPr lang="en-US" baseline="0" dirty="0"/>
               <a:t>This step is incredibly important. Within it we are able to reflect on the unit of code and tests that we have written and evaluate them. How you evaluate the code may vary based on your experience, the standards defined by the team you work with, or if the code will be shared with the Chef community.</a:t>
             </a:r>
           </a:p>
@@ -2341,10 +2328,9 @@
               <a:defRPr/>
             </a:pPr>
             <a:r>
-              <a:rPr lang="en-US" smtClean="0"/>
+              <a:rPr lang="en-US"/>
               <a:t>Chef Intermediate</a:t>
             </a:r>
-            <a:endParaRPr lang="en-US"/>
           </a:p>
         </p:txBody>
       </p:sp>
@@ -2367,7 +2353,7 @@
               <a:defRPr/>
             </a:pPr>
             <a:r>
-              <a:rPr lang="en-US" smtClean="0"/>
+              <a:rPr lang="en-US"/>
               <a:t>Chef Software, Inc.</a:t>
             </a:r>
             <a:endParaRPr lang="en-US" dirty="0"/>
@@ -2432,11 +2418,11 @@
           <a:lstStyle/>
           <a:p>
             <a:r>
-              <a:rPr lang="en-US" dirty="0" smtClean="0"/>
+              <a:rPr lang="en-US" dirty="0"/>
               <a:t>Remove the automatically</a:t>
             </a:r>
             <a:r>
-              <a:rPr lang="en-US" baseline="0" dirty="0" smtClean="0"/>
+              <a:rPr lang="en-US" baseline="0" dirty="0"/>
               <a:t> generated test file as we are not interested in the sample tests that it generates for us.</a:t>
             </a:r>
             <a:endParaRPr lang="en-US" dirty="0"/>
@@ -2462,10 +2448,9 @@
               <a:defRPr/>
             </a:pPr>
             <a:r>
-              <a:rPr lang="en-US" smtClean="0"/>
+              <a:rPr lang="en-US"/>
               <a:t>Chef Intermediate</a:t>
             </a:r>
-            <a:endParaRPr lang="en-US"/>
           </a:p>
         </p:txBody>
       </p:sp>
@@ -2488,7 +2473,7 @@
               <a:defRPr/>
             </a:pPr>
             <a:r>
-              <a:rPr lang="en-US" smtClean="0"/>
+              <a:rPr lang="en-US"/>
               <a:t>Chef Software, Inc.</a:t>
             </a:r>
             <a:endParaRPr lang="en-US" dirty="0"/>
@@ -2553,11 +2538,11 @@
           <a:lstStyle/>
           <a:p>
             <a:r>
-              <a:rPr lang="en-US" dirty="0" smtClean="0"/>
+              <a:rPr lang="en-US" dirty="0"/>
               <a:t>Define</a:t>
             </a:r>
             <a:r>
-              <a:rPr lang="en-US" baseline="0" dirty="0" smtClean="0"/>
+              <a:rPr lang="en-US" baseline="0" dirty="0"/>
               <a:t> all the resources that are related to the configuration of the webserver within this new recipe</a:t>
             </a:r>
             <a:endParaRPr lang="en-US" dirty="0"/>
@@ -2583,10 +2568,9 @@
               <a:defRPr/>
             </a:pPr>
             <a:r>
-              <a:rPr lang="en-US" smtClean="0"/>
+              <a:rPr lang="en-US"/>
               <a:t>Chef Intermediate</a:t>
             </a:r>
-            <a:endParaRPr lang="en-US"/>
           </a:p>
         </p:txBody>
       </p:sp>
@@ -2609,7 +2593,7 @@
               <a:defRPr/>
             </a:pPr>
             <a:r>
-              <a:rPr lang="en-US" smtClean="0"/>
+              <a:rPr lang="en-US"/>
               <a:t>Chef Software, Inc.</a:t>
             </a:r>
             <a:endParaRPr lang="en-US" dirty="0"/>
@@ -2674,26 +2658,25 @@
           <a:lstStyle/>
           <a:p>
             <a:r>
-              <a:rPr lang="en-US" dirty="0" smtClean="0"/>
+              <a:rPr lang="en-US" dirty="0"/>
               <a:t>Remove the resources,</a:t>
             </a:r>
             <a:r>
-              <a:rPr lang="en-US" baseline="0" dirty="0" smtClean="0"/>
+              <a:rPr lang="en-US" baseline="0" dirty="0"/>
               <a:t> </a:t>
             </a:r>
             <a:r>
-              <a:rPr lang="en-US" dirty="0" smtClean="0"/>
+              <a:rPr lang="en-US" dirty="0"/>
               <a:t>that are now defined in the configuration</a:t>
             </a:r>
             <a:r>
-              <a:rPr lang="en-US" baseline="0" dirty="0" smtClean="0"/>
+              <a:rPr lang="en-US" baseline="0" dirty="0"/>
               <a:t> recipe, </a:t>
             </a:r>
             <a:r>
-              <a:rPr lang="en-US" dirty="0" smtClean="0"/>
+              <a:rPr lang="en-US" dirty="0"/>
               <a:t>from the default recipe</a:t>
             </a:r>
-            <a:endParaRPr lang="en-US" dirty="0"/>
           </a:p>
         </p:txBody>
       </p:sp>
@@ -2716,10 +2699,9 @@
               <a:defRPr/>
             </a:pPr>
             <a:r>
-              <a:rPr lang="en-US" smtClean="0"/>
+              <a:rPr lang="en-US"/>
               <a:t>Chef Intermediate</a:t>
             </a:r>
-            <a:endParaRPr lang="en-US"/>
           </a:p>
         </p:txBody>
       </p:sp>
@@ -2742,7 +2724,7 @@
               <a:defRPr/>
             </a:pPr>
             <a:r>
-              <a:rPr lang="en-US" smtClean="0"/>
+              <a:rPr lang="en-US"/>
               <a:t>Chef Software, Inc.</a:t>
             </a:r>
             <a:endParaRPr lang="en-US" dirty="0"/>
@@ -2807,19 +2789,19 @@
           <a:lstStyle/>
           <a:p>
             <a:r>
-              <a:rPr lang="en-US" dirty="0" smtClean="0"/>
+              <a:rPr lang="en-US" dirty="0"/>
               <a:t>Replace the resources</a:t>
             </a:r>
             <a:r>
-              <a:rPr lang="en-US" baseline="0" dirty="0" smtClean="0"/>
+              <a:rPr lang="en-US" baseline="0" dirty="0"/>
               <a:t> that you have removed with an '</a:t>
             </a:r>
             <a:r>
-              <a:rPr lang="en-US" baseline="0" dirty="0" err="1" smtClean="0"/>
+              <a:rPr lang="en-US" baseline="0" dirty="0" err="1"/>
               <a:t>include_recipe</a:t>
             </a:r>
             <a:r>
-              <a:rPr lang="en-US" baseline="0" dirty="0" smtClean="0"/>
+              <a:rPr lang="en-US" baseline="0" dirty="0"/>
               <a:t>' that brings the newly defined configuration recipe.</a:t>
             </a:r>
             <a:endParaRPr lang="en-US" dirty="0"/>
@@ -2845,10 +2827,9 @@
               <a:defRPr/>
             </a:pPr>
             <a:r>
-              <a:rPr lang="en-US" smtClean="0"/>
+              <a:rPr lang="en-US"/>
               <a:t>Chef Intermediate</a:t>
             </a:r>
-            <a:endParaRPr lang="en-US"/>
           </a:p>
         </p:txBody>
       </p:sp>
@@ -2871,7 +2852,7 @@
               <a:defRPr/>
             </a:pPr>
             <a:r>
-              <a:rPr lang="en-US" smtClean="0"/>
+              <a:rPr lang="en-US"/>
               <a:t>Chef Software, Inc.</a:t>
             </a:r>
             <a:endParaRPr lang="en-US" dirty="0"/>
@@ -2936,7 +2917,7 @@
           <a:lstStyle/>
           <a:p>
             <a:r>
-              <a:rPr lang="en-US" baseline="0" dirty="0" smtClean="0"/>
+              <a:rPr lang="en-US" baseline="0" dirty="0"/>
               <a:t>The recipe changed so it is important to converge the instance.</a:t>
             </a:r>
             <a:endParaRPr lang="en-US" dirty="0"/>
@@ -2962,10 +2943,9 @@
               <a:defRPr/>
             </a:pPr>
             <a:r>
-              <a:rPr lang="en-US" smtClean="0"/>
+              <a:rPr lang="en-US"/>
               <a:t>Chef Intermediate</a:t>
             </a:r>
-            <a:endParaRPr lang="en-US"/>
           </a:p>
         </p:txBody>
       </p:sp>
@@ -2988,7 +2968,7 @@
               <a:defRPr/>
             </a:pPr>
             <a:r>
-              <a:rPr lang="en-US" smtClean="0"/>
+              <a:rPr lang="en-US"/>
               <a:t>Chef Software, Inc.</a:t>
             </a:r>
             <a:endParaRPr lang="en-US" dirty="0"/>
@@ -3053,11 +3033,11 @@
           <a:lstStyle/>
           <a:p>
             <a:r>
-              <a:rPr lang="en-US" dirty="0" smtClean="0"/>
+              <a:rPr lang="en-US" dirty="0"/>
               <a:t>If</a:t>
             </a:r>
             <a:r>
-              <a:rPr lang="en-US" baseline="0" dirty="0" smtClean="0"/>
+              <a:rPr lang="en-US" baseline="0" dirty="0"/>
               <a:t> everything converges successfully it is time to verify the state of the instance with the test that we have defined.</a:t>
             </a:r>
           </a:p>
@@ -3082,10 +3062,9 @@
               <a:defRPr/>
             </a:pPr>
             <a:r>
-              <a:rPr lang="en-US" smtClean="0"/>
+              <a:rPr lang="en-US"/>
               <a:t>Chef Intermediate</a:t>
             </a:r>
-            <a:endParaRPr lang="en-US"/>
           </a:p>
         </p:txBody>
       </p:sp>
@@ -3108,7 +3087,7 @@
               <a:defRPr/>
             </a:pPr>
             <a:r>
-              <a:rPr lang="en-US" smtClean="0"/>
+              <a:rPr lang="en-US"/>
               <a:t>Chef Software, Inc.</a:t>
             </a:r>
             <a:endParaRPr lang="en-US" dirty="0"/>
@@ -3173,11 +3152,11 @@
           <a:lstStyle/>
           <a:p>
             <a:r>
-              <a:rPr lang="en-US" dirty="0" smtClean="0"/>
+              <a:rPr lang="en-US" dirty="0"/>
               <a:t>Congratulations you have successfully refactored the</a:t>
             </a:r>
             <a:r>
-              <a:rPr lang="en-US" baseline="0" dirty="0" smtClean="0"/>
+              <a:rPr lang="en-US" baseline="0" dirty="0"/>
               <a:t> webserver configuration into its own recipe.</a:t>
             </a:r>
             <a:endParaRPr lang="en-US" dirty="0"/>
@@ -3203,10 +3182,9 @@
               <a:defRPr/>
             </a:pPr>
             <a:r>
-              <a:rPr lang="en-US" smtClean="0"/>
+              <a:rPr lang="en-US"/>
               <a:t>Chef Intermediate</a:t>
             </a:r>
-            <a:endParaRPr lang="en-US"/>
           </a:p>
         </p:txBody>
       </p:sp>
@@ -3229,7 +3207,7 @@
               <a:defRPr/>
             </a:pPr>
             <a:r>
-              <a:rPr lang="en-US" smtClean="0"/>
+              <a:rPr lang="en-US"/>
               <a:t>Chef Software, Inc.</a:t>
             </a:r>
             <a:endParaRPr lang="en-US" dirty="0"/>
@@ -3294,29 +3272,29 @@
           <a:lstStyle/>
           <a:p>
             <a:r>
-              <a:rPr lang="en-US" dirty="0" smtClean="0"/>
+              <a:rPr lang="en-US" dirty="0"/>
               <a:t>Now it is your turn to do</a:t>
             </a:r>
             <a:r>
-              <a:rPr lang="en-US" baseline="0" dirty="0" smtClean="0"/>
+              <a:rPr lang="en-US" baseline="0" dirty="0"/>
               <a:t> the same thing for the webserver service.</a:t>
             </a:r>
           </a:p>
           <a:p>
-            <a:endParaRPr lang="en-US" baseline="0" dirty="0" smtClean="0"/>
-          </a:p>
-          <a:p>
-            <a:r>
-              <a:rPr lang="en-US" baseline="0" dirty="0" smtClean="0"/>
+            <a:endParaRPr lang="en-US" baseline="0" dirty="0"/>
+          </a:p>
+          <a:p>
+            <a:r>
+              <a:rPr lang="en-US" baseline="0" dirty="0"/>
               <a:t>When you are done we will review the next few slides together to review your work.</a:t>
             </a:r>
           </a:p>
           <a:p>
-            <a:endParaRPr lang="en-US" baseline="0" dirty="0" smtClean="0"/>
-          </a:p>
-          <a:p>
-            <a:r>
-              <a:rPr lang="en-US" sz="1200" kern="1200" dirty="0" smtClean="0">
+            <a:endParaRPr lang="en-US" baseline="0" dirty="0"/>
+          </a:p>
+          <a:p>
+            <a:r>
+              <a:rPr lang="en-US" sz="1200" kern="1200" dirty="0">
                 <a:solidFill>
                   <a:schemeClr val="tx1"/>
                 </a:solidFill>
@@ -3327,7 +3305,7 @@
               <a:t>Instructor Note: Allow 5</a:t>
             </a:r>
             <a:r>
-              <a:rPr lang="en-US" sz="1200" kern="1200" baseline="0" dirty="0" smtClean="0">
+              <a:rPr lang="en-US" sz="1200" kern="1200" baseline="0" dirty="0">
                 <a:solidFill>
                   <a:schemeClr val="tx1"/>
                 </a:solidFill>
@@ -3338,7 +3316,7 @@
               <a:t> </a:t>
             </a:r>
             <a:r>
-              <a:rPr lang="en-US" sz="1200" kern="1200" dirty="0" smtClean="0">
+              <a:rPr lang="en-US" sz="1200" kern="1200" dirty="0">
                 <a:solidFill>
                   <a:schemeClr val="tx1"/>
                 </a:solidFill>
@@ -3348,7 +3326,7 @@
               </a:rPr>
               <a:t>minutes to complete this exercise.</a:t>
             </a:r>
-            <a:endParaRPr lang="en-US" dirty="0" smtClean="0"/>
+            <a:endParaRPr lang="en-US" dirty="0"/>
           </a:p>
           <a:p>
             <a:endParaRPr lang="en-US" dirty="0"/>
@@ -3374,10 +3352,9 @@
               <a:defRPr/>
             </a:pPr>
             <a:r>
-              <a:rPr lang="en-US" smtClean="0"/>
+              <a:rPr lang="en-US"/>
               <a:t>Chef Intermediate</a:t>
             </a:r>
-            <a:endParaRPr lang="en-US"/>
           </a:p>
         </p:txBody>
       </p:sp>
@@ -3400,7 +3377,7 @@
               <a:defRPr/>
             </a:pPr>
             <a:r>
-              <a:rPr lang="en-US" smtClean="0"/>
+              <a:rPr lang="en-US"/>
               <a:t>Chef Software, Inc.</a:t>
             </a:r>
             <a:endParaRPr lang="en-US" dirty="0"/>
@@ -3482,14 +3459,14 @@
               <a:defRPr/>
             </a:pPr>
             <a:r>
-              <a:rPr lang="en-US" dirty="0" smtClean="0"/>
+              <a:rPr lang="en-US" dirty="0"/>
               <a:t>Generate</a:t>
             </a:r>
             <a:r>
-              <a:rPr lang="en-US" baseline="0" dirty="0" smtClean="0"/>
+              <a:rPr lang="en-US" baseline="0" dirty="0"/>
               <a:t> the service recipe within the webserver cookbook.</a:t>
             </a:r>
-            <a:endParaRPr lang="en-US" dirty="0" smtClean="0"/>
+            <a:endParaRPr lang="en-US" dirty="0"/>
           </a:p>
           <a:p>
             <a:endParaRPr lang="en-US" dirty="0"/>
@@ -3515,10 +3492,9 @@
               <a:defRPr/>
             </a:pPr>
             <a:r>
-              <a:rPr lang="en-US" smtClean="0"/>
+              <a:rPr lang="en-US"/>
               <a:t>Chef Intermediate</a:t>
             </a:r>
-            <a:endParaRPr lang="en-US"/>
           </a:p>
         </p:txBody>
       </p:sp>
@@ -3541,7 +3517,7 @@
               <a:defRPr/>
             </a:pPr>
             <a:r>
-              <a:rPr lang="en-US" smtClean="0"/>
+              <a:rPr lang="en-US"/>
               <a:t>Chef Software, Inc.</a:t>
             </a:r>
             <a:endParaRPr lang="en-US" dirty="0"/>
@@ -3623,14 +3599,14 @@
               <a:defRPr/>
             </a:pPr>
             <a:r>
-              <a:rPr lang="en-US" dirty="0" smtClean="0"/>
+              <a:rPr lang="en-US" dirty="0"/>
               <a:t>Remove the automatically</a:t>
             </a:r>
             <a:r>
-              <a:rPr lang="en-US" baseline="0" dirty="0" smtClean="0"/>
+              <a:rPr lang="en-US" baseline="0" dirty="0"/>
               <a:t> generated test file as we are not interested in the sample tests that it generates for us.</a:t>
             </a:r>
-            <a:endParaRPr lang="en-US" dirty="0" smtClean="0"/>
+            <a:endParaRPr lang="en-US" dirty="0"/>
           </a:p>
         </p:txBody>
       </p:sp>
@@ -3653,10 +3629,9 @@
               <a:defRPr/>
             </a:pPr>
             <a:r>
-              <a:rPr lang="en-US" smtClean="0"/>
+              <a:rPr lang="en-US"/>
               <a:t>Chef Intermediate</a:t>
             </a:r>
-            <a:endParaRPr lang="en-US"/>
           </a:p>
         </p:txBody>
       </p:sp>
@@ -3679,7 +3654,7 @@
               <a:defRPr/>
             </a:pPr>
             <a:r>
-              <a:rPr lang="en-US" smtClean="0"/>
+              <a:rPr lang="en-US"/>
               <a:t>Chef Software, Inc.</a:t>
             </a:r>
             <a:endParaRPr lang="en-US" dirty="0"/>
@@ -3761,7 +3736,7 @@
               <a:defRPr/>
             </a:pPr>
             <a:r>
-              <a:rPr lang="en-US" sz="1200" kern="1200" dirty="0" smtClean="0">
+              <a:rPr lang="en-US" sz="1200" kern="1200" dirty="0">
                 <a:solidFill>
                   <a:schemeClr val="tx1"/>
                 </a:solidFill>
@@ -3773,7 +3748,7 @@
               <a:t>In this module you will learn how</a:t>
             </a:r>
             <a:r>
-              <a:rPr lang="en-US" sz="1200" kern="1200" baseline="0" dirty="0" smtClean="0">
+              <a:rPr lang="en-US" sz="1200" kern="1200" baseline="0" dirty="0">
                 <a:solidFill>
                   <a:schemeClr val="tx1"/>
                 </a:solidFill>
@@ -3785,7 +3760,7 @@
               <a:t> to refactor a cookbook using the method '</a:t>
             </a:r>
             <a:r>
-              <a:rPr lang="en-US" sz="1200" kern="1200" baseline="0" dirty="0" err="1" smtClean="0">
+              <a:rPr lang="en-US" sz="1200" kern="1200" baseline="0" dirty="0" err="1">
                 <a:solidFill>
                   <a:schemeClr val="tx1"/>
                 </a:solidFill>
@@ -3797,7 +3772,7 @@
               <a:t>include_recipe</a:t>
             </a:r>
             <a:r>
-              <a:rPr lang="en-US" sz="1200" kern="1200" baseline="0" dirty="0" smtClean="0">
+              <a:rPr lang="en-US" sz="1200" kern="1200" baseline="0" dirty="0">
                 <a:solidFill>
                   <a:schemeClr val="tx1"/>
                 </a:solidFill>
@@ -3831,10 +3806,9 @@
               <a:defRPr/>
             </a:pPr>
             <a:r>
-              <a:rPr lang="en-US" smtClean="0"/>
+              <a:rPr lang="en-US"/>
               <a:t>Chef Intermediate</a:t>
             </a:r>
-            <a:endParaRPr lang="en-US"/>
           </a:p>
         </p:txBody>
       </p:sp>
@@ -3857,7 +3831,7 @@
               <a:defRPr/>
             </a:pPr>
             <a:r>
-              <a:rPr lang="en-US" smtClean="0"/>
+              <a:rPr lang="en-US"/>
               <a:t>Chef Software, Inc.</a:t>
             </a:r>
             <a:endParaRPr lang="en-US" dirty="0"/>
@@ -3939,14 +3913,14 @@
               <a:defRPr/>
             </a:pPr>
             <a:r>
-              <a:rPr lang="en-US" dirty="0" smtClean="0"/>
+              <a:rPr lang="en-US" dirty="0"/>
               <a:t>Define</a:t>
             </a:r>
             <a:r>
-              <a:rPr lang="en-US" baseline="0" dirty="0" smtClean="0"/>
+              <a:rPr lang="en-US" baseline="0" dirty="0"/>
               <a:t> all the resources that are related to the service of the webserver within this new recipe</a:t>
             </a:r>
-            <a:endParaRPr lang="en-US" dirty="0" smtClean="0"/>
+            <a:endParaRPr lang="en-US" dirty="0"/>
           </a:p>
         </p:txBody>
       </p:sp>
@@ -3969,10 +3943,9 @@
               <a:defRPr/>
             </a:pPr>
             <a:r>
-              <a:rPr lang="en-US" smtClean="0"/>
+              <a:rPr lang="en-US"/>
               <a:t>Chef Intermediate</a:t>
             </a:r>
-            <a:endParaRPr lang="en-US"/>
           </a:p>
         </p:txBody>
       </p:sp>
@@ -3995,7 +3968,7 @@
               <a:defRPr/>
             </a:pPr>
             <a:r>
-              <a:rPr lang="en-US" smtClean="0"/>
+              <a:rPr lang="en-US"/>
               <a:t>Chef Software, Inc.</a:t>
             </a:r>
             <a:endParaRPr lang="en-US" dirty="0"/>
@@ -4060,26 +4033,25 @@
           <a:lstStyle/>
           <a:p>
             <a:r>
-              <a:rPr lang="en-US" dirty="0" smtClean="0"/>
+              <a:rPr lang="en-US" dirty="0"/>
               <a:t>Remove the resources,</a:t>
             </a:r>
             <a:r>
-              <a:rPr lang="en-US" baseline="0" dirty="0" smtClean="0"/>
+              <a:rPr lang="en-US" baseline="0" dirty="0"/>
               <a:t> </a:t>
             </a:r>
             <a:r>
-              <a:rPr lang="en-US" dirty="0" smtClean="0"/>
+              <a:rPr lang="en-US" dirty="0"/>
               <a:t>that are now defined in the service</a:t>
             </a:r>
             <a:r>
-              <a:rPr lang="en-US" baseline="0" dirty="0" smtClean="0"/>
+              <a:rPr lang="en-US" baseline="0" dirty="0"/>
               <a:t> recipe, </a:t>
             </a:r>
             <a:r>
-              <a:rPr lang="en-US" dirty="0" smtClean="0"/>
+              <a:rPr lang="en-US" dirty="0"/>
               <a:t>from the default recipe</a:t>
             </a:r>
-            <a:endParaRPr lang="en-US" dirty="0"/>
           </a:p>
         </p:txBody>
       </p:sp>
@@ -4102,10 +4074,9 @@
               <a:defRPr/>
             </a:pPr>
             <a:r>
-              <a:rPr lang="en-US" smtClean="0"/>
+              <a:rPr lang="en-US"/>
               <a:t>Chef Intermediate</a:t>
             </a:r>
-            <a:endParaRPr lang="en-US"/>
           </a:p>
         </p:txBody>
       </p:sp>
@@ -4128,7 +4099,7 @@
               <a:defRPr/>
             </a:pPr>
             <a:r>
-              <a:rPr lang="en-US" smtClean="0"/>
+              <a:rPr lang="en-US"/>
               <a:t>Chef Software, Inc.</a:t>
             </a:r>
             <a:endParaRPr lang="en-US" dirty="0"/>
@@ -4210,22 +4181,22 @@
               <a:defRPr/>
             </a:pPr>
             <a:r>
-              <a:rPr lang="en-US" dirty="0" smtClean="0"/>
+              <a:rPr lang="en-US" dirty="0"/>
               <a:t>Replace the resources</a:t>
             </a:r>
             <a:r>
-              <a:rPr lang="en-US" baseline="0" dirty="0" smtClean="0"/>
+              <a:rPr lang="en-US" baseline="0" dirty="0"/>
               <a:t> that you have removed with an '</a:t>
             </a:r>
             <a:r>
-              <a:rPr lang="en-US" baseline="0" dirty="0" err="1" smtClean="0"/>
+              <a:rPr lang="en-US" baseline="0" dirty="0" err="1"/>
               <a:t>include_recipe</a:t>
             </a:r>
             <a:r>
-              <a:rPr lang="en-US" baseline="0" dirty="0" smtClean="0"/>
+              <a:rPr lang="en-US" baseline="0" dirty="0"/>
               <a:t>' that brings the newly defined service recipe.</a:t>
             </a:r>
-            <a:endParaRPr lang="en-US" dirty="0" smtClean="0"/>
+            <a:endParaRPr lang="en-US" dirty="0"/>
           </a:p>
           <a:p>
             <a:endParaRPr lang="en-US" dirty="0"/>
@@ -4251,10 +4222,9 @@
               <a:defRPr/>
             </a:pPr>
             <a:r>
-              <a:rPr lang="en-US" smtClean="0"/>
+              <a:rPr lang="en-US"/>
               <a:t>Chef Intermediate</a:t>
             </a:r>
-            <a:endParaRPr lang="en-US"/>
           </a:p>
         </p:txBody>
       </p:sp>
@@ -4277,7 +4247,7 @@
               <a:defRPr/>
             </a:pPr>
             <a:r>
-              <a:rPr lang="en-US" smtClean="0"/>
+              <a:rPr lang="en-US"/>
               <a:t>Chef Software, Inc.</a:t>
             </a:r>
             <a:endParaRPr lang="en-US" dirty="0"/>
@@ -4359,10 +4329,10 @@
               <a:defRPr/>
             </a:pPr>
             <a:r>
-              <a:rPr lang="en-US" baseline="0" dirty="0" smtClean="0"/>
+              <a:rPr lang="en-US" baseline="0" dirty="0"/>
               <a:t>The recipe changed so it is important to converge the instance.</a:t>
             </a:r>
-            <a:endParaRPr lang="en-US" dirty="0" smtClean="0"/>
+            <a:endParaRPr lang="en-US" dirty="0"/>
           </a:p>
           <a:p>
             <a:endParaRPr lang="en-US" dirty="0"/>
@@ -4388,10 +4358,9 @@
               <a:defRPr/>
             </a:pPr>
             <a:r>
-              <a:rPr lang="en-US" smtClean="0"/>
+              <a:rPr lang="en-US"/>
               <a:t>Chef Intermediate</a:t>
             </a:r>
-            <a:endParaRPr lang="en-US"/>
           </a:p>
         </p:txBody>
       </p:sp>
@@ -4414,7 +4383,7 @@
               <a:defRPr/>
             </a:pPr>
             <a:r>
-              <a:rPr lang="en-US" smtClean="0"/>
+              <a:rPr lang="en-US"/>
               <a:t>Chef Software, Inc.</a:t>
             </a:r>
             <a:endParaRPr lang="en-US" dirty="0"/>
@@ -4496,11 +4465,11 @@
               <a:defRPr/>
             </a:pPr>
             <a:r>
-              <a:rPr lang="en-US" dirty="0" smtClean="0"/>
+              <a:rPr lang="en-US" dirty="0"/>
               <a:t>If</a:t>
             </a:r>
             <a:r>
-              <a:rPr lang="en-US" baseline="0" dirty="0" smtClean="0"/>
+              <a:rPr lang="en-US" baseline="0" dirty="0"/>
               <a:t> everything converges successfully it is time to verify the state of the instance with the test that we have defined.</a:t>
             </a:r>
           </a:p>
@@ -4528,10 +4497,9 @@
               <a:defRPr/>
             </a:pPr>
             <a:r>
-              <a:rPr lang="en-US" smtClean="0"/>
+              <a:rPr lang="en-US"/>
               <a:t>Chef Intermediate</a:t>
             </a:r>
-            <a:endParaRPr lang="en-US"/>
           </a:p>
         </p:txBody>
       </p:sp>
@@ -4554,7 +4522,7 @@
               <a:defRPr/>
             </a:pPr>
             <a:r>
-              <a:rPr lang="en-US" smtClean="0"/>
+              <a:rPr lang="en-US"/>
               <a:t>Chef Software, Inc.</a:t>
             </a:r>
             <a:endParaRPr lang="en-US" dirty="0"/>
@@ -4636,14 +4604,14 @@
               <a:defRPr/>
             </a:pPr>
             <a:r>
-              <a:rPr lang="en-US" dirty="0" smtClean="0"/>
+              <a:rPr lang="en-US" dirty="0"/>
               <a:t>Congratulations you have successfully refactored the</a:t>
             </a:r>
             <a:r>
-              <a:rPr lang="en-US" baseline="0" dirty="0" smtClean="0"/>
+              <a:rPr lang="en-US" baseline="0" dirty="0"/>
               <a:t> webserver service into its own recipe.</a:t>
             </a:r>
-            <a:endParaRPr lang="en-US" dirty="0" smtClean="0"/>
+            <a:endParaRPr lang="en-US" dirty="0"/>
           </a:p>
           <a:p>
             <a:endParaRPr lang="en-US" dirty="0"/>
@@ -4669,10 +4637,9 @@
               <a:defRPr/>
             </a:pPr>
             <a:r>
-              <a:rPr lang="en-US" smtClean="0"/>
+              <a:rPr lang="en-US"/>
               <a:t>Chef Intermediate</a:t>
             </a:r>
-            <a:endParaRPr lang="en-US"/>
           </a:p>
         </p:txBody>
       </p:sp>
@@ -4695,7 +4662,7 @@
               <a:defRPr/>
             </a:pPr>
             <a:r>
-              <a:rPr lang="en-US" smtClean="0"/>
+              <a:rPr lang="en-US"/>
               <a:t>Chef Software, Inc.</a:t>
             </a:r>
             <a:endParaRPr lang="en-US" dirty="0"/>
@@ -4760,31 +4727,31 @@
           <a:lstStyle/>
           <a:p>
             <a:r>
-              <a:rPr lang="en-US" dirty="0" smtClean="0"/>
+              <a:rPr lang="en-US" dirty="0"/>
               <a:t>During the group</a:t>
             </a:r>
             <a:r>
-              <a:rPr lang="en-US" baseline="0" dirty="0" smtClean="0"/>
+              <a:rPr lang="en-US" baseline="0" dirty="0"/>
               <a:t> exercise and the lab we made changes to the recipes that we were able to verify on the test instance. If you accidently or purposefully created a typo for yourself you would have seen the converge or the verification fail. However, what if removed code from the recipes that we wrote?</a:t>
             </a:r>
           </a:p>
           <a:p>
-            <a:endParaRPr lang="en-US" baseline="0" dirty="0" smtClean="0"/>
-          </a:p>
-          <a:p>
-            <a:r>
-              <a:rPr lang="en-US" baseline="0" dirty="0" smtClean="0"/>
+            <a:endParaRPr lang="en-US" baseline="0" dirty="0"/>
+          </a:p>
+          <a:p>
+            <a:r>
+              <a:rPr lang="en-US" baseline="0" dirty="0"/>
               <a:t>The omission (or in this case removal of code) of resources could have happened. When we refactored the default recipe we may have remembered to remove the resources that manage the configuration but forgot to use the '</a:t>
             </a:r>
             <a:r>
-              <a:rPr lang="en-US" baseline="0" dirty="0" err="1" smtClean="0"/>
+              <a:rPr lang="en-US" baseline="0" dirty="0" err="1"/>
               <a:t>include_recipe</a:t>
             </a:r>
             <a:r>
-              <a:rPr lang="en-US" baseline="0" dirty="0" smtClean="0"/>
+              <a:rPr lang="en-US" baseline="0" dirty="0"/>
               <a:t>' to ensure we loaded the new recipe. Or it is possible that we created a service recipe that we never populated but made all the appropriate changes to the default recipe.</a:t>
             </a:r>
-            <a:endParaRPr lang="en-US" dirty="0" smtClean="0"/>
+            <a:endParaRPr lang="en-US" dirty="0"/>
           </a:p>
         </p:txBody>
       </p:sp>
@@ -4807,10 +4774,9 @@
               <a:defRPr/>
             </a:pPr>
             <a:r>
-              <a:rPr lang="en-US" smtClean="0"/>
+              <a:rPr lang="en-US"/>
               <a:t>Chef Intermediate</a:t>
             </a:r>
-            <a:endParaRPr lang="en-US"/>
           </a:p>
         </p:txBody>
       </p:sp>
@@ -4833,7 +4799,7 @@
               <a:defRPr/>
             </a:pPr>
             <a:r>
-              <a:rPr lang="en-US" smtClean="0"/>
+              <a:rPr lang="en-US"/>
               <a:t>Chef Software, Inc.</a:t>
             </a:r>
             <a:endParaRPr lang="en-US" dirty="0"/>
@@ -4900,12 +4866,12 @@
           <a:lstStyle/>
           <a:p>
             <a:r>
-              <a:rPr lang="en-US" baseline="0" dirty="0" smtClean="0"/>
+              <a:rPr lang="en-US" baseline="0" dirty="0"/>
               <a:t>Removing code sabotages the policy that you have defined. If you used Test Kitchen to converge and verify the cookbook and saw a failure you can sleep soundly at night knowing your tools have you covered. On the other hand, if Test Kitchen were to return success, after such a change, then it might cause you to break out in a cold sweat.</a:t>
             </a:r>
           </a:p>
           <a:p>
-            <a:endParaRPr lang="en-US" dirty="0" smtClean="0"/>
+            <a:endParaRPr lang="en-US" dirty="0"/>
           </a:p>
           <a:p>
             <a:pPr marL="0" marR="0" indent="0" algn="l" defTabSz="1217613" rtl="0" eaLnBrk="1" fontAlgn="base" latinLnBrk="0" hangingPunct="1">
@@ -4926,19 +4892,19 @@
               <a:defRPr/>
             </a:pPr>
             <a:r>
-              <a:rPr lang="en-US" dirty="0" smtClean="0"/>
+              <a:rPr lang="en-US" dirty="0"/>
               <a:t>Removing code from</a:t>
             </a:r>
             <a:r>
-              <a:rPr lang="en-US" baseline="0" dirty="0" smtClean="0"/>
+              <a:rPr lang="en-US" baseline="0" dirty="0"/>
               <a:t> a recipe or recipes is a small change. So is introducing a typo into the code, specifying a different resource name or changing the value of a resource attribute. </a:t>
             </a:r>
             <a:r>
-              <a:rPr lang="en-US" dirty="0" smtClean="0"/>
+              <a:rPr lang="en-US" dirty="0"/>
               <a:t>The process</a:t>
             </a:r>
             <a:r>
-              <a:rPr lang="en-US" baseline="0" dirty="0" smtClean="0"/>
+              <a:rPr lang="en-US" baseline="0" dirty="0"/>
               <a:t> of modifying the code in small ways and then executing the test suite against it is often times referred to as mutation testing.</a:t>
             </a:r>
           </a:p>
@@ -4963,10 +4929,9 @@
               <a:defRPr/>
             </a:pPr>
             <a:r>
-              <a:rPr lang="en-US" smtClean="0"/>
+              <a:rPr lang="en-US"/>
               <a:t>Chef Intermediate</a:t>
             </a:r>
-            <a:endParaRPr lang="en-US"/>
           </a:p>
         </p:txBody>
       </p:sp>
@@ -4989,7 +4954,7 @@
               <a:defRPr/>
             </a:pPr>
             <a:r>
-              <a:rPr lang="en-US" smtClean="0"/>
+              <a:rPr lang="en-US"/>
               <a:t>Chef Software, Inc.</a:t>
             </a:r>
             <a:endParaRPr lang="en-US" dirty="0"/>
@@ -5054,11 +5019,11 @@
           <a:lstStyle/>
           <a:p>
             <a:r>
-              <a:rPr lang="en-US" dirty="0" smtClean="0"/>
+              <a:rPr lang="en-US" dirty="0"/>
               <a:t>Before</a:t>
             </a:r>
             <a:r>
-              <a:rPr lang="en-US" baseline="0" dirty="0" smtClean="0"/>
+              <a:rPr lang="en-US" baseline="0" dirty="0"/>
               <a:t> we leave this module, let's do a little mutation testing, to ensure the test that we have defined is good enough.</a:t>
             </a:r>
           </a:p>
@@ -5083,10 +5048,9 @@
               <a:defRPr/>
             </a:pPr>
             <a:r>
-              <a:rPr lang="en-US" smtClean="0"/>
+              <a:rPr lang="en-US"/>
               <a:t>Chef Intermediate</a:t>
             </a:r>
-            <a:endParaRPr lang="en-US"/>
           </a:p>
         </p:txBody>
       </p:sp>
@@ -5109,7 +5073,7 @@
               <a:defRPr/>
             </a:pPr>
             <a:r>
-              <a:rPr lang="en-US" smtClean="0"/>
+              <a:rPr lang="en-US"/>
               <a:t>Chef Software, Inc.</a:t>
             </a:r>
             <a:endParaRPr lang="en-US" dirty="0"/>
@@ -5174,11 +5138,11 @@
           <a:lstStyle/>
           <a:p>
             <a:r>
-              <a:rPr lang="en-US" dirty="0" smtClean="0"/>
+              <a:rPr lang="en-US" dirty="0"/>
               <a:t>Return to the default recipe and choose</a:t>
             </a:r>
             <a:r>
-              <a:rPr lang="en-US" baseline="0" dirty="0" smtClean="0"/>
+              <a:rPr lang="en-US" baseline="0" dirty="0"/>
               <a:t> one line to remove or comment out. Here I have chosen to comment out the first line that includes the install recipe.</a:t>
             </a:r>
             <a:endParaRPr lang="en-US" dirty="0"/>
@@ -5204,10 +5168,9 @@
               <a:defRPr/>
             </a:pPr>
             <a:r>
-              <a:rPr lang="en-US" smtClean="0"/>
+              <a:rPr lang="en-US"/>
               <a:t>Chef Intermediate</a:t>
             </a:r>
-            <a:endParaRPr lang="en-US"/>
           </a:p>
         </p:txBody>
       </p:sp>
@@ -5230,7 +5193,7 @@
               <a:defRPr/>
             </a:pPr>
             <a:r>
-              <a:rPr lang="en-US" smtClean="0"/>
+              <a:rPr lang="en-US"/>
               <a:t>Chef Software, Inc.</a:t>
             </a:r>
             <a:endParaRPr lang="en-US" dirty="0"/>
@@ -5295,44 +5258,28 @@
           <a:lstStyle/>
           <a:p>
             <a:r>
-              <a:rPr lang="en-US" dirty="0" smtClean="0"/>
+              <a:rPr lang="en-US" dirty="0"/>
               <a:t>Our</a:t>
             </a:r>
             <a:r>
-              <a:rPr lang="en-US" baseline="0" dirty="0" smtClean="0"/>
-              <a:t> initial implementation of the default recipe for the </a:t>
-            </a:r>
-            <a:r>
-              <a:rPr lang="en-US" baseline="0" dirty="0" smtClean="0"/>
-              <a:t>apache </a:t>
-            </a:r>
-            <a:r>
-              <a:rPr lang="en-US" baseline="0" dirty="0" smtClean="0"/>
-              <a:t>cookbook defined the entire installation, configuration, and management of the service within a single recipe. This implementation has the benefit of being entirely readable from a single recipe. However, it does not easily allow for other cookbooks that may want to use the </a:t>
-            </a:r>
-            <a:r>
-              <a:rPr lang="en-US" baseline="0" dirty="0" smtClean="0"/>
-              <a:t>apache </a:t>
-            </a:r>
-            <a:r>
-              <a:rPr lang="en-US" baseline="0" dirty="0" smtClean="0"/>
-              <a:t>cookbook to easily choose the components that it may need.</a:t>
-            </a:r>
-          </a:p>
-          <a:p>
-            <a:endParaRPr lang="en-US" baseline="0" dirty="0" smtClean="0"/>
-          </a:p>
-          <a:p>
-            <a:r>
-              <a:rPr lang="en-US" baseline="0" dirty="0" smtClean="0"/>
+              <a:rPr lang="en-US" baseline="0" dirty="0"/>
+              <a:t> initial implementation of the default recipe for the apache cookbook defined the entire installation, configuration, and management of the service within a single recipe. This implementation has the benefit of being entirely readable from a single recipe. However, it does not easily allow for other cookbooks that may want to use the apache cookbook to easily choose the components that it may need.</a:t>
+            </a:r>
+          </a:p>
+          <a:p>
+            <a:endParaRPr lang="en-US" baseline="0" dirty="0"/>
+          </a:p>
+          <a:p>
+            <a:r>
+              <a:rPr lang="en-US" baseline="0" dirty="0"/>
               <a:t>An example of this is that we may deploy </a:t>
             </a:r>
             <a:r>
-              <a:rPr lang="en-US" baseline="0" dirty="0" err="1" smtClean="0"/>
+              <a:rPr lang="en-US" baseline="0" dirty="0" err="1"/>
               <a:t>wordpress</a:t>
             </a:r>
             <a:r>
-              <a:rPr lang="en-US" baseline="0" dirty="0" smtClean="0"/>
+              <a:rPr lang="en-US" baseline="0" dirty="0"/>
               <a:t> or some other web application that relies on the apache webserver installed and running. In this new cookbook we would like to re-use the resources that installs apache and the resources that manage the service. We most likely do not want to setup a test page that greets people. We are likely going to replace it with application code.</a:t>
             </a:r>
           </a:p>
@@ -5357,10 +5304,9 @@
               <a:defRPr/>
             </a:pPr>
             <a:r>
-              <a:rPr lang="en-US" smtClean="0"/>
+              <a:rPr lang="en-US"/>
               <a:t>Chef Intermediate</a:t>
             </a:r>
-            <a:endParaRPr lang="en-US"/>
           </a:p>
         </p:txBody>
       </p:sp>
@@ -5383,7 +5329,7 @@
               <a:defRPr/>
             </a:pPr>
             <a:r>
-              <a:rPr lang="en-US" smtClean="0"/>
+              <a:rPr lang="en-US"/>
               <a:t>Chef Software, Inc.</a:t>
             </a:r>
             <a:endParaRPr lang="en-US" dirty="0"/>
@@ -5448,11 +5394,11 @@
           <a:lstStyle/>
           <a:p>
             <a:r>
-              <a:rPr lang="en-US" dirty="0" smtClean="0"/>
+              <a:rPr lang="en-US" dirty="0"/>
               <a:t>Now</a:t>
             </a:r>
             <a:r>
-              <a:rPr lang="en-US" baseline="0" dirty="0" smtClean="0"/>
+              <a:rPr lang="en-US" baseline="0" dirty="0"/>
               <a:t> with that small mutation in place it is time to converge the cookbook and execute the tests.</a:t>
             </a:r>
             <a:endParaRPr lang="en-US" dirty="0"/>
@@ -5478,10 +5424,9 @@
               <a:defRPr/>
             </a:pPr>
             <a:r>
-              <a:rPr lang="en-US" smtClean="0"/>
+              <a:rPr lang="en-US"/>
               <a:t>Chef Intermediate</a:t>
             </a:r>
-            <a:endParaRPr lang="en-US"/>
           </a:p>
         </p:txBody>
       </p:sp>
@@ -5504,7 +5449,7 @@
               <a:defRPr/>
             </a:pPr>
             <a:r>
-              <a:rPr lang="en-US" smtClean="0"/>
+              <a:rPr lang="en-US"/>
               <a:t>Chef Software, Inc.</a:t>
             </a:r>
             <a:endParaRPr lang="en-US" dirty="0"/>
@@ -5569,11 +5514,11 @@
           <a:lstStyle/>
           <a:p>
             <a:r>
-              <a:rPr lang="en-US" dirty="0" smtClean="0"/>
+              <a:rPr lang="en-US" dirty="0"/>
               <a:t>When</a:t>
             </a:r>
             <a:r>
-              <a:rPr lang="en-US" baseline="0" dirty="0" smtClean="0"/>
+              <a:rPr lang="en-US" baseline="0" dirty="0"/>
               <a:t> converging the updated recipe it no longer shows the install recipe being loaded. This has changed the number of resources that are converged on the test instance. Removing the recipe from the default recipe does not remove any of the components that it previously installed.</a:t>
             </a:r>
           </a:p>
@@ -5598,10 +5543,9 @@
               <a:defRPr/>
             </a:pPr>
             <a:r>
-              <a:rPr lang="en-US" smtClean="0"/>
+              <a:rPr lang="en-US"/>
               <a:t>Chef Intermediate</a:t>
             </a:r>
-            <a:endParaRPr lang="en-US"/>
           </a:p>
         </p:txBody>
       </p:sp>
@@ -5624,7 +5568,7 @@
               <a:defRPr/>
             </a:pPr>
             <a:r>
-              <a:rPr lang="en-US" smtClean="0"/>
+              <a:rPr lang="en-US"/>
               <a:t>Chef Software, Inc.</a:t>
             </a:r>
             <a:endParaRPr lang="en-US" dirty="0"/>
@@ -5689,11 +5633,11 @@
           <a:lstStyle/>
           <a:p>
             <a:r>
-              <a:rPr lang="en-US" dirty="0" smtClean="0"/>
+              <a:rPr lang="en-US" dirty="0"/>
               <a:t>Verification of</a:t>
             </a:r>
             <a:r>
-              <a:rPr lang="en-US" baseline="0" dirty="0" smtClean="0"/>
+              <a:rPr lang="en-US" baseline="0" dirty="0"/>
               <a:t> the test instance will return a success. Despite removing the install recipe from the default recipe the test instance is still able to serving the default web page that our test is looking for when it requests data from the site.</a:t>
             </a:r>
             <a:endParaRPr lang="en-US" dirty="0"/>
@@ -5719,10 +5663,9 @@
               <a:defRPr/>
             </a:pPr>
             <a:r>
-              <a:rPr lang="en-US" smtClean="0"/>
+              <a:rPr lang="en-US"/>
               <a:t>Chef Intermediate</a:t>
             </a:r>
-            <a:endParaRPr lang="en-US"/>
           </a:p>
         </p:txBody>
       </p:sp>
@@ -5745,7 +5688,7 @@
               <a:defRPr/>
             </a:pPr>
             <a:r>
-              <a:rPr lang="en-US" smtClean="0"/>
+              <a:rPr lang="en-US"/>
               <a:t>Chef Software, Inc.</a:t>
             </a:r>
             <a:endParaRPr lang="en-US" dirty="0"/>
@@ -5810,29 +5753,29 @@
           <a:lstStyle/>
           <a:p>
             <a:r>
-              <a:rPr lang="en-US" dirty="0" smtClean="0"/>
+              <a:rPr lang="en-US" dirty="0"/>
               <a:t>This</a:t>
             </a:r>
             <a:r>
-              <a:rPr lang="en-US" baseline="0" dirty="0" smtClean="0"/>
+              <a:rPr lang="en-US" baseline="0" dirty="0"/>
               <a:t> is important feature and limitation of using Test Kitchen's 'converge' and 'verify'. Both of these commands will create a test instance the first time they are executed. Every time after these commands will use the same test instance again and again.</a:t>
             </a:r>
           </a:p>
           <a:p>
-            <a:endParaRPr lang="en-US" baseline="0" dirty="0" smtClean="0"/>
-          </a:p>
-          <a:p>
-            <a:r>
-              <a:rPr lang="en-US" baseline="0" dirty="0" smtClean="0"/>
+            <a:endParaRPr lang="en-US" baseline="0" dirty="0"/>
+          </a:p>
+          <a:p>
+            <a:r>
+              <a:rPr lang="en-US" baseline="0" dirty="0"/>
               <a:t>When we remove resources from a recipe we do not explicitly uninstall them from the test instance. We simply do not enforce their policy anymore. On an existing system, which this test instance is after the first run, this means it is actually in the desired state that we no longer define. That means that the webserver is still installed, the default web page has still been updated, and the service is still running.</a:t>
             </a:r>
           </a:p>
           <a:p>
-            <a:endParaRPr lang="en-US" baseline="0" dirty="0" smtClean="0"/>
-          </a:p>
-          <a:p>
-            <a:r>
-              <a:rPr lang="en-US" baseline="0" dirty="0" smtClean="0"/>
+            <a:endParaRPr lang="en-US" baseline="0" dirty="0"/>
+          </a:p>
+          <a:p>
+            <a:r>
+              <a:rPr lang="en-US" baseline="0" dirty="0"/>
               <a:t>To ensure our cookbook works on a new system it is important to delete the test instance and start over.</a:t>
             </a:r>
           </a:p>
@@ -5857,10 +5800,9 @@
               <a:defRPr/>
             </a:pPr>
             <a:r>
-              <a:rPr lang="en-US" smtClean="0"/>
+              <a:rPr lang="en-US"/>
               <a:t>Chef Intermediate</a:t>
             </a:r>
-            <a:endParaRPr lang="en-US"/>
           </a:p>
         </p:txBody>
       </p:sp>
@@ -5883,7 +5825,7 @@
               <a:defRPr/>
             </a:pPr>
             <a:r>
-              <a:rPr lang="en-US" smtClean="0"/>
+              <a:rPr lang="en-US"/>
               <a:t>Chef Software, Inc.</a:t>
             </a:r>
             <a:endParaRPr lang="en-US" dirty="0"/>
@@ -5948,32 +5890,31 @@
           <a:lstStyle/>
           <a:p>
             <a:r>
-              <a:rPr lang="en-US" dirty="0" smtClean="0"/>
+              <a:rPr lang="en-US" dirty="0"/>
               <a:t>Test</a:t>
             </a:r>
             <a:r>
-              <a:rPr lang="en-US" baseline="0" dirty="0" smtClean="0"/>
+              <a:rPr lang="en-US" baseline="0" dirty="0"/>
               <a:t> Kitchen provides the 'destroy' subcommand. </a:t>
             </a:r>
             <a:r>
-              <a:rPr lang="en-US" dirty="0" smtClean="0"/>
+              <a:rPr lang="en-US" dirty="0"/>
               <a:t>Destroy is available at all stages and essentially cleans up the instance.</a:t>
             </a:r>
             <a:r>
-              <a:rPr lang="en-US" baseline="0" dirty="0" smtClean="0"/>
+              <a:rPr lang="en-US" baseline="0" dirty="0"/>
               <a:t> This is useful when you make changes to the configuration policy you define and you want to ensure that it will work on a brand new instance.</a:t>
             </a:r>
-            <a:endParaRPr lang="en-US" dirty="0" smtClean="0"/>
-          </a:p>
-          <a:p>
-            <a:endParaRPr lang="en-US" dirty="0" smtClean="0"/>
-          </a:p>
-          <a:p>
-            <a:r>
-              <a:rPr lang="en-US" dirty="0" smtClean="0"/>
+            <a:endParaRPr lang="en-US" dirty="0"/>
+          </a:p>
+          <a:p>
+            <a:endParaRPr lang="en-US" dirty="0"/>
+          </a:p>
+          <a:p>
+            <a:r>
+              <a:rPr lang="en-US" dirty="0"/>
               <a:t>Instructor Note:  It works as all the other commands do with regard to parameters and targeting instances.</a:t>
             </a:r>
-            <a:endParaRPr lang="en-US" dirty="0"/>
           </a:p>
         </p:txBody>
       </p:sp>
@@ -5996,10 +5937,9 @@
               <a:defRPr/>
             </a:pPr>
             <a:r>
-              <a:rPr lang="en-US" smtClean="0"/>
+              <a:rPr lang="en-US"/>
               <a:t>Chef Intermediate</a:t>
             </a:r>
-            <a:endParaRPr lang="en-US"/>
           </a:p>
         </p:txBody>
       </p:sp>
@@ -6022,7 +5962,7 @@
               <a:defRPr/>
             </a:pPr>
             <a:r>
-              <a:rPr lang="en-US" smtClean="0"/>
+              <a:rPr lang="en-US"/>
               <a:t>Chef Software, Inc.</a:t>
             </a:r>
             <a:endParaRPr lang="en-US" dirty="0"/>
@@ -6087,24 +6027,23 @@
           <a:lstStyle/>
           <a:p>
             <a:r>
-              <a:rPr lang="en-US" dirty="0" smtClean="0"/>
+              <a:rPr lang="en-US" dirty="0"/>
               <a:t>Test</a:t>
             </a:r>
             <a:r>
-              <a:rPr lang="en-US" baseline="0" dirty="0" smtClean="0"/>
+              <a:rPr lang="en-US" baseline="0" dirty="0"/>
               <a:t> Kitchen also provides the subcommand 'test'. Test provides one command that wraps up all the stages in one command. It will destroy any test instance that exists at the start, create a new one, converge the run list on that instance, and the verify it. If everything passes the 'test' subcommand will finish by destroying that instance. If it fails at one of these steps it usually leaves the instance running to allow you to troubleshoot it.</a:t>
             </a:r>
-            <a:endParaRPr lang="en-US" dirty="0" smtClean="0"/>
-          </a:p>
-          <a:p>
-            <a:endParaRPr lang="en-US" dirty="0" smtClean="0"/>
-          </a:p>
-          <a:p>
-            <a:r>
-              <a:rPr lang="en-US" dirty="0" smtClean="0"/>
+            <a:endParaRPr lang="en-US" dirty="0"/>
+          </a:p>
+          <a:p>
+            <a:endParaRPr lang="en-US" dirty="0"/>
+          </a:p>
+          <a:p>
+            <a:r>
+              <a:rPr lang="en-US" dirty="0"/>
               <a:t>Instructor Note:  It works as all the other commands do with regard to parameters and targeting instances.</a:t>
             </a:r>
-            <a:endParaRPr lang="en-US" dirty="0"/>
           </a:p>
         </p:txBody>
       </p:sp>
@@ -6127,10 +6066,9 @@
               <a:defRPr/>
             </a:pPr>
             <a:r>
-              <a:rPr lang="en-US" smtClean="0"/>
+              <a:rPr lang="en-US"/>
               <a:t>Chef Intermediate</a:t>
             </a:r>
-            <a:endParaRPr lang="en-US"/>
           </a:p>
         </p:txBody>
       </p:sp>
@@ -6153,7 +6091,7 @@
               <a:defRPr/>
             </a:pPr>
             <a:r>
-              <a:rPr lang="en-US" smtClean="0"/>
+              <a:rPr lang="en-US"/>
               <a:t>Chef Software, Inc.</a:t>
             </a:r>
             <a:endParaRPr lang="en-US" dirty="0"/>
@@ -6218,11 +6156,11 @@
           <a:lstStyle/>
           <a:p>
             <a:r>
-              <a:rPr lang="en-US" dirty="0" smtClean="0"/>
+              <a:rPr lang="en-US" dirty="0"/>
               <a:t>Running</a:t>
             </a:r>
             <a:r>
-              <a:rPr lang="en-US" baseline="0" dirty="0" smtClean="0"/>
+              <a:rPr lang="en-US" baseline="0" dirty="0"/>
               <a:t> 'kitchen test' is useful if want to ensure the policy you defined works on a new instance.</a:t>
             </a:r>
             <a:endParaRPr lang="en-US" dirty="0"/>
@@ -6248,10 +6186,9 @@
               <a:defRPr/>
             </a:pPr>
             <a:r>
-              <a:rPr lang="en-US" smtClean="0"/>
+              <a:rPr lang="en-US"/>
               <a:t>Chef Intermediate</a:t>
             </a:r>
-            <a:endParaRPr lang="en-US"/>
           </a:p>
         </p:txBody>
       </p:sp>
@@ -6274,7 +6211,7 @@
               <a:defRPr/>
             </a:pPr>
             <a:r>
-              <a:rPr lang="en-US" smtClean="0"/>
+              <a:rPr lang="en-US"/>
               <a:t>Chef Software, Inc.</a:t>
             </a:r>
             <a:endParaRPr lang="en-US" dirty="0"/>
@@ -6339,11 +6276,11 @@
           <a:lstStyle/>
           <a:p>
             <a:r>
-              <a:rPr lang="en-US" dirty="0" smtClean="0"/>
+              <a:rPr lang="en-US" dirty="0"/>
               <a:t>Running 'kitchen</a:t>
             </a:r>
             <a:r>
-              <a:rPr lang="en-US" baseline="0" dirty="0" smtClean="0"/>
+              <a:rPr lang="en-US" baseline="0" dirty="0"/>
               <a:t> test' in this instance will expose the issue that we created by removing that installation of the webserver. This is because the new instance no longer installed the necessary packages so the file path was never created for the default HTML file and there are no services to run.</a:t>
             </a:r>
           </a:p>
@@ -6352,7 +6289,7 @@
           </a:p>
           <a:p>
             <a:r>
-              <a:rPr lang="en-US" baseline="0" dirty="0" smtClean="0"/>
+              <a:rPr lang="en-US" baseline="0" dirty="0"/>
               <a:t>The test that you wrote correctly verifies the state of the system. What is important to notice is that there are important differences in the Test Kitchen commands.</a:t>
             </a:r>
           </a:p>
@@ -6377,10 +6314,9 @@
               <a:defRPr/>
             </a:pPr>
             <a:r>
-              <a:rPr lang="en-US" smtClean="0"/>
+              <a:rPr lang="en-US"/>
               <a:t>Chef Intermediate</a:t>
             </a:r>
-            <a:endParaRPr lang="en-US"/>
           </a:p>
         </p:txBody>
       </p:sp>
@@ -6403,7 +6339,7 @@
               <a:defRPr/>
             </a:pPr>
             <a:r>
-              <a:rPr lang="en-US" smtClean="0"/>
+              <a:rPr lang="en-US"/>
               <a:t>Chef Software, Inc.</a:t>
             </a:r>
             <a:endParaRPr lang="en-US" dirty="0"/>
@@ -6468,23 +6404,23 @@
           <a:lstStyle/>
           <a:p>
             <a:r>
-              <a:rPr lang="en-US" dirty="0" smtClean="0"/>
+              <a:rPr lang="en-US" dirty="0"/>
               <a:t>Using</a:t>
             </a:r>
             <a:r>
-              <a:rPr lang="en-US" baseline="0" dirty="0" smtClean="0"/>
+              <a:rPr lang="en-US" baseline="0" dirty="0"/>
               <a:t> Test Kitchen to run 'kitchen converge' and 'kitchen verify' is much faster because you are essentially applying and verifying the policy that you have defined against an already running instance. The drawback is that only running 'converge' and 'verify' will not demonstrate for you how your policy will act on a brand new instance.</a:t>
             </a:r>
           </a:p>
           <a:p>
-            <a:endParaRPr lang="en-US" baseline="0" dirty="0" smtClean="0"/>
-          </a:p>
-          <a:p>
-            <a:r>
-              <a:rPr lang="en-US" baseline="0" dirty="0" smtClean="0"/>
+            <a:endParaRPr lang="en-US" baseline="0" dirty="0"/>
+          </a:p>
+          <a:p>
+            <a:r>
+              <a:rPr lang="en-US" baseline="0" dirty="0"/>
               <a:t>Using Test Kitchen to run 'kitchen test' is slower because every time you are recreating the test instance, installing chef, and applying the policy on that new instance. The drawback here is the longer feedback cycle and only running 'test' will not demonstrate for you how your policy will act on an existing instance.</a:t>
             </a:r>
-            <a:endParaRPr lang="en-US" dirty="0" smtClean="0"/>
+            <a:endParaRPr lang="en-US" dirty="0"/>
           </a:p>
         </p:txBody>
       </p:sp>
@@ -6507,10 +6443,9 @@
               <a:defRPr/>
             </a:pPr>
             <a:r>
-              <a:rPr lang="en-US" smtClean="0"/>
+              <a:rPr lang="en-US"/>
               <a:t>Chef Intermediate</a:t>
             </a:r>
-            <a:endParaRPr lang="en-US"/>
           </a:p>
         </p:txBody>
       </p:sp>
@@ -6533,7 +6468,7 @@
               <a:defRPr/>
             </a:pPr>
             <a:r>
-              <a:rPr lang="en-US" smtClean="0"/>
+              <a:rPr lang="en-US"/>
               <a:t>Chef Software, Inc.</a:t>
             </a:r>
             <a:endParaRPr lang="en-US" dirty="0"/>
@@ -6598,11 +6533,11 @@
           <a:lstStyle/>
           <a:p>
             <a:r>
-              <a:rPr lang="en-US" dirty="0" smtClean="0"/>
+              <a:rPr lang="en-US" dirty="0"/>
               <a:t>Removing</a:t>
             </a:r>
             <a:r>
-              <a:rPr lang="en-US" baseline="0" dirty="0" smtClean="0"/>
+              <a:rPr lang="en-US" baseline="0" dirty="0"/>
               <a:t> code and causing a failure showed us some of the differences between 'kitchen converge and verify' and 'kitchen test'. To ensure that we understand these important differences let's have a discussion.</a:t>
             </a:r>
           </a:p>
@@ -6627,10 +6562,9 @@
               <a:defRPr/>
             </a:pPr>
             <a:r>
-              <a:rPr lang="en-US" smtClean="0"/>
+              <a:rPr lang="en-US"/>
               <a:t>Chef Intermediate</a:t>
             </a:r>
-            <a:endParaRPr lang="en-US"/>
           </a:p>
         </p:txBody>
       </p:sp>
@@ -6653,7 +6587,7 @@
               <a:defRPr/>
             </a:pPr>
             <a:r>
-              <a:rPr lang="en-US" smtClean="0"/>
+              <a:rPr lang="en-US"/>
               <a:t>Chef Software, Inc.</a:t>
             </a:r>
             <a:endParaRPr lang="en-US" dirty="0"/>
@@ -6718,19 +6652,19 @@
           <a:lstStyle/>
           <a:p>
             <a:r>
-              <a:rPr lang="en-US" dirty="0" smtClean="0"/>
+              <a:rPr lang="en-US" dirty="0"/>
               <a:t>The '</a:t>
             </a:r>
             <a:r>
-              <a:rPr lang="en-US" dirty="0" err="1" smtClean="0"/>
+              <a:rPr lang="en-US" dirty="0" err="1"/>
               <a:t>include_recipe</a:t>
             </a:r>
             <a:r>
-              <a:rPr lang="en-US" dirty="0" smtClean="0"/>
+              <a:rPr lang="en-US" dirty="0"/>
               <a:t>' method</a:t>
             </a:r>
             <a:r>
-              <a:rPr lang="en-US" baseline="0" dirty="0" smtClean="0"/>
+              <a:rPr lang="en-US" baseline="0" dirty="0"/>
               <a:t> can be used to include recipes from the same cookbook or external cookbooks. It allows us to accomplish what we saw previously. This gives us the ability to build recipes in more modular ways promoting better re-use patterns within the cookbooks we write.</a:t>
             </a:r>
             <a:endParaRPr lang="en-US" dirty="0"/>
@@ -6756,10 +6690,9 @@
               <a:defRPr/>
             </a:pPr>
             <a:r>
-              <a:rPr lang="en-US" smtClean="0"/>
+              <a:rPr lang="en-US"/>
               <a:t>Chef Intermediate</a:t>
             </a:r>
-            <a:endParaRPr lang="en-US"/>
           </a:p>
         </p:txBody>
       </p:sp>
@@ -6782,7 +6715,7 @@
               <a:defRPr/>
             </a:pPr>
             <a:r>
-              <a:rPr lang="en-US" smtClean="0"/>
+              <a:rPr lang="en-US"/>
               <a:t>Chef Software, Inc.</a:t>
             </a:r>
             <a:endParaRPr lang="en-US" dirty="0"/>
@@ -6864,13 +6797,13 @@
               <a:defRPr/>
             </a:pPr>
             <a:r>
-              <a:rPr lang="en-US" baseline="0" dirty="0" smtClean="0"/>
+              <a:rPr lang="en-US" baseline="0" dirty="0"/>
               <a:t>Instructor Note: With large groups I often find it better to have individuals turn to the individuals around them, form groups of whatever size they feel comfortable, and have them take turns asking and answering the questions. When all the groups are done I then open the discussion up to the entire group allowing each group or individuals to share their answers.</a:t>
             </a:r>
-            <a:endParaRPr lang="en-US" dirty="0" smtClean="0"/>
-          </a:p>
-          <a:p>
-            <a:endParaRPr lang="en-US" dirty="0" smtClean="0"/>
+            <a:endParaRPr lang="en-US" dirty="0"/>
+          </a:p>
+          <a:p>
+            <a:endParaRPr lang="en-US" dirty="0"/>
           </a:p>
         </p:txBody>
       </p:sp>
@@ -6893,10 +6826,9 @@
               <a:defRPr/>
             </a:pPr>
             <a:r>
-              <a:rPr lang="en-US" smtClean="0"/>
+              <a:rPr lang="en-US"/>
               <a:t>Chef Intermediate</a:t>
             </a:r>
-            <a:endParaRPr lang="en-US"/>
           </a:p>
         </p:txBody>
       </p:sp>
@@ -6919,7 +6851,7 @@
               <a:defRPr/>
             </a:pPr>
             <a:r>
-              <a:rPr lang="en-US" smtClean="0"/>
+              <a:rPr lang="en-US"/>
               <a:t>Chef Software, Inc.</a:t>
             </a:r>
             <a:endParaRPr lang="en-US" dirty="0"/>
@@ -7001,14 +6933,14 @@
               <a:defRPr/>
             </a:pPr>
             <a:r>
-              <a:rPr lang="en-US" dirty="0" smtClean="0"/>
+              <a:rPr lang="en-US" dirty="0"/>
               <a:t>Before</a:t>
             </a:r>
             <a:r>
-              <a:rPr lang="en-US" baseline="0" dirty="0" smtClean="0"/>
+              <a:rPr lang="en-US" baseline="0" dirty="0"/>
               <a:t> we complete this section, let us pause for questions.</a:t>
             </a:r>
-            <a:endParaRPr lang="en-US" dirty="0" smtClean="0"/>
+            <a:endParaRPr lang="en-US" dirty="0"/>
           </a:p>
         </p:txBody>
       </p:sp>
@@ -7031,10 +6963,9 @@
               <a:defRPr/>
             </a:pPr>
             <a:r>
-              <a:rPr lang="en-US" smtClean="0"/>
+              <a:rPr lang="en-US"/>
               <a:t>Chef Intermediate</a:t>
             </a:r>
-            <a:endParaRPr lang="en-US"/>
           </a:p>
         </p:txBody>
       </p:sp>
@@ -7057,7 +6988,7 @@
               <a:defRPr/>
             </a:pPr>
             <a:r>
-              <a:rPr lang="en-US" smtClean="0"/>
+              <a:rPr lang="en-US"/>
               <a:t>Chef Software, Inc.</a:t>
             </a:r>
             <a:endParaRPr lang="en-US" dirty="0"/>
@@ -7139,7 +7070,7 @@
               <a:defRPr/>
             </a:pPr>
             <a:r>
-              <a:rPr lang="en-US" baseline="0" dirty="0" smtClean="0"/>
+              <a:rPr lang="en-US" baseline="0" dirty="0"/>
               <a:t>You have performed the complete TDD cycle from start to finish. Now that you have seen this cycle and understand that we are simply going to continue to repeat it as we develop cookbooks it is important to talk about the amount of time it takes for us to get feedback. In the next section we are going to explore that further by introducing a new testing tool and language that promises to give us faster feedback.</a:t>
             </a:r>
           </a:p>
@@ -7164,10 +7095,9 @@
               <a:defRPr/>
             </a:pPr>
             <a:r>
-              <a:rPr lang="en-US" smtClean="0"/>
+              <a:rPr lang="en-US"/>
               <a:t>Chef Intermediate</a:t>
             </a:r>
-            <a:endParaRPr lang="en-US"/>
           </a:p>
         </p:txBody>
       </p:sp>
@@ -7190,7 +7120,7 @@
               <a:defRPr/>
             </a:pPr>
             <a:r>
-              <a:rPr lang="en-US" smtClean="0"/>
+              <a:rPr lang="en-US"/>
               <a:t>Chef Software, Inc.</a:t>
             </a:r>
             <a:endParaRPr lang="en-US" dirty="0"/>
@@ -7277,7 +7207,7 @@
               <a:defRPr/>
             </a:pPr>
             <a:r>
-              <a:rPr lang="en-US" smtClean="0"/>
+              <a:rPr lang="en-US"/>
               <a:t>Chef Software, Inc.</a:t>
             </a:r>
             <a:endParaRPr lang="en-US" dirty="0"/>
@@ -7303,10 +7233,9 @@
               <a:defRPr/>
             </a:pPr>
             <a:r>
-              <a:rPr lang="en-US" smtClean="0"/>
+              <a:rPr lang="en-US"/>
               <a:t>Chef Intermediate</a:t>
             </a:r>
-            <a:endParaRPr lang="en-US"/>
           </a:p>
         </p:txBody>
       </p:sp>
@@ -7385,15 +7314,15 @@
               <a:defRPr/>
             </a:pPr>
             <a:r>
-              <a:rPr lang="en-US" baseline="0" dirty="0" smtClean="0"/>
+              <a:rPr lang="en-US" baseline="0" dirty="0"/>
               <a:t>To allow better re-use we can choose to refactor a single recipe into more modular recipes that focus on their individual concerns. Then these recipes can be included into the original single recipe through the '</a:t>
             </a:r>
             <a:r>
-              <a:rPr lang="en-US" baseline="0" dirty="0" err="1" smtClean="0"/>
+              <a:rPr lang="en-US" baseline="0" dirty="0" err="1"/>
               <a:t>include_recipe</a:t>
             </a:r>
             <a:r>
-              <a:rPr lang="en-US" baseline="0" dirty="0" smtClean="0"/>
+              <a:rPr lang="en-US" baseline="0" dirty="0"/>
               <a:t>' method.</a:t>
             </a:r>
           </a:p>
@@ -7418,10 +7347,9 @@
               <a:defRPr/>
             </a:pPr>
             <a:r>
-              <a:rPr lang="en-US" smtClean="0"/>
+              <a:rPr lang="en-US"/>
               <a:t>Chef Intermediate</a:t>
             </a:r>
-            <a:endParaRPr lang="en-US"/>
           </a:p>
         </p:txBody>
       </p:sp>
@@ -7444,7 +7372,7 @@
               <a:defRPr/>
             </a:pPr>
             <a:r>
-              <a:rPr lang="en-US" smtClean="0"/>
+              <a:rPr lang="en-US"/>
               <a:t>Chef Software, Inc.</a:t>
             </a:r>
             <a:endParaRPr lang="en-US" dirty="0"/>
@@ -7509,20 +7437,20 @@
           <a:lstStyle/>
           <a:p>
             <a:r>
-              <a:rPr lang="en-US" dirty="0" smtClean="0"/>
+              <a:rPr lang="en-US" dirty="0"/>
               <a:t>This more modular</a:t>
             </a:r>
             <a:r>
-              <a:rPr lang="en-US" baseline="0" dirty="0" smtClean="0"/>
+              <a:rPr lang="en-US" baseline="0" dirty="0"/>
               <a:t> approach to recipes is very common as the complexity of the cookbook continues to grow. The complexity of the cookbook we are developing is not there, nor will it ever be there for the entirety of this course. However, we are still going to use this opportunity to prematurely optimize to demonstrate the refactoring of a cookbook.</a:t>
             </a:r>
           </a:p>
           <a:p>
-            <a:endParaRPr lang="en-US" baseline="0" dirty="0" smtClean="0"/>
-          </a:p>
-          <a:p>
-            <a:r>
-              <a:rPr lang="en-US" baseline="0" dirty="0" smtClean="0"/>
+            <a:endParaRPr lang="en-US" baseline="0" dirty="0"/>
+          </a:p>
+          <a:p>
+            <a:r>
+              <a:rPr lang="en-US" baseline="0" dirty="0"/>
               <a:t>Together we will work through creating a recipe that manages the installation of the webserver.</a:t>
             </a:r>
           </a:p>
@@ -7547,10 +7475,9 @@
               <a:defRPr/>
             </a:pPr>
             <a:r>
-              <a:rPr lang="en-US" smtClean="0"/>
+              <a:rPr lang="en-US"/>
               <a:t>Chef Intermediate</a:t>
             </a:r>
-            <a:endParaRPr lang="en-US"/>
           </a:p>
         </p:txBody>
       </p:sp>
@@ -7573,7 +7500,7 @@
               <a:defRPr/>
             </a:pPr>
             <a:r>
-              <a:rPr lang="en-US" smtClean="0"/>
+              <a:rPr lang="en-US"/>
               <a:t>Chef Software, Inc.</a:t>
             </a:r>
             <a:endParaRPr lang="en-US" dirty="0"/>
@@ -7638,11 +7565,11 @@
           <a:lstStyle/>
           <a:p>
             <a:r>
-              <a:rPr lang="en-US" dirty="0" smtClean="0"/>
+              <a:rPr lang="en-US" dirty="0"/>
               <a:t>Firs</a:t>
             </a:r>
             <a:r>
-              <a:rPr lang="en-US" baseline="0" dirty="0" smtClean="0"/>
+              <a:rPr lang="en-US" baseline="0" dirty="0"/>
               <a:t>t let's return to the chef generator tool and it what information it needs to generate a recipe within a cookbook. The recipe generator can be run from within a cookbook or outside of it. If you are within a cookbook you do not need to specify a path to the cookbook; it's optional.</a:t>
             </a:r>
           </a:p>
@@ -7667,10 +7594,9 @@
               <a:defRPr/>
             </a:pPr>
             <a:r>
-              <a:rPr lang="en-US" smtClean="0"/>
+              <a:rPr lang="en-US"/>
               <a:t>Chef Intermediate</a:t>
             </a:r>
-            <a:endParaRPr lang="en-US"/>
           </a:p>
         </p:txBody>
       </p:sp>
@@ -7693,7 +7619,7 @@
               <a:defRPr/>
             </a:pPr>
             <a:r>
-              <a:rPr lang="en-US" smtClean="0"/>
+              <a:rPr lang="en-US"/>
               <a:t>Chef Software, Inc.</a:t>
             </a:r>
             <a:endParaRPr lang="en-US" dirty="0"/>
@@ -7758,20 +7684,20 @@
           <a:lstStyle/>
           <a:p>
             <a:r>
-              <a:rPr lang="en-US" dirty="0" smtClean="0"/>
+              <a:rPr lang="en-US" dirty="0"/>
               <a:t>Since we are within the</a:t>
             </a:r>
             <a:r>
-              <a:rPr lang="en-US" baseline="0" dirty="0" smtClean="0"/>
+              <a:rPr lang="en-US" baseline="0" dirty="0"/>
               <a:t> cookbook directory you simply need to provide it the name of the recipe you want created.</a:t>
             </a:r>
           </a:p>
           <a:p>
-            <a:endParaRPr lang="en-US" baseline="0" dirty="0" smtClean="0"/>
-          </a:p>
-          <a:p>
-            <a:r>
-              <a:rPr lang="en-US" baseline="0" dirty="0" smtClean="0"/>
+            <a:endParaRPr lang="en-US" baseline="0" dirty="0"/>
+          </a:p>
+          <a:p>
+            <a:r>
+              <a:rPr lang="en-US" baseline="0" dirty="0"/>
               <a:t>Instructor Note: The generator will create the recipe file with the recipes directory and also a spec file within the unit test directory. Unit testing is a topic that we will discuss in the next module.</a:t>
             </a:r>
             <a:endParaRPr lang="en-US" dirty="0"/>
@@ -7797,10 +7723,9 @@
               <a:defRPr/>
             </a:pPr>
             <a:r>
-              <a:rPr lang="en-US" smtClean="0"/>
+              <a:rPr lang="en-US"/>
               <a:t>Chef Intermediate</a:t>
             </a:r>
-            <a:endParaRPr lang="en-US"/>
           </a:p>
         </p:txBody>
       </p:sp>
@@ -7823,7 +7748,7 @@
               <a:defRPr/>
             </a:pPr>
             <a:r>
-              <a:rPr lang="en-US" smtClean="0"/>
+              <a:rPr lang="en-US"/>
               <a:t>Chef Software, Inc.</a:t>
             </a:r>
             <a:endParaRPr lang="en-US" dirty="0"/>
@@ -7906,7 +7831,7 @@
           </a:lstStyle>
           <a:p>
             <a:r>
-              <a:rPr lang="en-US" smtClean="0"/>
+              <a:rPr lang="en-US"/>
               <a:t>Click to edit Master title style</a:t>
             </a:r>
             <a:endParaRPr lang="en-US" dirty="0"/>
@@ -7964,7 +7889,7 @@
           <a:p>
             <a:pPr lvl="0"/>
             <a:r>
-              <a:rPr lang="en-US" smtClean="0"/>
+              <a:rPr lang="en-US"/>
               <a:t>Click to edit Master text styles</a:t>
             </a:r>
           </a:p>
@@ -8046,7 +7971,7 @@
           </a:lstStyle>
           <a:p>
             <a:r>
-              <a:rPr lang="en-US" smtClean="0"/>
+              <a:rPr lang="en-US"/>
               <a:t>Click to edit Master title style</a:t>
             </a:r>
             <a:endParaRPr lang="en-US" dirty="0"/>
@@ -8104,7 +8029,7 @@
           <a:p>
             <a:pPr lvl="0"/>
             <a:r>
-              <a:rPr lang="en-US" dirty="0" smtClean="0"/>
+              <a:rPr lang="en-US" dirty="0"/>
               <a:t>source code</a:t>
             </a:r>
           </a:p>
@@ -8150,28 +8075,28 @@
           <a:p>
             <a:pPr lvl="0"/>
             <a:r>
-              <a:rPr lang="en-US" smtClean="0"/>
+              <a:rPr lang="en-US"/>
               <a:t>Click to edit Master text styles</a:t>
             </a:r>
           </a:p>
           <a:p>
             <a:pPr lvl="1"/>
             <a:r>
-              <a:rPr lang="en-US" smtClean="0"/>
+              <a:rPr lang="en-US"/>
               <a:t>Second level</a:t>
             </a:r>
           </a:p>
           <a:p>
             <a:pPr lvl="2"/>
             <a:r>
-              <a:rPr lang="en-US" smtClean="0"/>
+              <a:rPr lang="en-US"/>
               <a:t>Third level</a:t>
             </a:r>
           </a:p>
           <a:p>
             <a:pPr lvl="3"/>
             <a:r>
-              <a:rPr lang="en-US" smtClean="0"/>
+              <a:rPr lang="en-US"/>
               <a:t>Fourth level</a:t>
             </a:r>
           </a:p>
@@ -8215,7 +8140,7 @@
           <a:p>
             <a:pPr lvl="0"/>
             <a:r>
-              <a:rPr lang="en-US" dirty="0" smtClean="0"/>
+              <a:rPr lang="en-US" dirty="0"/>
               <a:t>-</a:t>
             </a:r>
           </a:p>
@@ -8259,7 +8184,7 @@
           <a:p>
             <a:pPr lvl="0"/>
             <a:r>
-              <a:rPr lang="en-US" dirty="0" smtClean="0"/>
+              <a:rPr lang="en-US" dirty="0"/>
               <a:t>+</a:t>
             </a:r>
           </a:p>
@@ -8408,14 +8333,14 @@
           </a:ln>
           <a:extLst>
             <a:ext uri="{909E8E84-426E-40dd-AFC4-6F175D3DCCD1}">
-              <a14:hiddenFill xmlns:a14="http://schemas.microsoft.com/office/drawing/2010/main" xmlns="">
+              <a14:hiddenFill xmlns="" xmlns:a14="http://schemas.microsoft.com/office/drawing/2010/main">
                 <a:solidFill>
                   <a:srgbClr val="FFFFFF"/>
                 </a:solidFill>
               </a14:hiddenFill>
             </a:ext>
             <a:ext uri="{91240B29-F687-4f45-9708-019B960494DF}">
-              <a14:hiddenLine xmlns:a14="http://schemas.microsoft.com/office/drawing/2010/main" xmlns="" w="9525">
+              <a14:hiddenLine xmlns="" xmlns:a14="http://schemas.microsoft.com/office/drawing/2010/main" w="9525">
                 <a:solidFill>
                   <a:srgbClr val="000000"/>
                 </a:solidFill>
@@ -8563,14 +8488,14 @@
           </a:ln>
           <a:extLst>
             <a:ext uri="{909E8E84-426E-40dd-AFC4-6F175D3DCCD1}">
-              <a14:hiddenFill xmlns:a14="http://schemas.microsoft.com/office/drawing/2010/main" xmlns="">
+              <a14:hiddenFill xmlns="" xmlns:a14="http://schemas.microsoft.com/office/drawing/2010/main">
                 <a:solidFill>
                   <a:srgbClr val="FFFFFF"/>
                 </a:solidFill>
               </a14:hiddenFill>
             </a:ext>
             <a:ext uri="{91240B29-F687-4f45-9708-019B960494DF}">
-              <a14:hiddenLine xmlns:a14="http://schemas.microsoft.com/office/drawing/2010/main" xmlns="" w="9525">
+              <a14:hiddenLine xmlns="" xmlns:a14="http://schemas.microsoft.com/office/drawing/2010/main" w="9525">
                 <a:solidFill>
                   <a:srgbClr val="000000"/>
                 </a:solidFill>
@@ -8798,21 +8723,21 @@
           <a:p>
             <a:pPr lvl="0"/>
             <a:r>
-              <a:rPr lang="en-US" smtClean="0"/>
+              <a:rPr lang="en-US"/>
               <a:t>Click to edit Master text styles</a:t>
             </a:r>
           </a:p>
           <a:p>
             <a:pPr lvl="1"/>
             <a:r>
-              <a:rPr lang="en-US" smtClean="0"/>
+              <a:rPr lang="en-US"/>
               <a:t>Second level</a:t>
             </a:r>
           </a:p>
           <a:p>
             <a:pPr lvl="2"/>
             <a:r>
-              <a:rPr lang="en-US" smtClean="0"/>
+              <a:rPr lang="en-US"/>
               <a:t>Third level</a:t>
             </a:r>
           </a:p>
@@ -8858,21 +8783,21 @@
           <a:p>
             <a:pPr lvl="0"/>
             <a:r>
-              <a:rPr lang="en-US" smtClean="0"/>
+              <a:rPr lang="en-US"/>
               <a:t>Click to edit Master text styles</a:t>
             </a:r>
           </a:p>
           <a:p>
             <a:pPr lvl="1"/>
             <a:r>
-              <a:rPr lang="en-US" smtClean="0"/>
+              <a:rPr lang="en-US"/>
               <a:t>Second level</a:t>
             </a:r>
           </a:p>
           <a:p>
             <a:pPr lvl="2"/>
             <a:r>
-              <a:rPr lang="en-US" smtClean="0"/>
+              <a:rPr lang="en-US"/>
               <a:t>Third level</a:t>
             </a:r>
           </a:p>
@@ -8912,7 +8837,7 @@
           <a:p>
             <a:pPr lvl="0"/>
             <a:r>
-              <a:rPr lang="en-US" dirty="0" smtClean="0"/>
+              <a:rPr lang="en-US" dirty="0"/>
               <a:t>A</a:t>
             </a:r>
           </a:p>
@@ -8952,7 +8877,7 @@
           <a:p>
             <a:pPr lvl="0"/>
             <a:r>
-              <a:rPr lang="en-US" dirty="0" smtClean="0"/>
+              <a:rPr lang="en-US" dirty="0"/>
               <a:t>B</a:t>
             </a:r>
           </a:p>
@@ -9061,14 +8986,14 @@
           </a:ln>
           <a:extLst>
             <a:ext uri="{909E8E84-426E-40dd-AFC4-6F175D3DCCD1}">
-              <a14:hiddenFill xmlns:a14="http://schemas.microsoft.com/office/drawing/2010/main" xmlns="">
+              <a14:hiddenFill xmlns="" xmlns:a14="http://schemas.microsoft.com/office/drawing/2010/main">
                 <a:solidFill>
                   <a:srgbClr val="FFFFFF"/>
                 </a:solidFill>
               </a14:hiddenFill>
             </a:ext>
             <a:ext uri="{91240B29-F687-4f45-9708-019B960494DF}">
-              <a14:hiddenLine xmlns:a14="http://schemas.microsoft.com/office/drawing/2010/main" xmlns="" w="9525">
+              <a14:hiddenLine xmlns="" xmlns:a14="http://schemas.microsoft.com/office/drawing/2010/main" w="9525">
                 <a:solidFill>
                   <a:srgbClr val="000000"/>
                 </a:solidFill>
@@ -9231,10 +9156,9 @@
           </a:lstStyle>
           <a:p>
             <a:r>
-              <a:rPr lang="en-US" dirty="0" smtClean="0"/>
+              <a:rPr lang="en-US" dirty="0"/>
               <a:t>Motivation</a:t>
             </a:r>
-            <a:endParaRPr lang="en-US" dirty="0"/>
           </a:p>
         </p:txBody>
       </p:sp>
@@ -9361,7 +9285,7 @@
           </a:lstStyle>
           <a:p>
             <a:r>
-              <a:rPr lang="en-US" dirty="0" smtClean="0"/>
+              <a:rPr lang="en-US" dirty="0"/>
               <a:t>Click to edit Master subtitle style</a:t>
             </a:r>
           </a:p>
@@ -9518,10 +9442,9 @@
           </a:lstStyle>
           <a:p>
             <a:r>
-              <a:rPr lang="en-US" dirty="0" smtClean="0"/>
+              <a:rPr lang="en-US" dirty="0"/>
               <a:t>Problem</a:t>
             </a:r>
-            <a:endParaRPr lang="en-US" dirty="0"/>
           </a:p>
         </p:txBody>
       </p:sp>
@@ -9648,7 +9571,7 @@
           </a:lstStyle>
           <a:p>
             <a:r>
-              <a:rPr lang="en-US" dirty="0" smtClean="0"/>
+              <a:rPr lang="en-US" dirty="0"/>
               <a:t>Click to edit Master subtitle style</a:t>
             </a:r>
           </a:p>
@@ -9721,7 +9644,7 @@
               <a:defRPr/>
             </a:pPr>
             <a:r>
-              <a:rPr lang="en-US" sz="16933" dirty="0" smtClean="0">
+              <a:rPr lang="en-US" sz="16933" dirty="0">
                 <a:ln w="18415" cmpd="sng">
                   <a:solidFill>
                     <a:srgbClr val="FFFFFF"/>
@@ -9740,23 +9663,6 @@
               </a:rPr>
               <a:t>REFERENCE</a:t>
             </a:r>
-            <a:endParaRPr lang="en-US" sz="16933" dirty="0">
-              <a:ln w="18415" cmpd="sng">
-                <a:solidFill>
-                  <a:srgbClr val="FFFFFF"/>
-                </a:solidFill>
-                <a:prstDash val="solid"/>
-              </a:ln>
-              <a:solidFill>
-                <a:schemeClr val="bg2">
-                  <a:lumMod val="95000"/>
-                  <a:alpha val="50000"/>
-                </a:schemeClr>
-              </a:solidFill>
-              <a:latin typeface="+mn-lt"/>
-              <a:ea typeface="+mn-ea"/>
-              <a:cs typeface="+mn-cs"/>
-            </a:endParaRPr>
           </a:p>
         </p:txBody>
       </p:sp>
@@ -9822,10 +9728,9 @@
           </a:lstStyle>
           <a:p>
             <a:r>
-              <a:rPr lang="en-US" dirty="0" smtClean="0"/>
+              <a:rPr lang="en-US" dirty="0"/>
               <a:t>Documentation</a:t>
             </a:r>
-            <a:endParaRPr lang="en-US" dirty="0"/>
           </a:p>
         </p:txBody>
       </p:sp>
@@ -9952,7 +9857,7 @@
           </a:lstStyle>
           <a:p>
             <a:r>
-              <a:rPr lang="en-US" dirty="0" smtClean="0"/>
+              <a:rPr lang="en-US" dirty="0"/>
               <a:t>Click to edit Master subtitle style</a:t>
             </a:r>
           </a:p>
@@ -9992,14 +9897,14 @@
           <a:p>
             <a:pPr lvl="0"/>
             <a:r>
-              <a:rPr lang="en-US" dirty="0" smtClean="0"/>
+              <a:rPr lang="en-US" dirty="0"/>
               <a:t>http://</a:t>
             </a:r>
             <a:r>
-              <a:rPr lang="en-US" dirty="0" err="1" smtClean="0"/>
+              <a:rPr lang="en-US" dirty="0" err="1"/>
               <a:t>docs.chef.io</a:t>
             </a:r>
-            <a:endParaRPr lang="en-US" dirty="0" smtClean="0"/>
+            <a:endParaRPr lang="en-US" dirty="0"/>
           </a:p>
         </p:txBody>
       </p:sp>
@@ -10154,10 +10059,9 @@
           </a:lstStyle>
           <a:p>
             <a:r>
-              <a:rPr lang="en-US" dirty="0" smtClean="0"/>
+              <a:rPr lang="en-US" dirty="0"/>
               <a:t>Concept</a:t>
             </a:r>
-            <a:endParaRPr lang="en-US" dirty="0"/>
           </a:p>
         </p:txBody>
       </p:sp>
@@ -10284,7 +10188,7 @@
           </a:lstStyle>
           <a:p>
             <a:r>
-              <a:rPr lang="en-US" dirty="0" smtClean="0"/>
+              <a:rPr lang="en-US" dirty="0"/>
               <a:t>Click to edit Master subtitle style</a:t>
             </a:r>
           </a:p>
@@ -10441,10 +10345,9 @@
           </a:lstStyle>
           <a:p>
             <a:r>
-              <a:rPr lang="en-US" dirty="0" smtClean="0"/>
+              <a:rPr lang="en-US" dirty="0"/>
               <a:t>Group Exercise</a:t>
             </a:r>
-            <a:endParaRPr lang="en-US" dirty="0"/>
           </a:p>
         </p:txBody>
       </p:sp>
@@ -10489,7 +10392,7 @@
           <a:p>
             <a:pPr lvl="0"/>
             <a:r>
-              <a:rPr lang="en-US" dirty="0" smtClean="0"/>
+              <a:rPr lang="en-US" dirty="0"/>
               <a:t>Click to edit Master text styles</a:t>
             </a:r>
           </a:p>
@@ -10517,14 +10420,14 @@
           </a:ln>
           <a:extLst>
             <a:ext uri="{909E8E84-426E-40dd-AFC4-6F175D3DCCD1}">
-              <a14:hiddenFill xmlns:a14="http://schemas.microsoft.com/office/drawing/2010/main" xmlns="">
+              <a14:hiddenFill xmlns="" xmlns:a14="http://schemas.microsoft.com/office/drawing/2010/main">
                 <a:solidFill>
                   <a:srgbClr val="FFFFFF"/>
                 </a:solidFill>
               </a14:hiddenFill>
             </a:ext>
             <a:ext uri="{91240B29-F687-4f45-9708-019B960494DF}">
-              <a14:hiddenLine xmlns:a14="http://schemas.microsoft.com/office/drawing/2010/main" xmlns="" w="9525">
+              <a14:hiddenLine xmlns="" xmlns:a14="http://schemas.microsoft.com/office/drawing/2010/main" w="9525">
                 <a:solidFill>
                   <a:srgbClr val="000000"/>
                 </a:solidFill>
@@ -10684,28 +10587,28 @@
           <a:p>
             <a:pPr lvl="0"/>
             <a:r>
-              <a:rPr lang="en-US" dirty="0" smtClean="0"/>
+              <a:rPr lang="en-US" dirty="0"/>
               <a:t>Click to edit Master text styles</a:t>
             </a:r>
           </a:p>
           <a:p>
             <a:pPr lvl="1"/>
             <a:r>
-              <a:rPr lang="en-US" dirty="0" smtClean="0"/>
+              <a:rPr lang="en-US" dirty="0"/>
               <a:t>Second level</a:t>
             </a:r>
           </a:p>
           <a:p>
             <a:pPr lvl="2"/>
             <a:r>
-              <a:rPr lang="en-US" dirty="0" smtClean="0"/>
+              <a:rPr lang="en-US" dirty="0"/>
               <a:t>Third level</a:t>
             </a:r>
           </a:p>
           <a:p>
             <a:pPr lvl="3"/>
             <a:r>
-              <a:rPr lang="en-US" dirty="0" smtClean="0"/>
+              <a:rPr lang="en-US" dirty="0"/>
               <a:t>Fourth level</a:t>
             </a:r>
           </a:p>
@@ -10862,10 +10765,9 @@
           </a:lstStyle>
           <a:p>
             <a:r>
-              <a:rPr lang="en-US" dirty="0" smtClean="0"/>
+              <a:rPr lang="en-US" dirty="0"/>
               <a:t>Lab</a:t>
             </a:r>
-            <a:endParaRPr lang="en-US" dirty="0"/>
           </a:p>
         </p:txBody>
       </p:sp>
@@ -10993,7 +10895,7 @@
           </a:lstStyle>
           <a:p>
             <a:r>
-              <a:rPr lang="en-US" dirty="0" smtClean="0"/>
+              <a:rPr lang="en-US" dirty="0"/>
               <a:t>Click to edit Master subtitle style</a:t>
             </a:r>
           </a:p>
@@ -11150,10 +11052,9 @@
           </a:lstStyle>
           <a:p>
             <a:r>
-              <a:rPr lang="en-US" dirty="0" smtClean="0"/>
+              <a:rPr lang="en-US" dirty="0"/>
               <a:t>Commit</a:t>
             </a:r>
-            <a:endParaRPr lang="en-US" dirty="0"/>
           </a:p>
         </p:txBody>
       </p:sp>
@@ -11282,30 +11183,30 @@
           </a:lstStyle>
           <a:p>
             <a:r>
-              <a:rPr lang="en-US" dirty="0" smtClean="0"/>
+              <a:rPr lang="en-US" dirty="0"/>
               <a:t>$ cd repo</a:t>
             </a:r>
           </a:p>
           <a:p>
             <a:r>
-              <a:rPr lang="en-US" dirty="0" smtClean="0"/>
+              <a:rPr lang="en-US" dirty="0"/>
               <a:t>$ git </a:t>
             </a:r>
             <a:r>
-              <a:rPr lang="en-US" dirty="0" err="1" smtClean="0"/>
+              <a:rPr lang="en-US" dirty="0" err="1"/>
               <a:t>init</a:t>
             </a:r>
-            <a:endParaRPr lang="en-US" dirty="0" smtClean="0"/>
-          </a:p>
-          <a:p>
-            <a:r>
-              <a:rPr lang="en-US" dirty="0" smtClean="0"/>
+            <a:endParaRPr lang="en-US" dirty="0"/>
+          </a:p>
+          <a:p>
+            <a:r>
+              <a:rPr lang="en-US" dirty="0"/>
               <a:t>$ git add .</a:t>
             </a:r>
           </a:p>
           <a:p>
             <a:r>
-              <a:rPr lang="en-US" dirty="0" smtClean="0"/>
+              <a:rPr lang="en-US" dirty="0"/>
               <a:t>$ git commit -m "Work Complete"</a:t>
             </a:r>
           </a:p>
@@ -11376,7 +11277,7 @@
           <a:lstStyle/>
           <a:p>
             <a:r>
-              <a:rPr lang="en-US" smtClean="0"/>
+              <a:rPr lang="en-US"/>
               <a:t>Click to edit Master title style</a:t>
             </a:r>
             <a:endParaRPr lang="en-US" dirty="0"/>
@@ -11468,21 +11369,21 @@
           <a:p>
             <a:pPr lvl="0"/>
             <a:r>
-              <a:rPr lang="en-US" smtClean="0"/>
+              <a:rPr lang="en-US"/>
               <a:t>Click to edit Master text styles</a:t>
             </a:r>
           </a:p>
           <a:p>
             <a:pPr lvl="1"/>
             <a:r>
-              <a:rPr lang="en-US" smtClean="0"/>
+              <a:rPr lang="en-US"/>
               <a:t>Second level</a:t>
             </a:r>
           </a:p>
           <a:p>
             <a:pPr lvl="2"/>
             <a:r>
-              <a:rPr lang="en-US" smtClean="0"/>
+              <a:rPr lang="en-US"/>
               <a:t>Third level</a:t>
             </a:r>
           </a:p>
@@ -11555,7 +11456,7 @@
               <a:defRPr/>
             </a:pPr>
             <a:r>
-              <a:rPr lang="en-US" sz="16933" dirty="0" smtClean="0">
+              <a:rPr lang="en-US" sz="16933" dirty="0">
                 <a:ln w="18415" cmpd="sng">
                   <a:solidFill>
                     <a:srgbClr val="FFFFFF"/>
@@ -11574,23 +11475,6 @@
               </a:rPr>
               <a:t>DISCUSSION</a:t>
             </a:r>
-            <a:endParaRPr lang="en-US" sz="16933" dirty="0">
-              <a:ln w="18415" cmpd="sng">
-                <a:solidFill>
-                  <a:srgbClr val="FFFFFF"/>
-                </a:solidFill>
-                <a:prstDash val="solid"/>
-              </a:ln>
-              <a:solidFill>
-                <a:schemeClr val="bg2">
-                  <a:lumMod val="95000"/>
-                  <a:alpha val="50000"/>
-                </a:schemeClr>
-              </a:solidFill>
-              <a:latin typeface="+mn-lt"/>
-              <a:ea typeface="+mn-ea"/>
-              <a:cs typeface="+mn-cs"/>
-            </a:endParaRPr>
           </a:p>
         </p:txBody>
       </p:sp>
@@ -11656,10 +11540,9 @@
           </a:lstStyle>
           <a:p>
             <a:r>
-              <a:rPr lang="en-US" dirty="0" smtClean="0"/>
+              <a:rPr lang="en-US" dirty="0"/>
               <a:t>Discussion</a:t>
             </a:r>
-            <a:endParaRPr lang="en-US" dirty="0"/>
           </a:p>
         </p:txBody>
       </p:sp>
@@ -11786,7 +11669,7 @@
           </a:lstStyle>
           <a:p>
             <a:r>
-              <a:rPr lang="en-US" dirty="0" smtClean="0"/>
+              <a:rPr lang="en-US" dirty="0"/>
               <a:t>Questions</a:t>
             </a:r>
           </a:p>
@@ -11878,14 +11761,14 @@
           </a:ln>
           <a:extLst>
             <a:ext uri="{909E8E84-426E-40dd-AFC4-6F175D3DCCD1}">
-              <a14:hiddenFill xmlns:a14="http://schemas.microsoft.com/office/drawing/2010/main" xmlns="">
+              <a14:hiddenFill xmlns="" xmlns:a14="http://schemas.microsoft.com/office/drawing/2010/main">
                 <a:solidFill>
                   <a:srgbClr val="FFFFFF"/>
                 </a:solidFill>
               </a14:hiddenFill>
             </a:ext>
             <a:ext uri="{91240B29-F687-4f45-9708-019B960494DF}">
-              <a14:hiddenLine xmlns:a14="http://schemas.microsoft.com/office/drawing/2010/main" xmlns="" w="9525">
+              <a14:hiddenLine xmlns="" xmlns:a14="http://schemas.microsoft.com/office/drawing/2010/main" w="9525">
                 <a:solidFill>
                   <a:srgbClr val="000000"/>
                 </a:solidFill>
@@ -12017,7 +11900,7 @@
           <a:p>
             <a:pPr lvl="0"/>
             <a:r>
-              <a:rPr lang="en-US" dirty="0" smtClean="0"/>
+              <a:rPr lang="en-US" dirty="0"/>
               <a:t>RESULT</a:t>
             </a:r>
           </a:p>
@@ -12064,7 +11947,7 @@
           <a:p>
             <a:pPr lvl="0"/>
             <a:r>
-              <a:rPr lang="en-US" dirty="0" smtClean="0"/>
+              <a:rPr lang="en-US" dirty="0"/>
               <a:t>&gt; command</a:t>
             </a:r>
           </a:p>
@@ -12116,7 +11999,7 @@
           <a:p>
             <a:pPr lvl="0"/>
             <a:r>
-              <a:rPr lang="en-US" dirty="0" smtClean="0"/>
+              <a:rPr lang="en-US" dirty="0"/>
               <a:t> </a:t>
             </a:r>
           </a:p>
@@ -12144,7 +12027,7 @@
           </a:lstStyle>
           <a:p>
             <a:r>
-              <a:rPr lang="en-US" smtClean="0"/>
+              <a:rPr lang="en-US"/>
               <a:t>Click to edit Master title style</a:t>
             </a:r>
             <a:endParaRPr lang="en-US" dirty="0"/>
@@ -12227,7 +12110,7 @@
           </a:lstStyle>
           <a:p>
             <a:r>
-              <a:rPr lang="en-US" smtClean="0"/>
+              <a:rPr lang="en-US"/>
               <a:t>Click to edit Master title style</a:t>
             </a:r>
             <a:endParaRPr lang="en-US" dirty="0"/>
@@ -12291,7 +12174,7 @@
           <a:p>
             <a:pPr lvl="0"/>
             <a:r>
-              <a:rPr lang="en-US" dirty="0" smtClean="0"/>
+              <a:rPr lang="en-US" dirty="0"/>
               <a:t>command or result</a:t>
             </a:r>
           </a:p>
@@ -12337,21 +12220,21 @@
           <a:p>
             <a:pPr lvl="0"/>
             <a:r>
-              <a:rPr lang="en-US" smtClean="0"/>
+              <a:rPr lang="en-US"/>
               <a:t>Click to edit Master text styles</a:t>
             </a:r>
           </a:p>
           <a:p>
             <a:pPr lvl="1"/>
             <a:r>
-              <a:rPr lang="en-US" smtClean="0"/>
+              <a:rPr lang="en-US"/>
               <a:t>Second level</a:t>
             </a:r>
           </a:p>
           <a:p>
             <a:pPr lvl="2"/>
             <a:r>
-              <a:rPr lang="en-US" smtClean="0"/>
+              <a:rPr lang="en-US"/>
               <a:t>Third level</a:t>
             </a:r>
           </a:p>
@@ -12443,14 +12326,14 @@
           </a:ln>
           <a:extLst>
             <a:ext uri="{909E8E84-426E-40dd-AFC4-6F175D3DCCD1}">
-              <a14:hiddenFill xmlns:a14="http://schemas.microsoft.com/office/drawing/2010/main" xmlns="">
+              <a14:hiddenFill xmlns="" xmlns:a14="http://schemas.microsoft.com/office/drawing/2010/main">
                 <a:solidFill>
                   <a:srgbClr val="FFFFFF"/>
                 </a:solidFill>
               </a14:hiddenFill>
             </a:ext>
             <a:ext uri="{91240B29-F687-4f45-9708-019B960494DF}">
-              <a14:hiddenLine xmlns:a14="http://schemas.microsoft.com/office/drawing/2010/main" xmlns="" w="9525">
+              <a14:hiddenLine xmlns="" xmlns:a14="http://schemas.microsoft.com/office/drawing/2010/main" w="9525">
                 <a:solidFill>
                   <a:srgbClr val="000000"/>
                 </a:solidFill>
@@ -12522,7 +12405,7 @@
           </a:lstStyle>
           <a:p>
             <a:r>
-              <a:rPr lang="en-US" smtClean="0"/>
+              <a:rPr lang="en-US"/>
               <a:t>Click to edit Master title style</a:t>
             </a:r>
             <a:endParaRPr lang="en-US" dirty="0"/>
@@ -12616,7 +12499,7 @@
           <a:p>
             <a:pPr lvl="0"/>
             <a:r>
-              <a:rPr lang="en-US" dirty="0" smtClean="0"/>
+              <a:rPr lang="en-US" dirty="0"/>
               <a:t>RESULT</a:t>
             </a:r>
           </a:p>
@@ -12665,7 +12548,7 @@
           <a:p>
             <a:pPr lvl="0"/>
             <a:r>
-              <a:rPr lang="en-US" dirty="0" smtClean="0"/>
+              <a:rPr lang="en-US" dirty="0"/>
               <a:t>&gt; command</a:t>
             </a:r>
           </a:p>
@@ -12717,7 +12600,7 @@
           <a:p>
             <a:pPr lvl="0"/>
             <a:r>
-              <a:rPr lang="en-US" dirty="0" smtClean="0"/>
+              <a:rPr lang="en-US" dirty="0"/>
               <a:t> </a:t>
             </a:r>
           </a:p>
@@ -12799,7 +12682,7 @@
           </a:lstStyle>
           <a:p>
             <a:r>
-              <a:rPr lang="en-US" smtClean="0"/>
+              <a:rPr lang="en-US"/>
               <a:t>Click to edit Master title style</a:t>
             </a:r>
             <a:endParaRPr lang="en-US" dirty="0"/>
@@ -12865,7 +12748,7 @@
           <a:p>
             <a:pPr lvl="0"/>
             <a:r>
-              <a:rPr lang="en-US" dirty="0" smtClean="0"/>
+              <a:rPr lang="en-US" dirty="0"/>
               <a:t>command or result</a:t>
             </a:r>
           </a:p>
@@ -12911,21 +12794,21 @@
           <a:p>
             <a:pPr lvl="0"/>
             <a:r>
-              <a:rPr lang="en-US" smtClean="0"/>
+              <a:rPr lang="en-US"/>
               <a:t>Click to edit Master text styles</a:t>
             </a:r>
           </a:p>
           <a:p>
             <a:pPr lvl="1"/>
             <a:r>
-              <a:rPr lang="en-US" smtClean="0"/>
+              <a:rPr lang="en-US"/>
               <a:t>Second level</a:t>
             </a:r>
           </a:p>
           <a:p>
             <a:pPr lvl="2"/>
             <a:r>
-              <a:rPr lang="en-US" smtClean="0"/>
+              <a:rPr lang="en-US"/>
               <a:t>Third level</a:t>
             </a:r>
           </a:p>
@@ -13017,14 +12900,14 @@
           </a:ln>
           <a:extLst>
             <a:ext uri="{909E8E84-426E-40dd-AFC4-6F175D3DCCD1}">
-              <a14:hiddenFill xmlns:a14="http://schemas.microsoft.com/office/drawing/2010/main" xmlns="">
+              <a14:hiddenFill xmlns="" xmlns:a14="http://schemas.microsoft.com/office/drawing/2010/main">
                 <a:solidFill>
                   <a:srgbClr val="FFFFFF"/>
                 </a:solidFill>
               </a14:hiddenFill>
             </a:ext>
             <a:ext uri="{91240B29-F687-4f45-9708-019B960494DF}">
-              <a14:hiddenLine xmlns:a14="http://schemas.microsoft.com/office/drawing/2010/main" xmlns="" w="9525">
+              <a14:hiddenLine xmlns="" xmlns:a14="http://schemas.microsoft.com/office/drawing/2010/main" w="9525">
                 <a:solidFill>
                   <a:srgbClr val="000000"/>
                 </a:solidFill>
@@ -13061,7 +12944,7 @@
           </a:lstStyle>
           <a:p>
             <a:r>
-              <a:rPr lang="en-US" smtClean="0"/>
+              <a:rPr lang="en-US"/>
               <a:t>Click to edit Master title style</a:t>
             </a:r>
             <a:endParaRPr lang="en-US" dirty="0"/>
@@ -13131,7 +13014,7 @@
           <a:p>
             <a:pPr lvl="0"/>
             <a:r>
-              <a:rPr lang="en-US" dirty="0" smtClean="0"/>
+              <a:rPr lang="en-US" dirty="0"/>
               <a:t>SOURCE</a:t>
             </a:r>
           </a:p>
@@ -13175,22 +13058,22 @@
           <a:p>
             <a:pPr lvl="0"/>
             <a:r>
-              <a:rPr lang="en-US" dirty="0" smtClean="0"/>
+              <a:rPr lang="en-US" dirty="0"/>
               <a:t>/</a:t>
             </a:r>
             <a:r>
-              <a:rPr lang="en-US" dirty="0" err="1" smtClean="0"/>
+              <a:rPr lang="en-US" dirty="0" err="1"/>
               <a:t>filepath</a:t>
             </a:r>
             <a:r>
-              <a:rPr lang="en-US" dirty="0" smtClean="0"/>
+              <a:rPr lang="en-US" dirty="0"/>
               <a:t>/</a:t>
             </a:r>
             <a:r>
-              <a:rPr lang="en-US" dirty="0" err="1" smtClean="0"/>
+              <a:rPr lang="en-US" dirty="0" err="1"/>
               <a:t>file.rb</a:t>
             </a:r>
-            <a:endParaRPr lang="en-US" dirty="0" smtClean="0"/>
+            <a:endParaRPr lang="en-US" dirty="0"/>
           </a:p>
         </p:txBody>
       </p:sp>
@@ -13232,7 +13115,7 @@
           <a:p>
             <a:pPr lvl="0"/>
             <a:r>
-              <a:rPr lang="en-US" dirty="0" smtClean="0"/>
+              <a:rPr lang="en-US" dirty="0"/>
               <a:t>-</a:t>
             </a:r>
           </a:p>
@@ -13276,7 +13159,7 @@
           <a:p>
             <a:pPr lvl="0"/>
             <a:r>
-              <a:rPr lang="en-US" dirty="0" smtClean="0"/>
+              <a:rPr lang="en-US" dirty="0"/>
               <a:t>+</a:t>
             </a:r>
           </a:p>
@@ -13358,7 +13241,7 @@
           </a:lstStyle>
           <a:p>
             <a:r>
-              <a:rPr lang="en-US" smtClean="0"/>
+              <a:rPr lang="en-US"/>
               <a:t>Click to edit Master title style</a:t>
             </a:r>
             <a:endParaRPr lang="en-US" dirty="0"/>
@@ -13416,7 +13299,7 @@
           <a:p>
             <a:pPr lvl="0"/>
             <a:r>
-              <a:rPr lang="en-US" dirty="0" smtClean="0"/>
+              <a:rPr lang="en-US" dirty="0"/>
               <a:t>source code without a file</a:t>
             </a:r>
           </a:p>
@@ -13460,7 +13343,7 @@
           <a:p>
             <a:pPr lvl="0"/>
             <a:r>
-              <a:rPr lang="en-US" dirty="0" smtClean="0"/>
+              <a:rPr lang="en-US" dirty="0"/>
               <a:t>-</a:t>
             </a:r>
           </a:p>
@@ -13504,7 +13387,7 @@
           <a:p>
             <a:pPr lvl="0"/>
             <a:r>
-              <a:rPr lang="en-US" dirty="0" smtClean="0"/>
+              <a:rPr lang="en-US" dirty="0"/>
               <a:t>+</a:t>
             </a:r>
           </a:p>
@@ -13586,7 +13469,7 @@
           </a:lstStyle>
           <a:p>
             <a:r>
-              <a:rPr lang="en-US" smtClean="0"/>
+              <a:rPr lang="en-US"/>
               <a:t>Click to edit Master title style</a:t>
             </a:r>
             <a:endParaRPr lang="en-US" dirty="0"/>
@@ -13644,7 +13527,7 @@
           <a:p>
             <a:pPr lvl="0"/>
             <a:r>
-              <a:rPr lang="en-US" dirty="0" smtClean="0"/>
+              <a:rPr lang="en-US" dirty="0"/>
               <a:t>source code</a:t>
             </a:r>
           </a:p>
@@ -13690,21 +13573,21 @@
           <a:p>
             <a:pPr lvl="0"/>
             <a:r>
-              <a:rPr lang="en-US" smtClean="0"/>
+              <a:rPr lang="en-US"/>
               <a:t>Click to edit Master text styles</a:t>
             </a:r>
           </a:p>
           <a:p>
             <a:pPr lvl="1"/>
             <a:r>
-              <a:rPr lang="en-US" smtClean="0"/>
+              <a:rPr lang="en-US"/>
               <a:t>Second level</a:t>
             </a:r>
           </a:p>
           <a:p>
             <a:pPr lvl="2"/>
             <a:r>
-              <a:rPr lang="en-US" smtClean="0"/>
+              <a:rPr lang="en-US"/>
               <a:t>Third level</a:t>
             </a:r>
           </a:p>
@@ -13748,7 +13631,7 @@
           <a:p>
             <a:pPr lvl="0"/>
             <a:r>
-              <a:rPr lang="en-US" dirty="0" smtClean="0"/>
+              <a:rPr lang="en-US" dirty="0"/>
               <a:t>-</a:t>
             </a:r>
           </a:p>
@@ -13792,7 +13675,7 @@
           <a:p>
             <a:pPr lvl="0"/>
             <a:r>
-              <a:rPr lang="en-US" dirty="0" smtClean="0"/>
+              <a:rPr lang="en-US" dirty="0"/>
               <a:t>+</a:t>
             </a:r>
           </a:p>
@@ -13875,7 +13758,7 @@
           <a:lstStyle/>
           <a:p>
             <a:r>
-              <a:rPr lang="en-CA" dirty="0" smtClean="0"/>
+              <a:rPr lang="en-CA" dirty="0"/>
               <a:t>Title Text</a:t>
             </a:r>
             <a:endParaRPr lang="en-US" dirty="0"/>
@@ -13909,21 +13792,21 @@
           <a:p>
             <a:pPr lvl="0"/>
             <a:r>
-              <a:rPr lang="en-US" dirty="0" smtClean="0"/>
+              <a:rPr lang="en-US" dirty="0"/>
               <a:t>Click to edit Master text styles</a:t>
             </a:r>
           </a:p>
           <a:p>
             <a:pPr lvl="1"/>
             <a:r>
-              <a:rPr lang="en-US" dirty="0" smtClean="0"/>
+              <a:rPr lang="en-US" dirty="0"/>
               <a:t>Second level</a:t>
             </a:r>
           </a:p>
           <a:p>
             <a:pPr lvl="2"/>
             <a:r>
-              <a:rPr lang="en-US" dirty="0" smtClean="0"/>
+              <a:rPr lang="en-US" dirty="0"/>
               <a:t>Third level</a:t>
             </a:r>
           </a:p>
@@ -13964,14 +13847,14 @@
           </a:ln>
           <a:extLst>
             <a:ext uri="{909E8E84-426E-40dd-AFC4-6F175D3DCCD1}">
-              <a14:hiddenFill xmlns:a14="http://schemas.microsoft.com/office/drawing/2010/main" xmlns="">
+              <a14:hiddenFill xmlns="" xmlns:a14="http://schemas.microsoft.com/office/drawing/2010/main">
                 <a:solidFill>
                   <a:srgbClr val="FFFFFF"/>
                 </a:solidFill>
               </a14:hiddenFill>
             </a:ext>
             <a:ext uri="{91240B29-F687-4f45-9708-019B960494DF}">
-              <a14:hiddenLine xmlns:a14="http://schemas.microsoft.com/office/drawing/2010/main" xmlns="" w="9525">
+              <a14:hiddenLine xmlns="" xmlns:a14="http://schemas.microsoft.com/office/drawing/2010/main" w="9525">
                 <a:solidFill>
                   <a:srgbClr val="000000"/>
                 </a:solidFill>
@@ -14051,7 +13934,7 @@
               <a:defRPr/>
             </a:pPr>
             <a:r>
-              <a:rPr lang="en-US" dirty="0" smtClean="0">
+              <a:rPr lang="en-US" dirty="0">
                 <a:solidFill>
                   <a:srgbClr val="7D868C"/>
                 </a:solidFill>
@@ -14062,7 +13945,7 @@
               <a:t>©</a:t>
             </a:r>
             <a:r>
-              <a:rPr lang="is-IS" dirty="0" smtClean="0">
+              <a:rPr lang="is-IS" dirty="0">
                 <a:solidFill>
                   <a:srgbClr val="7D868C"/>
                 </a:solidFill>
@@ -14073,17 +13956,6 @@
               <a:t>2017</a:t>
             </a:r>
             <a:r>
-              <a:rPr lang="en-US" dirty="0" smtClean="0">
-                <a:solidFill>
-                  <a:srgbClr val="7D868C"/>
-                </a:solidFill>
-                <a:latin typeface="+mn-lt"/>
-                <a:ea typeface="+mn-ea"/>
-                <a:cs typeface="+mn-cs"/>
-              </a:rPr>
-              <a:t> </a:t>
-            </a:r>
-            <a:r>
               <a:rPr lang="en-US" dirty="0">
                 <a:solidFill>
                   <a:srgbClr val="7D868C"/>
@@ -14092,7 +13964,7 @@
                 <a:ea typeface="+mn-ea"/>
                 <a:cs typeface="+mn-cs"/>
               </a:rPr>
-              <a:t>Chef Software Inc</a:t>
+              <a:t> Chef Software Inc</a:t>
             </a:r>
             <a:r>
               <a:rPr lang="en-US" dirty="0">
@@ -14160,18 +14032,7 @@
                 <a:ea typeface="+mn-ea"/>
                 <a:cs typeface="+mn-cs"/>
               </a:rPr>
-              <a:t>4</a:t>
-            </a:r>
-            <a:r>
-              <a:rPr lang="en-US" dirty="0" smtClean="0">
-                <a:solidFill>
-                  <a:srgbClr val="7F7F7F"/>
-                </a:solidFill>
-                <a:latin typeface="+mn-lt"/>
-                <a:ea typeface="+mn-ea"/>
-                <a:cs typeface="+mn-cs"/>
-              </a:rPr>
-              <a:t>-</a:t>
+              <a:t>4-</a:t>
             </a:r>
             <a:fld id="{F0B79B2F-E1DD-4D43-95B3-EA08C411D807}" type="slidenum">
               <a:rPr lang="en-US" smtClean="0">
@@ -14224,13 +14085,6 @@
   <p:transition spd="med">
     <p:fade/>
   </p:transition>
-  <p:timing>
-    <p:tnLst>
-      <p:par>
-        <p:cTn id="1" dur="indefinite" restart="never" nodeType="tmRoot"/>
-      </p:par>
-    </p:tnLst>
-  </p:timing>
   <p:hf hdr="0" dt="0"/>
   <p:txStyles>
     <p:titleStyle>
@@ -14713,7 +14567,7 @@
           <a:lstStyle/>
           <a:p>
             <a:r>
-              <a:rPr lang="en-CA" dirty="0" smtClean="0"/>
+              <a:rPr lang="en-CA" dirty="0"/>
               <a:t>Title Text</a:t>
             </a:r>
             <a:endParaRPr lang="en-US" dirty="0"/>
@@ -14755,14 +14609,14 @@
           </a:ln>
           <a:extLst>
             <a:ext uri="{909E8E84-426E-40dd-AFC4-6F175D3DCCD1}">
-              <a14:hiddenFill xmlns:a14="http://schemas.microsoft.com/office/drawing/2010/main" xmlns="">
+              <a14:hiddenFill xmlns="" xmlns:a14="http://schemas.microsoft.com/office/drawing/2010/main">
                 <a:solidFill>
                   <a:srgbClr val="FFFFFF"/>
                 </a:solidFill>
               </a14:hiddenFill>
             </a:ext>
             <a:ext uri="{91240B29-F687-4f45-9708-019B960494DF}">
-              <a14:hiddenLine xmlns:a14="http://schemas.microsoft.com/office/drawing/2010/main" xmlns="" w="9525">
+              <a14:hiddenLine xmlns="" xmlns:a14="http://schemas.microsoft.com/office/drawing/2010/main" w="9525">
                 <a:solidFill>
                   <a:srgbClr val="000000"/>
                 </a:solidFill>
@@ -14842,7 +14696,7 @@
               <a:defRPr/>
             </a:pPr>
             <a:r>
-              <a:rPr lang="en-US" dirty="0" smtClean="0">
+              <a:rPr lang="en-US" dirty="0">
                 <a:solidFill>
                   <a:srgbClr val="7D868C"/>
                 </a:solidFill>
@@ -14853,7 +14707,7 @@
               <a:t>©</a:t>
             </a:r>
             <a:r>
-              <a:rPr lang="is-IS" dirty="0" smtClean="0">
+              <a:rPr lang="is-IS" dirty="0">
                 <a:solidFill>
                   <a:srgbClr val="7D868C"/>
                 </a:solidFill>
@@ -14864,17 +14718,6 @@
               <a:t>2017</a:t>
             </a:r>
             <a:r>
-              <a:rPr lang="en-US" dirty="0" smtClean="0">
-                <a:solidFill>
-                  <a:srgbClr val="7D868C"/>
-                </a:solidFill>
-                <a:latin typeface="+mn-lt"/>
-                <a:ea typeface="+mn-ea"/>
-                <a:cs typeface="+mn-cs"/>
-              </a:rPr>
-              <a:t> </a:t>
-            </a:r>
-            <a:r>
               <a:rPr lang="en-US" dirty="0">
                 <a:solidFill>
                   <a:srgbClr val="7D868C"/>
@@ -14883,7 +14726,7 @@
                 <a:ea typeface="+mn-ea"/>
                 <a:cs typeface="+mn-cs"/>
               </a:rPr>
-              <a:t>Chef Software Inc</a:t>
+              <a:t> Chef Software Inc</a:t>
             </a:r>
             <a:r>
               <a:rPr lang="en-US" dirty="0">
@@ -14951,18 +14794,7 @@
                 <a:ea typeface="+mn-ea"/>
                 <a:cs typeface="+mn-cs"/>
               </a:rPr>
-              <a:t>4</a:t>
-            </a:r>
-            <a:r>
-              <a:rPr lang="en-US" dirty="0" smtClean="0">
-                <a:solidFill>
-                  <a:srgbClr val="7F7F7F"/>
-                </a:solidFill>
-                <a:latin typeface="+mn-lt"/>
-                <a:ea typeface="+mn-ea"/>
-                <a:cs typeface="+mn-cs"/>
-              </a:rPr>
-              <a:t>-</a:t>
+              <a:t>4-</a:t>
             </a:r>
             <a:fld id="{F0B79B2F-E1DD-4D43-95B3-EA08C411D807}" type="slidenum">
               <a:rPr lang="en-US" smtClean="0">
@@ -15086,13 +14918,6 @@
   <p:transition spd="med">
     <p:fade/>
   </p:transition>
-  <p:timing>
-    <p:tnLst>
-      <p:par>
-        <p:cTn id="1" dur="indefinite" restart="never" nodeType="tmRoot"/>
-      </p:par>
-    </p:tnLst>
-  </p:timing>
   <p:hf hdr="0" dt="0"/>
   <p:txStyles>
     <p:titleStyle>
@@ -15547,10 +15372,9 @@
           <a:lstStyle/>
           <a:p>
             <a:r>
-              <a:rPr lang="en-US" dirty="0" smtClean="0"/>
+              <a:rPr lang="en-US" dirty="0"/>
               <a:t>Refactoring Cookbooks with Tests</a:t>
             </a:r>
-            <a:endParaRPr lang="en-US" dirty="0"/>
           </a:p>
         </p:txBody>
       </p:sp>
@@ -15645,13 +15469,6 @@
   <p:transition spd="med">
     <p:fade/>
   </p:transition>
-  <p:timing>
-    <p:tnLst>
-      <p:par>
-        <p:cTn id="1" dur="indefinite" restart="never" nodeType="tmRoot"/>
-      </p:par>
-    </p:tnLst>
-  </p:timing>
 </p:sld>
 </file>
 
@@ -15707,26 +15524,29 @@
           <a:lstStyle/>
           <a:p>
             <a:r>
-              <a:rPr lang="en-US" dirty="0" smtClean="0"/>
+              <a:rPr lang="en-US" dirty="0"/>
               <a:t>&gt; </a:t>
             </a:r>
             <a:r>
-              <a:rPr lang="en-US" dirty="0" err="1" smtClean="0"/>
+              <a:rPr lang="en-US" dirty="0" err="1"/>
               <a:t>rm</a:t>
             </a:r>
             <a:r>
-              <a:rPr lang="en-US" dirty="0" smtClean="0"/>
+              <a:rPr lang="en-US" dirty="0"/>
               <a:t> test/smoke/default/</a:t>
             </a:r>
             <a:r>
-              <a:rPr lang="en-US" dirty="0" err="1" smtClean="0"/>
-              <a:t>install.rb</a:t>
-            </a:r>
-            <a:r>
-              <a:rPr lang="en-US" dirty="0" smtClean="0"/>
+              <a:rPr lang="en-US"/>
+              <a:t>install_test.</a:t>
+            </a:r>
+            <a:r>
+              <a:rPr lang="en-US" dirty="0" err="1"/>
+              <a:t>rb</a:t>
+            </a:r>
+            <a:r>
+              <a:rPr lang="en-US" dirty="0"/>
               <a:t> </a:t>
             </a:r>
-            <a:endParaRPr lang="en-US" dirty="0"/>
           </a:p>
         </p:txBody>
       </p:sp>
@@ -15746,10 +15566,9 @@
           <a:lstStyle/>
           <a:p>
             <a:r>
-              <a:rPr lang="en-US" dirty="0" smtClean="0"/>
+              <a:rPr lang="en-US" dirty="0"/>
               <a:t>Removing the Generated Test File</a:t>
             </a:r>
-            <a:endParaRPr lang="en-US" dirty="0"/>
           </a:p>
         </p:txBody>
       </p:sp>
@@ -15766,13 +15585,6 @@
   <p:transition spd="med">
     <p:fade/>
   </p:transition>
-  <p:timing>
-    <p:tnLst>
-      <p:par>
-        <p:cTn id="1" dur="indefinite" restart="never" nodeType="tmRoot"/>
-      </p:par>
-    </p:tnLst>
-  </p:timing>
 </p:sld>
 </file>
 
@@ -15809,10 +15621,9 @@
           <a:lstStyle/>
           <a:p>
             <a:r>
-              <a:rPr lang="en-US" dirty="0" smtClean="0"/>
+              <a:rPr lang="en-US" dirty="0"/>
               <a:t>Write the Install Recipe</a:t>
             </a:r>
-            <a:endParaRPr lang="en-US" dirty="0"/>
           </a:p>
         </p:txBody>
       </p:sp>
@@ -15839,13 +15650,8 @@
           <a:p>
             <a:r>
               <a:rPr lang="en-US" dirty="0"/>
-              <a:t># Cookbook Name:: </a:t>
-            </a:r>
-            <a:r>
-              <a:rPr lang="en-US" dirty="0" smtClean="0"/>
-              <a:t>apache</a:t>
-            </a:r>
-            <a:endParaRPr lang="en-US" dirty="0"/>
+              <a:t># Cookbook Name:: apache</a:t>
+            </a:r>
           </a:p>
           <a:p>
             <a:r>
@@ -15867,18 +15673,17 @@
           </a:p>
           <a:p>
             <a:r>
-              <a:rPr lang="en-US" dirty="0" smtClean="0"/>
+              <a:rPr lang="en-US" dirty="0"/>
               <a:t>package '</a:t>
             </a:r>
             <a:r>
-              <a:rPr lang="en-US" dirty="0" err="1" smtClean="0"/>
+              <a:rPr lang="en-US" dirty="0" err="1"/>
               <a:t>httpd</a:t>
             </a:r>
             <a:r>
-              <a:rPr lang="en-US" dirty="0" smtClean="0"/>
+              <a:rPr lang="en-US" dirty="0"/>
               <a:t>'</a:t>
             </a:r>
-            <a:endParaRPr lang="en-US" dirty="0"/>
           </a:p>
         </p:txBody>
       </p:sp>
@@ -15898,11 +15703,11 @@
           <a:lstStyle/>
           <a:p>
             <a:r>
-              <a:rPr lang="en-US" dirty="0" smtClean="0"/>
+              <a:rPr lang="en-US" dirty="0"/>
               <a:t>~/apache/recipes/</a:t>
             </a:r>
             <a:r>
-              <a:rPr lang="en-US" dirty="0" err="1" smtClean="0"/>
+              <a:rPr lang="en-US" dirty="0" err="1"/>
               <a:t>install.rb</a:t>
             </a:r>
             <a:endParaRPr lang="en-US" dirty="0"/>
@@ -15946,13 +15751,6 @@
   <p:transition spd="med">
     <p:fade/>
   </p:transition>
-  <p:timing>
-    <p:tnLst>
-      <p:par>
-        <p:cTn id="1" dur="indefinite" restart="never" nodeType="tmRoot"/>
-      </p:par>
-    </p:tnLst>
-  </p:timing>
 </p:sld>
 </file>
 
@@ -15991,10 +15789,9 @@
           <a:lstStyle/>
           <a:p>
             <a:r>
-              <a:rPr lang="en-US" dirty="0" smtClean="0"/>
+              <a:rPr lang="en-US" dirty="0"/>
               <a:t>Remove the Resource from the Default Recipe</a:t>
             </a:r>
-            <a:endParaRPr lang="en-US" dirty="0"/>
           </a:p>
         </p:txBody>
       </p:sp>
@@ -16023,58 +15820,48 @@
           <a:p>
             <a:r>
               <a:rPr lang="en-US" dirty="0"/>
-              <a:t># Cookbook Name:: </a:t>
-            </a:r>
-            <a:r>
-              <a:rPr lang="en-US" dirty="0" smtClean="0"/>
-              <a:t>apache</a:t>
-            </a:r>
+              <a:t># Cookbook Name:: apache</a:t>
+            </a:r>
+          </a:p>
+          <a:p>
+            <a:r>
+              <a:rPr lang="en-US" dirty="0"/>
+              <a:t># Recipe:: default</a:t>
+            </a:r>
+          </a:p>
+          <a:p>
+            <a:r>
+              <a:rPr lang="en-US" dirty="0"/>
+              <a:t>#</a:t>
+            </a:r>
+          </a:p>
+          <a:p>
+            <a:r>
+              <a:rPr lang="en-US" dirty="0"/>
+              <a:t># Copyright (c) 2015 The Authors, All Rights Reserved.</a:t>
+            </a:r>
+          </a:p>
+          <a:p>
+            <a:r>
+              <a:rPr lang="en-US" dirty="0"/>
+              <a:t>package '</a:t>
+            </a:r>
+            <a:r>
+              <a:rPr lang="en-US" dirty="0" err="1"/>
+              <a:t>httpd</a:t>
+            </a:r>
+            <a:r>
+              <a:rPr lang="en-US" dirty="0"/>
+              <a:t>'</a:t>
+            </a:r>
+          </a:p>
+          <a:p>
             <a:endParaRPr lang="en-US" dirty="0"/>
           </a:p>
           <a:p>
             <a:r>
               <a:rPr lang="en-US" dirty="0"/>
-              <a:t># Recipe:: default</a:t>
-            </a:r>
-          </a:p>
-          <a:p>
-            <a:r>
-              <a:rPr lang="en-US" dirty="0"/>
-              <a:t>#</a:t>
-            </a:r>
-          </a:p>
-          <a:p>
-            <a:r>
-              <a:rPr lang="en-US" dirty="0"/>
-              <a:t># Copyright (c) 2015 The Authors, All Rights Reserved.</a:t>
-            </a:r>
-          </a:p>
-          <a:p>
-            <a:r>
-              <a:rPr lang="en-US" dirty="0" smtClean="0"/>
-              <a:t>package '</a:t>
-            </a:r>
-            <a:r>
-              <a:rPr lang="en-US" dirty="0" err="1" smtClean="0"/>
-              <a:t>httpd</a:t>
-            </a:r>
-            <a:r>
-              <a:rPr lang="en-US" dirty="0" smtClean="0"/>
-              <a:t>'</a:t>
-            </a:r>
-            <a:endParaRPr lang="en-US" dirty="0"/>
-          </a:p>
-          <a:p>
-            <a:endParaRPr lang="en-US" dirty="0" smtClean="0"/>
-          </a:p>
-          <a:p>
-            <a:r>
-              <a:rPr lang="en-US" dirty="0" smtClean="0"/>
-              <a:t>file </a:t>
-            </a:r>
-            <a:r>
-              <a:rPr lang="en-US" dirty="0"/>
-              <a:t>'/</a:t>
+              <a:t>file '/</a:t>
             </a:r>
             <a:r>
               <a:rPr lang="en-US" dirty="0" err="1"/>
@@ -16155,11 +15942,11 @@
           <a:lstStyle/>
           <a:p>
             <a:r>
-              <a:rPr lang="en-US" dirty="0" smtClean="0"/>
+              <a:rPr lang="en-US" dirty="0"/>
               <a:t>~/apache/recipes/</a:t>
             </a:r>
             <a:r>
-              <a:rPr lang="en-US" dirty="0" err="1" smtClean="0"/>
+              <a:rPr lang="en-US" dirty="0" err="1"/>
               <a:t>default.rb</a:t>
             </a:r>
             <a:endParaRPr lang="en-US" dirty="0"/>
@@ -16203,13 +15990,6 @@
   <p:transition spd="med">
     <p:fade/>
   </p:transition>
-  <p:timing>
-    <p:tnLst>
-      <p:par>
-        <p:cTn id="1" dur="indefinite" restart="never" nodeType="tmRoot"/>
-      </p:par>
-    </p:tnLst>
-  </p:timing>
 </p:sld>
 </file>
 
@@ -16248,10 +16028,9 @@
           <a:lstStyle/>
           <a:p>
             <a:r>
-              <a:rPr lang="en-US" sz="5870" dirty="0" smtClean="0"/>
+              <a:rPr lang="en-US" sz="5870" dirty="0"/>
               <a:t>Include the Install Recipe</a:t>
             </a:r>
-            <a:endParaRPr lang="en-US" sz="5870" dirty="0"/>
           </a:p>
         </p:txBody>
       </p:sp>
@@ -16280,61 +16059,44 @@
           <a:p>
             <a:r>
               <a:rPr lang="en-US" dirty="0"/>
-              <a:t># Cookbook Name:: </a:t>
-            </a:r>
-            <a:r>
-              <a:rPr lang="en-US" dirty="0" smtClean="0"/>
-              <a:t>apache</a:t>
-            </a:r>
+              <a:t># Cookbook Name:: apache</a:t>
+            </a:r>
+          </a:p>
+          <a:p>
+            <a:r>
+              <a:rPr lang="en-US" dirty="0"/>
+              <a:t># Recipe:: default</a:t>
+            </a:r>
+          </a:p>
+          <a:p>
+            <a:r>
+              <a:rPr lang="en-US" dirty="0"/>
+              <a:t>#</a:t>
+            </a:r>
+          </a:p>
+          <a:p>
+            <a:r>
+              <a:rPr lang="en-US" dirty="0"/>
+              <a:t># Copyright (c) 2015 The Authors, All Rights Reserved.</a:t>
+            </a:r>
+          </a:p>
+          <a:p>
+            <a:r>
+              <a:rPr lang="en-US" dirty="0" err="1"/>
+              <a:t>include_recipe</a:t>
+            </a:r>
+            <a:r>
+              <a:rPr lang="en-US" dirty="0"/>
+              <a:t> 'apache::install'</a:t>
+            </a:r>
+          </a:p>
+          <a:p>
             <a:endParaRPr lang="en-US" dirty="0"/>
           </a:p>
           <a:p>
             <a:r>
               <a:rPr lang="en-US" dirty="0"/>
-              <a:t># Recipe:: default</a:t>
-            </a:r>
-          </a:p>
-          <a:p>
-            <a:r>
-              <a:rPr lang="en-US" dirty="0"/>
-              <a:t>#</a:t>
-            </a:r>
-          </a:p>
-          <a:p>
-            <a:r>
-              <a:rPr lang="en-US" dirty="0"/>
-              <a:t># Copyright (c) 2015 The Authors, All Rights Reserved.</a:t>
-            </a:r>
-          </a:p>
-          <a:p>
-            <a:r>
-              <a:rPr lang="en-US" dirty="0" err="1" smtClean="0"/>
-              <a:t>include_recipe</a:t>
-            </a:r>
-            <a:r>
-              <a:rPr lang="en-US" dirty="0" smtClean="0"/>
-              <a:t> </a:t>
-            </a:r>
-            <a:r>
-              <a:rPr lang="en-US" dirty="0" smtClean="0"/>
-              <a:t>'apache::</a:t>
-            </a:r>
-            <a:r>
-              <a:rPr lang="en-US" dirty="0" smtClean="0"/>
-              <a:t>install'</a:t>
-            </a:r>
-          </a:p>
-          <a:p>
-            <a:endParaRPr lang="en-US" dirty="0" smtClean="0"/>
-          </a:p>
-          <a:p>
-            <a:r>
-              <a:rPr lang="en-US" dirty="0" smtClean="0"/>
-              <a:t>file </a:t>
-            </a:r>
-            <a:r>
-              <a:rPr lang="en-US" dirty="0"/>
-              <a:t>'/</a:t>
+              <a:t>file '/</a:t>
             </a:r>
             <a:r>
               <a:rPr lang="en-US" dirty="0" err="1"/>
@@ -16395,7 +16157,7 @@
             </a:r>
           </a:p>
           <a:p>
-            <a:endParaRPr lang="en-US" dirty="0" smtClean="0"/>
+            <a:endParaRPr lang="en-US" dirty="0"/>
           </a:p>
         </p:txBody>
       </p:sp>
@@ -16415,11 +16177,11 @@
           <a:lstStyle/>
           <a:p>
             <a:r>
-              <a:rPr lang="en-US" dirty="0" smtClean="0"/>
+              <a:rPr lang="en-US" dirty="0"/>
               <a:t>~/apache/recipes/</a:t>
             </a:r>
             <a:r>
-              <a:rPr lang="en-US" dirty="0" err="1" smtClean="0"/>
+              <a:rPr lang="en-US" dirty="0" err="1"/>
               <a:t>default.rb</a:t>
             </a:r>
             <a:endParaRPr lang="en-US" dirty="0"/>
@@ -16463,13 +16225,6 @@
   <p:transition spd="med">
     <p:fade/>
   </p:transition>
-  <p:timing>
-    <p:tnLst>
-      <p:par>
-        <p:cTn id="1" dur="indefinite" restart="never" nodeType="tmRoot"/>
-      </p:par>
-    </p:tnLst>
-  </p:timing>
 </p:sld>
 </file>
 
@@ -16530,18 +16285,17 @@
           <a:lstStyle/>
           <a:p>
             <a:r>
-              <a:rPr lang="en-US" dirty="0" smtClean="0"/>
+              <a:rPr lang="en-US" dirty="0"/>
               <a:t>This is why we </a:t>
             </a:r>
             <a:r>
-              <a:rPr lang="en-US" b="1" dirty="0" smtClean="0"/>
+              <a:rPr lang="en-US" b="1" dirty="0"/>
               <a:t>can</a:t>
             </a:r>
             <a:r>
-              <a:rPr lang="en-US" dirty="0" smtClean="0"/>
+              <a:rPr lang="en-US" dirty="0"/>
               <a:t> have nice things!</a:t>
             </a:r>
-            <a:endParaRPr lang="en-US" dirty="0"/>
           </a:p>
         </p:txBody>
       </p:sp>
@@ -16576,15 +16330,7 @@
             </a:pPr>
             <a:r>
               <a:rPr lang="en-US" dirty="0"/>
-              <a:t>Converge the </a:t>
-            </a:r>
-            <a:r>
-              <a:rPr lang="en-US" dirty="0" smtClean="0"/>
-              <a:t>cookbook and </a:t>
-            </a:r>
-            <a:r>
-              <a:rPr lang="en-US" dirty="0"/>
-              <a:t>execute the tests</a:t>
+              <a:t>Converge the cookbook and execute the tests</a:t>
             </a:r>
           </a:p>
         </p:txBody>
@@ -16723,7 +16469,7 @@
           <a:p>
             <a:pPr algn="ctr" defTabSz="914099"/>
             <a:r>
-              <a:rPr lang="en-US" sz="1800" dirty="0" smtClean="0">
+              <a:rPr lang="en-US" sz="1800" dirty="0">
                 <a:solidFill>
                   <a:schemeClr val="tx2"/>
                 </a:solidFill>
@@ -16746,13 +16492,6 @@
   <p:transition spd="med">
     <p:fade/>
   </p:transition>
-  <p:timing>
-    <p:tnLst>
-      <p:par>
-        <p:cTn id="1" dur="indefinite" restart="never" nodeType="tmRoot"/>
-      </p:par>
-    </p:tnLst>
-  </p:timing>
 </p:sld>
 </file>
 
@@ -16790,21 +16529,16 @@
           <a:p>
             <a:r>
               <a:rPr lang="en-US" dirty="0"/>
-              <a:t>----&gt; Starting Kitchen (</a:t>
-            </a:r>
-            <a:r>
-              <a:rPr lang="en-US" dirty="0" smtClean="0"/>
-              <a:t>v</a:t>
-            </a:r>
-            <a:r>
-              <a:rPr lang="nb-NO" dirty="0" smtClean="0"/>
+              <a:t>----&gt; Starting Kitchen (v</a:t>
+            </a:r>
+            <a:r>
+              <a:rPr lang="nb-NO" dirty="0"/>
               <a:t>1.11.1</a:t>
             </a:r>
             <a:r>
-              <a:rPr lang="en-US" dirty="0" smtClean="0"/>
+              <a:rPr lang="en-US" dirty="0"/>
               <a:t>)</a:t>
             </a:r>
-            <a:endParaRPr lang="en-US" dirty="0"/>
           </a:p>
           <a:p>
             <a:r>
@@ -16828,32 +16562,20 @@
           </a:p>
           <a:p>
             <a:r>
-              <a:rPr lang="en-US" dirty="0" smtClean="0"/>
+              <a:rPr lang="en-US" dirty="0"/>
               <a:t>       ...</a:t>
             </a:r>
           </a:p>
           <a:p>
             <a:r>
-              <a:rPr lang="en-US" dirty="0" smtClean="0"/>
-              <a:t>-</a:t>
-            </a:r>
-            <a:r>
-              <a:rPr lang="en-US" dirty="0"/>
-              <a:t>----&gt; Installing Chef Omnibus (install only if missing</a:t>
-            </a:r>
-            <a:r>
-              <a:rPr lang="en-US" dirty="0" smtClean="0"/>
-              <a:t>)</a:t>
-            </a:r>
-          </a:p>
-          <a:p>
-            <a:r>
-              <a:rPr lang="en-US" dirty="0" smtClean="0"/>
-              <a:t>       Downloading </a:t>
-            </a:r>
-            <a:r>
-              <a:rPr lang="en-US" dirty="0"/>
-              <a:t>https://</a:t>
+              <a:rPr lang="en-US" dirty="0"/>
+              <a:t>-----&gt; Installing Chef Omnibus (install only if missing)</a:t>
+            </a:r>
+          </a:p>
+          <a:p>
+            <a:r>
+              <a:rPr lang="en-US" dirty="0"/>
+              <a:t>       Downloading https://</a:t>
             </a:r>
             <a:r>
               <a:rPr lang="en-US" dirty="0" err="1"/>
@@ -16869,50 +16591,25 @@
             </a:r>
             <a:r>
               <a:rPr lang="en-US" dirty="0"/>
-              <a:t> to </a:t>
-            </a:r>
-            <a:r>
-              <a:rPr lang="en-US" dirty="0" smtClean="0"/>
-              <a:t>file...</a:t>
-            </a:r>
-            <a:endParaRPr lang="en-US" dirty="0"/>
-          </a:p>
-          <a:p>
-            <a:r>
-              <a:rPr lang="en-US" dirty="0" smtClean="0"/>
-              <a:t>       </a:t>
-            </a:r>
-            <a:r>
-              <a:rPr lang="en-US" dirty="0"/>
-              <a:t>resolving cookbooks for run list: </a:t>
-            </a:r>
-            <a:r>
-              <a:rPr lang="en-US" dirty="0" smtClean="0"/>
-              <a:t>["apache::</a:t>
-            </a:r>
-            <a:r>
-              <a:rPr lang="en-US" dirty="0"/>
-              <a:t>default"</a:t>
-            </a:r>
-            <a:r>
-              <a:rPr lang="en-US" dirty="0" smtClean="0"/>
-              <a:t>] </a:t>
-            </a:r>
-          </a:p>
-          <a:p>
-            <a:r>
-              <a:rPr lang="en-US" dirty="0" smtClean="0"/>
+              <a:t> to file...</a:t>
+            </a:r>
+          </a:p>
+          <a:p>
+            <a:r>
+              <a:rPr lang="en-US" dirty="0"/>
+              <a:t>       resolving cookbooks for run list: ["apache::default"] </a:t>
+            </a:r>
+          </a:p>
+          <a:p>
+            <a:r>
+              <a:rPr lang="en-US" dirty="0"/>
               <a:t>       ...     </a:t>
             </a:r>
           </a:p>
           <a:p>
             <a:r>
-              <a:rPr lang="en-US" dirty="0" smtClean="0"/>
-              <a:t>       Finished </a:t>
-            </a:r>
-            <a:r>
-              <a:rPr lang="en-US" dirty="0"/>
-              <a:t>converging &lt;default-centos-67&gt; (0m27.64s).</a:t>
+              <a:rPr lang="en-US" dirty="0"/>
+              <a:t>       Finished converging &lt;default-centos-67&gt; (0m27.64s).</a:t>
             </a:r>
           </a:p>
           <a:p>
@@ -16939,10 +16636,9 @@
           <a:lstStyle/>
           <a:p>
             <a:r>
-              <a:rPr lang="en-US" dirty="0" smtClean="0"/>
+              <a:rPr lang="en-US" dirty="0"/>
               <a:t>&gt; kitchen converge</a:t>
             </a:r>
-            <a:endParaRPr lang="en-US" dirty="0"/>
           </a:p>
         </p:txBody>
       </p:sp>
@@ -16962,10 +16658,9 @@
           <a:lstStyle/>
           <a:p>
             <a:r>
-              <a:rPr lang="en-US" dirty="0" smtClean="0"/>
+              <a:rPr lang="en-US" dirty="0"/>
               <a:t>Re-Converge the Test Instance</a:t>
             </a:r>
-            <a:endParaRPr lang="en-US" dirty="0"/>
           </a:p>
         </p:txBody>
       </p:sp>
@@ -16982,13 +16677,6 @@
   <p:transition spd="med">
     <p:fade/>
   </p:transition>
-  <p:timing>
-    <p:tnLst>
-      <p:par>
-        <p:cTn id="1" dur="indefinite" restart="never" nodeType="tmRoot"/>
-      </p:par>
-    </p:tnLst>
-  </p:timing>
 </p:sld>
 </file>
 
@@ -17038,19 +16726,7 @@
           <a:p>
             <a:r>
               <a:rPr lang="en-US" dirty="0"/>
-              <a:t>       Use `/</a:t>
-            </a:r>
-            <a:r>
-              <a:rPr lang="en-US" dirty="0" smtClean="0"/>
-              <a:t>home/chef/apache/test/smoke/default</a:t>
-            </a:r>
-            <a:r>
-              <a:rPr lang="en-US" dirty="0" smtClean="0"/>
-              <a:t>` </a:t>
-            </a:r>
-            <a:r>
-              <a:rPr lang="en-US" dirty="0"/>
-              <a:t>for testing</a:t>
+              <a:t>       Use `/home/chef/apache/test/smoke/default` for testing</a:t>
             </a:r>
           </a:p>
           <a:p>
@@ -17107,13 +16783,8 @@
           <a:p>
             <a:r>
               <a:rPr lang="en-US" dirty="0"/>
-              <a:t>Summary: 2 successful, 0 failures, 0 </a:t>
-            </a:r>
-            <a:r>
-              <a:rPr lang="en-US" dirty="0" smtClean="0"/>
-              <a:t>skipped</a:t>
-            </a:r>
-            <a:endParaRPr lang="en-US" dirty="0"/>
+              <a:t>Summary: 2 successful, 0 failures, 0 skipped</a:t>
+            </a:r>
           </a:p>
         </p:txBody>
       </p:sp>
@@ -17133,10 +16804,9 @@
           <a:lstStyle/>
           <a:p>
             <a:r>
-              <a:rPr lang="en-US" dirty="0" smtClean="0"/>
+              <a:rPr lang="en-US" dirty="0"/>
               <a:t>&gt; kitchen verify</a:t>
             </a:r>
-            <a:endParaRPr lang="en-US" dirty="0"/>
           </a:p>
         </p:txBody>
       </p:sp>
@@ -17156,10 +16826,9 @@
           <a:lstStyle/>
           <a:p>
             <a:r>
-              <a:rPr lang="en-US" dirty="0" smtClean="0"/>
+              <a:rPr lang="en-US" dirty="0"/>
               <a:t>Re-Verify the Test Instance</a:t>
             </a:r>
-            <a:endParaRPr lang="en-US" dirty="0"/>
           </a:p>
         </p:txBody>
       </p:sp>
@@ -17176,13 +16845,6 @@
   <p:transition spd="med">
     <p:fade/>
   </p:transition>
-  <p:timing>
-    <p:tnLst>
-      <p:par>
-        <p:cTn id="1" dur="indefinite" restart="never" nodeType="tmRoot"/>
-      </p:par>
-    </p:tnLst>
-  </p:timing>
 </p:sld>
 </file>
 
@@ -17243,18 +16905,17 @@
           <a:lstStyle/>
           <a:p>
             <a:r>
-              <a:rPr lang="en-US" dirty="0" smtClean="0"/>
+              <a:rPr lang="en-US" dirty="0"/>
               <a:t>This is why we </a:t>
             </a:r>
             <a:r>
-              <a:rPr lang="en-US" b="1" dirty="0" smtClean="0"/>
+              <a:rPr lang="en-US" b="1" dirty="0"/>
               <a:t>can</a:t>
             </a:r>
             <a:r>
-              <a:rPr lang="en-US" dirty="0" smtClean="0"/>
+              <a:rPr lang="en-US" dirty="0"/>
               <a:t> have nice things!</a:t>
             </a:r>
-            <a:endParaRPr lang="en-US" dirty="0"/>
           </a:p>
         </p:txBody>
       </p:sp>
@@ -17428,7 +17089,7 @@
           <a:p>
             <a:pPr algn="ctr" defTabSz="914099"/>
             <a:r>
-              <a:rPr lang="en-US" sz="1800" dirty="0" smtClean="0">
+              <a:rPr lang="en-US" sz="1800" dirty="0">
                 <a:solidFill>
                   <a:schemeClr val="tx2"/>
                 </a:solidFill>
@@ -17451,13 +17112,6 @@
   <p:transition spd="med">
     <p:fade/>
   </p:transition>
-  <p:timing>
-    <p:tnLst>
-      <p:par>
-        <p:cTn id="1" dur="indefinite" restart="never" nodeType="tmRoot"/>
-      </p:par>
-    </p:tnLst>
-  </p:timing>
 </p:sld>
 </file>
 
@@ -17496,10 +17150,9 @@
           <a:lstStyle/>
           <a:p>
             <a:r>
-              <a:rPr lang="en-US" dirty="0" smtClean="0"/>
+              <a:rPr lang="en-US" dirty="0"/>
               <a:t>The Configuration</a:t>
             </a:r>
-            <a:endParaRPr lang="en-US" dirty="0"/>
           </a:p>
         </p:txBody>
       </p:sp>
@@ -17524,13 +17177,13 @@
           <a:lstStyle/>
           <a:p>
             <a:r>
-              <a:rPr lang="en-US" dirty="0" smtClean="0"/>
+              <a:rPr lang="en-US" dirty="0"/>
               <a:t>Create a configuration recipe that defines the policy:</a:t>
             </a:r>
           </a:p>
           <a:p>
             <a:pPr lvl="1" algn="l"/>
-            <a:endParaRPr lang="en-US" b="1" dirty="0" smtClean="0">
+            <a:endParaRPr lang="en-US" b="1" dirty="0">
               <a:solidFill>
                 <a:schemeClr val="tx1"/>
               </a:solidFill>
@@ -17542,7 +17195,7 @@
           <a:p>
             <a:pPr lvl="1" algn="l"/>
             <a:r>
-              <a:rPr lang="en-US" b="1" dirty="0" smtClean="0">
+              <a:rPr lang="en-US" b="1" dirty="0">
                 <a:solidFill>
                   <a:schemeClr val="tx1"/>
                 </a:solidFill>
@@ -17553,7 +17206,7 @@
               <a:t>The file named '/</a:t>
             </a:r>
             <a:r>
-              <a:rPr lang="en-US" b="1" dirty="0" err="1" smtClean="0">
+              <a:rPr lang="en-US" b="1" dirty="0" err="1">
                 <a:solidFill>
                   <a:schemeClr val="tx1"/>
                 </a:solidFill>
@@ -17564,7 +17217,7 @@
               <a:t>var</a:t>
             </a:r>
             <a:r>
-              <a:rPr lang="en-US" b="1" dirty="0" smtClean="0">
+              <a:rPr lang="en-US" b="1" dirty="0">
                 <a:solidFill>
                   <a:schemeClr val="tx1"/>
                 </a:solidFill>
@@ -17575,7 +17228,7 @@
               <a:t>/www/html/</a:t>
             </a:r>
             <a:r>
-              <a:rPr lang="en-US" b="1" dirty="0" err="1" smtClean="0">
+              <a:rPr lang="en-US" b="1" dirty="0" err="1">
                 <a:solidFill>
                   <a:schemeClr val="tx1"/>
                 </a:solidFill>
@@ -17586,7 +17239,7 @@
               <a:t>index.html</a:t>
             </a:r>
             <a:r>
-              <a:rPr lang="en-US" b="1" dirty="0" smtClean="0">
+              <a:rPr lang="en-US" b="1" dirty="0">
                 <a:solidFill>
                   <a:schemeClr val="tx1"/>
                 </a:solidFill>
@@ -17598,66 +17251,33 @@
             </a:r>
           </a:p>
           <a:p>
-            <a:endParaRPr lang="en-US" dirty="0" smtClean="0"/>
-          </a:p>
-          <a:p>
-            <a:r>
-              <a:rPr lang="en-US" dirty="0" smtClean="0"/>
+            <a:endParaRPr lang="en-US" dirty="0"/>
+          </a:p>
+          <a:p>
+            <a:r>
+              <a:rPr lang="en-US" dirty="0"/>
               <a:t>Delete the automatically generated </a:t>
             </a:r>
             <a:r>
-              <a:rPr lang="en-US" dirty="0" err="1" smtClean="0"/>
+              <a:rPr lang="en-US" dirty="0" err="1"/>
               <a:t>InSpec</a:t>
             </a:r>
             <a:r>
-              <a:rPr lang="en-US" dirty="0" smtClean="0"/>
+              <a:rPr lang="en-US" dirty="0"/>
               <a:t> test</a:t>
             </a:r>
           </a:p>
           <a:p>
             <a:r>
-              <a:rPr lang="en-US" dirty="0" smtClean="0"/>
-              <a:t>Within </a:t>
-            </a:r>
-            <a:r>
-              <a:rPr lang="en-US" dirty="0"/>
-              <a:t>the default </a:t>
-            </a:r>
-            <a:r>
-              <a:rPr lang="en-US" dirty="0" smtClean="0"/>
-              <a:t>recipe </a:t>
-            </a:r>
-            <a:r>
-              <a:rPr lang="en-US" dirty="0"/>
-              <a:t>r</a:t>
-            </a:r>
-            <a:r>
-              <a:rPr lang="en-US" dirty="0" smtClean="0"/>
-              <a:t>eplace the file resource with an include recipe</a:t>
-            </a:r>
-          </a:p>
-          <a:p>
-            <a:r>
-              <a:rPr lang="en-US" dirty="0" smtClean="0"/>
-              <a:t>Converge </a:t>
-            </a:r>
-            <a:r>
-              <a:rPr lang="en-US" dirty="0"/>
-              <a:t>and </a:t>
-            </a:r>
-            <a:r>
-              <a:rPr lang="en-US" dirty="0" smtClean="0"/>
-              <a:t>verify </a:t>
-            </a:r>
-            <a:r>
-              <a:rPr lang="en-US" dirty="0"/>
-              <a:t>the test instance to ensure there are no </a:t>
-            </a:r>
-            <a:r>
-              <a:rPr lang="en-US" dirty="0" smtClean="0"/>
-              <a:t>failures</a:t>
-            </a:r>
-            <a:endParaRPr lang="en-US" dirty="0"/>
+              <a:rPr lang="en-US" dirty="0"/>
+              <a:t>Within the default recipe replace the file resource with an include recipe</a:t>
+            </a:r>
+          </a:p>
+          <a:p>
+            <a:r>
+              <a:rPr lang="en-US" dirty="0"/>
+              <a:t>Converge and verify the test instance to ensure there are no failures</a:t>
+            </a:r>
           </a:p>
         </p:txBody>
       </p:sp>
@@ -17674,13 +17294,6 @@
   <p:transition spd="med">
     <p:fade/>
   </p:transition>
-  <p:timing>
-    <p:tnLst>
-      <p:par>
-        <p:cTn id="1" dur="indefinite" restart="never" nodeType="tmRoot"/>
-      </p:par>
-    </p:tnLst>
-  </p:timing>
 </p:sld>
 </file>
 
@@ -17732,15 +17345,7 @@
           <a:p>
             <a:r>
               <a:rPr lang="en-US" dirty="0"/>
-              <a:t>  * directory[/</a:t>
-            </a:r>
-            <a:r>
-              <a:rPr lang="en-US" dirty="0" smtClean="0"/>
-              <a:t>home/chef/apache/spec/unit/recipes</a:t>
-            </a:r>
-            <a:r>
-              <a:rPr lang="en-US" dirty="0"/>
-              <a:t>] action create (up to date)</a:t>
+              <a:t>  * directory[/home/chef/apache/spec/unit/recipes] action create (up to date)</a:t>
             </a:r>
           </a:p>
           <a:p>
@@ -17754,14 +17359,10 @@
             </a:r>
             <a:r>
               <a:rPr lang="en-US" dirty="0"/>
-              <a:t>[/</a:t>
-            </a:r>
-            <a:r>
-              <a:rPr lang="en-US" dirty="0" smtClean="0"/>
-              <a:t>home/chef/apache/spec/</a:t>
-            </a:r>
-            <a:r>
-              <a:rPr lang="en-US" dirty="0" err="1" smtClean="0"/>
+              <a:t>[/home/chef/apache/spec/</a:t>
+            </a:r>
+            <a:r>
+              <a:rPr lang="en-US" dirty="0" err="1"/>
               <a:t>spec_helper.rb</a:t>
             </a:r>
             <a:r>
@@ -17780,14 +17381,10 @@
           <a:p>
             <a:r>
               <a:rPr lang="en-US" dirty="0"/>
-              <a:t>  * template[/</a:t>
-            </a:r>
-            <a:r>
-              <a:rPr lang="en-US" dirty="0" smtClean="0"/>
-              <a:t>home/chef/apache/spec/unit/recipes/</a:t>
-            </a:r>
-            <a:r>
-              <a:rPr lang="en-US" dirty="0" err="1" smtClean="0"/>
+              <a:t>  * template[/home/chef/apache/spec/unit/recipes/</a:t>
+            </a:r>
+            <a:r>
+              <a:rPr lang="en-US" dirty="0" err="1"/>
               <a:t>configuration_spec.rb</a:t>
             </a:r>
             <a:r>
@@ -17803,14 +17400,10 @@
           <a:p>
             <a:r>
               <a:rPr lang="en-US" dirty="0"/>
-              <a:t>    - create new file /</a:t>
-            </a:r>
-            <a:r>
-              <a:rPr lang="en-US" dirty="0" smtClean="0"/>
-              <a:t>home/chef/apache/spec/unit/recipes/</a:t>
-            </a:r>
-            <a:r>
-              <a:rPr lang="en-US" dirty="0" err="1" smtClean="0"/>
+              <a:t>    - create new file /home/chef/apache/spec/unit/recipes/</a:t>
+            </a:r>
+            <a:r>
+              <a:rPr lang="en-US" dirty="0" err="1"/>
               <a:t>configuration_spec.rb</a:t>
             </a:r>
             <a:endParaRPr lang="en-US" dirty="0"/>
@@ -17818,29 +17411,16 @@
           <a:p>
             <a:r>
               <a:rPr lang="en-US" dirty="0"/>
-              <a:t>    - update content in file /</a:t>
-            </a:r>
-            <a:r>
-              <a:rPr lang="en-US" dirty="0" smtClean="0"/>
-              <a:t>home/chef/apache/spec/unit/recipes/</a:t>
-            </a:r>
-            <a:r>
-              <a:rPr lang="en-US" dirty="0" err="1" smtClean="0"/>
+              <a:t>    - update content in file /home/chef/apache/spec/unit/recipes/</a:t>
+            </a:r>
+            <a:r>
+              <a:rPr lang="en-US" dirty="0" err="1"/>
               <a:t>configuration_spec.rb</a:t>
             </a:r>
             <a:r>
-              <a:rPr lang="en-US" dirty="0" smtClean="0"/>
-              <a:t> </a:t>
-            </a:r>
-            <a:r>
-              <a:rPr lang="en-US" dirty="0"/>
-              <a:t>from </a:t>
-            </a:r>
-            <a:r>
-              <a:rPr lang="en-US" dirty="0" smtClean="0"/>
-              <a:t>none</a:t>
-            </a:r>
-            <a:endParaRPr lang="en-US" dirty="0"/>
+              <a:rPr lang="en-US" dirty="0"/>
+              <a:t> from none</a:t>
+            </a:r>
           </a:p>
         </p:txBody>
       </p:sp>
@@ -17860,10 +17440,9 @@
           <a:lstStyle/>
           <a:p>
             <a:r>
-              <a:rPr lang="en-US" dirty="0" smtClean="0"/>
+              <a:rPr lang="en-US" dirty="0"/>
               <a:t>&gt; chef generate recipe configuration</a:t>
             </a:r>
-            <a:endParaRPr lang="en-US" dirty="0"/>
           </a:p>
         </p:txBody>
       </p:sp>
@@ -17883,10 +17462,9 @@
           <a:lstStyle/>
           <a:p>
             <a:r>
-              <a:rPr lang="en-US" dirty="0" smtClean="0"/>
+              <a:rPr lang="en-US" dirty="0"/>
               <a:t>Generate a Service Recipe</a:t>
             </a:r>
-            <a:endParaRPr lang="en-US" dirty="0"/>
           </a:p>
         </p:txBody>
       </p:sp>
@@ -17903,13 +17481,6 @@
   <p:transition spd="med">
     <p:fade/>
   </p:transition>
-  <p:timing>
-    <p:tnLst>
-      <p:par>
-        <p:cTn id="1" dur="indefinite" restart="never" nodeType="tmRoot"/>
-      </p:par>
-    </p:tnLst>
-  </p:timing>
 </p:sld>
 </file>
 
@@ -17948,10 +17519,9 @@
           <a:lstStyle/>
           <a:p>
             <a:r>
-              <a:rPr lang="en-US" dirty="0" smtClean="0"/>
+              <a:rPr lang="en-US" dirty="0"/>
               <a:t>Test Driven Development</a:t>
             </a:r>
-            <a:endParaRPr lang="en-US" dirty="0"/>
           </a:p>
         </p:txBody>
       </p:sp>
@@ -17976,11 +17546,7 @@
             </a:pPr>
             <a:r>
               <a:rPr lang="en-US" dirty="0"/>
-              <a:t>D</a:t>
-            </a:r>
-            <a:r>
-              <a:rPr lang="en-US" dirty="0" smtClean="0"/>
-              <a:t>efine a test set for the unit first</a:t>
+              <a:t>Define a test set for the unit first</a:t>
             </a:r>
           </a:p>
           <a:p>
@@ -17990,11 +17556,7 @@
             </a:pPr>
             <a:r>
               <a:rPr lang="en-US" dirty="0"/>
-              <a:t>T</a:t>
-            </a:r>
-            <a:r>
-              <a:rPr lang="en-US" dirty="0" smtClean="0"/>
-              <a:t>hen implement the unit</a:t>
+              <a:t>Then implement the unit</a:t>
             </a:r>
           </a:p>
           <a:p>
@@ -18003,7 +17565,7 @@
               <a:buAutoNum type="arabicPeriod"/>
             </a:pPr>
             <a:r>
-              <a:rPr lang="en-US" dirty="0" smtClean="0"/>
+              <a:rPr lang="en-US" dirty="0"/>
               <a:t>Finally verify that the implementation of the unit makes the tests succeed.</a:t>
             </a:r>
           </a:p>
@@ -18013,10 +17575,9 @@
               <a:buAutoNum type="arabicPeriod"/>
             </a:pPr>
             <a:r>
-              <a:rPr lang="en-US" b="1" dirty="0" smtClean="0"/>
+              <a:rPr lang="en-US" b="1" dirty="0"/>
               <a:t>Refactor</a:t>
             </a:r>
-            <a:endParaRPr lang="en-US" b="1" dirty="0"/>
           </a:p>
         </p:txBody>
       </p:sp>
@@ -18033,13 +17594,6 @@
   <p:transition spd="med">
     <p:fade/>
   </p:transition>
-  <p:timing>
-    <p:tnLst>
-      <p:par>
-        <p:cTn id="1" dur="indefinite" restart="never" nodeType="tmRoot"/>
-      </p:par>
-    </p:tnLst>
-  </p:timing>
 </p:sld>
 </file>
 
@@ -18095,19 +17649,19 @@
           <a:lstStyle/>
           <a:p>
             <a:r>
-              <a:rPr lang="en-US" dirty="0" smtClean="0"/>
+              <a:rPr lang="en-US" dirty="0"/>
               <a:t>&gt; </a:t>
             </a:r>
             <a:r>
-              <a:rPr lang="en-US" dirty="0" err="1" smtClean="0"/>
+              <a:rPr lang="en-US" dirty="0" err="1"/>
               <a:t>rm</a:t>
             </a:r>
             <a:r>
-              <a:rPr lang="en-US" dirty="0" smtClean="0"/>
+              <a:rPr lang="en-US" dirty="0"/>
               <a:t> test/smoke/default/</a:t>
             </a:r>
             <a:r>
-              <a:rPr lang="en-US" dirty="0" err="1" smtClean="0"/>
+              <a:rPr lang="en-US" dirty="0" err="1"/>
               <a:t>configuration.rb</a:t>
             </a:r>
             <a:endParaRPr lang="en-US" dirty="0"/>
@@ -18130,10 +17684,9 @@
           <a:lstStyle/>
           <a:p>
             <a:r>
-              <a:rPr lang="en-US" dirty="0" smtClean="0"/>
+              <a:rPr lang="en-US" dirty="0"/>
               <a:t>Remove the Generated Test File</a:t>
             </a:r>
-            <a:endParaRPr lang="en-US" dirty="0"/>
           </a:p>
         </p:txBody>
       </p:sp>
@@ -18150,13 +17703,6 @@
   <p:transition spd="med">
     <p:fade/>
   </p:transition>
-  <p:timing>
-    <p:tnLst>
-      <p:par>
-        <p:cTn id="1" dur="indefinite" restart="never" nodeType="tmRoot"/>
-      </p:par>
-    </p:tnLst>
-  </p:timing>
 </p:sld>
 </file>
 
@@ -18193,10 +17739,9 @@
           <a:lstStyle/>
           <a:p>
             <a:r>
-              <a:rPr lang="en-US" dirty="0" smtClean="0"/>
+              <a:rPr lang="en-US" dirty="0"/>
               <a:t>Write the Configuration Recipe</a:t>
             </a:r>
-            <a:endParaRPr lang="en-US" dirty="0"/>
           </a:p>
         </p:txBody>
       </p:sp>
@@ -18223,24 +17768,14 @@
           <a:p>
             <a:r>
               <a:rPr lang="en-US" dirty="0"/>
-              <a:t># Cookbook Name:: </a:t>
-            </a:r>
-            <a:r>
-              <a:rPr lang="en-US" dirty="0" smtClean="0"/>
-              <a:t>apache</a:t>
-            </a:r>
-            <a:endParaRPr lang="en-US" dirty="0"/>
-          </a:p>
-          <a:p>
-            <a:r>
-              <a:rPr lang="en-US" dirty="0"/>
-              <a:t># Recipe:: </a:t>
-            </a:r>
-            <a:r>
-              <a:rPr lang="en-US" dirty="0" smtClean="0"/>
-              <a:t>configuration</a:t>
-            </a:r>
-            <a:endParaRPr lang="en-US" dirty="0"/>
+              <a:t># Cookbook Name:: apache</a:t>
+            </a:r>
+          </a:p>
+          <a:p>
+            <a:r>
+              <a:rPr lang="en-US" dirty="0"/>
+              <a:t># Recipe:: configuration</a:t>
+            </a:r>
           </a:p>
           <a:p>
             <a:r>
@@ -18306,11 +17841,11 @@
           <a:lstStyle/>
           <a:p>
             <a:r>
-              <a:rPr lang="en-US" dirty="0" smtClean="0"/>
+              <a:rPr lang="en-US" dirty="0"/>
               <a:t>~/apache/recipes/</a:t>
             </a:r>
             <a:r>
-              <a:rPr lang="en-US" dirty="0" err="1" smtClean="0"/>
+              <a:rPr lang="en-US" dirty="0" err="1"/>
               <a:t>configuration.rb</a:t>
             </a:r>
             <a:endParaRPr lang="en-US" dirty="0"/>
@@ -18354,13 +17889,6 @@
   <p:transition spd="med">
     <p:fade/>
   </p:transition>
-  <p:timing>
-    <p:tnLst>
-      <p:par>
-        <p:cTn id="1" dur="indefinite" restart="never" nodeType="tmRoot"/>
-      </p:par>
-    </p:tnLst>
-  </p:timing>
 </p:sld>
 </file>
 
@@ -18399,10 +17927,9 @@
           <a:lstStyle/>
           <a:p>
             <a:r>
-              <a:rPr lang="en-US" dirty="0" smtClean="0"/>
+              <a:rPr lang="en-US" dirty="0"/>
               <a:t>Remove the Resource from the Default Recipe</a:t>
             </a:r>
-            <a:endParaRPr lang="en-US" dirty="0"/>
           </a:p>
         </p:txBody>
       </p:sp>
@@ -18431,52 +17958,39 @@
           <a:p>
             <a:r>
               <a:rPr lang="en-US" dirty="0"/>
-              <a:t># Cookbook Name:: </a:t>
-            </a:r>
-            <a:r>
-              <a:rPr lang="en-US" dirty="0" smtClean="0"/>
-              <a:t>apache</a:t>
-            </a:r>
+              <a:t># Cookbook Name:: apache</a:t>
+            </a:r>
+          </a:p>
+          <a:p>
+            <a:r>
+              <a:rPr lang="en-US" dirty="0"/>
+              <a:t># Recipe:: default</a:t>
+            </a:r>
+          </a:p>
+          <a:p>
+            <a:r>
+              <a:rPr lang="en-US" dirty="0"/>
+              <a:t>#</a:t>
+            </a:r>
+          </a:p>
+          <a:p>
+            <a:r>
+              <a:rPr lang="en-US" dirty="0"/>
+              <a:t># Copyright (c) 2015 The Authors, All Rights Reserved.</a:t>
+            </a:r>
+          </a:p>
+          <a:p>
+            <a:r>
+              <a:rPr lang="en-US" dirty="0" err="1"/>
+              <a:t>include_recipe</a:t>
+            </a:r>
+            <a:r>
+              <a:rPr lang="en-US" dirty="0"/>
+              <a:t> 'apache::install'</a:t>
+            </a:r>
+          </a:p>
+          <a:p>
             <a:endParaRPr lang="en-US" dirty="0"/>
-          </a:p>
-          <a:p>
-            <a:r>
-              <a:rPr lang="en-US" dirty="0"/>
-              <a:t># Recipe:: default</a:t>
-            </a:r>
-          </a:p>
-          <a:p>
-            <a:r>
-              <a:rPr lang="en-US" dirty="0"/>
-              <a:t>#</a:t>
-            </a:r>
-          </a:p>
-          <a:p>
-            <a:r>
-              <a:rPr lang="en-US" dirty="0"/>
-              <a:t># Copyright (c) 2015 The Authors, All Rights Reserved.</a:t>
-            </a:r>
-          </a:p>
-          <a:p>
-            <a:r>
-              <a:rPr lang="en-US" dirty="0" err="1" smtClean="0"/>
-              <a:t>include_recipe</a:t>
-            </a:r>
-            <a:r>
-              <a:rPr lang="en-US" dirty="0" smtClean="0"/>
-              <a:t> </a:t>
-            </a:r>
-            <a:r>
-              <a:rPr lang="en-US" dirty="0" smtClean="0"/>
-              <a:t>'apache::</a:t>
-            </a:r>
-            <a:r>
-              <a:rPr lang="en-US" dirty="0" smtClean="0"/>
-              <a:t>install'</a:t>
-            </a:r>
-          </a:p>
-          <a:p>
-            <a:endParaRPr lang="en-US" dirty="0" smtClean="0"/>
           </a:p>
           <a:p>
             <a:r>
@@ -18508,7 +18022,7 @@
           </a:p>
           <a:p>
             <a:r>
-              <a:rPr lang="en-US" dirty="0" smtClean="0"/>
+              <a:rPr lang="en-US" dirty="0"/>
               <a:t>end</a:t>
             </a:r>
           </a:p>
@@ -18562,11 +18076,11 @@
           <a:lstStyle/>
           <a:p>
             <a:r>
-              <a:rPr lang="en-US" dirty="0" smtClean="0"/>
+              <a:rPr lang="en-US" dirty="0"/>
               <a:t>~/apache/recipes/</a:t>
             </a:r>
             <a:r>
-              <a:rPr lang="en-US" dirty="0" err="1" smtClean="0"/>
+              <a:rPr lang="en-US" dirty="0" err="1"/>
               <a:t>default.rb</a:t>
             </a:r>
             <a:endParaRPr lang="en-US" dirty="0"/>
@@ -18610,13 +18124,6 @@
   <p:transition spd="med">
     <p:fade/>
   </p:transition>
-  <p:timing>
-    <p:tnLst>
-      <p:par>
-        <p:cTn id="1" dur="indefinite" restart="never" nodeType="tmRoot"/>
-      </p:par>
-    </p:tnLst>
-  </p:timing>
 </p:sld>
 </file>
 
@@ -18655,10 +18162,9 @@
           <a:lstStyle/>
           <a:p>
             <a:r>
-              <a:rPr lang="en-US" dirty="0" smtClean="0"/>
+              <a:rPr lang="en-US" dirty="0"/>
               <a:t>Include the Configuration Recipe</a:t>
             </a:r>
-            <a:endParaRPr lang="en-US" dirty="0"/>
           </a:p>
         </p:txBody>
       </p:sp>
@@ -18687,13 +18193,8 @@
           <a:p>
             <a:r>
               <a:rPr lang="en-US" dirty="0"/>
-              <a:t># Cookbook Name:: </a:t>
-            </a:r>
-            <a:r>
-              <a:rPr lang="en-US" dirty="0" smtClean="0"/>
-              <a:t>apache</a:t>
-            </a:r>
-            <a:endParaRPr lang="en-US" dirty="0"/>
+              <a:t># Cookbook Name:: apache</a:t>
+            </a:r>
           </a:p>
           <a:p>
             <a:r>
@@ -18715,40 +18216,23 @@
           </a:p>
           <a:p>
             <a:r>
-              <a:rPr lang="en-US" dirty="0" err="1" smtClean="0"/>
+              <a:rPr lang="en-US" dirty="0" err="1"/>
               <a:t>include_recipe</a:t>
             </a:r>
             <a:r>
-              <a:rPr lang="en-US" dirty="0" smtClean="0"/>
-              <a:t> </a:t>
-            </a:r>
-            <a:r>
-              <a:rPr lang="en-US" dirty="0" smtClean="0"/>
-              <a:t>'apache::</a:t>
-            </a:r>
-            <a:r>
-              <a:rPr lang="en-US" dirty="0" smtClean="0"/>
-              <a:t>install'</a:t>
-            </a:r>
-          </a:p>
-          <a:p>
-            <a:r>
-              <a:rPr lang="en-US" dirty="0" err="1" smtClean="0"/>
+              <a:rPr lang="en-US" dirty="0"/>
+              <a:t> 'apache::install'</a:t>
+            </a:r>
+          </a:p>
+          <a:p>
+            <a:r>
+              <a:rPr lang="en-US" dirty="0" err="1"/>
               <a:t>include_recipe</a:t>
             </a:r>
             <a:r>
-              <a:rPr lang="en-US" dirty="0" smtClean="0"/>
-              <a:t> </a:t>
-            </a:r>
-            <a:r>
-              <a:rPr lang="en-US" dirty="0" smtClean="0"/>
-              <a:t>'apache::</a:t>
-            </a:r>
-            <a:r>
-              <a:rPr lang="en-US" dirty="0" smtClean="0"/>
-              <a:t>configuration'</a:t>
-            </a:r>
-            <a:endParaRPr lang="en-US" dirty="0"/>
+              <a:rPr lang="en-US" dirty="0"/>
+              <a:t> 'apache::configuration'</a:t>
+            </a:r>
           </a:p>
           <a:p>
             <a:endParaRPr lang="en-US" dirty="0"/>
@@ -18800,11 +18284,11 @@
           <a:lstStyle/>
           <a:p>
             <a:r>
-              <a:rPr lang="en-US" dirty="0" smtClean="0"/>
+              <a:rPr lang="en-US" dirty="0"/>
               <a:t>~/apache/recipes/</a:t>
             </a:r>
             <a:r>
-              <a:rPr lang="en-US" dirty="0" err="1" smtClean="0"/>
+              <a:rPr lang="en-US" dirty="0" err="1"/>
               <a:t>default.rb</a:t>
             </a:r>
             <a:endParaRPr lang="en-US" dirty="0"/>
@@ -18848,13 +18332,6 @@
   <p:transition spd="med">
     <p:fade/>
   </p:transition>
-  <p:timing>
-    <p:tnLst>
-      <p:par>
-        <p:cTn id="1" dur="indefinite" restart="never" nodeType="tmRoot"/>
-      </p:par>
-    </p:tnLst>
-  </p:timing>
 </p:sld>
 </file>
 
@@ -18892,21 +18369,16 @@
           <a:p>
             <a:r>
               <a:rPr lang="en-US" dirty="0"/>
-              <a:t>----&gt; Starting Kitchen (</a:t>
-            </a:r>
-            <a:r>
-              <a:rPr lang="en-US" dirty="0" smtClean="0"/>
-              <a:t>v</a:t>
-            </a:r>
-            <a:r>
-              <a:rPr lang="nb-NO" dirty="0" smtClean="0"/>
+              <a:t>----&gt; Starting Kitchen (v</a:t>
+            </a:r>
+            <a:r>
+              <a:rPr lang="nb-NO" dirty="0"/>
               <a:t>1.11.1</a:t>
             </a:r>
             <a:r>
-              <a:rPr lang="en-US" dirty="0" smtClean="0"/>
+              <a:rPr lang="en-US" dirty="0"/>
               <a:t>)</a:t>
             </a:r>
-            <a:endParaRPr lang="en-US" dirty="0"/>
           </a:p>
           <a:p>
             <a:r>
@@ -18930,32 +18402,20 @@
           </a:p>
           <a:p>
             <a:r>
-              <a:rPr lang="en-US" dirty="0" smtClean="0"/>
+              <a:rPr lang="en-US" dirty="0"/>
               <a:t>       ...</a:t>
             </a:r>
           </a:p>
           <a:p>
             <a:r>
-              <a:rPr lang="en-US" dirty="0" smtClean="0"/>
-              <a:t>-</a:t>
-            </a:r>
-            <a:r>
-              <a:rPr lang="en-US" dirty="0"/>
-              <a:t>----&gt; Installing Chef Omnibus (install only if missing</a:t>
-            </a:r>
-            <a:r>
-              <a:rPr lang="en-US" dirty="0" smtClean="0"/>
-              <a:t>)</a:t>
-            </a:r>
-          </a:p>
-          <a:p>
-            <a:r>
-              <a:rPr lang="en-US" dirty="0" smtClean="0"/>
-              <a:t>       Downloading </a:t>
-            </a:r>
-            <a:r>
-              <a:rPr lang="en-US" dirty="0"/>
-              <a:t>https://</a:t>
+              <a:rPr lang="en-US" dirty="0"/>
+              <a:t>-----&gt; Installing Chef Omnibus (install only if missing)</a:t>
+            </a:r>
+          </a:p>
+          <a:p>
+            <a:r>
+              <a:rPr lang="en-US" dirty="0"/>
+              <a:t>       Downloading https://</a:t>
             </a:r>
             <a:r>
               <a:rPr lang="en-US" dirty="0" err="1"/>
@@ -18971,50 +18431,25 @@
             </a:r>
             <a:r>
               <a:rPr lang="en-US" dirty="0"/>
-              <a:t> to </a:t>
-            </a:r>
-            <a:r>
-              <a:rPr lang="en-US" dirty="0" smtClean="0"/>
-              <a:t>file...</a:t>
-            </a:r>
-            <a:endParaRPr lang="en-US" dirty="0"/>
-          </a:p>
-          <a:p>
-            <a:r>
-              <a:rPr lang="en-US" dirty="0" smtClean="0"/>
-              <a:t>       </a:t>
-            </a:r>
-            <a:r>
-              <a:rPr lang="en-US" dirty="0"/>
-              <a:t>resolving cookbooks for run list: </a:t>
-            </a:r>
-            <a:r>
-              <a:rPr lang="en-US" dirty="0" smtClean="0"/>
-              <a:t>["apache::</a:t>
-            </a:r>
-            <a:r>
-              <a:rPr lang="en-US" dirty="0"/>
-              <a:t>default"</a:t>
-            </a:r>
-            <a:r>
-              <a:rPr lang="en-US" dirty="0" smtClean="0"/>
-              <a:t>] </a:t>
-            </a:r>
-          </a:p>
-          <a:p>
-            <a:r>
-              <a:rPr lang="en-US" dirty="0" smtClean="0"/>
+              <a:t> to file...</a:t>
+            </a:r>
+          </a:p>
+          <a:p>
+            <a:r>
+              <a:rPr lang="en-US" dirty="0"/>
+              <a:t>       resolving cookbooks for run list: ["apache::default"] </a:t>
+            </a:r>
+          </a:p>
+          <a:p>
+            <a:r>
+              <a:rPr lang="en-US" dirty="0"/>
               <a:t>       ...     </a:t>
             </a:r>
           </a:p>
           <a:p>
             <a:r>
-              <a:rPr lang="en-US" dirty="0" smtClean="0"/>
-              <a:t>       Finished </a:t>
-            </a:r>
-            <a:r>
-              <a:rPr lang="en-US" dirty="0"/>
-              <a:t>converging &lt;default-centos-67&gt; (0m27.64s).</a:t>
+              <a:rPr lang="en-US" dirty="0"/>
+              <a:t>       Finished converging &lt;default-centos-67&gt; (0m27.64s).</a:t>
             </a:r>
           </a:p>
           <a:p>
@@ -19041,10 +18476,9 @@
           <a:lstStyle/>
           <a:p>
             <a:r>
-              <a:rPr lang="en-US" dirty="0" smtClean="0"/>
+              <a:rPr lang="en-US" dirty="0"/>
               <a:t>&gt; kitchen converge</a:t>
             </a:r>
-            <a:endParaRPr lang="en-US" dirty="0"/>
           </a:p>
         </p:txBody>
       </p:sp>
@@ -19064,10 +18498,9 @@
           <a:lstStyle/>
           <a:p>
             <a:r>
-              <a:rPr lang="en-US" dirty="0" smtClean="0"/>
+              <a:rPr lang="en-US" dirty="0"/>
               <a:t>Re-Converge the Test Instance</a:t>
             </a:r>
-            <a:endParaRPr lang="en-US" dirty="0"/>
           </a:p>
         </p:txBody>
       </p:sp>
@@ -19084,13 +18517,6 @@
   <p:transition spd="med">
     <p:fade/>
   </p:transition>
-  <p:timing>
-    <p:tnLst>
-      <p:par>
-        <p:cTn id="1" dur="indefinite" restart="never" nodeType="tmRoot"/>
-      </p:par>
-    </p:tnLst>
-  </p:timing>
 </p:sld>
 </file>
 
@@ -19140,19 +18566,7 @@
           <a:p>
             <a:r>
               <a:rPr lang="en-US" dirty="0"/>
-              <a:t>       Use `/</a:t>
-            </a:r>
-            <a:r>
-              <a:rPr lang="en-US" dirty="0" smtClean="0"/>
-              <a:t>home/chef/apache/test/smoke/default</a:t>
-            </a:r>
-            <a:r>
-              <a:rPr lang="en-US" dirty="0" smtClean="0"/>
-              <a:t>` </a:t>
-            </a:r>
-            <a:r>
-              <a:rPr lang="en-US" dirty="0"/>
-              <a:t>for testing</a:t>
+              <a:t>       Use `/home/chef/apache/test/smoke/default` for testing</a:t>
             </a:r>
           </a:p>
           <a:p>
@@ -19209,13 +18623,8 @@
           <a:p>
             <a:r>
               <a:rPr lang="en-US" dirty="0"/>
-              <a:t>Summary: 2 successful, 0 failures, 0 </a:t>
-            </a:r>
-            <a:r>
-              <a:rPr lang="en-US" dirty="0" smtClean="0"/>
-              <a:t>skipped</a:t>
-            </a:r>
-            <a:endParaRPr lang="en-US" dirty="0"/>
+              <a:t>Summary: 2 successful, 0 failures, 0 skipped</a:t>
+            </a:r>
           </a:p>
         </p:txBody>
       </p:sp>
@@ -19235,10 +18644,9 @@
           <a:lstStyle/>
           <a:p>
             <a:r>
-              <a:rPr lang="en-US" dirty="0" smtClean="0"/>
+              <a:rPr lang="en-US" dirty="0"/>
               <a:t>&gt; kitchen verify</a:t>
             </a:r>
-            <a:endParaRPr lang="en-US" dirty="0"/>
           </a:p>
         </p:txBody>
       </p:sp>
@@ -19258,10 +18666,9 @@
           <a:lstStyle/>
           <a:p>
             <a:r>
-              <a:rPr lang="en-US" dirty="0" smtClean="0"/>
+              <a:rPr lang="en-US" dirty="0"/>
               <a:t>Re-Verify the Test Instance</a:t>
             </a:r>
-            <a:endParaRPr lang="en-US" dirty="0"/>
           </a:p>
         </p:txBody>
       </p:sp>
@@ -19278,13 +18685,6 @@
   <p:transition spd="med">
     <p:fade/>
   </p:transition>
-  <p:timing>
-    <p:tnLst>
-      <p:par>
-        <p:cTn id="1" dur="indefinite" restart="never" nodeType="tmRoot"/>
-      </p:par>
-    </p:tnLst>
-  </p:timing>
 </p:sld>
 </file>
 
@@ -19323,10 +18723,9 @@
           <a:lstStyle/>
           <a:p>
             <a:r>
-              <a:rPr lang="en-US" dirty="0" smtClean="0"/>
+              <a:rPr lang="en-US" dirty="0"/>
               <a:t>The Configuration</a:t>
             </a:r>
-            <a:endParaRPr lang="en-US" dirty="0"/>
           </a:p>
         </p:txBody>
       </p:sp>
@@ -19350,13 +18749,13 @@
               <a:buChar char="ü"/>
             </a:pPr>
             <a:r>
-              <a:rPr lang="en-US" dirty="0" smtClean="0"/>
+              <a:rPr lang="en-US" dirty="0"/>
               <a:t>Create a configuration recipe that defines the policy:</a:t>
             </a:r>
           </a:p>
           <a:p>
             <a:pPr lvl="1" algn="l"/>
-            <a:endParaRPr lang="en-US" b="1" dirty="0" smtClean="0">
+            <a:endParaRPr lang="en-US" b="1" dirty="0">
               <a:solidFill>
                 <a:schemeClr val="tx1"/>
               </a:solidFill>
@@ -19368,7 +18767,7 @@
           <a:p>
             <a:pPr lvl="1" algn="l"/>
             <a:r>
-              <a:rPr lang="en-US" b="1" dirty="0" smtClean="0">
+              <a:rPr lang="en-US" b="1" dirty="0">
                 <a:solidFill>
                   <a:schemeClr val="tx1"/>
                 </a:solidFill>
@@ -19379,7 +18778,7 @@
               <a:t>The file named '/</a:t>
             </a:r>
             <a:r>
-              <a:rPr lang="en-US" b="1" dirty="0" err="1" smtClean="0">
+              <a:rPr lang="en-US" b="1" dirty="0" err="1">
                 <a:solidFill>
                   <a:schemeClr val="tx1"/>
                 </a:solidFill>
@@ -19390,7 +18789,7 @@
               <a:t>var</a:t>
             </a:r>
             <a:r>
-              <a:rPr lang="en-US" b="1" dirty="0" smtClean="0">
+              <a:rPr lang="en-US" b="1" dirty="0">
                 <a:solidFill>
                   <a:schemeClr val="tx1"/>
                 </a:solidFill>
@@ -19401,7 +18800,7 @@
               <a:t>/www/html/</a:t>
             </a:r>
             <a:r>
-              <a:rPr lang="en-US" b="1" dirty="0" err="1" smtClean="0">
+              <a:rPr lang="en-US" b="1" dirty="0" err="1">
                 <a:solidFill>
                   <a:schemeClr val="tx1"/>
                 </a:solidFill>
@@ -19412,7 +18811,7 @@
               <a:t>index.html</a:t>
             </a:r>
             <a:r>
-              <a:rPr lang="en-US" b="1" dirty="0" smtClean="0">
+              <a:rPr lang="en-US" b="1" dirty="0">
                 <a:solidFill>
                   <a:schemeClr val="tx1"/>
                 </a:solidFill>
@@ -19424,7 +18823,7 @@
             </a:r>
           </a:p>
           <a:p>
-            <a:endParaRPr lang="en-US" dirty="0" smtClean="0"/>
+            <a:endParaRPr lang="en-US" dirty="0"/>
           </a:p>
           <a:p>
             <a:pPr>
@@ -19460,26 +18859,9 @@
               <a:buChar char="ü"/>
             </a:pPr>
             <a:r>
-              <a:rPr lang="en-US" dirty="0" smtClean="0"/>
-              <a:t>Converge </a:t>
-            </a:r>
-            <a:r>
-              <a:rPr lang="en-US" dirty="0"/>
-              <a:t>and </a:t>
-            </a:r>
-            <a:r>
-              <a:rPr lang="en-US" dirty="0" smtClean="0"/>
-              <a:t>verify </a:t>
-            </a:r>
-            <a:r>
-              <a:rPr lang="en-US" dirty="0"/>
-              <a:t>the test instance to ensure there are no </a:t>
-            </a:r>
-            <a:r>
-              <a:rPr lang="en-US" dirty="0" smtClean="0"/>
-              <a:t>failures</a:t>
-            </a:r>
-            <a:endParaRPr lang="en-US" dirty="0"/>
+              <a:rPr lang="en-US" dirty="0"/>
+              <a:t>Converge and verify the test instance to ensure there are no failures</a:t>
+            </a:r>
           </a:p>
         </p:txBody>
       </p:sp>
@@ -19496,13 +18878,6 @@
   <p:transition spd="med">
     <p:fade/>
   </p:transition>
-  <p:timing>
-    <p:tnLst>
-      <p:par>
-        <p:cTn id="1" dur="indefinite" restart="never" nodeType="tmRoot"/>
-      </p:par>
-    </p:tnLst>
-  </p:timing>
 </p:sld>
 </file>
 
@@ -19541,10 +18916,9 @@
           <a:lstStyle/>
           <a:p>
             <a:r>
-              <a:rPr lang="en-US" dirty="0" smtClean="0"/>
+              <a:rPr lang="en-US" dirty="0"/>
               <a:t>The Service</a:t>
             </a:r>
-            <a:endParaRPr lang="en-US" dirty="0"/>
           </a:p>
         </p:txBody>
       </p:sp>
@@ -19565,15 +18939,7 @@
           <a:p>
             <a:r>
               <a:rPr lang="en-US" dirty="0"/>
-              <a:t>Create a </a:t>
-            </a:r>
-            <a:r>
-              <a:rPr lang="en-US" dirty="0" smtClean="0"/>
-              <a:t>service recipe </a:t>
-            </a:r>
-            <a:r>
-              <a:rPr lang="en-US" dirty="0"/>
-              <a:t>that defines the policy:</a:t>
+              <a:t>Create a service recipe that defines the policy:</a:t>
             </a:r>
           </a:p>
           <a:p>
@@ -19598,21 +18964,10 @@
                 <a:ea typeface="Courier New" charset="0"/>
                 <a:cs typeface="Courier New" charset="0"/>
               </a:rPr>
-              <a:t>The </a:t>
-            </a:r>
-            <a:r>
-              <a:rPr lang="en-US" b="1" dirty="0" smtClean="0">
-                <a:solidFill>
-                  <a:schemeClr val="tx1"/>
-                </a:solidFill>
-                <a:latin typeface="Courier New" charset="0"/>
-                <a:ea typeface="Courier New" charset="0"/>
-                <a:cs typeface="Courier New" charset="0"/>
-              </a:rPr>
-              <a:t>service named '</a:t>
-            </a:r>
-            <a:r>
-              <a:rPr lang="en-US" b="1" dirty="0" err="1" smtClean="0">
+              <a:t>The service named '</a:t>
+            </a:r>
+            <a:r>
+              <a:rPr lang="en-US" b="1" dirty="0" err="1">
                 <a:solidFill>
                   <a:schemeClr val="tx1"/>
                 </a:solidFill>
@@ -19623,7 +18978,7 @@
               <a:t>httpd</a:t>
             </a:r>
             <a:r>
-              <a:rPr lang="en-US" b="1" dirty="0" smtClean="0">
+              <a:rPr lang="en-US" b="1" dirty="0">
                 <a:solidFill>
                   <a:schemeClr val="tx1"/>
                 </a:solidFill>
@@ -19633,14 +18988,6 @@
               </a:rPr>
               <a:t>' is started and enabled</a:t>
             </a:r>
-            <a:endParaRPr lang="en-US" b="1" dirty="0">
-              <a:solidFill>
-                <a:schemeClr val="tx1"/>
-              </a:solidFill>
-              <a:latin typeface="Courier New" charset="0"/>
-              <a:ea typeface="Courier New" charset="0"/>
-              <a:cs typeface="Courier New" charset="0"/>
-            </a:endParaRPr>
           </a:p>
           <a:p>
             <a:endParaRPr lang="en-US" dirty="0"/>
@@ -19662,25 +19009,13 @@
           <a:p>
             <a:r>
               <a:rPr lang="en-US" dirty="0"/>
-              <a:t>Within the default recipe replace the </a:t>
-            </a:r>
-            <a:r>
-              <a:rPr lang="en-US" dirty="0" smtClean="0"/>
-              <a:t>service resource </a:t>
-            </a:r>
-            <a:r>
-              <a:rPr lang="en-US" dirty="0"/>
-              <a:t>with an include recipe</a:t>
-            </a:r>
-          </a:p>
-          <a:p>
-            <a:r>
-              <a:rPr lang="en-US" dirty="0" smtClean="0"/>
-              <a:t>Converge </a:t>
-            </a:r>
-            <a:r>
-              <a:rPr lang="en-US" dirty="0"/>
-              <a:t>and verify the test instance to ensure there are no failures</a:t>
+              <a:t>Within the default recipe replace the service resource with an include recipe</a:t>
+            </a:r>
+          </a:p>
+          <a:p>
+            <a:r>
+              <a:rPr lang="en-US" dirty="0"/>
+              <a:t>Converge and verify the test instance to ensure there are no failures</a:t>
             </a:r>
           </a:p>
         </p:txBody>
@@ -19819,7 +19154,7 @@
           <a:p>
             <a:pPr algn="ctr" defTabSz="914099"/>
             <a:r>
-              <a:rPr lang="en-US" sz="1800" dirty="0" smtClean="0">
+              <a:rPr lang="en-US" sz="1800" dirty="0">
                 <a:solidFill>
                   <a:schemeClr val="tx2"/>
                 </a:solidFill>
@@ -19842,13 +19177,6 @@
   <p:transition spd="med">
     <p:fade/>
   </p:transition>
-  <p:timing>
-    <p:tnLst>
-      <p:par>
-        <p:cTn id="1" dur="indefinite" restart="never" nodeType="tmRoot"/>
-      </p:par>
-    </p:tnLst>
-  </p:timing>
 </p:sld>
 </file>
 
@@ -19900,15 +19228,7 @@
           <a:p>
             <a:r>
               <a:rPr lang="en-US" dirty="0"/>
-              <a:t>  * directory[/</a:t>
-            </a:r>
-            <a:r>
-              <a:rPr lang="en-US" dirty="0" smtClean="0"/>
-              <a:t>home/chef/apache/spec/unit/recipes</a:t>
-            </a:r>
-            <a:r>
-              <a:rPr lang="en-US" dirty="0"/>
-              <a:t>] action create (up to date)</a:t>
+              <a:t>  * directory[/home/chef/apache/spec/unit/recipes] action create (up to date)</a:t>
             </a:r>
           </a:p>
           <a:p>
@@ -19922,14 +19242,10 @@
             </a:r>
             <a:r>
               <a:rPr lang="en-US" dirty="0"/>
-              <a:t>[/</a:t>
-            </a:r>
-            <a:r>
-              <a:rPr lang="en-US" dirty="0" smtClean="0"/>
-              <a:t>home/chef/apache/spec/</a:t>
-            </a:r>
-            <a:r>
-              <a:rPr lang="en-US" dirty="0" err="1" smtClean="0"/>
+              <a:t>[/home/chef/apache/spec/</a:t>
+            </a:r>
+            <a:r>
+              <a:rPr lang="en-US" dirty="0" err="1"/>
               <a:t>spec_helper.rb</a:t>
             </a:r>
             <a:r>
@@ -19948,14 +19264,10 @@
           <a:p>
             <a:r>
               <a:rPr lang="en-US" dirty="0"/>
-              <a:t>  * template[/</a:t>
-            </a:r>
-            <a:r>
-              <a:rPr lang="en-US" dirty="0" smtClean="0"/>
-              <a:t>home/chef/apache/spec/unit/recipes/</a:t>
-            </a:r>
-            <a:r>
-              <a:rPr lang="en-US" dirty="0" err="1" smtClean="0"/>
+              <a:t>  * template[/home/chef/apache/spec/unit/recipes/</a:t>
+            </a:r>
+            <a:r>
+              <a:rPr lang="en-US" dirty="0" err="1"/>
               <a:t>service_spec.rb</a:t>
             </a:r>
             <a:r>
@@ -19971,14 +19283,10 @@
           <a:p>
             <a:r>
               <a:rPr lang="en-US" dirty="0"/>
-              <a:t>    - create new file /</a:t>
-            </a:r>
-            <a:r>
-              <a:rPr lang="en-US" dirty="0" smtClean="0"/>
-              <a:t>home/chef/apache/spec/unit/recipes/</a:t>
-            </a:r>
-            <a:r>
-              <a:rPr lang="en-US" dirty="0" err="1" smtClean="0"/>
+              <a:t>    - create new file /home/chef/apache/spec/unit/recipes/</a:t>
+            </a:r>
+            <a:r>
+              <a:rPr lang="en-US" dirty="0" err="1"/>
               <a:t>service_spec.rb</a:t>
             </a:r>
             <a:endParaRPr lang="en-US" dirty="0"/>
@@ -19986,23 +19294,15 @@
           <a:p>
             <a:r>
               <a:rPr lang="en-US" dirty="0"/>
-              <a:t>    - update content in file /</a:t>
-            </a:r>
-            <a:r>
-              <a:rPr lang="en-US" dirty="0" smtClean="0"/>
-              <a:t>home/chef/apache/spec/unit/recipes/</a:t>
-            </a:r>
-            <a:r>
-              <a:rPr lang="en-US" dirty="0" err="1" smtClean="0"/>
+              <a:t>    - update content in file /home/chef/apache/spec/unit/recipes/</a:t>
+            </a:r>
+            <a:r>
+              <a:rPr lang="en-US" dirty="0" err="1"/>
               <a:t>service_spec.rb</a:t>
             </a:r>
             <a:r>
-              <a:rPr lang="en-US" dirty="0" smtClean="0"/>
-              <a:t> </a:t>
-            </a:r>
-            <a:r>
-              <a:rPr lang="en-US" dirty="0"/>
-              <a:t>from none to 1f669c</a:t>
+              <a:rPr lang="en-US" dirty="0"/>
+              <a:t> from none to 1f669c</a:t>
             </a:r>
           </a:p>
           <a:p>
@@ -20015,10 +19315,9 @@
               <a:t>config</a:t>
             </a:r>
             <a:r>
-              <a:rPr lang="en-US" dirty="0" smtClean="0"/>
+              <a:rPr lang="en-US" dirty="0"/>
               <a:t>)</a:t>
             </a:r>
-            <a:endParaRPr lang="en-US" dirty="0"/>
           </a:p>
         </p:txBody>
       </p:sp>
@@ -20038,10 +19337,9 @@
           <a:lstStyle/>
           <a:p>
             <a:r>
-              <a:rPr lang="en-US" dirty="0" smtClean="0"/>
+              <a:rPr lang="en-US" dirty="0"/>
               <a:t>&gt; chef generate recipe service</a:t>
             </a:r>
-            <a:endParaRPr lang="en-US" dirty="0"/>
           </a:p>
         </p:txBody>
       </p:sp>
@@ -20061,10 +19359,9 @@
           <a:lstStyle/>
           <a:p>
             <a:r>
-              <a:rPr lang="en-US" dirty="0" smtClean="0"/>
+              <a:rPr lang="en-US" dirty="0"/>
               <a:t>Generate a Service Recipe</a:t>
             </a:r>
-            <a:endParaRPr lang="en-US" dirty="0"/>
           </a:p>
         </p:txBody>
       </p:sp>
@@ -20081,13 +19378,6 @@
   <p:transition spd="med">
     <p:fade/>
   </p:transition>
-  <p:timing>
-    <p:tnLst>
-      <p:par>
-        <p:cTn id="1" dur="indefinite" restart="never" nodeType="tmRoot"/>
-      </p:par>
-    </p:tnLst>
-  </p:timing>
 </p:sld>
 </file>
 
@@ -20143,19 +19433,19 @@
           <a:lstStyle/>
           <a:p>
             <a:r>
-              <a:rPr lang="en-US" dirty="0" smtClean="0"/>
+              <a:rPr lang="en-US" dirty="0"/>
               <a:t>&gt; </a:t>
             </a:r>
             <a:r>
-              <a:rPr lang="en-US" dirty="0" err="1" smtClean="0"/>
+              <a:rPr lang="en-US" dirty="0" err="1"/>
               <a:t>rm</a:t>
             </a:r>
             <a:r>
-              <a:rPr lang="en-US" dirty="0" smtClean="0"/>
+              <a:rPr lang="en-US" dirty="0"/>
               <a:t> test/smoke/default/</a:t>
             </a:r>
             <a:r>
-              <a:rPr lang="en-US" dirty="0" err="1" smtClean="0"/>
+              <a:rPr lang="en-US" dirty="0" err="1"/>
               <a:t>service.rb</a:t>
             </a:r>
             <a:endParaRPr lang="en-US" dirty="0"/>
@@ -20178,10 +19468,9 @@
           <a:lstStyle/>
           <a:p>
             <a:r>
-              <a:rPr lang="en-US" dirty="0" smtClean="0"/>
+              <a:rPr lang="en-US" dirty="0"/>
               <a:t>Remove the Generated Test File</a:t>
             </a:r>
-            <a:endParaRPr lang="en-US" dirty="0"/>
           </a:p>
         </p:txBody>
       </p:sp>
@@ -20198,13 +19487,6 @@
   <p:transition spd="med">
     <p:fade/>
   </p:transition>
-  <p:timing>
-    <p:tnLst>
-      <p:par>
-        <p:cTn id="1" dur="indefinite" restart="never" nodeType="tmRoot"/>
-      </p:par>
-    </p:tnLst>
-  </p:timing>
 </p:sld>
 </file>
 
@@ -20241,10 +19523,9 @@
           <a:lstStyle/>
           <a:p>
             <a:r>
-              <a:rPr lang="en-US" dirty="0" smtClean="0"/>
+              <a:rPr lang="en-US" dirty="0"/>
               <a:t>Objectives</a:t>
             </a:r>
-            <a:endParaRPr lang="en-US" dirty="0"/>
           </a:p>
         </p:txBody>
       </p:sp>
@@ -20264,7 +19545,7 @@
           <a:lstStyle/>
           <a:p>
             <a:r>
-              <a:rPr lang="en-US" dirty="0" smtClean="0"/>
+              <a:rPr lang="en-US" dirty="0"/>
               <a:t>After completing this module, you should be able to:</a:t>
             </a:r>
           </a:p>
@@ -20277,18 +19558,18 @@
               <a:buChar char="Ø"/>
             </a:pPr>
             <a:r>
-              <a:rPr lang="en-US" dirty="0" smtClean="0"/>
+              <a:rPr lang="en-US" dirty="0"/>
               <a:t>Refactor a recipe using </a:t>
             </a:r>
             <a:r>
-              <a:rPr lang="en-US" dirty="0" err="1" smtClean="0">
+              <a:rPr lang="en-US" dirty="0" err="1">
                 <a:latin typeface="Courier New" charset="0"/>
                 <a:ea typeface="Courier New" charset="0"/>
                 <a:cs typeface="Courier New" charset="0"/>
               </a:rPr>
               <a:t>include_recipe</a:t>
             </a:r>
-            <a:endParaRPr lang="en-US" dirty="0" smtClean="0">
+            <a:endParaRPr lang="en-US" dirty="0">
               <a:latin typeface="Courier New" charset="0"/>
               <a:ea typeface="Courier New" charset="0"/>
               <a:cs typeface="Courier New" charset="0"/>
@@ -20300,7 +19581,7 @@
               <a:buChar char="Ø"/>
             </a:pPr>
             <a:r>
-              <a:rPr lang="en-US" dirty="0" smtClean="0"/>
+              <a:rPr lang="en-US" dirty="0"/>
               <a:t>Use Test Kitchen to validate the code you refactored</a:t>
             </a:r>
           </a:p>
@@ -20310,40 +19591,40 @@
               <a:buChar char="Ø"/>
             </a:pPr>
             <a:r>
-              <a:rPr lang="en-US" dirty="0" smtClean="0"/>
+              <a:rPr lang="en-US" dirty="0"/>
               <a:t>Explain when to use </a:t>
             </a:r>
             <a:r>
-              <a:rPr lang="en-US" dirty="0" smtClean="0">
+              <a:rPr lang="en-US" dirty="0">
                 <a:latin typeface="Courier New"/>
                 <a:cs typeface="Courier New"/>
               </a:rPr>
               <a:t>kitchen converge</a:t>
             </a:r>
             <a:r>
-              <a:rPr lang="en-US" dirty="0" smtClean="0"/>
+              <a:rPr lang="en-US" dirty="0"/>
               <a:t>, </a:t>
             </a:r>
             <a:r>
-              <a:rPr lang="en-US" dirty="0" smtClean="0">
+              <a:rPr lang="en-US" dirty="0">
                 <a:latin typeface="Courier New"/>
                 <a:cs typeface="Courier New"/>
               </a:rPr>
               <a:t>kitchen verify</a:t>
             </a:r>
             <a:r>
-              <a:rPr lang="en-US" dirty="0" smtClean="0"/>
+              <a:rPr lang="en-US" dirty="0"/>
               <a:t> and </a:t>
             </a:r>
             <a:r>
-              <a:rPr lang="en-US" dirty="0" smtClean="0">
+              <a:rPr lang="en-US" dirty="0">
                 <a:latin typeface="Courier New"/>
                 <a:cs typeface="Courier New"/>
               </a:rPr>
               <a:t>kitchen test</a:t>
             </a:r>
             <a:r>
-              <a:rPr lang="en-US" dirty="0" smtClean="0"/>
+              <a:rPr lang="en-US" dirty="0"/>
               <a:t>.</a:t>
             </a:r>
           </a:p>
@@ -20362,13 +19643,6 @@
   <p:transition spd="med">
     <p:fade/>
   </p:transition>
-  <p:timing>
-    <p:tnLst>
-      <p:par>
-        <p:cTn id="1" dur="indefinite" restart="never" nodeType="tmRoot"/>
-      </p:par>
-    </p:tnLst>
-  </p:timing>
 </p:sld>
 </file>
 
@@ -20405,10 +19679,9 @@
           <a:lstStyle/>
           <a:p>
             <a:r>
-              <a:rPr lang="en-US" dirty="0" smtClean="0"/>
+              <a:rPr lang="en-US" dirty="0"/>
               <a:t>Write the Services Recipe</a:t>
             </a:r>
-            <a:endParaRPr lang="en-US" dirty="0"/>
           </a:p>
         </p:txBody>
       </p:sp>
@@ -20435,24 +19708,14 @@
           <a:p>
             <a:r>
               <a:rPr lang="en-US" dirty="0"/>
-              <a:t># Cookbook Name:: </a:t>
-            </a:r>
-            <a:r>
-              <a:rPr lang="en-US" dirty="0" smtClean="0"/>
-              <a:t>apache</a:t>
-            </a:r>
-            <a:endParaRPr lang="en-US" dirty="0"/>
-          </a:p>
-          <a:p>
-            <a:r>
-              <a:rPr lang="en-US" dirty="0"/>
-              <a:t># Recipe:: </a:t>
-            </a:r>
-            <a:r>
-              <a:rPr lang="en-US" dirty="0" smtClean="0"/>
-              <a:t>service</a:t>
-            </a:r>
-            <a:endParaRPr lang="en-US" dirty="0"/>
+              <a:t># Cookbook Name:: apache</a:t>
+            </a:r>
+          </a:p>
+          <a:p>
+            <a:r>
+              <a:rPr lang="en-US" dirty="0"/>
+              <a:t># Recipe:: service</a:t>
+            </a:r>
           </a:p>
           <a:p>
             <a:r>
@@ -20468,34 +19731,29 @@
           </a:p>
           <a:p>
             <a:r>
-              <a:rPr lang="en-US" dirty="0" smtClean="0"/>
+              <a:rPr lang="en-US" dirty="0"/>
               <a:t>service '</a:t>
             </a:r>
             <a:r>
-              <a:rPr lang="en-US" dirty="0" err="1" smtClean="0"/>
+              <a:rPr lang="en-US" dirty="0" err="1"/>
               <a:t>httpd</a:t>
             </a:r>
             <a:r>
-              <a:rPr lang="en-US" dirty="0" smtClean="0"/>
+              <a:rPr lang="en-US" dirty="0"/>
               <a:t>' do</a:t>
             </a:r>
           </a:p>
           <a:p>
             <a:r>
               <a:rPr lang="en-US" dirty="0"/>
-              <a:t> </a:t>
-            </a:r>
-            <a:r>
-              <a:rPr lang="en-US" dirty="0" smtClean="0"/>
-              <a:t> action [:enable, :start]</a:t>
-            </a:r>
-          </a:p>
-          <a:p>
-            <a:r>
-              <a:rPr lang="en-US" dirty="0" smtClean="0"/>
+              <a:t>  action [:enable, :start]</a:t>
+            </a:r>
+          </a:p>
+          <a:p>
+            <a:r>
+              <a:rPr lang="en-US" dirty="0"/>
               <a:t>end</a:t>
             </a:r>
-            <a:endParaRPr lang="en-US" dirty="0"/>
           </a:p>
         </p:txBody>
       </p:sp>
@@ -20515,11 +19773,11 @@
           <a:lstStyle/>
           <a:p>
             <a:r>
-              <a:rPr lang="en-US" dirty="0" smtClean="0"/>
+              <a:rPr lang="en-US" dirty="0"/>
               <a:t>~/apache/recipes/</a:t>
             </a:r>
             <a:r>
-              <a:rPr lang="en-US" dirty="0" err="1" smtClean="0"/>
+              <a:rPr lang="en-US" dirty="0" err="1"/>
               <a:t>service.rb</a:t>
             </a:r>
             <a:endParaRPr lang="en-US" dirty="0"/>
@@ -20563,13 +19821,6 @@
   <p:transition spd="med">
     <p:fade/>
   </p:transition>
-  <p:timing>
-    <p:tnLst>
-      <p:par>
-        <p:cTn id="1" dur="indefinite" restart="never" nodeType="tmRoot"/>
-      </p:par>
-    </p:tnLst>
-  </p:timing>
 </p:sld>
 </file>
 
@@ -20608,10 +19859,9 @@
           <a:lstStyle/>
           <a:p>
             <a:r>
-              <a:rPr lang="en-US" dirty="0" smtClean="0"/>
+              <a:rPr lang="en-US" dirty="0"/>
               <a:t>Remove the Resource from the Default Recipe</a:t>
             </a:r>
-            <a:endParaRPr lang="en-US" dirty="0"/>
           </a:p>
         </p:txBody>
       </p:sp>
@@ -20640,13 +19890,8 @@
           <a:p>
             <a:r>
               <a:rPr lang="en-US" dirty="0"/>
-              <a:t># Cookbook Name:: </a:t>
-            </a:r>
-            <a:r>
-              <a:rPr lang="en-US" dirty="0" smtClean="0"/>
-              <a:t>apache</a:t>
-            </a:r>
-            <a:endParaRPr lang="en-US" dirty="0"/>
+              <a:t># Cookbook Name:: apache</a:t>
+            </a:r>
           </a:p>
           <a:p>
             <a:r>
@@ -20668,40 +19913,23 @@
           </a:p>
           <a:p>
             <a:r>
-              <a:rPr lang="en-US" dirty="0" err="1" smtClean="0"/>
+              <a:rPr lang="en-US" dirty="0" err="1"/>
               <a:t>include_recipe</a:t>
             </a:r>
             <a:r>
-              <a:rPr lang="en-US" dirty="0" smtClean="0"/>
-              <a:t> </a:t>
-            </a:r>
-            <a:r>
-              <a:rPr lang="en-US" dirty="0" smtClean="0"/>
-              <a:t>'apache::</a:t>
-            </a:r>
-            <a:r>
-              <a:rPr lang="en-US" dirty="0" smtClean="0"/>
-              <a:t>install'</a:t>
-            </a:r>
-          </a:p>
-          <a:p>
-            <a:r>
-              <a:rPr lang="en-US" dirty="0" err="1" smtClean="0"/>
+              <a:rPr lang="en-US" dirty="0"/>
+              <a:t> 'apache::install'</a:t>
+            </a:r>
+          </a:p>
+          <a:p>
+            <a:r>
+              <a:rPr lang="en-US" dirty="0" err="1"/>
               <a:t>include_recipe</a:t>
             </a:r>
             <a:r>
-              <a:rPr lang="en-US" dirty="0" smtClean="0"/>
-              <a:t> </a:t>
-            </a:r>
-            <a:r>
-              <a:rPr lang="en-US" dirty="0" smtClean="0"/>
-              <a:t>'apache::</a:t>
-            </a:r>
-            <a:r>
-              <a:rPr lang="en-US" dirty="0" smtClean="0"/>
-              <a:t>configuration'</a:t>
-            </a:r>
-            <a:endParaRPr lang="en-US" dirty="0"/>
+              <a:rPr lang="en-US" dirty="0"/>
+              <a:t> 'apache::configuration'</a:t>
+            </a:r>
           </a:p>
           <a:p>
             <a:endParaRPr lang="en-US" dirty="0"/>
@@ -20753,11 +19981,11 @@
           <a:lstStyle/>
           <a:p>
             <a:r>
-              <a:rPr lang="en-US" dirty="0" smtClean="0"/>
+              <a:rPr lang="en-US" dirty="0"/>
               <a:t>~/apache/recipes/</a:t>
             </a:r>
             <a:r>
-              <a:rPr lang="en-US" dirty="0" err="1" smtClean="0"/>
+              <a:rPr lang="en-US" dirty="0" err="1"/>
               <a:t>default.rb</a:t>
             </a:r>
             <a:endParaRPr lang="en-US" dirty="0"/>
@@ -20801,13 +20029,6 @@
   <p:transition spd="med">
     <p:fade/>
   </p:transition>
-  <p:timing>
-    <p:tnLst>
-      <p:par>
-        <p:cTn id="1" dur="indefinite" restart="never" nodeType="tmRoot"/>
-      </p:par>
-    </p:tnLst>
-  </p:timing>
 </p:sld>
 </file>
 
@@ -20846,10 +20067,9 @@
           <a:lstStyle/>
           <a:p>
             <a:r>
-              <a:rPr lang="en-US" dirty="0" smtClean="0"/>
+              <a:rPr lang="en-US" dirty="0"/>
               <a:t>Remove the Resource from the Default Recipe</a:t>
             </a:r>
-            <a:endParaRPr lang="en-US" dirty="0"/>
           </a:p>
         </p:txBody>
       </p:sp>
@@ -20878,13 +20098,8 @@
           <a:p>
             <a:r>
               <a:rPr lang="en-US" dirty="0"/>
-              <a:t># Cookbook Name:: </a:t>
-            </a:r>
-            <a:r>
-              <a:rPr lang="en-US" dirty="0" smtClean="0"/>
-              <a:t>apache</a:t>
-            </a:r>
-            <a:endParaRPr lang="en-US" dirty="0"/>
+              <a:t># Cookbook Name:: apache</a:t>
+            </a:r>
           </a:p>
           <a:p>
             <a:r>
@@ -20906,59 +20121,33 @@
           </a:p>
           <a:p>
             <a:r>
-              <a:rPr lang="en-US" dirty="0" err="1" smtClean="0"/>
+              <a:rPr lang="en-US" dirty="0" err="1"/>
               <a:t>include_recipe</a:t>
             </a:r>
             <a:r>
-              <a:rPr lang="en-US" dirty="0" smtClean="0"/>
-              <a:t> </a:t>
-            </a:r>
-            <a:r>
-              <a:rPr lang="en-US" dirty="0" smtClean="0"/>
-              <a:t>'apache::</a:t>
-            </a:r>
-            <a:r>
-              <a:rPr lang="en-US" dirty="0" smtClean="0"/>
-              <a:t>install'</a:t>
-            </a:r>
-          </a:p>
-          <a:p>
-            <a:r>
-              <a:rPr lang="en-US" dirty="0" err="1" smtClean="0"/>
+              <a:rPr lang="en-US" dirty="0"/>
+              <a:t> 'apache::install'</a:t>
+            </a:r>
+          </a:p>
+          <a:p>
+            <a:r>
+              <a:rPr lang="en-US" dirty="0" err="1"/>
               <a:t>include_recipe</a:t>
             </a:r>
             <a:r>
-              <a:rPr lang="en-US" dirty="0" smtClean="0"/>
-              <a:t> </a:t>
-            </a:r>
-            <a:r>
-              <a:rPr lang="en-US" dirty="0" smtClean="0"/>
-              <a:t>'apache::</a:t>
-            </a:r>
-            <a:r>
-              <a:rPr lang="en-US" dirty="0" smtClean="0"/>
-              <a:t>configuration'</a:t>
-            </a:r>
-            <a:endParaRPr lang="en-US" dirty="0"/>
-          </a:p>
-          <a:p>
-            <a:r>
-              <a:rPr lang="en-US" dirty="0" err="1" smtClean="0"/>
+              <a:rPr lang="en-US" dirty="0"/>
+              <a:t> 'apache::configuration'</a:t>
+            </a:r>
+          </a:p>
+          <a:p>
+            <a:r>
+              <a:rPr lang="en-US" dirty="0" err="1"/>
               <a:t>include_recipe</a:t>
             </a:r>
             <a:r>
-              <a:rPr lang="en-US" dirty="0" smtClean="0"/>
-              <a:t> </a:t>
-            </a:r>
-            <a:r>
-              <a:rPr lang="en-US" dirty="0" smtClean="0"/>
-              <a:t>'apache::</a:t>
-            </a:r>
-            <a:r>
-              <a:rPr lang="en-US" dirty="0" smtClean="0"/>
-              <a:t>service'</a:t>
-            </a:r>
-            <a:endParaRPr lang="en-US" dirty="0"/>
+              <a:rPr lang="en-US" dirty="0"/>
+              <a:t> 'apache::service'</a:t>
+            </a:r>
           </a:p>
         </p:txBody>
       </p:sp>
@@ -20978,11 +20167,11 @@
           <a:lstStyle/>
           <a:p>
             <a:r>
-              <a:rPr lang="en-US" dirty="0" smtClean="0"/>
+              <a:rPr lang="en-US" dirty="0"/>
               <a:t>~/apache/recipes/</a:t>
             </a:r>
             <a:r>
-              <a:rPr lang="en-US" dirty="0" err="1" smtClean="0"/>
+              <a:rPr lang="en-US" dirty="0" err="1"/>
               <a:t>default.rb</a:t>
             </a:r>
             <a:endParaRPr lang="en-US" dirty="0"/>
@@ -21026,13 +20215,6 @@
   <p:transition spd="med">
     <p:fade/>
   </p:transition>
-  <p:timing>
-    <p:tnLst>
-      <p:par>
-        <p:cTn id="1" dur="indefinite" restart="never" nodeType="tmRoot"/>
-      </p:par>
-    </p:tnLst>
-  </p:timing>
 </p:sld>
 </file>
 
@@ -21070,21 +20252,16 @@
           <a:p>
             <a:r>
               <a:rPr lang="en-US" dirty="0"/>
-              <a:t>----&gt; Starting Kitchen (</a:t>
-            </a:r>
-            <a:r>
-              <a:rPr lang="en-US" dirty="0" smtClean="0"/>
-              <a:t>v</a:t>
-            </a:r>
-            <a:r>
-              <a:rPr lang="nb-NO" dirty="0" smtClean="0"/>
+              <a:t>----&gt; Starting Kitchen (v</a:t>
+            </a:r>
+            <a:r>
+              <a:rPr lang="nb-NO" dirty="0"/>
               <a:t>1.11.1</a:t>
             </a:r>
             <a:r>
-              <a:rPr lang="en-US" dirty="0" smtClean="0"/>
+              <a:rPr lang="en-US" dirty="0"/>
               <a:t>)</a:t>
             </a:r>
-            <a:endParaRPr lang="en-US" dirty="0"/>
           </a:p>
           <a:p>
             <a:r>
@@ -21108,32 +20285,20 @@
           </a:p>
           <a:p>
             <a:r>
-              <a:rPr lang="en-US" dirty="0" smtClean="0"/>
+              <a:rPr lang="en-US" dirty="0"/>
               <a:t>       ...</a:t>
             </a:r>
           </a:p>
           <a:p>
             <a:r>
-              <a:rPr lang="en-US" dirty="0" smtClean="0"/>
-              <a:t>-</a:t>
-            </a:r>
-            <a:r>
-              <a:rPr lang="en-US" dirty="0"/>
-              <a:t>----&gt; Installing Chef Omnibus (install only if missing</a:t>
-            </a:r>
-            <a:r>
-              <a:rPr lang="en-US" dirty="0" smtClean="0"/>
-              <a:t>)</a:t>
-            </a:r>
-          </a:p>
-          <a:p>
-            <a:r>
-              <a:rPr lang="en-US" dirty="0" smtClean="0"/>
-              <a:t>       Downloading </a:t>
-            </a:r>
-            <a:r>
-              <a:rPr lang="en-US" dirty="0"/>
-              <a:t>https://</a:t>
+              <a:rPr lang="en-US" dirty="0"/>
+              <a:t>-----&gt; Installing Chef Omnibus (install only if missing)</a:t>
+            </a:r>
+          </a:p>
+          <a:p>
+            <a:r>
+              <a:rPr lang="en-US" dirty="0"/>
+              <a:t>       Downloading https://</a:t>
             </a:r>
             <a:r>
               <a:rPr lang="en-US" dirty="0" err="1"/>
@@ -21149,50 +20314,25 @@
             </a:r>
             <a:r>
               <a:rPr lang="en-US" dirty="0"/>
-              <a:t> to </a:t>
-            </a:r>
-            <a:r>
-              <a:rPr lang="en-US" dirty="0" smtClean="0"/>
-              <a:t>file...</a:t>
-            </a:r>
-            <a:endParaRPr lang="en-US" dirty="0"/>
-          </a:p>
-          <a:p>
-            <a:r>
-              <a:rPr lang="en-US" dirty="0" smtClean="0"/>
-              <a:t>       </a:t>
-            </a:r>
-            <a:r>
-              <a:rPr lang="en-US" dirty="0"/>
-              <a:t>resolving cookbooks for run list: </a:t>
-            </a:r>
-            <a:r>
-              <a:rPr lang="en-US" dirty="0" smtClean="0"/>
-              <a:t>["apache::</a:t>
-            </a:r>
-            <a:r>
-              <a:rPr lang="en-US" dirty="0"/>
-              <a:t>default"</a:t>
-            </a:r>
-            <a:r>
-              <a:rPr lang="en-US" dirty="0" smtClean="0"/>
-              <a:t>] </a:t>
-            </a:r>
-          </a:p>
-          <a:p>
-            <a:r>
-              <a:rPr lang="en-US" dirty="0" smtClean="0"/>
+              <a:t> to file...</a:t>
+            </a:r>
+          </a:p>
+          <a:p>
+            <a:r>
+              <a:rPr lang="en-US" dirty="0"/>
+              <a:t>       resolving cookbooks for run list: ["apache::default"] </a:t>
+            </a:r>
+          </a:p>
+          <a:p>
+            <a:r>
+              <a:rPr lang="en-US" dirty="0"/>
               <a:t>       ...     </a:t>
             </a:r>
           </a:p>
           <a:p>
             <a:r>
-              <a:rPr lang="en-US" dirty="0" smtClean="0"/>
-              <a:t>       Finished </a:t>
-            </a:r>
-            <a:r>
-              <a:rPr lang="en-US" dirty="0"/>
-              <a:t>converging &lt;default-centos-67&gt; (0m27.64s).</a:t>
+              <a:rPr lang="en-US" dirty="0"/>
+              <a:t>       Finished converging &lt;default-centos-67&gt; (0m27.64s).</a:t>
             </a:r>
           </a:p>
           <a:p>
@@ -21219,10 +20359,9 @@
           <a:lstStyle/>
           <a:p>
             <a:r>
-              <a:rPr lang="en-US" dirty="0" smtClean="0"/>
+              <a:rPr lang="en-US" dirty="0"/>
               <a:t>&gt; kitchen converge</a:t>
             </a:r>
-            <a:endParaRPr lang="en-US" dirty="0"/>
           </a:p>
         </p:txBody>
       </p:sp>
@@ -21242,10 +20381,9 @@
           <a:lstStyle/>
           <a:p>
             <a:r>
-              <a:rPr lang="en-US" dirty="0" smtClean="0"/>
+              <a:rPr lang="en-US" dirty="0"/>
               <a:t>Re-Converge the Test Instance</a:t>
             </a:r>
-            <a:endParaRPr lang="en-US" dirty="0"/>
           </a:p>
         </p:txBody>
       </p:sp>
@@ -21262,13 +20400,6 @@
   <p:transition spd="med">
     <p:fade/>
   </p:transition>
-  <p:timing>
-    <p:tnLst>
-      <p:par>
-        <p:cTn id="1" dur="indefinite" restart="never" nodeType="tmRoot"/>
-      </p:par>
-    </p:tnLst>
-  </p:timing>
 </p:sld>
 </file>
 
@@ -21318,19 +20449,7 @@
           <a:p>
             <a:r>
               <a:rPr lang="en-US" dirty="0"/>
-              <a:t>       Use `/</a:t>
-            </a:r>
-            <a:r>
-              <a:rPr lang="en-US" dirty="0" smtClean="0"/>
-              <a:t>home/chef/apache/test/smoke/default</a:t>
-            </a:r>
-            <a:r>
-              <a:rPr lang="en-US" dirty="0" smtClean="0"/>
-              <a:t>` </a:t>
-            </a:r>
-            <a:r>
-              <a:rPr lang="en-US" dirty="0"/>
-              <a:t>for testing</a:t>
+              <a:t>       Use `/home/chef/apache/test/smoke/default` for testing</a:t>
             </a:r>
           </a:p>
           <a:p>
@@ -21408,10 +20527,9 @@
           <a:lstStyle/>
           <a:p>
             <a:r>
-              <a:rPr lang="en-US" dirty="0" smtClean="0"/>
+              <a:rPr lang="en-US" dirty="0"/>
               <a:t>&gt; kitchen verify</a:t>
             </a:r>
-            <a:endParaRPr lang="en-US" dirty="0"/>
           </a:p>
         </p:txBody>
       </p:sp>
@@ -21431,10 +20549,9 @@
           <a:lstStyle/>
           <a:p>
             <a:r>
-              <a:rPr lang="en-US" dirty="0" smtClean="0"/>
+              <a:rPr lang="en-US" dirty="0"/>
               <a:t>Re-Verify the Test Instance</a:t>
             </a:r>
-            <a:endParaRPr lang="en-US" dirty="0"/>
           </a:p>
         </p:txBody>
       </p:sp>
@@ -21451,13 +20568,6 @@
   <p:transition spd="med">
     <p:fade/>
   </p:transition>
-  <p:timing>
-    <p:tnLst>
-      <p:par>
-        <p:cTn id="1" dur="indefinite" restart="never" nodeType="tmRoot"/>
-      </p:par>
-    </p:tnLst>
-  </p:timing>
 </p:sld>
 </file>
 
@@ -21496,10 +20606,9 @@
           <a:lstStyle/>
           <a:p>
             <a:r>
-              <a:rPr lang="en-US" dirty="0" smtClean="0"/>
+              <a:rPr lang="en-US" dirty="0"/>
               <a:t>The Service</a:t>
             </a:r>
-            <a:endParaRPr lang="en-US" dirty="0"/>
           </a:p>
         </p:txBody>
       </p:sp>
@@ -21524,15 +20633,7 @@
             </a:pPr>
             <a:r>
               <a:rPr lang="en-US" dirty="0"/>
-              <a:t>Create a </a:t>
-            </a:r>
-            <a:r>
-              <a:rPr lang="en-US" dirty="0" smtClean="0"/>
-              <a:t>service recipe </a:t>
-            </a:r>
-            <a:r>
-              <a:rPr lang="en-US" dirty="0"/>
-              <a:t>that defines the policy:</a:t>
+              <a:t>Create a service recipe that defines the policy:</a:t>
             </a:r>
           </a:p>
           <a:p>
@@ -21557,21 +20658,10 @@
                 <a:ea typeface="Courier New" charset="0"/>
                 <a:cs typeface="Courier New" charset="0"/>
               </a:rPr>
-              <a:t>The </a:t>
-            </a:r>
-            <a:r>
-              <a:rPr lang="en-US" b="1" dirty="0" smtClean="0">
-                <a:solidFill>
-                  <a:schemeClr val="tx1"/>
-                </a:solidFill>
-                <a:latin typeface="Courier New" charset="0"/>
-                <a:ea typeface="Courier New" charset="0"/>
-                <a:cs typeface="Courier New" charset="0"/>
-              </a:rPr>
-              <a:t>service named '</a:t>
-            </a:r>
-            <a:r>
-              <a:rPr lang="en-US" b="1" dirty="0" err="1" smtClean="0">
+              <a:t>The service named '</a:t>
+            </a:r>
+            <a:r>
+              <a:rPr lang="en-US" b="1" dirty="0" err="1">
                 <a:solidFill>
                   <a:schemeClr val="tx1"/>
                 </a:solidFill>
@@ -21582,7 +20672,7 @@
               <a:t>httpd</a:t>
             </a:r>
             <a:r>
-              <a:rPr lang="en-US" b="1" dirty="0" smtClean="0">
+              <a:rPr lang="en-US" b="1" dirty="0">
                 <a:solidFill>
                   <a:schemeClr val="tx1"/>
                 </a:solidFill>
@@ -21592,14 +20682,6 @@
               </a:rPr>
               <a:t>' is started and enabled.</a:t>
             </a:r>
-            <a:endParaRPr lang="en-US" b="1" dirty="0">
-              <a:solidFill>
-                <a:schemeClr val="tx1"/>
-              </a:solidFill>
-              <a:latin typeface="Courier New" charset="0"/>
-              <a:ea typeface="Courier New" charset="0"/>
-              <a:cs typeface="Courier New" charset="0"/>
-            </a:endParaRPr>
           </a:p>
           <a:p>
             <a:endParaRPr lang="en-US" dirty="0"/>
@@ -21638,12 +20720,8 @@
               <a:buChar char="ü"/>
             </a:pPr>
             <a:r>
-              <a:rPr lang="en-US" dirty="0" smtClean="0"/>
-              <a:t>Converge </a:t>
-            </a:r>
-            <a:r>
-              <a:rPr lang="en-US" dirty="0"/>
-              <a:t>and verify the test instance to ensure there are no failures</a:t>
+              <a:rPr lang="en-US" dirty="0"/>
+              <a:t>Converge and verify the test instance to ensure there are no failures</a:t>
             </a:r>
           </a:p>
         </p:txBody>
@@ -21782,7 +20860,7 @@
           <a:p>
             <a:pPr algn="ctr" defTabSz="914099"/>
             <a:r>
-              <a:rPr lang="en-US" sz="1800" dirty="0" smtClean="0">
+              <a:rPr lang="en-US" sz="1800" dirty="0">
                 <a:solidFill>
                   <a:schemeClr val="tx2"/>
                 </a:solidFill>
@@ -21805,13 +20883,6 @@
   <p:transition spd="med">
     <p:fade/>
   </p:transition>
-  <p:timing>
-    <p:tnLst>
-      <p:par>
-        <p:cTn id="1" dur="indefinite" restart="never" nodeType="tmRoot"/>
-      </p:par>
-    </p:tnLst>
-  </p:timing>
 </p:sld>
 </file>
 
@@ -21850,10 +20921,9 @@
           <a:lstStyle/>
           <a:p>
             <a:r>
-              <a:rPr lang="en-US" dirty="0" smtClean="0"/>
+              <a:rPr lang="en-US" dirty="0"/>
               <a:t>Do Our Tests Really Work?</a:t>
             </a:r>
-            <a:endParaRPr lang="en-US" dirty="0"/>
           </a:p>
         </p:txBody>
       </p:sp>
@@ -21873,7 +20943,7 @@
           <a:lstStyle/>
           <a:p>
             <a:r>
-              <a:rPr lang="en-US" dirty="0" smtClean="0"/>
+              <a:rPr lang="en-US" dirty="0"/>
               <a:t>What if we removed code from within the recipes and ran the tests?</a:t>
             </a:r>
           </a:p>
@@ -21892,13 +20962,6 @@
   <p:transition spd="med">
     <p:fade/>
   </p:transition>
-  <p:timing>
-    <p:tnLst>
-      <p:par>
-        <p:cTn id="1" dur="indefinite" restart="never" nodeType="tmRoot"/>
-      </p:par>
-    </p:tnLst>
-  </p:timing>
 </p:sld>
 </file>
 
@@ -21937,10 +21000,9 @@
           <a:lstStyle/>
           <a:p>
             <a:r>
-              <a:rPr lang="en-US" dirty="0" smtClean="0"/>
+              <a:rPr lang="en-US" dirty="0"/>
               <a:t>Heckling Your Code</a:t>
             </a:r>
-            <a:endParaRPr lang="en-US" dirty="0"/>
           </a:p>
         </p:txBody>
       </p:sp>
@@ -21960,10 +21022,9 @@
           <a:lstStyle/>
           <a:p>
             <a:r>
-              <a:rPr lang="en-US" dirty="0" smtClean="0"/>
+              <a:rPr lang="en-US" dirty="0"/>
               <a:t>Mutation testing is used to design new software tests and evaluate the quality of existing software tests. Mutation testing involves modifying a program in small ways.</a:t>
             </a:r>
-            <a:endParaRPr lang="en-US" dirty="0"/>
           </a:p>
         </p:txBody>
       </p:sp>
@@ -21980,13 +21041,6 @@
   <p:transition spd="med">
     <p:fade/>
   </p:transition>
-  <p:timing>
-    <p:tnLst>
-      <p:par>
-        <p:cTn id="1" dur="indefinite" restart="never" nodeType="tmRoot"/>
-      </p:par>
-    </p:tnLst>
-  </p:timing>
 </p:sld>
 </file>
 
@@ -22025,10 +21079,9 @@
           <a:lstStyle/>
           <a:p>
             <a:r>
-              <a:rPr lang="en-US" dirty="0" smtClean="0"/>
+              <a:rPr lang="en-US" dirty="0"/>
               <a:t>Heckle That Code</a:t>
             </a:r>
-            <a:endParaRPr lang="en-US" dirty="0"/>
           </a:p>
         </p:txBody>
       </p:sp>
@@ -22048,10 +21101,9 @@
           <a:lstStyle/>
           <a:p>
             <a:r>
-              <a:rPr lang="en-US" dirty="0" smtClean="0"/>
+              <a:rPr lang="en-US" dirty="0"/>
               <a:t>It could be a game show. Maybe on Twitch?</a:t>
             </a:r>
-            <a:endParaRPr lang="en-US" dirty="0"/>
           </a:p>
         </p:txBody>
       </p:sp>
@@ -22075,7 +21127,7 @@
               <a:buChar char="q"/>
             </a:pPr>
             <a:r>
-              <a:rPr lang="en-US" dirty="0" smtClean="0"/>
+              <a:rPr lang="en-US" dirty="0"/>
               <a:t>Remove / Comment source code</a:t>
             </a:r>
           </a:p>
@@ -22111,13 +21163,6 @@
   <p:transition spd="med">
     <p:fade/>
   </p:transition>
-  <p:timing>
-    <p:tnLst>
-      <p:par>
-        <p:cTn id="1" dur="indefinite" restart="never" nodeType="tmRoot"/>
-      </p:par>
-    </p:tnLst>
-  </p:timing>
 </p:sld>
 </file>
 
@@ -22156,10 +21201,9 @@
           <a:lstStyle/>
           <a:p>
             <a:r>
-              <a:rPr lang="en-US" sz="4800" dirty="0" smtClean="0"/>
+              <a:rPr lang="en-US" sz="4800" dirty="0"/>
               <a:t>Comment Out Key Code Within the Default Recipe</a:t>
             </a:r>
-            <a:endParaRPr lang="en-US" sz="4800" dirty="0"/>
           </a:p>
         </p:txBody>
       </p:sp>
@@ -22186,98 +21230,64 @@
           <a:p>
             <a:r>
               <a:rPr lang="en-US" dirty="0"/>
-              <a:t># Cookbook Name:: </a:t>
-            </a:r>
-            <a:r>
-              <a:rPr lang="en-US" dirty="0" smtClean="0"/>
-              <a:t>apache</a:t>
-            </a:r>
+              <a:t># Cookbook Name:: apache</a:t>
+            </a:r>
+          </a:p>
+          <a:p>
+            <a:r>
+              <a:rPr lang="en-US" dirty="0"/>
+              <a:t># Recipe:: default</a:t>
+            </a:r>
+          </a:p>
+          <a:p>
+            <a:r>
+              <a:rPr lang="en-US" dirty="0"/>
+              <a:t>#</a:t>
+            </a:r>
+          </a:p>
+          <a:p>
+            <a:r>
+              <a:rPr lang="en-US" dirty="0"/>
+              <a:t># Copyright (c) 2015 The Authors, All Rights Reserved.</a:t>
+            </a:r>
+          </a:p>
+          <a:p>
+            <a:r>
+              <a:rPr lang="en-US" dirty="0"/>
+              <a:t># </a:t>
+            </a:r>
+            <a:r>
+              <a:rPr lang="en-US" dirty="0" err="1"/>
+              <a:t>include_recipe</a:t>
+            </a:r>
+            <a:r>
+              <a:rPr lang="en-US" dirty="0"/>
+              <a:t> 'apache::install'</a:t>
+            </a:r>
+          </a:p>
+          <a:p>
+            <a:r>
+              <a:rPr lang="en-US" dirty="0" err="1"/>
+              <a:t>include_recipe</a:t>
+            </a:r>
+            <a:r>
+              <a:rPr lang="en-US" dirty="0"/>
+              <a:t> 'apache::configuration</a:t>
+            </a:r>
+          </a:p>
+          <a:p>
+            <a:r>
+              <a:rPr lang="en-US" dirty="0" err="1"/>
+              <a:t>include_recipe</a:t>
+            </a:r>
+            <a:r>
+              <a:rPr lang="en-US" dirty="0"/>
+              <a:t> 'apache::service'</a:t>
+            </a:r>
+          </a:p>
+          <a:p>
             <a:endParaRPr lang="en-US" dirty="0"/>
           </a:p>
-          <a:p>
-            <a:r>
-              <a:rPr lang="en-US" dirty="0"/>
-              <a:t># Recipe:: default</a:t>
-            </a:r>
-          </a:p>
-          <a:p>
-            <a:r>
-              <a:rPr lang="en-US" dirty="0"/>
-              <a:t>#</a:t>
-            </a:r>
-          </a:p>
-          <a:p>
-            <a:r>
-              <a:rPr lang="en-US" dirty="0"/>
-              <a:t># Copyright (c) 2015 The Authors, All Rights Reserved.</a:t>
-            </a:r>
-          </a:p>
-          <a:p>
-            <a:r>
-              <a:rPr lang="en-US" dirty="0" smtClean="0"/>
-              <a:t># </a:t>
-            </a:r>
-            <a:r>
-              <a:rPr lang="en-US" dirty="0" err="1" smtClean="0"/>
-              <a:t>include_recipe</a:t>
-            </a:r>
-            <a:r>
-              <a:rPr lang="en-US" dirty="0" smtClean="0"/>
-              <a:t> </a:t>
-            </a:r>
-            <a:r>
-              <a:rPr lang="en-US" dirty="0" smtClean="0"/>
-              <a:t>'apache::</a:t>
-            </a:r>
-            <a:r>
-              <a:rPr lang="en-US" dirty="0"/>
-              <a:t>install</a:t>
-            </a:r>
-            <a:r>
-              <a:rPr lang="en-US" dirty="0" smtClean="0"/>
-              <a:t>'</a:t>
-            </a:r>
-          </a:p>
-          <a:p>
-            <a:r>
-              <a:rPr lang="en-US" dirty="0" err="1" smtClean="0"/>
-              <a:t>include_recipe</a:t>
-            </a:r>
-            <a:r>
-              <a:rPr lang="en-US" dirty="0" smtClean="0"/>
-              <a:t> </a:t>
-            </a:r>
-            <a:r>
-              <a:rPr lang="en-US" dirty="0" smtClean="0"/>
-              <a:t>'apache::</a:t>
-            </a:r>
-            <a:r>
-              <a:rPr lang="en-US" dirty="0" smtClean="0"/>
-              <a:t>configuration</a:t>
-            </a:r>
-            <a:endParaRPr lang="en-US" dirty="0"/>
-          </a:p>
-          <a:p>
-            <a:r>
-              <a:rPr lang="en-US" dirty="0" err="1" smtClean="0"/>
-              <a:t>include_recipe</a:t>
-            </a:r>
-            <a:r>
-              <a:rPr lang="en-US" dirty="0" smtClean="0"/>
-              <a:t> </a:t>
-            </a:r>
-            <a:r>
-              <a:rPr lang="en-US" dirty="0" smtClean="0"/>
-              <a:t>'apache::</a:t>
-            </a:r>
-            <a:r>
-              <a:rPr lang="en-US" dirty="0"/>
-              <a:t>service'</a:t>
-            </a:r>
-          </a:p>
-          <a:p>
-            <a:endParaRPr lang="en-US" dirty="0"/>
-          </a:p>
         </p:txBody>
       </p:sp>
       <p:sp>
@@ -22296,11 +21306,11 @@
           <a:lstStyle/>
           <a:p>
             <a:r>
-              <a:rPr lang="en-US" dirty="0" smtClean="0"/>
+              <a:rPr lang="en-US" dirty="0"/>
               <a:t>~/apache/recipes/</a:t>
             </a:r>
             <a:r>
-              <a:rPr lang="en-US" dirty="0" err="1" smtClean="0"/>
+              <a:rPr lang="en-US" dirty="0" err="1"/>
               <a:t>default.rb</a:t>
             </a:r>
             <a:endParaRPr lang="en-US" dirty="0"/>
@@ -22349,13 +21359,6 @@
   <p:transition spd="med">
     <p:fade/>
   </p:transition>
-  <p:timing>
-    <p:tnLst>
-      <p:par>
-        <p:cTn id="1" dur="indefinite" restart="never" nodeType="tmRoot"/>
-      </p:par>
-    </p:tnLst>
-  </p:timing>
 </p:sld>
 </file>
 
@@ -22394,10 +21397,9 @@
           <a:lstStyle/>
           <a:p>
             <a:r>
-              <a:rPr lang="en-US" dirty="0" smtClean="0"/>
+              <a:rPr lang="en-US" dirty="0"/>
               <a:t>Modular Cookbook Recipes</a:t>
             </a:r>
-            <a:endParaRPr lang="en-US" dirty="0"/>
           </a:p>
         </p:txBody>
       </p:sp>
@@ -22511,7 +21513,7 @@
             <a:p>
               <a:pPr algn="r" defTabSz="914099"/>
               <a:r>
-                <a:rPr lang="en-US" sz="4000" b="1" dirty="0" smtClean="0">
+                <a:rPr lang="en-US" sz="4000" b="1" dirty="0">
                   <a:solidFill>
                     <a:schemeClr val="accent3">
                       <a:lumMod val="50000"/>
@@ -22520,7 +21522,7 @@
                 </a:rPr>
                 <a:t>apache</a:t>
               </a:r>
-              <a:endParaRPr lang="en-US" sz="4400" b="1" dirty="0" smtClean="0">
+              <a:endParaRPr lang="en-US" sz="4400" b="1" dirty="0">
                 <a:solidFill>
                   <a:schemeClr val="accent3">
                     <a:lumMod val="50000"/>
@@ -22586,7 +21588,7 @@
             <a:p>
               <a:pPr defTabSz="914099"/>
               <a:r>
-                <a:rPr lang="en-US" sz="2400" dirty="0" smtClean="0">
+                <a:rPr lang="en-US" sz="2400" dirty="0">
                   <a:solidFill>
                     <a:schemeClr val="bg1"/>
                   </a:solidFill>
@@ -22652,7 +21654,7 @@
             <a:p>
               <a:pPr defTabSz="914099"/>
               <a:r>
-                <a:rPr lang="en-US" sz="2400" dirty="0" smtClean="0">
+                <a:rPr lang="en-US" sz="2400" dirty="0">
                   <a:solidFill>
                     <a:schemeClr val="bg1"/>
                   </a:solidFill>
@@ -22718,7 +21720,7 @@
             <a:p>
               <a:pPr defTabSz="914099"/>
               <a:r>
-                <a:rPr lang="en-US" dirty="0" smtClean="0">
+                <a:rPr lang="en-US" dirty="0">
                   <a:solidFill>
                     <a:schemeClr val="bg1"/>
                   </a:solidFill>
@@ -22864,7 +21866,7 @@
             <a:p>
               <a:pPr defTabSz="914099"/>
               <a:r>
-                <a:rPr lang="en-US" sz="2400" dirty="0" smtClean="0">
+                <a:rPr lang="en-US" sz="2400" dirty="0">
                   <a:solidFill>
                     <a:schemeClr val="bg1"/>
                   </a:solidFill>
@@ -23030,7 +22032,7 @@
           <a:p>
             <a:pPr algn="r" defTabSz="914099"/>
             <a:r>
-              <a:rPr lang="en-US" sz="4000" b="1" dirty="0" err="1" smtClean="0">
+              <a:rPr lang="en-US" sz="4000" b="1" dirty="0" err="1">
                 <a:solidFill>
                   <a:schemeClr val="accent3">
                     <a:lumMod val="50000"/>
@@ -23039,7 +22041,7 @@
               </a:rPr>
               <a:t>wordpress</a:t>
             </a:r>
-            <a:endParaRPr lang="en-US" sz="4400" b="1" dirty="0" smtClean="0">
+            <a:endParaRPr lang="en-US" sz="4400" b="1" dirty="0">
               <a:solidFill>
                 <a:schemeClr val="accent3">
                   <a:lumMod val="50000"/>
@@ -23105,7 +22107,7 @@
           <a:p>
             <a:pPr defTabSz="914099"/>
             <a:r>
-              <a:rPr lang="en-US" sz="2400" dirty="0" smtClean="0">
+              <a:rPr lang="en-US" sz="2400" dirty="0">
                 <a:solidFill>
                   <a:schemeClr val="bg1"/>
                 </a:solidFill>
@@ -23568,7 +22570,7 @@
           <a:p>
             <a:pPr defTabSz="914099"/>
             <a:r>
-              <a:rPr lang="en-US" sz="2400" dirty="0" smtClean="0">
+              <a:rPr lang="en-US" sz="2400" dirty="0">
                 <a:solidFill>
                   <a:schemeClr val="bg1"/>
                 </a:solidFill>
@@ -23591,13 +22593,6 @@
   <p:transition spd="med">
     <p:fade/>
   </p:transition>
-  <p:timing>
-    <p:tnLst>
-      <p:par>
-        <p:cTn id="1" dur="indefinite" restart="never" nodeType="tmRoot"/>
-      </p:par>
-    </p:tnLst>
-  </p:timing>
 </p:sld>
 </file>
 
@@ -23636,10 +22631,9 @@
           <a:lstStyle/>
           <a:p>
             <a:r>
-              <a:rPr lang="en-US" dirty="0" smtClean="0"/>
+              <a:rPr lang="en-US" dirty="0"/>
               <a:t>Heckle That Code</a:t>
             </a:r>
-            <a:endParaRPr lang="en-US" dirty="0"/>
           </a:p>
         </p:txBody>
       </p:sp>
@@ -23721,13 +22715,6 @@
   <p:transition spd="med">
     <p:fade/>
   </p:transition>
-  <p:timing>
-    <p:tnLst>
-      <p:par>
-        <p:cTn id="1" dur="indefinite" restart="never" nodeType="tmRoot"/>
-      </p:par>
-    </p:tnLst>
-  </p:timing>
 </p:sld>
 </file>
 
@@ -23764,32 +22751,20 @@
           <a:lstStyle/>
           <a:p>
             <a:r>
-              <a:rPr lang="en-US" dirty="0" smtClean="0"/>
+              <a:rPr lang="en-US" dirty="0"/>
               <a:t>-----&gt; Converging &lt;default-centos-67&gt;...</a:t>
             </a:r>
           </a:p>
           <a:p>
             <a:r>
-              <a:rPr lang="en-US" dirty="0" smtClean="0"/>
+              <a:rPr lang="en-US" dirty="0"/>
               <a:t>       Synchronizing Cookbooks:</a:t>
             </a:r>
           </a:p>
           <a:p>
             <a:r>
-              <a:rPr lang="en-US" dirty="0" smtClean="0"/>
-              <a:t>         </a:t>
-            </a:r>
-            <a:r>
-              <a:rPr lang="en-US" dirty="0"/>
-              <a:t>- </a:t>
-            </a:r>
-            <a:r>
-              <a:rPr lang="en-US" dirty="0" smtClean="0"/>
-              <a:t>apache </a:t>
-            </a:r>
-            <a:r>
-              <a:rPr lang="en-US" dirty="0"/>
-              <a:t>(0.1.0)</a:t>
+              <a:rPr lang="en-US" dirty="0"/>
+              <a:t>         - apache (0.1.0)</a:t>
             </a:r>
           </a:p>
           <a:p>
@@ -23801,97 +22776,37 @@
           <a:p>
             <a:r>
               <a:rPr lang="en-US" dirty="0"/>
-              <a:t> </a:t>
-            </a:r>
-            <a:r>
-              <a:rPr lang="en-US" dirty="0" smtClean="0"/>
-              <a:t>      Converging 3 resources</a:t>
-            </a:r>
-          </a:p>
-          <a:p>
-            <a:r>
-              <a:rPr lang="en-US" dirty="0" smtClean="0"/>
-              <a:t>       </a:t>
-            </a:r>
-            <a:r>
-              <a:rPr lang="en-US" dirty="0"/>
-              <a:t>Recipe: </a:t>
-            </a:r>
-            <a:r>
-              <a:rPr lang="en-US" dirty="0" smtClean="0"/>
-              <a:t>apache::</a:t>
-            </a:r>
-            <a:r>
-              <a:rPr lang="en-US" dirty="0" smtClean="0"/>
-              <a:t>configuration</a:t>
-            </a:r>
-          </a:p>
-          <a:p>
-            <a:r>
-              <a:rPr lang="en-US" dirty="0" smtClean="0"/>
-              <a:t>        </a:t>
-            </a:r>
-            <a:r>
-              <a:rPr lang="en-US" dirty="0"/>
-              <a:t>(up to date</a:t>
-            </a:r>
-            <a:r>
-              <a:rPr lang="en-US" dirty="0" smtClean="0"/>
-              <a:t>)</a:t>
-            </a:r>
-          </a:p>
-          <a:p>
-            <a:r>
-              <a:rPr lang="en-US" dirty="0" smtClean="0"/>
-              <a:t>       </a:t>
-            </a:r>
-            <a:r>
-              <a:rPr lang="en-US" dirty="0"/>
-              <a:t>Recipe: </a:t>
-            </a:r>
-            <a:r>
-              <a:rPr lang="en-US" dirty="0" smtClean="0"/>
-              <a:t>apache::</a:t>
-            </a:r>
-            <a:r>
-              <a:rPr lang="en-US" dirty="0" smtClean="0"/>
-              <a:t>service</a:t>
-            </a:r>
-          </a:p>
-          <a:p>
-            <a:r>
-              <a:rPr lang="en-US" dirty="0" smtClean="0"/>
-              <a:t>        </a:t>
-            </a:r>
-            <a:r>
-              <a:rPr lang="en-US" dirty="0"/>
-              <a:t>(up to date</a:t>
-            </a:r>
-            <a:r>
-              <a:rPr lang="en-US" dirty="0" smtClean="0"/>
-              <a:t>)</a:t>
-            </a:r>
-          </a:p>
-          <a:p>
-            <a:r>
-              <a:rPr lang="en-US" dirty="0" smtClean="0"/>
-              <a:t>         </a:t>
-            </a:r>
-            <a:r>
-              <a:rPr lang="en-US" dirty="0"/>
-              <a:t>* </a:t>
-            </a:r>
-            <a:r>
-              <a:rPr lang="en-US" dirty="0" smtClean="0"/>
-              <a:t>service[apache] </a:t>
-            </a:r>
-            <a:r>
-              <a:rPr lang="en-US" dirty="0"/>
-              <a:t>action enable (up to date</a:t>
-            </a:r>
-            <a:r>
-              <a:rPr lang="en-US" dirty="0" smtClean="0"/>
-              <a:t>)</a:t>
+              <a:t>       Converging 3 resources</a:t>
+            </a:r>
+          </a:p>
+          <a:p>
+            <a:r>
+              <a:rPr lang="en-US" dirty="0"/>
+              <a:t>       Recipe: apache::configuration</a:t>
+            </a:r>
+          </a:p>
+          <a:p>
+            <a:r>
+              <a:rPr lang="en-US" dirty="0"/>
+              <a:t>        (up to date)</a:t>
+            </a:r>
+          </a:p>
+          <a:p>
+            <a:r>
+              <a:rPr lang="en-US" dirty="0"/>
+              <a:t>       Recipe: apache::service</a:t>
+            </a:r>
+          </a:p>
+          <a:p>
+            <a:r>
+              <a:rPr lang="en-US" dirty="0"/>
+              <a:t>        (up to date)</a:t>
+            </a:r>
+          </a:p>
+          <a:p>
+            <a:r>
+              <a:rPr lang="en-US" dirty="0"/>
+              <a:t>         * service[apache] action enable (up to date)</a:t>
             </a:r>
           </a:p>
         </p:txBody>
@@ -23912,10 +22827,9 @@
           <a:lstStyle/>
           <a:p>
             <a:r>
-              <a:rPr lang="en-US" dirty="0" smtClean="0"/>
+              <a:rPr lang="en-US" dirty="0"/>
               <a:t>&gt; kitchen converge</a:t>
             </a:r>
-            <a:endParaRPr lang="en-US" dirty="0"/>
           </a:p>
         </p:txBody>
       </p:sp>
@@ -23959,10 +22873,9 @@
           <a:lstStyle/>
           <a:p>
             <a:r>
-              <a:rPr lang="en-US" dirty="0" smtClean="0"/>
+              <a:rPr lang="en-US" dirty="0"/>
               <a:t>Re-Converge the Test Instance</a:t>
             </a:r>
-            <a:endParaRPr lang="en-US" dirty="0"/>
           </a:p>
         </p:txBody>
       </p:sp>
@@ -23979,13 +22892,6 @@
   <p:transition spd="med">
     <p:fade/>
   </p:transition>
-  <p:timing>
-    <p:tnLst>
-      <p:par>
-        <p:cTn id="1" dur="indefinite" restart="never" nodeType="tmRoot"/>
-      </p:par>
-    </p:tnLst>
-  </p:timing>
 </p:sld>
 </file>
 
@@ -24035,19 +22941,7 @@
           <a:p>
             <a:r>
               <a:rPr lang="en-US" dirty="0"/>
-              <a:t>       Use `/</a:t>
-            </a:r>
-            <a:r>
-              <a:rPr lang="en-US" dirty="0" smtClean="0"/>
-              <a:t>home/chef/apache/test/smoke/default</a:t>
-            </a:r>
-            <a:r>
-              <a:rPr lang="en-US" dirty="0" smtClean="0"/>
-              <a:t>` </a:t>
-            </a:r>
-            <a:r>
-              <a:rPr lang="en-US" dirty="0"/>
-              <a:t>for testing</a:t>
+              <a:t>       Use `/home/chef/apache/test/smoke/default` for testing</a:t>
             </a:r>
           </a:p>
           <a:p>
@@ -24125,10 +23019,9 @@
           <a:lstStyle/>
           <a:p>
             <a:r>
-              <a:rPr lang="en-US" dirty="0" smtClean="0"/>
+              <a:rPr lang="en-US" dirty="0"/>
               <a:t>&gt; kitchen verify</a:t>
             </a:r>
-            <a:endParaRPr lang="en-US" dirty="0"/>
           </a:p>
         </p:txBody>
       </p:sp>
@@ -24172,10 +23065,9 @@
           <a:lstStyle/>
           <a:p>
             <a:r>
-              <a:rPr lang="en-US" dirty="0" smtClean="0"/>
+              <a:rPr lang="en-US" dirty="0"/>
               <a:t>Re-Verify the Test Instance</a:t>
             </a:r>
-            <a:endParaRPr lang="en-US" dirty="0"/>
           </a:p>
         </p:txBody>
       </p:sp>
@@ -24192,13 +23084,6 @@
   <p:transition spd="med">
     <p:fade/>
   </p:transition>
-  <p:timing>
-    <p:tnLst>
-      <p:par>
-        <p:cTn id="1" dur="indefinite" restart="never" nodeType="tmRoot"/>
-      </p:par>
-    </p:tnLst>
-  </p:timing>
 </p:sld>
 </file>
 
@@ -24237,7 +23122,7 @@
           <a:lstStyle/>
           <a:p>
             <a:r>
-              <a:rPr lang="en-US" dirty="0" smtClean="0"/>
+              <a:rPr lang="en-US" dirty="0"/>
               <a:t>Kitchen Converge &amp; Verify</a:t>
             </a:r>
             <a:endParaRPr lang="en-US" u="sng" dirty="0"/>
@@ -24260,7 +23145,7 @@
           <a:lstStyle/>
           <a:p>
             <a:r>
-              <a:rPr lang="en-US" dirty="0" smtClean="0"/>
+              <a:rPr lang="en-US" dirty="0"/>
               <a:t>Running converge or verify will create a new instance the first time it is run. The same instance is used for each additional converge or verify.</a:t>
             </a:r>
           </a:p>
@@ -24269,7 +23154,7 @@
           </a:p>
           <a:p>
             <a:r>
-              <a:rPr lang="en-US" dirty="0" smtClean="0"/>
+              <a:rPr lang="en-US" dirty="0"/>
               <a:t>The test instance policy changed, but no resource explicitly removed or uninstalled the resources defined in the install recipe.</a:t>
             </a:r>
           </a:p>
@@ -24288,13 +23173,6 @@
   <p:transition spd="med">
     <p:fade/>
   </p:transition>
-  <p:timing>
-    <p:tnLst>
-      <p:par>
-        <p:cTn id="1" dur="indefinite" restart="never" nodeType="tmRoot"/>
-      </p:par>
-    </p:tnLst>
-  </p:timing>
 </p:sld>
 </file>
 
@@ -24371,7 +23249,7 @@
           <a:p>
             <a:pPr algn="ctr" defTabSz="914099"/>
             <a:r>
-              <a:rPr lang="en-US" b="1" dirty="0" smtClean="0">
+              <a:rPr lang="en-US" b="1" dirty="0">
                 <a:gradFill>
                   <a:gsLst>
                     <a:gs pos="0">
@@ -24386,7 +23264,7 @@
               </a:rPr>
               <a:t>Destroyed</a:t>
             </a:r>
-            <a:endParaRPr lang="en-US" sz="2400" b="1" dirty="0" smtClean="0">
+            <a:endParaRPr lang="en-US" sz="2400" b="1" dirty="0">
               <a:gradFill>
                 <a:gsLst>
                   <a:gs pos="0">
@@ -24420,10 +23298,9 @@
           <a:lstStyle/>
           <a:p>
             <a:r>
-              <a:rPr lang="en-US" dirty="0" smtClean="0"/>
+              <a:rPr lang="en-US" dirty="0"/>
               <a:t>Kitchen Destroy</a:t>
             </a:r>
-            <a:endParaRPr lang="en-US" dirty="0"/>
           </a:p>
         </p:txBody>
       </p:sp>
@@ -24458,20 +23335,10 @@
                 <a:latin typeface="Courier New" panose="02070309020205020404" pitchFamily="49" charset="0"/>
                 <a:cs typeface="Courier New" panose="02070309020205020404" pitchFamily="49" charset="0"/>
               </a:rPr>
-              <a:t>$ kitchen </a:t>
-            </a:r>
-            <a:r>
-              <a:rPr lang="en-US" b="1" dirty="0" smtClean="0">
-                <a:solidFill>
-                  <a:schemeClr val="bg1"/>
-                </a:solidFill>
-                <a:latin typeface="Courier New" panose="02070309020205020404" pitchFamily="49" charset="0"/>
-                <a:cs typeface="Courier New" panose="02070309020205020404" pitchFamily="49" charset="0"/>
-              </a:rPr>
-              <a:t>destroy [</a:t>
-            </a:r>
-            <a:r>
-              <a:rPr lang="en-US" b="1" dirty="0" err="1" smtClean="0">
+              <a:t>$ kitchen destroy [</a:t>
+            </a:r>
+            <a:r>
+              <a:rPr lang="en-US" b="1" dirty="0" err="1">
                 <a:solidFill>
                   <a:schemeClr val="bg1"/>
                 </a:solidFill>
@@ -24575,7 +23442,7 @@
           <a:p>
             <a:pPr algn="ctr" defTabSz="914099"/>
             <a:r>
-              <a:rPr lang="en-US" b="1" dirty="0" smtClean="0">
+              <a:rPr lang="en-US" b="1" dirty="0">
                 <a:gradFill>
                   <a:gsLst>
                     <a:gs pos="0">
@@ -24591,7 +23458,7 @@
               <a:t>Create </a:t>
             </a:r>
             <a:r>
-              <a:rPr lang="en-US" b="1" dirty="0" err="1" smtClean="0">
+              <a:rPr lang="en-US" b="1" dirty="0" err="1">
                 <a:gradFill>
                   <a:gsLst>
                     <a:gs pos="0">
@@ -24607,7 +23474,7 @@
               <a:t>CentOS</a:t>
             </a:r>
             <a:r>
-              <a:rPr lang="en-US" b="1" dirty="0" smtClean="0">
+              <a:rPr lang="en-US" b="1" dirty="0">
                 <a:gradFill>
                   <a:gsLst>
                     <a:gs pos="0">
@@ -24622,7 +23489,7 @@
               </a:rPr>
               <a:t> Instance</a:t>
             </a:r>
-            <a:endParaRPr lang="en-US" sz="2400" b="1" dirty="0" smtClean="0">
+            <a:endParaRPr lang="en-US" sz="2400" b="1" dirty="0">
               <a:gradFill>
                 <a:gsLst>
                   <a:gs pos="0">
@@ -24902,7 +23769,7 @@
           <a:p>
             <a:pPr algn="ctr" defTabSz="914099"/>
             <a:r>
-              <a:rPr lang="en-US" b="1" dirty="0" smtClean="0">
+              <a:rPr lang="en-US" b="1" dirty="0">
                 <a:gradFill>
                   <a:gsLst>
                     <a:gs pos="0">
@@ -24917,7 +23784,7 @@
               </a:rPr>
               <a:t>Install Chef</a:t>
             </a:r>
-            <a:endParaRPr lang="en-US" sz="2400" b="1" dirty="0" smtClean="0">
+            <a:endParaRPr lang="en-US" sz="2400" b="1" dirty="0">
               <a:gradFill>
                 <a:gsLst>
                   <a:gs pos="0">
@@ -24987,7 +23854,7 @@
           <a:p>
             <a:pPr algn="ctr" defTabSz="914099"/>
             <a:r>
-              <a:rPr lang="en-US" b="1" dirty="0" smtClean="0">
+              <a:rPr lang="en-US" b="1" dirty="0">
                 <a:gradFill>
                   <a:gsLst>
                     <a:gs pos="0">
@@ -25002,7 +23869,7 @@
               </a:rPr>
               <a:t>Apply the Run List</a:t>
             </a:r>
-            <a:endParaRPr lang="en-US" sz="2400" b="1" dirty="0" smtClean="0">
+            <a:endParaRPr lang="en-US" sz="2400" b="1" dirty="0">
               <a:gradFill>
                 <a:gsLst>
                   <a:gs pos="0">
@@ -25072,7 +23939,7 @@
           <a:p>
             <a:pPr algn="ctr" defTabSz="914099"/>
             <a:r>
-              <a:rPr lang="en-US" b="1" smtClean="0">
+              <a:rPr lang="en-US" b="1">
                 <a:gradFill>
                   <a:gsLst>
                     <a:gs pos="0">
@@ -25087,7 +23954,7 @@
               </a:rPr>
               <a:t>Execute Tests</a:t>
             </a:r>
-            <a:endParaRPr lang="en-US" sz="2400" b="1" dirty="0" smtClean="0">
+            <a:endParaRPr lang="en-US" sz="2400" b="1" dirty="0">
               <a:gradFill>
                 <a:gsLst>
                   <a:gs pos="0">
@@ -25160,7 +24027,7 @@
           <a:lstStyle/>
           <a:p>
             <a:pPr algn="ctr" defTabSz="914099"/>
-            <a:endParaRPr lang="en-US" sz="2400" dirty="0" err="1" smtClean="0">
+            <a:endParaRPr lang="en-US" sz="2400" dirty="0" err="1">
               <a:gradFill>
                 <a:gsLst>
                   <a:gs pos="0">
@@ -25233,7 +24100,7 @@
           <a:lstStyle/>
           <a:p>
             <a:pPr algn="ctr" defTabSz="914099"/>
-            <a:endParaRPr lang="en-US" sz="2400" dirty="0" err="1" smtClean="0">
+            <a:endParaRPr lang="en-US" sz="2400" dirty="0" err="1">
               <a:gradFill>
                 <a:gsLst>
                   <a:gs pos="0">
@@ -25306,7 +24173,7 @@
           <a:lstStyle/>
           <a:p>
             <a:pPr algn="ctr" defTabSz="914099"/>
-            <a:endParaRPr lang="en-US" sz="2400" dirty="0" err="1" smtClean="0">
+            <a:endParaRPr lang="en-US" sz="2400" dirty="0" err="1">
               <a:gradFill>
                 <a:gsLst>
                   <a:gs pos="0">
@@ -25379,7 +24246,7 @@
           <a:lstStyle/>
           <a:p>
             <a:pPr algn="ctr" defTabSz="914099"/>
-            <a:endParaRPr lang="en-US" sz="2400" dirty="0" err="1" smtClean="0">
+            <a:endParaRPr lang="en-US" sz="2400" dirty="0" err="1">
               <a:gradFill>
                 <a:gsLst>
                   <a:gs pos="0">
@@ -25452,7 +24319,7 @@
           <a:lstStyle/>
           <a:p>
             <a:pPr algn="ctr" defTabSz="914099"/>
-            <a:endParaRPr lang="en-US" sz="2400" dirty="0" err="1" smtClean="0">
+            <a:endParaRPr lang="en-US" sz="2400" dirty="0" err="1">
               <a:gradFill>
                 <a:gsLst>
                   <a:gs pos="0">
@@ -25525,7 +24392,7 @@
           <a:lstStyle/>
           <a:p>
             <a:pPr algn="ctr" defTabSz="914099"/>
-            <a:endParaRPr lang="en-US" sz="2400" dirty="0" err="1" smtClean="0">
+            <a:endParaRPr lang="en-US" sz="2400" dirty="0" err="1">
               <a:gradFill>
                 <a:gsLst>
                   <a:gs pos="0">
@@ -25554,13 +24421,6 @@
   <p:transition spd="med">
     <p:fade/>
   </p:transition>
-  <p:timing>
-    <p:tnLst>
-      <p:par>
-        <p:cTn id="1" dur="indefinite" restart="never" nodeType="tmRoot"/>
-      </p:par>
-    </p:tnLst>
-  </p:timing>
 </p:sld>
 </file>
 
@@ -25599,10 +24459,9 @@
           <a:lstStyle/>
           <a:p>
             <a:r>
-              <a:rPr lang="en-US" dirty="0" smtClean="0"/>
+              <a:rPr lang="en-US" dirty="0"/>
               <a:t>Kitchen Test</a:t>
             </a:r>
-            <a:endParaRPr lang="en-US" dirty="0"/>
           </a:p>
         </p:txBody>
       </p:sp>
@@ -25662,7 +24521,7 @@
           <a:p>
             <a:pPr algn="ctr" defTabSz="914099"/>
             <a:r>
-              <a:rPr lang="en-US" b="1" dirty="0" smtClean="0">
+              <a:rPr lang="en-US" b="1" dirty="0">
                 <a:gradFill>
                   <a:gsLst>
                     <a:gs pos="0">
@@ -25677,7 +24536,7 @@
               </a:rPr>
               <a:t>Destroyed</a:t>
             </a:r>
-            <a:endParaRPr lang="en-US" sz="2400" b="1" dirty="0" smtClean="0">
+            <a:endParaRPr lang="en-US" sz="2400" b="1" dirty="0">
               <a:gradFill>
                 <a:gsLst>
                   <a:gs pos="0">
@@ -25724,20 +24583,10 @@
                 <a:latin typeface="Courier New" panose="02070309020205020404" pitchFamily="49" charset="0"/>
                 <a:cs typeface="Courier New" panose="02070309020205020404" pitchFamily="49" charset="0"/>
               </a:rPr>
-              <a:t>$ kitchen </a:t>
-            </a:r>
-            <a:r>
-              <a:rPr lang="en-US" b="1" dirty="0" smtClean="0">
-                <a:solidFill>
-                  <a:schemeClr val="bg1"/>
-                </a:solidFill>
-                <a:latin typeface="Courier New" panose="02070309020205020404" pitchFamily="49" charset="0"/>
-                <a:cs typeface="Courier New" panose="02070309020205020404" pitchFamily="49" charset="0"/>
-              </a:rPr>
-              <a:t>test [</a:t>
-            </a:r>
-            <a:r>
-              <a:rPr lang="en-US" b="1" dirty="0" err="1" smtClean="0">
+              <a:t>$ kitchen test [</a:t>
+            </a:r>
+            <a:r>
+              <a:rPr lang="en-US" b="1" dirty="0" err="1">
                 <a:solidFill>
                   <a:schemeClr val="bg1"/>
                 </a:solidFill>
@@ -25841,7 +24690,7 @@
           <a:p>
             <a:pPr algn="ctr" defTabSz="914099"/>
             <a:r>
-              <a:rPr lang="en-US" b="1" dirty="0" smtClean="0">
+              <a:rPr lang="en-US" b="1" dirty="0">
                 <a:gradFill>
                   <a:gsLst>
                     <a:gs pos="0">
@@ -25857,7 +24706,7 @@
               <a:t>Create </a:t>
             </a:r>
             <a:r>
-              <a:rPr lang="en-US" b="1" dirty="0" err="1" smtClean="0">
+              <a:rPr lang="en-US" b="1" dirty="0" err="1">
                 <a:gradFill>
                   <a:gsLst>
                     <a:gs pos="0">
@@ -25873,7 +24722,7 @@
               <a:t>CentOS</a:t>
             </a:r>
             <a:r>
-              <a:rPr lang="en-US" b="1" dirty="0" smtClean="0">
+              <a:rPr lang="en-US" b="1" dirty="0">
                 <a:gradFill>
                   <a:gsLst>
                     <a:gs pos="0">
@@ -25888,7 +24737,7 @@
               </a:rPr>
               <a:t> Instance</a:t>
             </a:r>
-            <a:endParaRPr lang="en-US" sz="2400" b="1" dirty="0" smtClean="0">
+            <a:endParaRPr lang="en-US" sz="2400" b="1" dirty="0">
               <a:gradFill>
                 <a:gsLst>
                   <a:gs pos="0">
@@ -26177,7 +25026,7 @@
           <a:p>
             <a:pPr algn="ctr" defTabSz="914099"/>
             <a:r>
-              <a:rPr lang="en-US" b="1" dirty="0" smtClean="0">
+              <a:rPr lang="en-US" b="1" dirty="0">
                 <a:gradFill>
                   <a:gsLst>
                     <a:gs pos="0">
@@ -26192,7 +25041,7 @@
               </a:rPr>
               <a:t>Install Chef</a:t>
             </a:r>
-            <a:endParaRPr lang="en-US" sz="2400" b="1" dirty="0" smtClean="0">
+            <a:endParaRPr lang="en-US" sz="2400" b="1" dirty="0">
               <a:gradFill>
                 <a:gsLst>
                   <a:gs pos="0">
@@ -26262,7 +25111,7 @@
           <a:p>
             <a:pPr algn="ctr" defTabSz="914099"/>
             <a:r>
-              <a:rPr lang="en-US" b="1" dirty="0" smtClean="0">
+              <a:rPr lang="en-US" b="1" dirty="0">
                 <a:gradFill>
                   <a:gsLst>
                     <a:gs pos="0">
@@ -26277,7 +25126,7 @@
               </a:rPr>
               <a:t>Apply the Run List</a:t>
             </a:r>
-            <a:endParaRPr lang="en-US" sz="2400" b="1" dirty="0" smtClean="0">
+            <a:endParaRPr lang="en-US" sz="2400" b="1" dirty="0">
               <a:gradFill>
                 <a:gsLst>
                   <a:gs pos="0">
@@ -26347,7 +25196,7 @@
           <a:p>
             <a:pPr algn="ctr" defTabSz="914099"/>
             <a:r>
-              <a:rPr lang="en-US" b="1" smtClean="0">
+              <a:rPr lang="en-US" b="1">
                 <a:gradFill>
                   <a:gsLst>
                     <a:gs pos="0">
@@ -26362,7 +25211,7 @@
               </a:rPr>
               <a:t>Execute Tests</a:t>
             </a:r>
-            <a:endParaRPr lang="en-US" sz="2400" b="1" dirty="0" smtClean="0">
+            <a:endParaRPr lang="en-US" sz="2400" b="1" dirty="0">
               <a:gradFill>
                 <a:gsLst>
                   <a:gs pos="0">
@@ -26435,7 +25284,7 @@
           <a:lstStyle/>
           <a:p>
             <a:pPr algn="ctr" defTabSz="914099"/>
-            <a:endParaRPr lang="en-US" sz="2400" dirty="0" err="1" smtClean="0">
+            <a:endParaRPr lang="en-US" sz="2400" dirty="0" err="1">
               <a:gradFill>
                 <a:gsLst>
                   <a:gs pos="0">
@@ -26508,7 +25357,7 @@
           <a:lstStyle/>
           <a:p>
             <a:pPr algn="ctr" defTabSz="914099"/>
-            <a:endParaRPr lang="en-US" sz="2400" dirty="0" err="1" smtClean="0">
+            <a:endParaRPr lang="en-US" sz="2400" dirty="0" err="1">
               <a:gradFill>
                 <a:gsLst>
                   <a:gs pos="0">
@@ -26581,7 +25430,7 @@
           <a:lstStyle/>
           <a:p>
             <a:pPr algn="ctr" defTabSz="914099"/>
-            <a:endParaRPr lang="en-US" sz="2400" dirty="0" err="1" smtClean="0">
+            <a:endParaRPr lang="en-US" sz="2400" dirty="0" err="1">
               <a:gradFill>
                 <a:gsLst>
                   <a:gs pos="0">
@@ -26654,7 +25503,7 @@
           <a:lstStyle/>
           <a:p>
             <a:pPr algn="ctr" defTabSz="914099"/>
-            <a:endParaRPr lang="en-US" sz="2400" dirty="0" err="1" smtClean="0">
+            <a:endParaRPr lang="en-US" sz="2400" dirty="0" err="1">
               <a:gradFill>
                 <a:gsLst>
                   <a:gs pos="0">
@@ -26727,7 +25576,7 @@
           <a:lstStyle/>
           <a:p>
             <a:pPr algn="ctr" defTabSz="914099"/>
-            <a:endParaRPr lang="en-US" sz="2400" dirty="0" err="1" smtClean="0">
+            <a:endParaRPr lang="en-US" sz="2400" dirty="0" err="1">
               <a:gradFill>
                 <a:gsLst>
                   <a:gs pos="0">
@@ -26800,7 +25649,7 @@
           <a:lstStyle/>
           <a:p>
             <a:pPr algn="ctr" defTabSz="914099"/>
-            <a:endParaRPr lang="en-US" sz="2400" dirty="0" err="1" smtClean="0">
+            <a:endParaRPr lang="en-US" sz="2400" dirty="0" err="1">
               <a:gradFill>
                 <a:gsLst>
                   <a:gs pos="0">
@@ -26867,7 +25716,7 @@
           <a:lstStyle/>
           <a:p>
             <a:pPr algn="ctr" defTabSz="914099"/>
-            <a:endParaRPr lang="en-US" sz="2400" dirty="0" err="1" smtClean="0">
+            <a:endParaRPr lang="en-US" sz="2400" dirty="0" err="1">
               <a:gradFill>
                 <a:gsLst>
                   <a:gs pos="0">
@@ -26896,13 +25745,6 @@
   <p:transition spd="med">
     <p:fade/>
   </p:transition>
-  <p:timing>
-    <p:tnLst>
-      <p:par>
-        <p:cTn id="1" dur="indefinite" restart="never" nodeType="tmRoot"/>
-      </p:par>
-    </p:tnLst>
-  </p:timing>
 </p:sld>
 </file>
 
@@ -26941,46 +25783,40 @@
           <a:lstStyle/>
           <a:p>
             <a:r>
-              <a:rPr lang="en-US" dirty="0" smtClean="0"/>
+              <a:rPr lang="en-US" dirty="0"/>
               <a:t>Kitchen Test</a:t>
             </a:r>
+          </a:p>
+        </p:txBody>
+      </p:sp>
+      <p:sp>
+        <p:nvSpPr>
+          <p:cNvPr id="3" name="Subtitle 2"/>
+          <p:cNvSpPr>
+            <a:spLocks noGrp="1"/>
+          </p:cNvSpPr>
+          <p:nvPr>
+            <p:ph type="subTitle" idx="1"/>
+          </p:nvPr>
+        </p:nvSpPr>
+        <p:spPr/>
+        <p:txBody>
+          <a:bodyPr/>
+          <a:lstStyle/>
+          <a:p>
+            <a:r>
+              <a:rPr lang="en-US" dirty="0"/>
+              <a:t>Destroying the instance ensures that the policy is being applied to a new instance.</a:t>
+            </a:r>
+          </a:p>
+          <a:p>
             <a:endParaRPr lang="en-US" dirty="0"/>
           </a:p>
-        </p:txBody>
-      </p:sp>
-      <p:sp>
-        <p:nvSpPr>
-          <p:cNvPr id="3" name="Subtitle 2"/>
-          <p:cNvSpPr>
-            <a:spLocks noGrp="1"/>
-          </p:cNvSpPr>
-          <p:nvPr>
-            <p:ph type="subTitle" idx="1"/>
-          </p:nvPr>
-        </p:nvSpPr>
-        <p:spPr/>
-        <p:txBody>
-          <a:bodyPr/>
-          <a:lstStyle/>
-          <a:p>
-            <a:r>
-              <a:rPr lang="en-US" dirty="0" smtClean="0"/>
-              <a:t>Destroying the instance ensures that the policy is being applied to a new instance.</a:t>
-            </a:r>
-          </a:p>
-          <a:p>
-            <a:endParaRPr lang="en-US" dirty="0"/>
-          </a:p>
-          <a:p>
-            <a:r>
-              <a:rPr lang="en-US" dirty="0"/>
-              <a:t>The test instance </a:t>
-            </a:r>
-            <a:r>
-              <a:rPr lang="en-US" dirty="0" smtClean="0"/>
-              <a:t>is re-created and then the updated policy is applied to the new instance. The new policy is incomplete causing an error.</a:t>
-            </a:r>
-            <a:endParaRPr lang="en-US" dirty="0"/>
+          <a:p>
+            <a:r>
+              <a:rPr lang="en-US" dirty="0"/>
+              <a:t>The test instance is re-created and then the updated policy is applied to the new instance. The new policy is incomplete causing an error.</a:t>
+            </a:r>
           </a:p>
         </p:txBody>
       </p:sp>
@@ -26997,13 +25833,6 @@
   <p:transition spd="med">
     <p:fade/>
   </p:transition>
-  <p:timing>
-    <p:tnLst>
-      <p:par>
-        <p:cTn id="1" dur="indefinite" restart="never" nodeType="tmRoot"/>
-      </p:par>
-    </p:tnLst>
-  </p:timing>
 </p:sld>
 </file>
 
@@ -27041,21 +25870,16 @@
           <a:p>
             <a:r>
               <a:rPr lang="en-US" dirty="0"/>
-              <a:t>----&gt; Starting Kitchen (</a:t>
-            </a:r>
-            <a:r>
-              <a:rPr lang="en-US" dirty="0" smtClean="0"/>
-              <a:t>v</a:t>
-            </a:r>
-            <a:r>
-              <a:rPr lang="nb-NO" dirty="0" smtClean="0"/>
+              <a:t>----&gt; Starting Kitchen (v</a:t>
+            </a:r>
+            <a:r>
+              <a:rPr lang="nb-NO" dirty="0"/>
               <a:t>1.11.1</a:t>
             </a:r>
             <a:r>
-              <a:rPr lang="en-US" dirty="0" smtClean="0"/>
+              <a:rPr lang="en-US" dirty="0"/>
               <a:t>)</a:t>
             </a:r>
-            <a:endParaRPr lang="en-US" dirty="0"/>
           </a:p>
           <a:p>
             <a:r>
@@ -27066,40 +25890,27 @@
           <a:p>
             <a:r>
               <a:rPr lang="en-US" dirty="0"/>
-              <a:t>-----&gt; Destroying &lt;default-centos-67&gt;..</a:t>
-            </a:r>
-            <a:r>
-              <a:rPr lang="en-US" dirty="0" smtClean="0"/>
-              <a:t>.</a:t>
-            </a:r>
-          </a:p>
-          <a:p>
-            <a:r>
-              <a:rPr lang="en-US" dirty="0" smtClean="0"/>
-              <a:t>       ..</a:t>
-            </a:r>
-            <a:r>
-              <a:rPr lang="en-US" dirty="0"/>
-              <a:t>. </a:t>
-            </a:r>
-            <a:endParaRPr lang="en-US" dirty="0" smtClean="0"/>
-          </a:p>
-          <a:p>
-            <a:r>
-              <a:rPr lang="en-US" dirty="0" smtClean="0"/>
+              <a:t>-----&gt; Destroying &lt;default-centos-67&gt;...</a:t>
+            </a:r>
+          </a:p>
+          <a:p>
+            <a:r>
+              <a:rPr lang="en-US" dirty="0"/>
+              <a:t>       ... </a:t>
+            </a:r>
+          </a:p>
+          <a:p>
+            <a:r>
+              <a:rPr lang="en-US" dirty="0"/>
               <a:t>       [</a:t>
             </a:r>
             <a:r>
-              <a:rPr lang="is-IS" dirty="0" smtClean="0"/>
+              <a:rPr lang="is-IS" dirty="0"/>
               <a:t>2017</a:t>
             </a:r>
             <a:r>
-              <a:rPr lang="en-US" dirty="0" smtClean="0"/>
-              <a:t>-08-29T20:29:16+00:00</a:t>
-            </a:r>
-            <a:r>
-              <a:rPr lang="en-US" dirty="0"/>
-              <a:t>] FATAL: Chef::Exceptions::</a:t>
+              <a:rPr lang="en-US" dirty="0"/>
+              <a:t>-08-29T20:29:16+00:00] FATAL: Chef::Exceptions::</a:t>
             </a:r>
             <a:r>
               <a:rPr lang="en-US" dirty="0" err="1"/>
@@ -27107,11 +25918,7 @@
             </a:r>
             <a:r>
               <a:rPr lang="en-US" dirty="0"/>
-              <a:t>: Chef run process exited unsuccessfully (exit code 1</a:t>
-            </a:r>
-            <a:r>
-              <a:rPr lang="en-US" dirty="0" smtClean="0"/>
-              <a:t>)</a:t>
+              <a:t>: Chef run process exited unsuccessfully (exit code 1)</a:t>
             </a:r>
           </a:p>
           <a:p>
@@ -27142,7 +25949,6 @@
               <a:rPr lang="en-US" dirty="0"/>
               <a:t>&gt;&gt;&gt;&gt;&gt;&gt;     Converge failed on instance &lt;default-centos-67&gt;.  </a:t>
             </a:r>
-            <a:endParaRPr lang="en-US" dirty="0" smtClean="0"/>
           </a:p>
         </p:txBody>
       </p:sp>
@@ -27162,10 +25968,9 @@
           <a:lstStyle/>
           <a:p>
             <a:r>
-              <a:rPr lang="en-US" dirty="0" smtClean="0"/>
+              <a:rPr lang="en-US" dirty="0"/>
               <a:t>&gt; kitchen test</a:t>
             </a:r>
-            <a:endParaRPr lang="en-US" dirty="0"/>
           </a:p>
         </p:txBody>
       </p:sp>
@@ -27211,14 +26016,13 @@
           <a:lstStyle/>
           <a:p>
             <a:r>
-              <a:rPr lang="en-US" dirty="0" smtClean="0"/>
+              <a:rPr lang="en-US" dirty="0"/>
               <a:t>Test the Cookbook Against a </a:t>
             </a:r>
             <a:r>
-              <a:rPr lang="en-US" smtClean="0"/>
+              <a:rPr lang="en-US"/>
               <a:t>New Instance</a:t>
             </a:r>
-            <a:endParaRPr lang="en-US"/>
           </a:p>
         </p:txBody>
       </p:sp>
@@ -27235,13 +26039,6 @@
   <p:transition spd="med">
     <p:fade/>
   </p:transition>
-  <p:timing>
-    <p:tnLst>
-      <p:par>
-        <p:cTn id="1" dur="indefinite" restart="never" nodeType="tmRoot"/>
-      </p:par>
-    </p:tnLst>
-  </p:timing>
 </p:sld>
 </file>
 
@@ -27278,27 +26075,26 @@
           <a:lstStyle/>
           <a:p>
             <a:r>
-              <a:rPr lang="en-US" b="1" dirty="0" smtClean="0"/>
+              <a:rPr lang="en-US" b="1" dirty="0"/>
               <a:t>Faster</a:t>
             </a:r>
             <a:r>
-              <a:rPr lang="en-US" dirty="0" smtClean="0"/>
+              <a:rPr lang="en-US" dirty="0"/>
               <a:t> execution time</a:t>
             </a:r>
           </a:p>
           <a:p>
-            <a:endParaRPr lang="en-US" dirty="0" smtClean="0"/>
-          </a:p>
-          <a:p>
-            <a:r>
-              <a:rPr lang="en-US" dirty="0" smtClean="0"/>
+            <a:endParaRPr lang="en-US" dirty="0"/>
+          </a:p>
+          <a:p>
+            <a:r>
+              <a:rPr lang="en-US" dirty="0"/>
               <a:t>Running converge twice will ensure your policy applies without error to </a:t>
             </a:r>
             <a:r>
-              <a:rPr lang="en-US" b="1" dirty="0" smtClean="0"/>
+              <a:rPr lang="en-US" b="1" dirty="0"/>
               <a:t>existing instances</a:t>
             </a:r>
-            <a:endParaRPr lang="en-US" b="1" dirty="0"/>
           </a:p>
         </p:txBody>
       </p:sp>
@@ -27318,11 +26114,11 @@
           <a:lstStyle/>
           <a:p>
             <a:r>
-              <a:rPr lang="en-US" b="1" dirty="0" smtClean="0"/>
+              <a:rPr lang="en-US" b="1" dirty="0"/>
               <a:t>Slower</a:t>
             </a:r>
             <a:r>
-              <a:rPr lang="en-US" dirty="0" smtClean="0"/>
+              <a:rPr lang="en-US" dirty="0"/>
               <a:t> execution time</a:t>
             </a:r>
           </a:p>
@@ -27331,11 +26127,11 @@
           </a:p>
           <a:p>
             <a:r>
-              <a:rPr lang="en-US" dirty="0" smtClean="0"/>
+              <a:rPr lang="en-US" dirty="0"/>
               <a:t>Running test will ensure your policy applies without error to any </a:t>
             </a:r>
             <a:r>
-              <a:rPr lang="en-US" b="1" dirty="0" smtClean="0"/>
+              <a:rPr lang="en-US" b="1" dirty="0"/>
               <a:t>new instances</a:t>
             </a:r>
           </a:p>
@@ -27357,10 +26153,9 @@
           <a:lstStyle/>
           <a:p>
             <a:r>
-              <a:rPr lang="en-US" dirty="0" smtClean="0"/>
+              <a:rPr lang="en-US" dirty="0"/>
               <a:t>Converge &amp; Verify</a:t>
             </a:r>
-            <a:endParaRPr lang="en-US" dirty="0"/>
           </a:p>
         </p:txBody>
       </p:sp>
@@ -27380,10 +26175,9 @@
           <a:lstStyle/>
           <a:p>
             <a:r>
-              <a:rPr lang="en-US" dirty="0" smtClean="0"/>
+              <a:rPr lang="en-US" dirty="0"/>
               <a:t>Test</a:t>
             </a:r>
-            <a:endParaRPr lang="en-US" dirty="0"/>
           </a:p>
         </p:txBody>
       </p:sp>
@@ -27400,13 +26194,6 @@
   <p:transition spd="med">
     <p:fade/>
   </p:transition>
-  <p:timing>
-    <p:tnLst>
-      <p:par>
-        <p:cTn id="1" dur="indefinite" restart="never" nodeType="tmRoot"/>
-      </p:par>
-    </p:tnLst>
-  </p:timing>
 </p:sld>
 </file>
 
@@ -27445,10 +26232,9 @@
           <a:lstStyle/>
           <a:p>
             <a:r>
-              <a:rPr lang="en-US" dirty="0" smtClean="0"/>
+              <a:rPr lang="en-US" dirty="0"/>
               <a:t>Heckle That Code</a:t>
             </a:r>
-            <a:endParaRPr lang="en-US" dirty="0"/>
           </a:p>
         </p:txBody>
       </p:sp>
@@ -27530,13 +26316,6 @@
   <p:transition spd="med">
     <p:fade/>
   </p:transition>
-  <p:timing>
-    <p:tnLst>
-      <p:par>
-        <p:cTn id="1" dur="indefinite" restart="never" nodeType="tmRoot"/>
-      </p:par>
-    </p:tnLst>
-  </p:timing>
 </p:sld>
 </file>
 
@@ -27575,7 +26354,7 @@
           <a:lstStyle/>
           <a:p>
             <a:r>
-              <a:rPr lang="en-US" dirty="0" err="1" smtClean="0"/>
+              <a:rPr lang="en-US" dirty="0" err="1"/>
               <a:t>include_recipe</a:t>
             </a:r>
             <a:endParaRPr lang="en-US" dirty="0"/>
@@ -27615,18 +26394,10 @@
             </a:r>
             <a:r>
               <a:rPr lang="en-US" dirty="0"/>
-              <a:t>method. When a recipe is included, the resources found in that recipe will </a:t>
-            </a:r>
-            <a:r>
-              <a:rPr lang="en-US" dirty="0" smtClean="0"/>
-              <a:t>be </a:t>
-            </a:r>
-            <a:r>
-              <a:rPr lang="en-US" dirty="0"/>
-              <a:t>inserted (in the same exact order) at the point where the </a:t>
-            </a:r>
-            <a:r>
-              <a:rPr lang="en-US" b="1" dirty="0" err="1" smtClean="0">
+              <a:t>method. When a recipe is included, the resources found in that recipe will be inserted (in the same exact order) at the point where the </a:t>
+            </a:r>
+            <a:r>
+              <a:rPr lang="en-US" b="1" dirty="0" err="1">
                 <a:latin typeface="Courier New" charset="0"/>
                 <a:ea typeface="Courier New" charset="0"/>
                 <a:cs typeface="Courier New" charset="0"/>
@@ -27634,12 +26405,8 @@
               <a:t>include_recipe</a:t>
             </a:r>
             <a:r>
-              <a:rPr lang="en-US" dirty="0" smtClean="0"/>
-              <a:t> keyword </a:t>
-            </a:r>
-            <a:r>
-              <a:rPr lang="en-US" dirty="0"/>
-              <a:t>is located. </a:t>
+              <a:rPr lang="en-US" dirty="0"/>
+              <a:t> keyword is located. </a:t>
             </a:r>
           </a:p>
         </p:txBody>
@@ -27820,22 +26587,46 @@
           <a:p>
             <a:pPr algn="ctr"/>
             <a:r>
-              <a:rPr lang="en-US" sz="2400" dirty="0" smtClean="0"/>
+              <a:rPr lang="en-US" sz="2400" dirty="0">
+                <a:solidFill>
+                  <a:srgbClr val="00B0F0"/>
+                </a:solidFill>
+                <a:hlinkClick r:id="rId3"/>
+              </a:rPr>
               <a:t>https://</a:t>
             </a:r>
             <a:r>
-              <a:rPr lang="en-US" sz="2400" dirty="0" err="1" smtClean="0"/>
+              <a:rPr lang="en-US" sz="2400" dirty="0" err="1">
+                <a:solidFill>
+                  <a:srgbClr val="00B0F0"/>
+                </a:solidFill>
+                <a:hlinkClick r:id="rId3"/>
+              </a:rPr>
               <a:t>docs.chef.io</a:t>
             </a:r>
             <a:r>
-              <a:rPr lang="en-US" sz="2400" dirty="0" smtClean="0"/>
+              <a:rPr lang="en-US" sz="2400" dirty="0">
+                <a:solidFill>
+                  <a:srgbClr val="00B0F0"/>
+                </a:solidFill>
+                <a:hlinkClick r:id="rId3"/>
+              </a:rPr>
               <a:t>/</a:t>
             </a:r>
             <a:r>
-              <a:rPr lang="en-US" sz="2400" dirty="0" err="1" smtClean="0"/>
+              <a:rPr lang="en-US" sz="2400" dirty="0" err="1">
+                <a:solidFill>
+                  <a:srgbClr val="00B0F0"/>
+                </a:solidFill>
+                <a:hlinkClick r:id="rId3"/>
+              </a:rPr>
               <a:t>recipes.html#include-recipes</a:t>
             </a:r>
-            <a:endParaRPr lang="en-US" sz="2400" dirty="0"/>
+            <a:endParaRPr lang="en-US" sz="2400" dirty="0">
+              <a:solidFill>
+                <a:srgbClr val="00B0F0"/>
+              </a:solidFill>
+            </a:endParaRPr>
           </a:p>
         </p:txBody>
       </p:sp>
@@ -27852,13 +26643,6 @@
   <p:transition spd="med">
     <p:fade/>
   </p:transition>
-  <p:timing>
-    <p:tnLst>
-      <p:par>
-        <p:cTn id="1" dur="indefinite" restart="never" nodeType="tmRoot"/>
-      </p:par>
-    </p:tnLst>
-  </p:timing>
 </p:sld>
 </file>
 
@@ -27897,10 +26681,9 @@
           <a:lstStyle/>
           <a:p>
             <a:r>
-              <a:rPr lang="en-US" dirty="0" smtClean="0"/>
+              <a:rPr lang="en-US" dirty="0"/>
               <a:t>Discussion</a:t>
             </a:r>
-            <a:endParaRPr lang="en-US" dirty="0"/>
           </a:p>
         </p:txBody>
       </p:sp>
@@ -27925,18 +26708,18 @@
           <a:lstStyle/>
           <a:p>
             <a:r>
-              <a:rPr lang="en-US" dirty="0" smtClean="0"/>
+              <a:rPr lang="en-US" dirty="0"/>
               <a:t>What is happening when running </a:t>
             </a:r>
             <a:r>
-              <a:rPr lang="en-US" dirty="0" smtClean="0">
+              <a:rPr lang="en-US" dirty="0">
                 <a:latin typeface="Courier New"/>
                 <a:cs typeface="Courier New"/>
               </a:rPr>
               <a:t>kitchen test</a:t>
             </a:r>
             <a:r>
-              <a:rPr lang="en-US" dirty="0" smtClean="0"/>
+              <a:rPr lang="en-US" dirty="0"/>
               <a:t>?</a:t>
             </a:r>
           </a:p>
@@ -27945,12 +26728,8 @@
           </a:p>
           <a:p>
             <a:r>
-              <a:rPr lang="en-US" dirty="0" smtClean="0"/>
-              <a:t>What </a:t>
-            </a:r>
-            <a:r>
-              <a:rPr lang="en-US" dirty="0"/>
-              <a:t>types of bugs would </a:t>
+              <a:rPr lang="en-US" dirty="0"/>
+              <a:t>What types of bugs would </a:t>
             </a:r>
             <a:r>
               <a:rPr lang="en-US" dirty="0">
@@ -27972,11 +26751,7 @@
             </a:r>
             <a:r>
               <a:rPr lang="en-US" dirty="0"/>
-              <a:t> find when running</a:t>
-            </a:r>
-            <a:r>
-              <a:rPr lang="en-US" dirty="0" smtClean="0"/>
-              <a:t>?</a:t>
+              <a:t> find when running?</a:t>
             </a:r>
           </a:p>
           <a:p>
@@ -27984,33 +26759,33 @@
           </a:p>
           <a:p>
             <a:r>
-              <a:rPr lang="en-US" dirty="0" smtClean="0"/>
+              <a:rPr lang="en-US" dirty="0"/>
               <a:t>What is the difference between </a:t>
             </a:r>
             <a:r>
-              <a:rPr lang="en-US" dirty="0" smtClean="0">
+              <a:rPr lang="en-US" dirty="0">
                 <a:latin typeface="Courier New"/>
                 <a:cs typeface="Courier New"/>
               </a:rPr>
               <a:t>kitchen test</a:t>
             </a:r>
             <a:r>
-              <a:rPr lang="en-US" dirty="0" smtClean="0"/>
+              <a:rPr lang="en-US" dirty="0"/>
               <a:t> and running both </a:t>
             </a:r>
             <a:r>
-              <a:rPr lang="en-US" dirty="0" smtClean="0">
+              <a:rPr lang="en-US" dirty="0">
                 <a:latin typeface="Courier New"/>
                 <a:cs typeface="Courier New"/>
               </a:rPr>
               <a:t>kitchen converge</a:t>
             </a:r>
             <a:r>
-              <a:rPr lang="en-US" dirty="0" smtClean="0"/>
+              <a:rPr lang="en-US" dirty="0"/>
               <a:t> &amp; </a:t>
             </a:r>
             <a:r>
-              <a:rPr lang="en-US" dirty="0" smtClean="0">
+              <a:rPr lang="en-US" dirty="0">
                 <a:latin typeface="Courier New"/>
                 <a:cs typeface="Courier New"/>
               </a:rPr>
@@ -28018,11 +26793,7 @@
             </a:r>
             <a:r>
               <a:rPr lang="en-US" dirty="0"/>
-              <a:t> </a:t>
-            </a:r>
-            <a:r>
-              <a:rPr lang="en-US" dirty="0" smtClean="0"/>
-              <a:t>together?</a:t>
+              <a:t> together?</a:t>
             </a:r>
           </a:p>
           <a:p>
@@ -28030,14 +26801,14 @@
           </a:p>
           <a:p>
             <a:r>
-              <a:rPr lang="en-US" dirty="0" smtClean="0"/>
+              <a:rPr lang="en-US" dirty="0"/>
               <a:t>How long do each of these </a:t>
             </a:r>
             <a:r>
-              <a:rPr lang="en-US" smtClean="0"/>
+              <a:rPr lang="en-US"/>
               <a:t>approaches take?</a:t>
             </a:r>
-            <a:endParaRPr lang="en-US" dirty="0" smtClean="0"/>
+            <a:endParaRPr lang="en-US" dirty="0"/>
           </a:p>
         </p:txBody>
       </p:sp>
@@ -28054,13 +26825,6 @@
   <p:transition spd="med">
     <p:fade/>
   </p:transition>
-  <p:timing>
-    <p:tnLst>
-      <p:par>
-        <p:cTn id="1" dur="indefinite" restart="never" nodeType="tmRoot"/>
-      </p:par>
-    </p:tnLst>
-  </p:timing>
 </p:sld>
 </file>
 
@@ -28099,10 +26863,9 @@
           <a:lstStyle/>
           <a:p>
             <a:r>
-              <a:rPr lang="en-US" dirty="0" smtClean="0"/>
+              <a:rPr lang="en-US" dirty="0"/>
               <a:t>Q&amp;A</a:t>
             </a:r>
-            <a:endParaRPr lang="en-US" dirty="0"/>
           </a:p>
         </p:txBody>
       </p:sp>
@@ -28122,10 +26885,9 @@
           <a:lstStyle/>
           <a:p>
             <a:r>
-              <a:rPr lang="en-US" dirty="0" smtClean="0"/>
+              <a:rPr lang="en-US" dirty="0"/>
               <a:t>What questions can we answer for you?</a:t>
             </a:r>
-            <a:endParaRPr lang="en-US" dirty="0"/>
           </a:p>
         </p:txBody>
       </p:sp>
@@ -28142,13 +26904,6 @@
   <p:transition spd="med">
     <p:fade/>
   </p:transition>
-  <p:timing>
-    <p:tnLst>
-      <p:par>
-        <p:cTn id="1" dur="indefinite" restart="never" nodeType="tmRoot"/>
-      </p:par>
-    </p:tnLst>
-  </p:timing>
 </p:sld>
 </file>
 
@@ -28185,38 +26940,30 @@
           <a:lstStyle/>
           <a:p>
             <a:r>
-              <a:rPr lang="en-US" dirty="0" smtClean="0"/>
+              <a:rPr lang="en-US" dirty="0"/>
               <a:t>Introduction</a:t>
             </a:r>
           </a:p>
           <a:p>
             <a:r>
-              <a:rPr lang="en-US" dirty="0" smtClean="0"/>
-              <a:t>Why </a:t>
-            </a:r>
-            <a:r>
-              <a:rPr lang="en-US" dirty="0"/>
-              <a:t>W</a:t>
-            </a:r>
-            <a:r>
-              <a:rPr lang="en-US" dirty="0" smtClean="0"/>
-              <a:t>rite Tests? Why is that Hard?</a:t>
-            </a:r>
-          </a:p>
-          <a:p>
-            <a:r>
-              <a:rPr lang="en-US" dirty="0" smtClean="0"/>
+              <a:rPr lang="en-US" dirty="0"/>
+              <a:t>Why Write Tests? Why is that Hard?</a:t>
+            </a:r>
+          </a:p>
+          <a:p>
+            <a:r>
+              <a:rPr lang="en-US" dirty="0"/>
               <a:t>Writing a Test First</a:t>
             </a:r>
           </a:p>
           <a:p>
             <a:r>
-              <a:rPr lang="en-US" dirty="0" smtClean="0"/>
+              <a:rPr lang="en-US" dirty="0"/>
               <a:t>Refactoring Cookbooks with Tests</a:t>
             </a:r>
           </a:p>
           <a:p>
-            <a:endParaRPr lang="en-US" dirty="0" smtClean="0"/>
+            <a:endParaRPr lang="en-US" dirty="0"/>
           </a:p>
         </p:txBody>
       </p:sp>
@@ -28236,28 +26983,27 @@
           <a:lstStyle/>
           <a:p>
             <a:r>
-              <a:rPr lang="en-US" b="1" dirty="0" smtClean="0"/>
+              <a:rPr lang="en-US" b="1" dirty="0"/>
               <a:t>Faster Feedback with Unit Testing</a:t>
             </a:r>
           </a:p>
           <a:p>
             <a:r>
-              <a:rPr lang="en-US" dirty="0" smtClean="0"/>
+              <a:rPr lang="en-US" dirty="0"/>
               <a:t>Testing Resources in Recipes</a:t>
             </a:r>
           </a:p>
           <a:p>
             <a:r>
-              <a:rPr lang="en-US" dirty="0" smtClean="0"/>
+              <a:rPr lang="en-US" dirty="0"/>
               <a:t>Refactoring to Attributes</a:t>
             </a:r>
           </a:p>
           <a:p>
             <a:r>
-              <a:rPr lang="en-US" dirty="0" smtClean="0"/>
+              <a:rPr lang="en-US" dirty="0"/>
               <a:t>Refactoring to Multiple Platforms</a:t>
             </a:r>
-            <a:endParaRPr lang="en-US" dirty="0"/>
           </a:p>
         </p:txBody>
       </p:sp>
@@ -28277,10 +27023,9 @@
           <a:lstStyle/>
           <a:p>
             <a:r>
-              <a:rPr lang="en-US" dirty="0" smtClean="0"/>
+              <a:rPr lang="en-US" dirty="0"/>
               <a:t>Morning</a:t>
             </a:r>
-            <a:endParaRPr lang="en-US" dirty="0"/>
           </a:p>
         </p:txBody>
       </p:sp>
@@ -28300,10 +27045,9 @@
           <a:lstStyle/>
           <a:p>
             <a:r>
-              <a:rPr lang="en-US" dirty="0" smtClean="0"/>
+              <a:rPr lang="en-US" dirty="0"/>
               <a:t>Afternoon</a:t>
             </a:r>
-            <a:endParaRPr lang="en-US" dirty="0"/>
           </a:p>
         </p:txBody>
       </p:sp>
@@ -28320,13 +27064,6 @@
   <p:transition spd="med">
     <p:fade/>
   </p:transition>
-  <p:timing>
-    <p:tnLst>
-      <p:par>
-        <p:cTn id="1" dur="indefinite" restart="never" nodeType="tmRoot"/>
-      </p:par>
-    </p:tnLst>
-  </p:timing>
 </p:sld>
 </file>
 
@@ -28360,13 +27097,6 @@
   <p:transition spd="med">
     <p:fade/>
   </p:transition>
-  <p:timing>
-    <p:tnLst>
-      <p:par>
-        <p:cTn id="1" dur="indefinite" restart="never" nodeType="tmRoot"/>
-      </p:par>
-    </p:tnLst>
-  </p:timing>
 </p:sld>
 </file>
 
@@ -28405,10 +27135,9 @@
           <a:lstStyle/>
           <a:p>
             <a:r>
-              <a:rPr lang="en-US" dirty="0" smtClean="0"/>
+              <a:rPr lang="en-US" dirty="0"/>
               <a:t>Recipe Organization</a:t>
             </a:r>
-            <a:endParaRPr lang="en-US" dirty="0"/>
           </a:p>
         </p:txBody>
       </p:sp>
@@ -28439,7 +27168,7 @@
           <a:lstStyle/>
           <a:p>
             <a:r>
-              <a:rPr lang="en-US" b="1" dirty="0" smtClean="0">
+              <a:rPr lang="en-US" b="1" dirty="0">
                 <a:latin typeface="Courier New" charset="0"/>
                 <a:ea typeface="Courier New" charset="0"/>
                 <a:cs typeface="Courier New" charset="0"/>
@@ -28447,7 +27176,7 @@
               <a:t>recipes/</a:t>
             </a:r>
             <a:r>
-              <a:rPr lang="en-US" b="1" dirty="0" err="1" smtClean="0">
+              <a:rPr lang="en-US" b="1" dirty="0" err="1">
                 <a:latin typeface="Courier New" charset="0"/>
                 <a:ea typeface="Courier New" charset="0"/>
                 <a:cs typeface="Courier New" charset="0"/>
@@ -28518,14 +27247,14 @@
           <a:p>
             <a:pPr defTabSz="914099"/>
             <a:r>
-              <a:rPr lang="en-US" sz="2400" dirty="0" err="1" smtClean="0">
+              <a:rPr lang="en-US" sz="2400" dirty="0" err="1">
                 <a:solidFill>
                   <a:schemeClr val="bg1"/>
                 </a:solidFill>
               </a:rPr>
               <a:t>install.rb</a:t>
             </a:r>
-            <a:endParaRPr lang="en-US" sz="2400" dirty="0" smtClean="0">
+            <a:endParaRPr lang="en-US" sz="2400" dirty="0">
               <a:solidFill>
                 <a:schemeClr val="bg1"/>
               </a:solidFill>
@@ -28589,14 +27318,14 @@
           <a:p>
             <a:pPr defTabSz="914099"/>
             <a:r>
-              <a:rPr lang="en-US" sz="2400" dirty="0" err="1" smtClean="0">
+              <a:rPr lang="en-US" sz="2400" dirty="0" err="1">
                 <a:solidFill>
                   <a:schemeClr val="bg1"/>
                 </a:solidFill>
               </a:rPr>
               <a:t>configuration.rb</a:t>
             </a:r>
-            <a:endParaRPr lang="en-US" sz="2400" dirty="0" smtClean="0">
+            <a:endParaRPr lang="en-US" sz="2400" dirty="0">
               <a:solidFill>
                 <a:schemeClr val="bg1"/>
               </a:solidFill>
@@ -28660,14 +27389,14 @@
           <a:p>
             <a:pPr defTabSz="914099"/>
             <a:r>
-              <a:rPr lang="en-US" dirty="0" err="1" smtClean="0">
+              <a:rPr lang="en-US" dirty="0" err="1">
                 <a:solidFill>
                   <a:schemeClr val="bg1"/>
                 </a:solidFill>
               </a:rPr>
               <a:t>service.rb</a:t>
             </a:r>
-            <a:endParaRPr lang="en-US" dirty="0" smtClean="0">
+            <a:endParaRPr lang="en-US" dirty="0">
               <a:solidFill>
                 <a:schemeClr val="bg1"/>
               </a:solidFill>
@@ -28829,7 +27558,7 @@
           <a:lstStyle/>
           <a:p>
             <a:r>
-              <a:rPr lang="en-US" sz="2000" b="1" dirty="0" err="1" smtClean="0">
+              <a:rPr lang="en-US" sz="2000" b="1" dirty="0" err="1">
                 <a:latin typeface="Courier New" charset="0"/>
                 <a:ea typeface="Courier New" charset="0"/>
                 <a:cs typeface="Courier New" charset="0"/>
@@ -28837,7 +27566,7 @@
               <a:t>include_recipe</a:t>
             </a:r>
             <a:r>
-              <a:rPr lang="en-US" sz="2000" b="1" dirty="0" smtClean="0">
+              <a:rPr lang="en-US" sz="2000" b="1" dirty="0">
                 <a:latin typeface="Courier New" charset="0"/>
                 <a:ea typeface="Courier New" charset="0"/>
                 <a:cs typeface="Courier New" charset="0"/>
@@ -28847,7 +27576,7 @@
           </a:p>
           <a:p>
             <a:r>
-              <a:rPr lang="en-US" sz="2000" b="1" dirty="0" err="1" smtClean="0">
+              <a:rPr lang="en-US" sz="2000" b="1" dirty="0" err="1">
                 <a:latin typeface="Courier New" charset="0"/>
                 <a:ea typeface="Courier New" charset="0"/>
                 <a:cs typeface="Courier New" charset="0"/>
@@ -28855,38 +27584,17 @@
               <a:t>include_recipe</a:t>
             </a:r>
             <a:r>
-              <a:rPr lang="en-US" sz="2000" b="1" dirty="0" smtClean="0">
-                <a:latin typeface="Courier New" charset="0"/>
-                <a:ea typeface="Courier New" charset="0"/>
-                <a:cs typeface="Courier New" charset="0"/>
-              </a:rPr>
-              <a:t> </a:t>
-            </a:r>
-            <a:r>
               <a:rPr lang="en-US" sz="2000" b="1" dirty="0">
                 <a:latin typeface="Courier New" charset="0"/>
                 <a:ea typeface="Courier New" charset="0"/>
                 <a:cs typeface="Courier New" charset="0"/>
               </a:rPr>
-              <a:t>'cookbook</a:t>
-            </a:r>
-            <a:r>
-              <a:rPr lang="en-US" sz="2000" b="1" dirty="0" smtClean="0">
-                <a:latin typeface="Courier New" charset="0"/>
-                <a:ea typeface="Courier New" charset="0"/>
-                <a:cs typeface="Courier New" charset="0"/>
-              </a:rPr>
-              <a:t>::configuration'</a:t>
-            </a:r>
-            <a:endParaRPr lang="en-US" sz="2000" b="1" dirty="0">
-              <a:latin typeface="Courier New" charset="0"/>
-              <a:ea typeface="Courier New" charset="0"/>
-              <a:cs typeface="Courier New" charset="0"/>
-            </a:endParaRPr>
-          </a:p>
-          <a:p>
-            <a:r>
-              <a:rPr lang="en-US" sz="2000" b="1" dirty="0" err="1" smtClean="0">
+              <a:t> 'cookbook::configuration'</a:t>
+            </a:r>
+          </a:p>
+          <a:p>
+            <a:r>
+              <a:rPr lang="en-US" sz="2000" b="1" dirty="0" err="1">
                 <a:latin typeface="Courier New" charset="0"/>
                 <a:ea typeface="Courier New" charset="0"/>
                 <a:cs typeface="Courier New" charset="0"/>
@@ -28894,37 +27602,16 @@
               <a:t>include_recipe</a:t>
             </a:r>
             <a:r>
-              <a:rPr lang="en-US" sz="2000" b="1" dirty="0" smtClean="0">
-                <a:latin typeface="Courier New" charset="0"/>
-                <a:ea typeface="Courier New" charset="0"/>
-                <a:cs typeface="Courier New" charset="0"/>
-              </a:rPr>
-              <a:t> </a:t>
-            </a:r>
-            <a:r>
               <a:rPr lang="en-US" sz="2000" b="1" dirty="0">
                 <a:latin typeface="Courier New" charset="0"/>
                 <a:ea typeface="Courier New" charset="0"/>
                 <a:cs typeface="Courier New" charset="0"/>
               </a:rPr>
-              <a:t>'cookbook</a:t>
-            </a:r>
-            <a:r>
-              <a:rPr lang="en-US" sz="2000" b="1" dirty="0" smtClean="0">
-                <a:latin typeface="Courier New" charset="0"/>
-                <a:ea typeface="Courier New" charset="0"/>
-                <a:cs typeface="Courier New" charset="0"/>
-              </a:rPr>
-              <a:t>::service'</a:t>
-            </a:r>
+              <a:t> 'cookbook::service'</a:t>
+            </a:r>
+          </a:p>
+          <a:p>
             <a:endParaRPr lang="en-US" sz="2000" b="1" dirty="0">
-              <a:latin typeface="Courier New" charset="0"/>
-              <a:ea typeface="Courier New" charset="0"/>
-              <a:cs typeface="Courier New" charset="0"/>
-            </a:endParaRPr>
-          </a:p>
-          <a:p>
-            <a:endParaRPr lang="en-US" sz="2000" b="1" dirty="0" smtClean="0">
               <a:latin typeface="Courier New" charset="0"/>
               <a:ea typeface="Courier New" charset="0"/>
               <a:cs typeface="Courier New" charset="0"/>
@@ -28988,14 +27675,14 @@
           <a:p>
             <a:pPr defTabSz="914099"/>
             <a:r>
-              <a:rPr lang="en-US" sz="2400" dirty="0" err="1" smtClean="0">
+              <a:rPr lang="en-US" sz="2400" dirty="0" err="1">
                 <a:solidFill>
                   <a:schemeClr val="bg1"/>
                 </a:solidFill>
               </a:rPr>
               <a:t>default.rb</a:t>
             </a:r>
-            <a:endParaRPr lang="en-US" sz="2400" dirty="0" smtClean="0">
+            <a:endParaRPr lang="en-US" sz="2400" dirty="0">
               <a:solidFill>
                 <a:schemeClr val="bg1"/>
               </a:solidFill>
@@ -29121,13 +27808,6 @@
   <p:transition spd="med">
     <p:fade/>
   </p:transition>
-  <p:timing>
-    <p:tnLst>
-      <p:par>
-        <p:cTn id="1" dur="indefinite" restart="never" nodeType="tmRoot"/>
-      </p:par>
-    </p:tnLst>
-  </p:timing>
 </p:sld>
 </file>
 
@@ -29166,10 +27846,9 @@
           <a:lstStyle/>
           <a:p>
             <a:r>
-              <a:rPr lang="en-US" dirty="0" smtClean="0"/>
+              <a:rPr lang="en-US" dirty="0"/>
               <a:t>Refactor to Modular Recipes</a:t>
             </a:r>
-            <a:endParaRPr lang="en-US" dirty="0"/>
           </a:p>
         </p:txBody>
       </p:sp>
@@ -29189,18 +27868,17 @@
           <a:lstStyle/>
           <a:p>
             <a:r>
-              <a:rPr lang="en-US" dirty="0" smtClean="0"/>
+              <a:rPr lang="en-US" dirty="0"/>
               <a:t>This is why we </a:t>
             </a:r>
             <a:r>
-              <a:rPr lang="en-US" b="1" dirty="0" smtClean="0"/>
+              <a:rPr lang="en-US" b="1" dirty="0"/>
               <a:t>can</a:t>
             </a:r>
             <a:r>
-              <a:rPr lang="en-US" dirty="0" smtClean="0"/>
+              <a:rPr lang="en-US" dirty="0"/>
               <a:t> have nice things!</a:t>
             </a:r>
-            <a:endParaRPr lang="en-US" dirty="0"/>
           </a:p>
         </p:txBody>
       </p:sp>
@@ -29224,7 +27902,7 @@
               <a:buChar char="q"/>
             </a:pPr>
             <a:r>
-              <a:rPr lang="en-US" dirty="0" smtClean="0"/>
+              <a:rPr lang="en-US" dirty="0"/>
               <a:t>Refactor the installation into a separate recipe</a:t>
             </a:r>
           </a:p>
@@ -29374,7 +28052,7 @@
           <a:p>
             <a:pPr algn="ctr" defTabSz="914099"/>
             <a:r>
-              <a:rPr lang="en-US" sz="1800" dirty="0" smtClean="0">
+              <a:rPr lang="en-US" sz="1800" dirty="0">
                 <a:solidFill>
                   <a:schemeClr val="tx2"/>
                 </a:solidFill>
@@ -29397,13 +28075,6 @@
   <p:transition spd="med">
     <p:fade/>
   </p:transition>
-  <p:timing>
-    <p:tnLst>
-      <p:par>
-        <p:cTn id="1" dur="indefinite" restart="never" nodeType="tmRoot"/>
-      </p:par>
-    </p:tnLst>
-  </p:timing>
 </p:sld>
 </file>
 
@@ -29450,25 +28121,19 @@
               <a:t>    -C, --copyright COPYRIGHT        Name of the copyright </a:t>
             </a:r>
             <a:r>
-              <a:rPr lang="en-US" dirty="0" err="1" smtClean="0"/>
+              <a:rPr lang="en-US" dirty="0" err="1"/>
               <a:t>hol</a:t>
             </a:r>
             <a:r>
-              <a:rPr lang="en-US" dirty="0" smtClean="0"/>
+              <a:rPr lang="en-US" dirty="0"/>
               <a:t>...</a:t>
             </a:r>
-            <a:endParaRPr lang="en-US" dirty="0"/>
-          </a:p>
-          <a:p>
-            <a:r>
-              <a:rPr lang="en-US" dirty="0"/>
-              <a:t>    -m, --email EMAIL                Email address of the </a:t>
-            </a:r>
-            <a:r>
-              <a:rPr lang="en-US" dirty="0" smtClean="0"/>
-              <a:t>auth...</a:t>
-            </a:r>
-            <a:endParaRPr lang="en-US" dirty="0"/>
+          </a:p>
+          <a:p>
+            <a:r>
+              <a:rPr lang="en-US" dirty="0"/>
+              <a:t>    -m, --email EMAIL                Email address of the auth...</a:t>
+            </a:r>
           </a:p>
           <a:p>
             <a:r>
@@ -29481,13 +28146,8 @@
             </a:r>
             <a:r>
               <a:rPr lang="en-US" dirty="0"/>
-              <a:t> KEY=VALUE    Use to set </a:t>
-            </a:r>
-            <a:r>
-              <a:rPr lang="en-US" dirty="0" smtClean="0"/>
-              <a:t>arbitrary     ...</a:t>
-            </a:r>
-            <a:endParaRPr lang="en-US" dirty="0"/>
+              <a:t> KEY=VALUE    Use to set arbitrary     ...</a:t>
+            </a:r>
           </a:p>
           <a:p>
             <a:r>
@@ -29507,21 +28167,15 @@
               <a:t>mit</a:t>
             </a:r>
             <a:r>
-              <a:rPr lang="en-US" dirty="0" smtClean="0"/>
+              <a:rPr lang="en-US" dirty="0"/>
               <a:t>,...</a:t>
             </a:r>
-            <a:endParaRPr lang="en-US" dirty="0"/>
-          </a:p>
-          <a:p>
-            <a:r>
-              <a:rPr lang="en-US" dirty="0"/>
-              <a:t>    -g GENERATOR_COOKBOOK_PATH,      Use </a:t>
-            </a:r>
-            <a:r>
-              <a:rPr lang="en-US" dirty="0" smtClean="0"/>
-              <a:t>GENERATOR_COOKBOOK_PA...</a:t>
-            </a:r>
-            <a:endParaRPr lang="en-US" dirty="0"/>
+          </a:p>
+          <a:p>
+            <a:r>
+              <a:rPr lang="en-US" dirty="0"/>
+              <a:t>    -g GENERATOR_COOKBOOK_PATH,      Use GENERATOR_COOKBOOK_PA...</a:t>
+            </a:r>
           </a:p>
           <a:p>
             <a:r>
@@ -29547,10 +28201,9 @@
           <a:lstStyle/>
           <a:p>
             <a:r>
-              <a:rPr lang="en-US" dirty="0" smtClean="0"/>
+              <a:rPr lang="en-US" dirty="0"/>
               <a:t>&gt; chef generate recipe --help</a:t>
             </a:r>
-            <a:endParaRPr lang="en-US" dirty="0"/>
           </a:p>
         </p:txBody>
       </p:sp>
@@ -29594,10 +28247,9 @@
           <a:lstStyle/>
           <a:p>
             <a:r>
-              <a:rPr lang="en-US" dirty="0" smtClean="0"/>
+              <a:rPr lang="en-US" dirty="0"/>
               <a:t>Ask Chef About Generating a Recipe</a:t>
             </a:r>
-            <a:endParaRPr lang="en-US" dirty="0"/>
           </a:p>
         </p:txBody>
       </p:sp>
@@ -29614,13 +28266,6 @@
   <p:transition spd="med">
     <p:fade/>
   </p:transition>
-  <p:timing>
-    <p:tnLst>
-      <p:par>
-        <p:cTn id="1" dur="indefinite" restart="never" nodeType="tmRoot"/>
-      </p:par>
-    </p:tnLst>
-  </p:timing>
 </p:sld>
 </file>
 
@@ -29672,15 +28317,7 @@
           <a:p>
             <a:r>
               <a:rPr lang="en-US" dirty="0"/>
-              <a:t>  * directory[/</a:t>
-            </a:r>
-            <a:r>
-              <a:rPr lang="en-US" dirty="0" smtClean="0"/>
-              <a:t>home/chef/apache/spec/unit/recipes</a:t>
-            </a:r>
-            <a:r>
-              <a:rPr lang="en-US" dirty="0"/>
-              <a:t>] action create (up to date)</a:t>
+              <a:t>  * directory[/home/chef/apache/spec/unit/recipes] action create (up to date)</a:t>
             </a:r>
           </a:p>
           <a:p>
@@ -29694,14 +28331,10 @@
             </a:r>
             <a:r>
               <a:rPr lang="en-US" dirty="0"/>
-              <a:t>[/</a:t>
-            </a:r>
-            <a:r>
-              <a:rPr lang="en-US" dirty="0" smtClean="0"/>
-              <a:t>home/chef/apache/spec/</a:t>
-            </a:r>
-            <a:r>
-              <a:rPr lang="en-US" dirty="0" err="1" smtClean="0"/>
+              <a:t>[/home/chef/apache/spec/</a:t>
+            </a:r>
+            <a:r>
+              <a:rPr lang="en-US" dirty="0" err="1"/>
               <a:t>spec_helper.rb</a:t>
             </a:r>
             <a:r>
@@ -29720,14 +28353,10 @@
           <a:p>
             <a:r>
               <a:rPr lang="en-US" dirty="0"/>
-              <a:t>  * template[/</a:t>
-            </a:r>
-            <a:r>
-              <a:rPr lang="en-US" dirty="0" smtClean="0"/>
-              <a:t>home/chef/apache/spec/unit/recipes/</a:t>
-            </a:r>
-            <a:r>
-              <a:rPr lang="en-US" dirty="0" err="1" smtClean="0"/>
+              <a:t>  * template[/home/chef/apache/spec/unit/recipes/</a:t>
+            </a:r>
+            <a:r>
+              <a:rPr lang="en-US" dirty="0" err="1"/>
               <a:t>install_spec.rb</a:t>
             </a:r>
             <a:r>
@@ -29743,14 +28372,10 @@
           <a:p>
             <a:r>
               <a:rPr lang="en-US" dirty="0"/>
-              <a:t>    - create new file /</a:t>
-            </a:r>
-            <a:r>
-              <a:rPr lang="en-US" dirty="0" smtClean="0"/>
-              <a:t>home/chef/apache/spec/unit/recipes/</a:t>
-            </a:r>
-            <a:r>
-              <a:rPr lang="en-US" dirty="0" err="1" smtClean="0"/>
+              <a:t>    - create new file /home/chef/apache/spec/unit/recipes/</a:t>
+            </a:r>
+            <a:r>
+              <a:rPr lang="en-US" dirty="0" err="1"/>
               <a:t>install_spec.rb</a:t>
             </a:r>
             <a:endParaRPr lang="en-US" dirty="0"/>
@@ -29758,29 +28383,16 @@
           <a:p>
             <a:r>
               <a:rPr lang="en-US" dirty="0"/>
-              <a:t>    - update content in file /</a:t>
-            </a:r>
-            <a:r>
-              <a:rPr lang="en-US" dirty="0" smtClean="0"/>
-              <a:t>home/chef/apache/spec/unit/recipes/</a:t>
-            </a:r>
-            <a:r>
-              <a:rPr lang="en-US" dirty="0" err="1" smtClean="0"/>
+              <a:t>    - update content in file /home/chef/apache/spec/unit/recipes/</a:t>
+            </a:r>
+            <a:r>
+              <a:rPr lang="en-US" dirty="0" err="1"/>
               <a:t>install_spec.rb</a:t>
             </a:r>
             <a:r>
-              <a:rPr lang="en-US" dirty="0" smtClean="0"/>
-              <a:t> </a:t>
-            </a:r>
-            <a:r>
-              <a:rPr lang="en-US" dirty="0"/>
-              <a:t>from none to </a:t>
-            </a:r>
-            <a:r>
-              <a:rPr lang="en-US" dirty="0" smtClean="0"/>
-              <a:t>187413</a:t>
-            </a:r>
-            <a:endParaRPr lang="en-US" dirty="0"/>
+              <a:rPr lang="en-US" dirty="0"/>
+              <a:t> from none to 187413</a:t>
+            </a:r>
           </a:p>
         </p:txBody>
       </p:sp>
@@ -29800,10 +28412,9 @@
           <a:lstStyle/>
           <a:p>
             <a:r>
-              <a:rPr lang="en-US" dirty="0" smtClean="0"/>
+              <a:rPr lang="en-US" dirty="0"/>
               <a:t>&gt; chef generate recipe install</a:t>
             </a:r>
-            <a:endParaRPr lang="en-US" dirty="0"/>
           </a:p>
         </p:txBody>
       </p:sp>
@@ -29823,10 +28434,9 @@
           <a:lstStyle/>
           <a:p>
             <a:r>
-              <a:rPr lang="en-US" dirty="0" smtClean="0"/>
+              <a:rPr lang="en-US" dirty="0"/>
               <a:t>Generate an Install Recipe</a:t>
             </a:r>
-            <a:endParaRPr lang="en-US" dirty="0"/>
           </a:p>
         </p:txBody>
       </p:sp>
@@ -29843,13 +28453,6 @@
   <p:transition spd="med">
     <p:fade/>
   </p:transition>
-  <p:timing>
-    <p:tnLst>
-      <p:par>
-        <p:cTn id="1" dur="indefinite" restart="never" nodeType="tmRoot"/>
-      </p:par>
-    </p:tnLst>
-  </p:timing>
 </p:sld>
 </file>
 
@@ -31185,6 +29788,15 @@
 
 <file path=customXml/item1.xml><?xml version="1.0" encoding="utf-8"?>
 <?mso-contentType ?>
+<FormTemplates xmlns="http://schemas.microsoft.com/sharepoint/v3/contenttype/forms">
+  <Display>DocumentLibraryForm</Display>
+  <Edit>DocumentLibraryForm</Edit>
+  <New>DocumentLibraryForm</New>
+</FormTemplates>
+</file>
+
+<file path=customXml/item2.xml><?xml version="1.0" encoding="utf-8"?>
+<?mso-contentType ?>
 <spe:Receivers xmlns:spe="http://schemas.microsoft.com/sharepoint/events">
   <Receiver>
     <Name>Document ID Generator</Name>
@@ -31229,28 +29841,7 @@
 </spe:Receivers>
 </file>
 
-<file path=customXml/item2.xml><?xml version="1.0" encoding="utf-8"?>
-<?mso-contentType ?>
-<FormTemplates xmlns="http://schemas.microsoft.com/sharepoint/v3/contenttype/forms">
-  <Display>DocumentLibraryForm</Display>
-  <Edit>DocumentLibraryForm</Edit>
-  <New>DocumentLibraryForm</New>
-</FormTemplates>
-</file>
-
 <file path=customXml/item3.xml><?xml version="1.0" encoding="utf-8"?>
-<p:properties xmlns:p="http://schemas.microsoft.com/office/2006/metadata/properties" xmlns:xsi="http://www.w3.org/2001/XMLSchema-instance" xmlns:pc="http://schemas.microsoft.com/office/infopath/2007/PartnerControls">
-  <documentManagement>
-    <_dlc_DocId xmlns="7bb5d761-a2ea-4873-95f7-7a6658fb3ef0">M4CWTKMW727E-592-73</_dlc_DocId>
-    <_dlc_DocIdUrl xmlns="7bb5d761-a2ea-4873-95f7-7a6658fb3ef0">
-      <Url>https://kms.vci.local/marketing/team/_layouts/DocIdRedir.aspx?ID=M4CWTKMW727E-592-73</Url>
-      <Description>M4CWTKMW727E-592-73</Description>
-    </_dlc_DocIdUrl>
-  </documentManagement>
-</p:properties>
-</file>
-
-<file path=customXml/item4.xml><?xml version="1.0" encoding="utf-8"?>
 <ct:contentTypeSchema xmlns:ct="http://schemas.microsoft.com/office/2006/metadata/contentType" xmlns:ma="http://schemas.microsoft.com/office/2006/metadata/properties/metaAttributes" ct:_="" ma:_="" ma:contentTypeName="Document" ma:contentTypeID="0x0101000812F700BE7F874999720E88173FE491" ma:contentTypeVersion="0" ma:contentTypeDescription="Create a new document." ma:contentTypeScope="" ma:versionID="3f79f408e2ca720b7aba6e0e32464d0c">
   <xsd:schema xmlns:xsd="http://www.w3.org/2001/XMLSchema" xmlns:xs="http://www.w3.org/2001/XMLSchema" xmlns:p="http://schemas.microsoft.com/office/2006/metadata/properties" xmlns:ns2="7bb5d761-a2ea-4873-95f7-7a6658fb3ef0" targetNamespace="http://schemas.microsoft.com/office/2006/metadata/properties" ma:root="true" ma:fieldsID="1e062cd38ba31e406bfc4340fbc7f87a" ns2:_="">
     <xsd:import namespace="7bb5d761-a2ea-4873-95f7-7a6658fb3ef0"/>
@@ -31395,7 +29986,27 @@
 </ct:contentTypeSchema>
 </file>
 
+<file path=customXml/item4.xml><?xml version="1.0" encoding="utf-8"?>
+<p:properties xmlns:p="http://schemas.microsoft.com/office/2006/metadata/properties" xmlns:xsi="http://www.w3.org/2001/XMLSchema-instance" xmlns:pc="http://schemas.microsoft.com/office/infopath/2007/PartnerControls">
+  <documentManagement>
+    <_dlc_DocId xmlns="7bb5d761-a2ea-4873-95f7-7a6658fb3ef0">M4CWTKMW727E-592-73</_dlc_DocId>
+    <_dlc_DocIdUrl xmlns="7bb5d761-a2ea-4873-95f7-7a6658fb3ef0">
+      <Url>https://kms.vci.local/marketing/team/_layouts/DocIdRedir.aspx?ID=M4CWTKMW727E-592-73</Url>
+      <Description>M4CWTKMW727E-592-73</Description>
+    </_dlc_DocIdUrl>
+  </documentManagement>
+</p:properties>
+</file>
+
 <file path=customXml/itemProps1.xml><?xml version="1.0" encoding="utf-8"?>
+<ds:datastoreItem xmlns:ds="http://schemas.openxmlformats.org/officeDocument/2006/customXml" ds:itemID="{5CDEB364-43EC-4510-9881-539C2A3FCE9E}">
+  <ds:schemaRefs>
+    <ds:schemaRef ds:uri="http://schemas.microsoft.com/sharepoint/v3/contenttype/forms"/>
+  </ds:schemaRefs>
+</ds:datastoreItem>
+</file>
+
+<file path=customXml/itemProps2.xml><?xml version="1.0" encoding="utf-8"?>
 <ds:datastoreItem xmlns:ds="http://schemas.openxmlformats.org/officeDocument/2006/customXml" ds:itemID="{B13EBC30-FE27-4C6A-B723-23FC2188F7DC}">
   <ds:schemaRefs>
     <ds:schemaRef ds:uri="http://schemas.microsoft.com/sharepoint/events"/>
@@ -31403,31 +30014,7 @@
 </ds:datastoreItem>
 </file>
 
-<file path=customXml/itemProps2.xml><?xml version="1.0" encoding="utf-8"?>
-<ds:datastoreItem xmlns:ds="http://schemas.openxmlformats.org/officeDocument/2006/customXml" ds:itemID="{5CDEB364-43EC-4510-9881-539C2A3FCE9E}">
-  <ds:schemaRefs>
-    <ds:schemaRef ds:uri="http://schemas.microsoft.com/sharepoint/v3/contenttype/forms"/>
-  </ds:schemaRefs>
-</ds:datastoreItem>
-</file>
-
 <file path=customXml/itemProps3.xml><?xml version="1.0" encoding="utf-8"?>
-<ds:datastoreItem xmlns:ds="http://schemas.openxmlformats.org/officeDocument/2006/customXml" ds:itemID="{6921749B-AEB7-461B-845F-603CABD25259}">
-  <ds:schemaRefs>
-    <ds:schemaRef ds:uri="7bb5d761-a2ea-4873-95f7-7a6658fb3ef0"/>
-    <ds:schemaRef ds:uri="http://purl.org/dc/terms/"/>
-    <ds:schemaRef ds:uri="http://schemas.openxmlformats.org/package/2006/metadata/core-properties"/>
-    <ds:schemaRef ds:uri="http://purl.org/dc/dcmitype/"/>
-    <ds:schemaRef ds:uri="http://schemas.microsoft.com/office/2006/documentManagement/types"/>
-    <ds:schemaRef ds:uri="http://purl.org/dc/elements/1.1/"/>
-    <ds:schemaRef ds:uri="http://schemas.microsoft.com/office/2006/metadata/properties"/>
-    <ds:schemaRef ds:uri="http://schemas.microsoft.com/office/infopath/2007/PartnerControls"/>
-    <ds:schemaRef ds:uri="http://www.w3.org/XML/1998/namespace"/>
-  </ds:schemaRefs>
-</ds:datastoreItem>
-</file>
-
-<file path=customXml/itemProps4.xml><?xml version="1.0" encoding="utf-8"?>
 <ds:datastoreItem xmlns:ds="http://schemas.openxmlformats.org/officeDocument/2006/customXml" ds:itemID="{164479E5-0B02-49AC-B79E-EC1D6164DDD3}">
   <ds:schemaRefs>
     <ds:schemaRef ds:uri="http://schemas.microsoft.com/office/2006/metadata/contentType"/>
@@ -31443,4 +30030,20 @@
     <ds:schemaRef ds:uri="http://schemas.microsoft.com/internal/obd"/>
   </ds:schemaRefs>
 </ds:datastoreItem>
+</file>
+
+<file path=customXml/itemProps4.xml><?xml version="1.0" encoding="utf-8"?>
+<ds:datastoreItem xmlns:ds="http://schemas.openxmlformats.org/officeDocument/2006/customXml" ds:itemID="{6921749B-AEB7-461B-845F-603CABD25259}">
+  <ds:schemaRefs>
+    <ds:schemaRef ds:uri="7bb5d761-a2ea-4873-95f7-7a6658fb3ef0"/>
+    <ds:schemaRef ds:uri="http://purl.org/dc/terms/"/>
+    <ds:schemaRef ds:uri="http://schemas.openxmlformats.org/package/2006/metadata/core-properties"/>
+    <ds:schemaRef ds:uri="http://purl.org/dc/dcmitype/"/>
+    <ds:schemaRef ds:uri="http://schemas.microsoft.com/office/2006/documentManagement/types"/>
+    <ds:schemaRef ds:uri="http://purl.org/dc/elements/1.1/"/>
+    <ds:schemaRef ds:uri="http://schemas.microsoft.com/office/2006/metadata/properties"/>
+    <ds:schemaRef ds:uri="http://schemas.microsoft.com/office/infopath/2007/PartnerControls"/>
+    <ds:schemaRef ds:uri="http://www.w3.org/XML/1998/namespace"/>
+  </ds:schemaRefs>
+</ds:datastoreItem>
 </file>
--- a/04-refactoring_cookbooks_with_tests.pptx
+++ b/04-refactoring_cookbooks_with_tests.pptx
@@ -8333,14 +8333,14 @@
           </a:ln>
           <a:extLst>
             <a:ext uri="{909E8E84-426E-40dd-AFC4-6F175D3DCCD1}">
-              <a14:hiddenFill xmlns="" xmlns:a14="http://schemas.microsoft.com/office/drawing/2010/main">
+              <a14:hiddenFill xmlns:a14="http://schemas.microsoft.com/office/drawing/2010/main" xmlns="">
                 <a:solidFill>
                   <a:srgbClr val="FFFFFF"/>
                 </a:solidFill>
               </a14:hiddenFill>
             </a:ext>
             <a:ext uri="{91240B29-F687-4f45-9708-019B960494DF}">
-              <a14:hiddenLine xmlns="" xmlns:a14="http://schemas.microsoft.com/office/drawing/2010/main" w="9525">
+              <a14:hiddenLine xmlns:a14="http://schemas.microsoft.com/office/drawing/2010/main" xmlns="" w="9525">
                 <a:solidFill>
                   <a:srgbClr val="000000"/>
                 </a:solidFill>
@@ -8488,14 +8488,14 @@
           </a:ln>
           <a:extLst>
             <a:ext uri="{909E8E84-426E-40dd-AFC4-6F175D3DCCD1}">
-              <a14:hiddenFill xmlns="" xmlns:a14="http://schemas.microsoft.com/office/drawing/2010/main">
+              <a14:hiddenFill xmlns:a14="http://schemas.microsoft.com/office/drawing/2010/main" xmlns="">
                 <a:solidFill>
                   <a:srgbClr val="FFFFFF"/>
                 </a:solidFill>
               </a14:hiddenFill>
             </a:ext>
             <a:ext uri="{91240B29-F687-4f45-9708-019B960494DF}">
-              <a14:hiddenLine xmlns="" xmlns:a14="http://schemas.microsoft.com/office/drawing/2010/main" w="9525">
+              <a14:hiddenLine xmlns:a14="http://schemas.microsoft.com/office/drawing/2010/main" xmlns="" w="9525">
                 <a:solidFill>
                   <a:srgbClr val="000000"/>
                 </a:solidFill>
@@ -8986,14 +8986,14 @@
           </a:ln>
           <a:extLst>
             <a:ext uri="{909E8E84-426E-40dd-AFC4-6F175D3DCCD1}">
-              <a14:hiddenFill xmlns="" xmlns:a14="http://schemas.microsoft.com/office/drawing/2010/main">
+              <a14:hiddenFill xmlns:a14="http://schemas.microsoft.com/office/drawing/2010/main" xmlns="">
                 <a:solidFill>
                   <a:srgbClr val="FFFFFF"/>
                 </a:solidFill>
               </a14:hiddenFill>
             </a:ext>
             <a:ext uri="{91240B29-F687-4f45-9708-019B960494DF}">
-              <a14:hiddenLine xmlns="" xmlns:a14="http://schemas.microsoft.com/office/drawing/2010/main" w="9525">
+              <a14:hiddenLine xmlns:a14="http://schemas.microsoft.com/office/drawing/2010/main" xmlns="" w="9525">
                 <a:solidFill>
                   <a:srgbClr val="000000"/>
                 </a:solidFill>
@@ -10420,14 +10420,14 @@
           </a:ln>
           <a:extLst>
             <a:ext uri="{909E8E84-426E-40dd-AFC4-6F175D3DCCD1}">
-              <a14:hiddenFill xmlns="" xmlns:a14="http://schemas.microsoft.com/office/drawing/2010/main">
+              <a14:hiddenFill xmlns:a14="http://schemas.microsoft.com/office/drawing/2010/main" xmlns="">
                 <a:solidFill>
                   <a:srgbClr val="FFFFFF"/>
                 </a:solidFill>
               </a14:hiddenFill>
             </a:ext>
             <a:ext uri="{91240B29-F687-4f45-9708-019B960494DF}">
-              <a14:hiddenLine xmlns="" xmlns:a14="http://schemas.microsoft.com/office/drawing/2010/main" w="9525">
+              <a14:hiddenLine xmlns:a14="http://schemas.microsoft.com/office/drawing/2010/main" xmlns="" w="9525">
                 <a:solidFill>
                   <a:srgbClr val="000000"/>
                 </a:solidFill>
@@ -11761,14 +11761,14 @@
           </a:ln>
           <a:extLst>
             <a:ext uri="{909E8E84-426E-40dd-AFC4-6F175D3DCCD1}">
-              <a14:hiddenFill xmlns="" xmlns:a14="http://schemas.microsoft.com/office/drawing/2010/main">
+              <a14:hiddenFill xmlns:a14="http://schemas.microsoft.com/office/drawing/2010/main" xmlns="">
                 <a:solidFill>
                   <a:srgbClr val="FFFFFF"/>
                 </a:solidFill>
               </a14:hiddenFill>
             </a:ext>
             <a:ext uri="{91240B29-F687-4f45-9708-019B960494DF}">
-              <a14:hiddenLine xmlns="" xmlns:a14="http://schemas.microsoft.com/office/drawing/2010/main" w="9525">
+              <a14:hiddenLine xmlns:a14="http://schemas.microsoft.com/office/drawing/2010/main" xmlns="" w="9525">
                 <a:solidFill>
                   <a:srgbClr val="000000"/>
                 </a:solidFill>
@@ -12326,14 +12326,14 @@
           </a:ln>
           <a:extLst>
             <a:ext uri="{909E8E84-426E-40dd-AFC4-6F175D3DCCD1}">
-              <a14:hiddenFill xmlns="" xmlns:a14="http://schemas.microsoft.com/office/drawing/2010/main">
+              <a14:hiddenFill xmlns:a14="http://schemas.microsoft.com/office/drawing/2010/main" xmlns="">
                 <a:solidFill>
                   <a:srgbClr val="FFFFFF"/>
                 </a:solidFill>
               </a14:hiddenFill>
             </a:ext>
             <a:ext uri="{91240B29-F687-4f45-9708-019B960494DF}">
-              <a14:hiddenLine xmlns="" xmlns:a14="http://schemas.microsoft.com/office/drawing/2010/main" w="9525">
+              <a14:hiddenLine xmlns:a14="http://schemas.microsoft.com/office/drawing/2010/main" xmlns="" w="9525">
                 <a:solidFill>
                   <a:srgbClr val="000000"/>
                 </a:solidFill>
@@ -12900,14 +12900,14 @@
           </a:ln>
           <a:extLst>
             <a:ext uri="{909E8E84-426E-40dd-AFC4-6F175D3DCCD1}">
-              <a14:hiddenFill xmlns="" xmlns:a14="http://schemas.microsoft.com/office/drawing/2010/main">
+              <a14:hiddenFill xmlns:a14="http://schemas.microsoft.com/office/drawing/2010/main" xmlns="">
                 <a:solidFill>
                   <a:srgbClr val="FFFFFF"/>
                 </a:solidFill>
               </a14:hiddenFill>
             </a:ext>
             <a:ext uri="{91240B29-F687-4f45-9708-019B960494DF}">
-              <a14:hiddenLine xmlns="" xmlns:a14="http://schemas.microsoft.com/office/drawing/2010/main" w="9525">
+              <a14:hiddenLine xmlns:a14="http://schemas.microsoft.com/office/drawing/2010/main" xmlns="" w="9525">
                 <a:solidFill>
                   <a:srgbClr val="000000"/>
                 </a:solidFill>
@@ -13847,14 +13847,14 @@
           </a:ln>
           <a:extLst>
             <a:ext uri="{909E8E84-426E-40dd-AFC4-6F175D3DCCD1}">
-              <a14:hiddenFill xmlns="" xmlns:a14="http://schemas.microsoft.com/office/drawing/2010/main">
+              <a14:hiddenFill xmlns:a14="http://schemas.microsoft.com/office/drawing/2010/main" xmlns="">
                 <a:solidFill>
                   <a:srgbClr val="FFFFFF"/>
                 </a:solidFill>
               </a14:hiddenFill>
             </a:ext>
             <a:ext uri="{91240B29-F687-4f45-9708-019B960494DF}">
-              <a14:hiddenLine xmlns="" xmlns:a14="http://schemas.microsoft.com/office/drawing/2010/main" w="9525">
+              <a14:hiddenLine xmlns:a14="http://schemas.microsoft.com/office/drawing/2010/main" xmlns="" w="9525">
                 <a:solidFill>
                   <a:srgbClr val="000000"/>
                 </a:solidFill>
@@ -14609,14 +14609,14 @@
           </a:ln>
           <a:extLst>
             <a:ext uri="{909E8E84-426E-40dd-AFC4-6F175D3DCCD1}">
-              <a14:hiddenFill xmlns="" xmlns:a14="http://schemas.microsoft.com/office/drawing/2010/main">
+              <a14:hiddenFill xmlns:a14="http://schemas.microsoft.com/office/drawing/2010/main" xmlns="">
                 <a:solidFill>
                   <a:srgbClr val="FFFFFF"/>
                 </a:solidFill>
               </a14:hiddenFill>
             </a:ext>
             <a:ext uri="{91240B29-F687-4f45-9708-019B960494DF}">
-              <a14:hiddenLine xmlns="" xmlns:a14="http://schemas.microsoft.com/office/drawing/2010/main" w="9525">
+              <a14:hiddenLine xmlns:a14="http://schemas.microsoft.com/office/drawing/2010/main" xmlns="" w="9525">
                 <a:solidFill>
                   <a:srgbClr val="000000"/>
                 </a:solidFill>
@@ -15536,12 +15536,8 @@
               <a:t> test/smoke/default/</a:t>
             </a:r>
             <a:r>
-              <a:rPr lang="en-US"/>
-              <a:t>install_test.</a:t>
-            </a:r>
-            <a:r>
               <a:rPr lang="en-US" dirty="0" err="1"/>
-              <a:t>rb</a:t>
+              <a:t>install_test.rb</a:t>
             </a:r>
             <a:r>
               <a:rPr lang="en-US" dirty="0"/>
@@ -16543,7 +16539,7 @@
           <a:p>
             <a:r>
               <a:rPr lang="en-US" dirty="0"/>
-              <a:t>-----&gt; Converging &lt;default-centos-67&gt;...</a:t>
+              <a:t>-----&gt; Converging &lt;default-centos-69&gt;...</a:t>
             </a:r>
           </a:p>
           <a:p>
@@ -16609,7 +16605,7 @@
           <a:p>
             <a:r>
               <a:rPr lang="en-US" dirty="0"/>
-              <a:t>       Finished converging &lt;default-centos-67&gt; (0m27.64s).</a:t>
+              <a:t>       Finished converging &lt;default-centos-69&gt; (0m27.64s).</a:t>
             </a:r>
           </a:p>
           <a:p>
@@ -16720,7 +16716,7 @@
           <a:p>
             <a:r>
               <a:rPr lang="en-US" dirty="0"/>
-              <a:t>-----&gt; Verifying &lt;default-centos-67&gt;...</a:t>
+              <a:t>-----&gt; Verifying &lt;default-centos-69&gt;...</a:t>
             </a:r>
           </a:p>
           <a:p>
@@ -17662,7 +17658,7 @@
             </a:r>
             <a:r>
               <a:rPr lang="en-US" dirty="0" err="1"/>
-              <a:t>configuration.rb</a:t>
+              <a:t>configuration_test.rb</a:t>
             </a:r>
             <a:endParaRPr lang="en-US" dirty="0"/>
           </a:p>
@@ -18383,7 +18379,7 @@
           <a:p>
             <a:r>
               <a:rPr lang="en-US" dirty="0"/>
-              <a:t>-----&gt; Converging &lt;default-centos-67&gt;...</a:t>
+              <a:t>-----&gt; Converging &lt;default-centos-69&gt;...</a:t>
             </a:r>
           </a:p>
           <a:p>
@@ -18449,7 +18445,7 @@
           <a:p>
             <a:r>
               <a:rPr lang="en-US" dirty="0"/>
-              <a:t>       Finished converging &lt;default-centos-67&gt; (0m27.64s).</a:t>
+              <a:t>       Finished converging &lt;default-centos-69&gt; (0m27.64s).</a:t>
             </a:r>
           </a:p>
           <a:p>
@@ -18560,7 +18556,7 @@
           <a:p>
             <a:r>
               <a:rPr lang="en-US" dirty="0"/>
-              <a:t>-----&gt; Verifying &lt;default-centos-67&gt;...</a:t>
+              <a:t>-----&gt; Verifying &lt;default-centos-69&gt;...</a:t>
             </a:r>
           </a:p>
           <a:p>
@@ -19446,7 +19442,7 @@
             </a:r>
             <a:r>
               <a:rPr lang="en-US" dirty="0" err="1"/>
-              <a:t>service.rb</a:t>
+              <a:t>service_test.rb</a:t>
             </a:r>
             <a:endParaRPr lang="en-US" dirty="0"/>
           </a:p>
@@ -20266,7 +20262,7 @@
           <a:p>
             <a:r>
               <a:rPr lang="en-US" dirty="0"/>
-              <a:t>-----&gt; Converging &lt;default-centos-67&gt;...</a:t>
+              <a:t>-----&gt; Converging &lt;default-centos-69&gt;...</a:t>
             </a:r>
           </a:p>
           <a:p>
@@ -20332,7 +20328,7 @@
           <a:p>
             <a:r>
               <a:rPr lang="en-US" dirty="0"/>
-              <a:t>       Finished converging &lt;default-centos-67&gt; (0m27.64s).</a:t>
+              <a:t>       Finished converging &lt;default-centos-69&gt; (0m27.64s).</a:t>
             </a:r>
           </a:p>
           <a:p>
@@ -20443,7 +20439,7 @@
           <a:p>
             <a:r>
               <a:rPr lang="en-US" dirty="0"/>
-              <a:t>-----&gt; Verifying &lt;default-centos-67&gt;...</a:t>
+              <a:t>-----&gt; Verifying &lt;default-centos-69&gt;...</a:t>
             </a:r>
           </a:p>
           <a:p>
@@ -22752,7 +22748,7 @@
           <a:p>
             <a:r>
               <a:rPr lang="en-US" dirty="0"/>
-              <a:t>-----&gt; Converging &lt;default-centos-67&gt;...</a:t>
+              <a:t>-----&gt; Converging &lt;default-centos-69&gt;...</a:t>
             </a:r>
           </a:p>
           <a:p>
@@ -22935,7 +22931,7 @@
           <a:p>
             <a:r>
               <a:rPr lang="en-US" dirty="0"/>
-              <a:t>-----&gt; Verifying &lt;default-centos-67&gt;...</a:t>
+              <a:t>-----&gt; Verifying &lt;default-centos-69&gt;...</a:t>
             </a:r>
           </a:p>
           <a:p>
@@ -25884,13 +25880,13 @@
           <a:p>
             <a:r>
               <a:rPr lang="en-US" dirty="0"/>
-              <a:t>-----&gt; Cleaning up any prior instances of &lt;default-centos-67&gt;</a:t>
-            </a:r>
-          </a:p>
-          <a:p>
-            <a:r>
-              <a:rPr lang="en-US" dirty="0"/>
-              <a:t>-----&gt; Destroying &lt;default-centos-67&gt;...</a:t>
+              <a:t>-----&gt; Cleaning up any prior instances of &lt;default-centos-69&gt;</a:t>
+            </a:r>
+          </a:p>
+          <a:p>
+            <a:r>
+              <a:rPr lang="en-US" dirty="0"/>
+              <a:t>-----&gt; Destroying &lt;default-centos-69&gt;...</a:t>
             </a:r>
           </a:p>
           <a:p>
@@ -25947,7 +25943,7 @@
           <a:p>
             <a:r>
               <a:rPr lang="en-US" dirty="0"/>
-              <a:t>&gt;&gt;&gt;&gt;&gt;&gt;     Converge failed on instance &lt;default-centos-67&gt;.  </a:t>
+              <a:t>&gt;&gt;&gt;&gt;&gt;&gt;     Converge failed on instance &lt;default-centos-69&gt;.  </a:t>
             </a:r>
           </a:p>
         </p:txBody>
@@ -29788,15 +29784,6 @@
 
 <file path=customXml/item1.xml><?xml version="1.0" encoding="utf-8"?>
 <?mso-contentType ?>
-<FormTemplates xmlns="http://schemas.microsoft.com/sharepoint/v3/contenttype/forms">
-  <Display>DocumentLibraryForm</Display>
-  <Edit>DocumentLibraryForm</Edit>
-  <New>DocumentLibraryForm</New>
-</FormTemplates>
-</file>
-
-<file path=customXml/item2.xml><?xml version="1.0" encoding="utf-8"?>
-<?mso-contentType ?>
 <spe:Receivers xmlns:spe="http://schemas.microsoft.com/sharepoint/events">
   <Receiver>
     <Name>Document ID Generator</Name>
@@ -29841,7 +29828,28 @@
 </spe:Receivers>
 </file>
 
+<file path=customXml/item2.xml><?xml version="1.0" encoding="utf-8"?>
+<?mso-contentType ?>
+<FormTemplates xmlns="http://schemas.microsoft.com/sharepoint/v3/contenttype/forms">
+  <Display>DocumentLibraryForm</Display>
+  <Edit>DocumentLibraryForm</Edit>
+  <New>DocumentLibraryForm</New>
+</FormTemplates>
+</file>
+
 <file path=customXml/item3.xml><?xml version="1.0" encoding="utf-8"?>
+<p:properties xmlns:p="http://schemas.microsoft.com/office/2006/metadata/properties" xmlns:xsi="http://www.w3.org/2001/XMLSchema-instance" xmlns:pc="http://schemas.microsoft.com/office/infopath/2007/PartnerControls">
+  <documentManagement>
+    <_dlc_DocId xmlns="7bb5d761-a2ea-4873-95f7-7a6658fb3ef0">M4CWTKMW727E-592-73</_dlc_DocId>
+    <_dlc_DocIdUrl xmlns="7bb5d761-a2ea-4873-95f7-7a6658fb3ef0">
+      <Url>https://kms.vci.local/marketing/team/_layouts/DocIdRedir.aspx?ID=M4CWTKMW727E-592-73</Url>
+      <Description>M4CWTKMW727E-592-73</Description>
+    </_dlc_DocIdUrl>
+  </documentManagement>
+</p:properties>
+</file>
+
+<file path=customXml/item4.xml><?xml version="1.0" encoding="utf-8"?>
 <ct:contentTypeSchema xmlns:ct="http://schemas.microsoft.com/office/2006/metadata/contentType" xmlns:ma="http://schemas.microsoft.com/office/2006/metadata/properties/metaAttributes" ct:_="" ma:_="" ma:contentTypeName="Document" ma:contentTypeID="0x0101000812F700BE7F874999720E88173FE491" ma:contentTypeVersion="0" ma:contentTypeDescription="Create a new document." ma:contentTypeScope="" ma:versionID="3f79f408e2ca720b7aba6e0e32464d0c">
   <xsd:schema xmlns:xsd="http://www.w3.org/2001/XMLSchema" xmlns:xs="http://www.w3.org/2001/XMLSchema" xmlns:p="http://schemas.microsoft.com/office/2006/metadata/properties" xmlns:ns2="7bb5d761-a2ea-4873-95f7-7a6658fb3ef0" targetNamespace="http://schemas.microsoft.com/office/2006/metadata/properties" ma:root="true" ma:fieldsID="1e062cd38ba31e406bfc4340fbc7f87a" ns2:_="">
     <xsd:import namespace="7bb5d761-a2ea-4873-95f7-7a6658fb3ef0"/>
@@ -29986,19 +29994,15 @@
 </ct:contentTypeSchema>
 </file>
 
-<file path=customXml/item4.xml><?xml version="1.0" encoding="utf-8"?>
-<p:properties xmlns:p="http://schemas.microsoft.com/office/2006/metadata/properties" xmlns:xsi="http://www.w3.org/2001/XMLSchema-instance" xmlns:pc="http://schemas.microsoft.com/office/infopath/2007/PartnerControls">
-  <documentManagement>
-    <_dlc_DocId xmlns="7bb5d761-a2ea-4873-95f7-7a6658fb3ef0">M4CWTKMW727E-592-73</_dlc_DocId>
-    <_dlc_DocIdUrl xmlns="7bb5d761-a2ea-4873-95f7-7a6658fb3ef0">
-      <Url>https://kms.vci.local/marketing/team/_layouts/DocIdRedir.aspx?ID=M4CWTKMW727E-592-73</Url>
-      <Description>M4CWTKMW727E-592-73</Description>
-    </_dlc_DocIdUrl>
-  </documentManagement>
-</p:properties>
+<file path=customXml/itemProps1.xml><?xml version="1.0" encoding="utf-8"?>
+<ds:datastoreItem xmlns:ds="http://schemas.openxmlformats.org/officeDocument/2006/customXml" ds:itemID="{B13EBC30-FE27-4C6A-B723-23FC2188F7DC}">
+  <ds:schemaRefs>
+    <ds:schemaRef ds:uri="http://schemas.microsoft.com/sharepoint/events"/>
+  </ds:schemaRefs>
+</ds:datastoreItem>
 </file>
 
-<file path=customXml/itemProps1.xml><?xml version="1.0" encoding="utf-8"?>
+<file path=customXml/itemProps2.xml><?xml version="1.0" encoding="utf-8"?>
 <ds:datastoreItem xmlns:ds="http://schemas.openxmlformats.org/officeDocument/2006/customXml" ds:itemID="{5CDEB364-43EC-4510-9881-539C2A3FCE9E}">
   <ds:schemaRefs>
     <ds:schemaRef ds:uri="http://schemas.microsoft.com/sharepoint/v3/contenttype/forms"/>
@@ -30006,15 +30010,23 @@
 </ds:datastoreItem>
 </file>
 
-<file path=customXml/itemProps2.xml><?xml version="1.0" encoding="utf-8"?>
-<ds:datastoreItem xmlns:ds="http://schemas.openxmlformats.org/officeDocument/2006/customXml" ds:itemID="{B13EBC30-FE27-4C6A-B723-23FC2188F7DC}">
+<file path=customXml/itemProps3.xml><?xml version="1.0" encoding="utf-8"?>
+<ds:datastoreItem xmlns:ds="http://schemas.openxmlformats.org/officeDocument/2006/customXml" ds:itemID="{6921749B-AEB7-461B-845F-603CABD25259}">
   <ds:schemaRefs>
-    <ds:schemaRef ds:uri="http://schemas.microsoft.com/sharepoint/events"/>
+    <ds:schemaRef ds:uri="7bb5d761-a2ea-4873-95f7-7a6658fb3ef0"/>
+    <ds:schemaRef ds:uri="http://purl.org/dc/terms/"/>
+    <ds:schemaRef ds:uri="http://schemas.openxmlformats.org/package/2006/metadata/core-properties"/>
+    <ds:schemaRef ds:uri="http://purl.org/dc/dcmitype/"/>
+    <ds:schemaRef ds:uri="http://schemas.microsoft.com/office/2006/documentManagement/types"/>
+    <ds:schemaRef ds:uri="http://purl.org/dc/elements/1.1/"/>
+    <ds:schemaRef ds:uri="http://schemas.microsoft.com/office/2006/metadata/properties"/>
+    <ds:schemaRef ds:uri="http://schemas.microsoft.com/office/infopath/2007/PartnerControls"/>
+    <ds:schemaRef ds:uri="http://www.w3.org/XML/1998/namespace"/>
   </ds:schemaRefs>
 </ds:datastoreItem>
 </file>
 
-<file path=customXml/itemProps3.xml><?xml version="1.0" encoding="utf-8"?>
+<file path=customXml/itemProps4.xml><?xml version="1.0" encoding="utf-8"?>
 <ds:datastoreItem xmlns:ds="http://schemas.openxmlformats.org/officeDocument/2006/customXml" ds:itemID="{164479E5-0B02-49AC-B79E-EC1D6164DDD3}">
   <ds:schemaRefs>
     <ds:schemaRef ds:uri="http://schemas.microsoft.com/office/2006/metadata/contentType"/>
@@ -30030,20 +30042,4 @@
     <ds:schemaRef ds:uri="http://schemas.microsoft.com/internal/obd"/>
   </ds:schemaRefs>
 </ds:datastoreItem>
-</file>
-
-<file path=customXml/itemProps4.xml><?xml version="1.0" encoding="utf-8"?>
-<ds:datastoreItem xmlns:ds="http://schemas.openxmlformats.org/officeDocument/2006/customXml" ds:itemID="{6921749B-AEB7-461B-845F-603CABD25259}">
-  <ds:schemaRefs>
-    <ds:schemaRef ds:uri="7bb5d761-a2ea-4873-95f7-7a6658fb3ef0"/>
-    <ds:schemaRef ds:uri="http://purl.org/dc/terms/"/>
-    <ds:schemaRef ds:uri="http://schemas.openxmlformats.org/package/2006/metadata/core-properties"/>
-    <ds:schemaRef ds:uri="http://purl.org/dc/dcmitype/"/>
-    <ds:schemaRef ds:uri="http://schemas.microsoft.com/office/2006/documentManagement/types"/>
-    <ds:schemaRef ds:uri="http://purl.org/dc/elements/1.1/"/>
-    <ds:schemaRef ds:uri="http://schemas.microsoft.com/office/2006/metadata/properties"/>
-    <ds:schemaRef ds:uri="http://schemas.microsoft.com/office/infopath/2007/PartnerControls"/>
-    <ds:schemaRef ds:uri="http://www.w3.org/XML/1998/namespace"/>
-  </ds:schemaRefs>
-</ds:datastoreItem>
 </file>
--- a/04-refactoring_cookbooks_with_tests.pptx
+++ b/04-refactoring_cookbooks_with_tests.pptx
@@ -8333,14 +8333,14 @@
           </a:ln>
           <a:extLst>
             <a:ext uri="{909E8E84-426E-40dd-AFC4-6F175D3DCCD1}">
-              <a14:hiddenFill xmlns:a14="http://schemas.microsoft.com/office/drawing/2010/main" xmlns="">
+              <a14:hiddenFill xmlns="" xmlns:a14="http://schemas.microsoft.com/office/drawing/2010/main">
                 <a:solidFill>
                   <a:srgbClr val="FFFFFF"/>
                 </a:solidFill>
               </a14:hiddenFill>
             </a:ext>
             <a:ext uri="{91240B29-F687-4f45-9708-019B960494DF}">
-              <a14:hiddenLine xmlns:a14="http://schemas.microsoft.com/office/drawing/2010/main" xmlns="" w="9525">
+              <a14:hiddenLine xmlns="" xmlns:a14="http://schemas.microsoft.com/office/drawing/2010/main" w="9525">
                 <a:solidFill>
                   <a:srgbClr val="000000"/>
                 </a:solidFill>
@@ -8488,14 +8488,14 @@
           </a:ln>
           <a:extLst>
             <a:ext uri="{909E8E84-426E-40dd-AFC4-6F175D3DCCD1}">
-              <a14:hiddenFill xmlns:a14="http://schemas.microsoft.com/office/drawing/2010/main" xmlns="">
+              <a14:hiddenFill xmlns="" xmlns:a14="http://schemas.microsoft.com/office/drawing/2010/main">
                 <a:solidFill>
                   <a:srgbClr val="FFFFFF"/>
                 </a:solidFill>
               </a14:hiddenFill>
             </a:ext>
             <a:ext uri="{91240B29-F687-4f45-9708-019B960494DF}">
-              <a14:hiddenLine xmlns:a14="http://schemas.microsoft.com/office/drawing/2010/main" xmlns="" w="9525">
+              <a14:hiddenLine xmlns="" xmlns:a14="http://schemas.microsoft.com/office/drawing/2010/main" w="9525">
                 <a:solidFill>
                   <a:srgbClr val="000000"/>
                 </a:solidFill>
@@ -8986,14 +8986,14 @@
           </a:ln>
           <a:extLst>
             <a:ext uri="{909E8E84-426E-40dd-AFC4-6F175D3DCCD1}">
-              <a14:hiddenFill xmlns:a14="http://schemas.microsoft.com/office/drawing/2010/main" xmlns="">
+              <a14:hiddenFill xmlns="" xmlns:a14="http://schemas.microsoft.com/office/drawing/2010/main">
                 <a:solidFill>
                   <a:srgbClr val="FFFFFF"/>
                 </a:solidFill>
               </a14:hiddenFill>
             </a:ext>
             <a:ext uri="{91240B29-F687-4f45-9708-019B960494DF}">
-              <a14:hiddenLine xmlns:a14="http://schemas.microsoft.com/office/drawing/2010/main" xmlns="" w="9525">
+              <a14:hiddenLine xmlns="" xmlns:a14="http://schemas.microsoft.com/office/drawing/2010/main" w="9525">
                 <a:solidFill>
                   <a:srgbClr val="000000"/>
                 </a:solidFill>
@@ -10420,14 +10420,14 @@
           </a:ln>
           <a:extLst>
             <a:ext uri="{909E8E84-426E-40dd-AFC4-6F175D3DCCD1}">
-              <a14:hiddenFill xmlns:a14="http://schemas.microsoft.com/office/drawing/2010/main" xmlns="">
+              <a14:hiddenFill xmlns="" xmlns:a14="http://schemas.microsoft.com/office/drawing/2010/main">
                 <a:solidFill>
                   <a:srgbClr val="FFFFFF"/>
                 </a:solidFill>
               </a14:hiddenFill>
             </a:ext>
             <a:ext uri="{91240B29-F687-4f45-9708-019B960494DF}">
-              <a14:hiddenLine xmlns:a14="http://schemas.microsoft.com/office/drawing/2010/main" xmlns="" w="9525">
+              <a14:hiddenLine xmlns="" xmlns:a14="http://schemas.microsoft.com/office/drawing/2010/main" w="9525">
                 <a:solidFill>
                   <a:srgbClr val="000000"/>
                 </a:solidFill>
@@ -11761,14 +11761,14 @@
           </a:ln>
           <a:extLst>
             <a:ext uri="{909E8E84-426E-40dd-AFC4-6F175D3DCCD1}">
-              <a14:hiddenFill xmlns:a14="http://schemas.microsoft.com/office/drawing/2010/main" xmlns="">
+              <a14:hiddenFill xmlns="" xmlns:a14="http://schemas.microsoft.com/office/drawing/2010/main">
                 <a:solidFill>
                   <a:srgbClr val="FFFFFF"/>
                 </a:solidFill>
               </a14:hiddenFill>
             </a:ext>
             <a:ext uri="{91240B29-F687-4f45-9708-019B960494DF}">
-              <a14:hiddenLine xmlns:a14="http://schemas.microsoft.com/office/drawing/2010/main" xmlns="" w="9525">
+              <a14:hiddenLine xmlns="" xmlns:a14="http://schemas.microsoft.com/office/drawing/2010/main" w="9525">
                 <a:solidFill>
                   <a:srgbClr val="000000"/>
                 </a:solidFill>
@@ -12326,14 +12326,14 @@
           </a:ln>
           <a:extLst>
             <a:ext uri="{909E8E84-426E-40dd-AFC4-6F175D3DCCD1}">
-              <a14:hiddenFill xmlns:a14="http://schemas.microsoft.com/office/drawing/2010/main" xmlns="">
+              <a14:hiddenFill xmlns="" xmlns:a14="http://schemas.microsoft.com/office/drawing/2010/main">
                 <a:solidFill>
                   <a:srgbClr val="FFFFFF"/>
                 </a:solidFill>
               </a14:hiddenFill>
             </a:ext>
             <a:ext uri="{91240B29-F687-4f45-9708-019B960494DF}">
-              <a14:hiddenLine xmlns:a14="http://schemas.microsoft.com/office/drawing/2010/main" xmlns="" w="9525">
+              <a14:hiddenLine xmlns="" xmlns:a14="http://schemas.microsoft.com/office/drawing/2010/main" w="9525">
                 <a:solidFill>
                   <a:srgbClr val="000000"/>
                 </a:solidFill>
@@ -12900,14 +12900,14 @@
           </a:ln>
           <a:extLst>
             <a:ext uri="{909E8E84-426E-40dd-AFC4-6F175D3DCCD1}">
-              <a14:hiddenFill xmlns:a14="http://schemas.microsoft.com/office/drawing/2010/main" xmlns="">
+              <a14:hiddenFill xmlns="" xmlns:a14="http://schemas.microsoft.com/office/drawing/2010/main">
                 <a:solidFill>
                   <a:srgbClr val="FFFFFF"/>
                 </a:solidFill>
               </a14:hiddenFill>
             </a:ext>
             <a:ext uri="{91240B29-F687-4f45-9708-019B960494DF}">
-              <a14:hiddenLine xmlns:a14="http://schemas.microsoft.com/office/drawing/2010/main" xmlns="" w="9525">
+              <a14:hiddenLine xmlns="" xmlns:a14="http://schemas.microsoft.com/office/drawing/2010/main" w="9525">
                 <a:solidFill>
                   <a:srgbClr val="000000"/>
                 </a:solidFill>
@@ -13847,14 +13847,14 @@
           </a:ln>
           <a:extLst>
             <a:ext uri="{909E8E84-426E-40dd-AFC4-6F175D3DCCD1}">
-              <a14:hiddenFill xmlns:a14="http://schemas.microsoft.com/office/drawing/2010/main" xmlns="">
+              <a14:hiddenFill xmlns="" xmlns:a14="http://schemas.microsoft.com/office/drawing/2010/main">
                 <a:solidFill>
                   <a:srgbClr val="FFFFFF"/>
                 </a:solidFill>
               </a14:hiddenFill>
             </a:ext>
             <a:ext uri="{91240B29-F687-4f45-9708-019B960494DF}">
-              <a14:hiddenLine xmlns:a14="http://schemas.microsoft.com/office/drawing/2010/main" xmlns="" w="9525">
+              <a14:hiddenLine xmlns="" xmlns:a14="http://schemas.microsoft.com/office/drawing/2010/main" w="9525">
                 <a:solidFill>
                   <a:srgbClr val="000000"/>
                 </a:solidFill>
@@ -14609,14 +14609,14 @@
           </a:ln>
           <a:extLst>
             <a:ext uri="{909E8E84-426E-40dd-AFC4-6F175D3DCCD1}">
-              <a14:hiddenFill xmlns:a14="http://schemas.microsoft.com/office/drawing/2010/main" xmlns="">
+              <a14:hiddenFill xmlns="" xmlns:a14="http://schemas.microsoft.com/office/drawing/2010/main">
                 <a:solidFill>
                   <a:srgbClr val="FFFFFF"/>
                 </a:solidFill>
               </a14:hiddenFill>
             </a:ext>
             <a:ext uri="{91240B29-F687-4f45-9708-019B960494DF}">
-              <a14:hiddenLine xmlns:a14="http://schemas.microsoft.com/office/drawing/2010/main" xmlns="" w="9525">
+              <a14:hiddenLine xmlns="" xmlns:a14="http://schemas.microsoft.com/office/drawing/2010/main" w="9525">
                 <a:solidFill>
                   <a:srgbClr val="000000"/>
                 </a:solidFill>
@@ -25866,15 +25866,7 @@
           <a:p>
             <a:r>
               <a:rPr lang="en-US" dirty="0"/>
-              <a:t>----&gt; Starting Kitchen (v</a:t>
-            </a:r>
-            <a:r>
-              <a:rPr lang="nb-NO" dirty="0"/>
-              <a:t>1.11.1</a:t>
-            </a:r>
-            <a:r>
-              <a:rPr lang="en-US" dirty="0"/>
-              <a:t>)</a:t>
+              <a:t>----&gt; Starting Kitchen (v1.19.2)</a:t>
             </a:r>
           </a:p>
           <a:p>
@@ -29784,6 +29776,15 @@
 
 <file path=customXml/item1.xml><?xml version="1.0" encoding="utf-8"?>
 <?mso-contentType ?>
+<FormTemplates xmlns="http://schemas.microsoft.com/sharepoint/v3/contenttype/forms">
+  <Display>DocumentLibraryForm</Display>
+  <Edit>DocumentLibraryForm</Edit>
+  <New>DocumentLibraryForm</New>
+</FormTemplates>
+</file>
+
+<file path=customXml/item2.xml><?xml version="1.0" encoding="utf-8"?>
+<?mso-contentType ?>
 <spe:Receivers xmlns:spe="http://schemas.microsoft.com/sharepoint/events">
   <Receiver>
     <Name>Document ID Generator</Name>
@@ -29828,28 +29829,7 @@
 </spe:Receivers>
 </file>
 
-<file path=customXml/item2.xml><?xml version="1.0" encoding="utf-8"?>
-<?mso-contentType ?>
-<FormTemplates xmlns="http://schemas.microsoft.com/sharepoint/v3/contenttype/forms">
-  <Display>DocumentLibraryForm</Display>
-  <Edit>DocumentLibraryForm</Edit>
-  <New>DocumentLibraryForm</New>
-</FormTemplates>
-</file>
-
 <file path=customXml/item3.xml><?xml version="1.0" encoding="utf-8"?>
-<p:properties xmlns:p="http://schemas.microsoft.com/office/2006/metadata/properties" xmlns:xsi="http://www.w3.org/2001/XMLSchema-instance" xmlns:pc="http://schemas.microsoft.com/office/infopath/2007/PartnerControls">
-  <documentManagement>
-    <_dlc_DocId xmlns="7bb5d761-a2ea-4873-95f7-7a6658fb3ef0">M4CWTKMW727E-592-73</_dlc_DocId>
-    <_dlc_DocIdUrl xmlns="7bb5d761-a2ea-4873-95f7-7a6658fb3ef0">
-      <Url>https://kms.vci.local/marketing/team/_layouts/DocIdRedir.aspx?ID=M4CWTKMW727E-592-73</Url>
-      <Description>M4CWTKMW727E-592-73</Description>
-    </_dlc_DocIdUrl>
-  </documentManagement>
-</p:properties>
-</file>
-
-<file path=customXml/item4.xml><?xml version="1.0" encoding="utf-8"?>
 <ct:contentTypeSchema xmlns:ct="http://schemas.microsoft.com/office/2006/metadata/contentType" xmlns:ma="http://schemas.microsoft.com/office/2006/metadata/properties/metaAttributes" ct:_="" ma:_="" ma:contentTypeName="Document" ma:contentTypeID="0x0101000812F700BE7F874999720E88173FE491" ma:contentTypeVersion="0" ma:contentTypeDescription="Create a new document." ma:contentTypeScope="" ma:versionID="3f79f408e2ca720b7aba6e0e32464d0c">
   <xsd:schema xmlns:xsd="http://www.w3.org/2001/XMLSchema" xmlns:xs="http://www.w3.org/2001/XMLSchema" xmlns:p="http://schemas.microsoft.com/office/2006/metadata/properties" xmlns:ns2="7bb5d761-a2ea-4873-95f7-7a6658fb3ef0" targetNamespace="http://schemas.microsoft.com/office/2006/metadata/properties" ma:root="true" ma:fieldsID="1e062cd38ba31e406bfc4340fbc7f87a" ns2:_="">
     <xsd:import namespace="7bb5d761-a2ea-4873-95f7-7a6658fb3ef0"/>
@@ -29994,7 +29974,27 @@
 </ct:contentTypeSchema>
 </file>
 
+<file path=customXml/item4.xml><?xml version="1.0" encoding="utf-8"?>
+<p:properties xmlns:p="http://schemas.microsoft.com/office/2006/metadata/properties" xmlns:xsi="http://www.w3.org/2001/XMLSchema-instance" xmlns:pc="http://schemas.microsoft.com/office/infopath/2007/PartnerControls">
+  <documentManagement>
+    <_dlc_DocId xmlns="7bb5d761-a2ea-4873-95f7-7a6658fb3ef0">M4CWTKMW727E-592-73</_dlc_DocId>
+    <_dlc_DocIdUrl xmlns="7bb5d761-a2ea-4873-95f7-7a6658fb3ef0">
+      <Url>https://kms.vci.local/marketing/team/_layouts/DocIdRedir.aspx?ID=M4CWTKMW727E-592-73</Url>
+      <Description>M4CWTKMW727E-592-73</Description>
+    </_dlc_DocIdUrl>
+  </documentManagement>
+</p:properties>
+</file>
+
 <file path=customXml/itemProps1.xml><?xml version="1.0" encoding="utf-8"?>
+<ds:datastoreItem xmlns:ds="http://schemas.openxmlformats.org/officeDocument/2006/customXml" ds:itemID="{5CDEB364-43EC-4510-9881-539C2A3FCE9E}">
+  <ds:schemaRefs>
+    <ds:schemaRef ds:uri="http://schemas.microsoft.com/sharepoint/v3/contenttype/forms"/>
+  </ds:schemaRefs>
+</ds:datastoreItem>
+</file>
+
+<file path=customXml/itemProps2.xml><?xml version="1.0" encoding="utf-8"?>
 <ds:datastoreItem xmlns:ds="http://schemas.openxmlformats.org/officeDocument/2006/customXml" ds:itemID="{B13EBC30-FE27-4C6A-B723-23FC2188F7DC}">
   <ds:schemaRefs>
     <ds:schemaRef ds:uri="http://schemas.microsoft.com/sharepoint/events"/>
@@ -30002,31 +30002,7 @@
 </ds:datastoreItem>
 </file>
 
-<file path=customXml/itemProps2.xml><?xml version="1.0" encoding="utf-8"?>
-<ds:datastoreItem xmlns:ds="http://schemas.openxmlformats.org/officeDocument/2006/customXml" ds:itemID="{5CDEB364-43EC-4510-9881-539C2A3FCE9E}">
-  <ds:schemaRefs>
-    <ds:schemaRef ds:uri="http://schemas.microsoft.com/sharepoint/v3/contenttype/forms"/>
-  </ds:schemaRefs>
-</ds:datastoreItem>
-</file>
-
 <file path=customXml/itemProps3.xml><?xml version="1.0" encoding="utf-8"?>
-<ds:datastoreItem xmlns:ds="http://schemas.openxmlformats.org/officeDocument/2006/customXml" ds:itemID="{6921749B-AEB7-461B-845F-603CABD25259}">
-  <ds:schemaRefs>
-    <ds:schemaRef ds:uri="7bb5d761-a2ea-4873-95f7-7a6658fb3ef0"/>
-    <ds:schemaRef ds:uri="http://purl.org/dc/terms/"/>
-    <ds:schemaRef ds:uri="http://schemas.openxmlformats.org/package/2006/metadata/core-properties"/>
-    <ds:schemaRef ds:uri="http://purl.org/dc/dcmitype/"/>
-    <ds:schemaRef ds:uri="http://schemas.microsoft.com/office/2006/documentManagement/types"/>
-    <ds:schemaRef ds:uri="http://purl.org/dc/elements/1.1/"/>
-    <ds:schemaRef ds:uri="http://schemas.microsoft.com/office/2006/metadata/properties"/>
-    <ds:schemaRef ds:uri="http://schemas.microsoft.com/office/infopath/2007/PartnerControls"/>
-    <ds:schemaRef ds:uri="http://www.w3.org/XML/1998/namespace"/>
-  </ds:schemaRefs>
-</ds:datastoreItem>
-</file>
-
-<file path=customXml/itemProps4.xml><?xml version="1.0" encoding="utf-8"?>
 <ds:datastoreItem xmlns:ds="http://schemas.openxmlformats.org/officeDocument/2006/customXml" ds:itemID="{164479E5-0B02-49AC-B79E-EC1D6164DDD3}">
   <ds:schemaRefs>
     <ds:schemaRef ds:uri="http://schemas.microsoft.com/office/2006/metadata/contentType"/>
@@ -30042,4 +30018,20 @@
     <ds:schemaRef ds:uri="http://schemas.microsoft.com/internal/obd"/>
   </ds:schemaRefs>
 </ds:datastoreItem>
+</file>
+
+<file path=customXml/itemProps4.xml><?xml version="1.0" encoding="utf-8"?>
+<ds:datastoreItem xmlns:ds="http://schemas.openxmlformats.org/officeDocument/2006/customXml" ds:itemID="{6921749B-AEB7-461B-845F-603CABD25259}">
+  <ds:schemaRefs>
+    <ds:schemaRef ds:uri="http://purl.org/dc/elements/1.1/"/>
+    <ds:schemaRef ds:uri="http://schemas.microsoft.com/office/2006/metadata/properties"/>
+    <ds:schemaRef ds:uri="7bb5d761-a2ea-4873-95f7-7a6658fb3ef0"/>
+    <ds:schemaRef ds:uri="http://purl.org/dc/terms/"/>
+    <ds:schemaRef ds:uri="http://schemas.openxmlformats.org/package/2006/metadata/core-properties"/>
+    <ds:schemaRef ds:uri="http://schemas.microsoft.com/office/2006/documentManagement/types"/>
+    <ds:schemaRef ds:uri="http://schemas.microsoft.com/office/infopath/2007/PartnerControls"/>
+    <ds:schemaRef ds:uri="http://www.w3.org/XML/1998/namespace"/>
+    <ds:schemaRef ds:uri="http://purl.org/dc/dcmitype/"/>
+  </ds:schemaRefs>
+</ds:datastoreItem>
 </file>